--- a/trunk/doc/paper-1/interspeech09-poster.pptx
+++ b/trunk/doc/paper-1/interspeech09-poster.pptx
@@ -3769,96 +3769,103 @@
               <a:buFont typeface="Arial" pitchFamily="34" charset="0"/>
               <a:buChar char="•"/>
             </a:pPr>
-            <a:endParaRPr lang="de-DE" sz="3600" b="1" baseline="0" dirty="0" smtClean="0"/>
+            <a:endParaRPr lang="de-DE" sz="3200" b="1" baseline="0" dirty="0" smtClean="0"/>
           </a:p>
           <a:p>
             <a:pPr indent="-521299" defTabSz="2128639"/>
             <a:r>
-              <a:rPr lang="de-DE" sz="3600" b="1" baseline="0" dirty="0" smtClean="0"/>
-              <a:t>Develop a fast semantic decoder</a:t>
-            </a:r>
+              <a:rPr lang="de-DE" sz="3200" b="1" baseline="0" dirty="0" smtClean="0"/>
+              <a:t>Develop a fast semantic </a:t>
+            </a:r>
+            <a:r>
+              <a:rPr lang="de-DE" sz="3200" b="1" baseline="0" dirty="0" smtClean="0"/>
+              <a:t>decoder for dialogue systems</a:t>
+            </a:r>
+            <a:endParaRPr lang="de-DE" sz="3200" b="1" baseline="0" dirty="0" smtClean="0"/>
           </a:p>
           <a:p>
             <a:pPr indent="-521299" defTabSz="2128639">
               <a:buFont typeface="Arial" pitchFamily="34" charset="0"/>
               <a:buChar char="•"/>
             </a:pPr>
-            <a:endParaRPr lang="de-DE" sz="3600" b="1" baseline="0" dirty="0"/>
+            <a:endParaRPr lang="de-DE" sz="3200" b="1" baseline="0" dirty="0"/>
           </a:p>
           <a:p>
             <a:pPr lvl="1" indent="-521299" defTabSz="2128639"/>
             <a:r>
-              <a:rPr lang="de-DE" sz="2700" baseline="0" dirty="0"/>
+              <a:rPr lang="de-DE" sz="3200" baseline="0" dirty="0"/>
               <a:t>	</a:t>
             </a:r>
-            <a:endParaRPr lang="de-DE" sz="2700" baseline="0" dirty="0" smtClean="0"/>
+            <a:endParaRPr lang="de-DE" sz="3200" baseline="0" dirty="0" smtClean="0"/>
           </a:p>
           <a:p>
             <a:pPr indent="-521299" defTabSz="2128639"/>
-            <a:endParaRPr lang="de-DE" sz="3600" b="1" baseline="0" dirty="0"/>
+            <a:endParaRPr lang="de-DE" sz="3200" b="1" baseline="0" dirty="0"/>
           </a:p>
           <a:p>
             <a:pPr lvl="1" indent="-521299" defTabSz="2128639"/>
-            <a:endParaRPr lang="de-DE" sz="3600" b="1" baseline="0" dirty="0" smtClean="0"/>
+            <a:endParaRPr lang="de-DE" sz="3200" b="1" baseline="0" dirty="0" smtClean="0"/>
           </a:p>
           <a:p>
             <a:pPr lvl="1" indent="-521299" defTabSz="2128639">
               <a:buFont typeface="Arial" pitchFamily="34" charset="0"/>
               <a:buChar char="•"/>
             </a:pPr>
-            <a:endParaRPr lang="de-DE" sz="3600" b="1" baseline="0" dirty="0"/>
+            <a:endParaRPr lang="de-DE" sz="3200" b="1" baseline="0" dirty="0"/>
           </a:p>
           <a:p>
             <a:pPr lvl="1" indent="-521299" defTabSz="2128639">
               <a:buFont typeface="Arial" pitchFamily="34" charset="0"/>
               <a:buChar char="•"/>
             </a:pPr>
-            <a:endParaRPr lang="de-DE" sz="3600" b="1" baseline="0" dirty="0" smtClean="0"/>
+            <a:endParaRPr lang="de-DE" sz="3200" b="1" baseline="0" dirty="0" smtClean="0"/>
           </a:p>
           <a:p>
             <a:pPr marL="521299" indent="-521299" defTabSz="2128639">
               <a:buFont typeface="Arial" pitchFamily="34" charset="0"/>
               <a:buChar char="•"/>
             </a:pPr>
-            <a:endParaRPr lang="de-DE" sz="3600" b="1" baseline="0" dirty="0" smtClean="0"/>
+            <a:endParaRPr lang="de-DE" sz="3200" b="1" baseline="0" dirty="0" smtClean="0"/>
           </a:p>
           <a:p>
             <a:pPr marL="521299" indent="-521299" defTabSz="2128639"/>
             <a:r>
-              <a:rPr lang="de-DE" sz="3600" b="1" baseline="0" dirty="0" smtClean="0"/>
+              <a:rPr lang="de-DE" sz="3200" b="1" baseline="0" dirty="0" smtClean="0"/>
+              <a:t>Capability to parse 10 – 100 ASR hypothesis in real time</a:t>
+            </a:r>
+          </a:p>
+          <a:p>
+            <a:pPr marL="521299" indent="-521299" defTabSz="2128639"/>
+            <a:endParaRPr lang="de-DE" sz="3200" b="1" baseline="0" dirty="0" smtClean="0"/>
+          </a:p>
+          <a:p>
+            <a:pPr marL="521299" indent="-521299" defTabSz="2128639"/>
+            <a:r>
+              <a:rPr lang="de-DE" sz="3200" b="1" baseline="0" dirty="0" smtClean="0"/>
               <a:t>Robust </a:t>
             </a:r>
             <a:r>
-              <a:rPr lang="de-DE" sz="3600" b="1" baseline="0" dirty="0" smtClean="0"/>
-              <a:t>to speech recognition </a:t>
-            </a:r>
-            <a:r>
-              <a:rPr lang="de-DE" sz="3600" b="1" baseline="0" dirty="0" smtClean="0"/>
-              <a:t>noise</a:t>
+              <a:rPr lang="de-DE" sz="3200" b="1" baseline="0" dirty="0" smtClean="0"/>
+              <a:t>to speech recognition noise</a:t>
             </a:r>
           </a:p>
           <a:p>
             <a:pPr marL="521299" indent="-521299" defTabSz="2128639"/>
-            <a:endParaRPr lang="de-DE" sz="3600" b="1" baseline="0" dirty="0" smtClean="0"/>
+            <a:endParaRPr lang="de-DE" sz="3200" b="1" baseline="0" dirty="0" smtClean="0"/>
           </a:p>
           <a:p>
             <a:pPr marL="521299" indent="-521299" defTabSz="2128639"/>
             <a:r>
-              <a:rPr lang="de-DE" sz="3600" b="1" baseline="0" dirty="0" smtClean="0"/>
+              <a:rPr lang="de-DE" sz="3200" b="1" baseline="0" dirty="0" smtClean="0"/>
               <a:t>Trainable on different domains:</a:t>
             </a:r>
-            <a:r>
-              <a:rPr lang="de-DE" sz="4100" b="1" baseline="0" dirty="0" smtClean="0"/>
-              <a:t/>
-            </a:r>
             <a:br>
-              <a:rPr lang="de-DE" sz="4100" b="1" baseline="0" dirty="0" smtClean="0"/>
+              <a:rPr lang="de-DE" sz="3200" b="1" baseline="0" dirty="0" smtClean="0"/>
             </a:br>
             <a:r>
-              <a:rPr lang="de-DE" sz="1600" b="1" baseline="0" dirty="0" smtClean="0"/>
+              <a:rPr lang="de-DE" sz="3200" b="1" baseline="0" dirty="0" smtClean="0"/>
               <a:t> </a:t>
             </a:r>
-            <a:endParaRPr lang="de-DE" sz="4100" b="1" baseline="0" dirty="0" smtClean="0"/>
           </a:p>
           <a:p>
             <a:pPr marL="1042599" lvl="1" indent="-521299" defTabSz="2128639">
@@ -3866,8 +3873,8 @@
               <a:buChar char="•"/>
             </a:pPr>
             <a:r>
-              <a:rPr lang="de-DE" sz="3600" b="1" baseline="0" dirty="0" smtClean="0"/>
-              <a:t>Tourist information (TownInfo)</a:t>
+              <a:rPr lang="de-DE" sz="3200" b="1" baseline="0" dirty="0" smtClean="0"/>
+              <a:t>Air travel information system (ATIS)</a:t>
             </a:r>
           </a:p>
           <a:p>
@@ -3876,186 +3883,85 @@
               <a:buChar char="•"/>
             </a:pPr>
             <a:r>
-              <a:rPr lang="de-DE" sz="3600" b="1" baseline="0" dirty="0" smtClean="0"/>
-              <a:t>Air travel information system (ATIS)</a:t>
+              <a:rPr lang="de-DE" sz="3200" b="1" baseline="0" dirty="0" smtClean="0"/>
+              <a:t>Tourist </a:t>
+            </a:r>
+            <a:r>
+              <a:rPr lang="de-DE" sz="3200" b="1" baseline="0" dirty="0" smtClean="0"/>
+              <a:t>information (TownInfo)</a:t>
             </a:r>
           </a:p>
           <a:p>
             <a:pPr defTabSz="2128639"/>
-            <a:endParaRPr lang="de-DE" sz="3600" b="1" baseline="0" dirty="0"/>
+            <a:endParaRPr lang="de-DE" sz="3200" b="1" baseline="0" dirty="0"/>
           </a:p>
           <a:p>
             <a:pPr defTabSz="2128639"/>
-            <a:endParaRPr lang="de-DE" sz="3600" b="1" baseline="0" dirty="0" smtClean="0"/>
+            <a:endParaRPr lang="de-DE" sz="3200" b="1" baseline="0" dirty="0" smtClean="0"/>
           </a:p>
           <a:p>
             <a:pPr lvl="1" defTabSz="2128639"/>
-            <a:endParaRPr lang="de-DE" sz="3600" b="1" baseline="0" dirty="0" smtClean="0"/>
+            <a:endParaRPr lang="de-DE" sz="3200" b="1" baseline="0" dirty="0" smtClean="0"/>
           </a:p>
           <a:p>
             <a:pPr defTabSz="2128639"/>
             <a:r>
-              <a:rPr lang="de-DE" sz="3600" b="1" baseline="0" dirty="0" smtClean="0"/>
-              <a:t>Semantic </a:t>
-            </a:r>
-            <a:r>
-              <a:rPr lang="de-DE" sz="3600" b="1" baseline="0" dirty="0" smtClean="0"/>
-              <a:t>parsing maps natural language to formal langage – most of the maping incurrent dialogue is fairly simple</a:t>
-            </a:r>
-            <a:r>
-              <a:rPr lang="de-DE" sz="3600" baseline="0" dirty="0" smtClean="0"/>
+              <a:rPr lang="de-DE" sz="3200" b="1" baseline="0" dirty="0" smtClean="0"/>
+              <a:t>Semantic parsing maps natural language to formal </a:t>
+            </a:r>
+            <a:r>
+              <a:rPr lang="de-DE" sz="3200" b="1" baseline="0" dirty="0" smtClean="0"/>
+              <a:t>langage  </a:t>
+            </a:r>
+            <a:r>
+              <a:rPr lang="de-DE" sz="3200" b="1" baseline="0" dirty="0" smtClean="0"/>
+              <a:t>- </a:t>
+            </a:r>
+            <a:r>
+              <a:rPr lang="de-DE" sz="3200" b="1" baseline="0" dirty="0" smtClean="0"/>
+              <a:t>most </a:t>
+            </a:r>
+            <a:r>
+              <a:rPr lang="de-DE" sz="3200" b="1" baseline="0" dirty="0" smtClean="0"/>
+              <a:t>of the maping </a:t>
+            </a:r>
+            <a:r>
+              <a:rPr lang="de-DE" sz="3200" b="1" baseline="0" dirty="0" smtClean="0"/>
+              <a:t>is </a:t>
+            </a:r>
+            <a:r>
+              <a:rPr lang="de-DE" sz="3200" b="1" baseline="0" dirty="0" smtClean="0"/>
+              <a:t>fairly simple</a:t>
+            </a:r>
+            <a:r>
+              <a:rPr lang="de-DE" sz="3200" baseline="0" dirty="0" smtClean="0"/>
               <a:t> </a:t>
             </a:r>
             <a:r>
-              <a:rPr lang="de-DE" sz="3600" b="1" baseline="0" dirty="0" smtClean="0"/>
+              <a:rPr lang="de-DE" sz="3200" b="1" baseline="0" dirty="0" smtClean="0"/>
               <a:t>(cities, times,  ... </a:t>
             </a:r>
             <a:r>
-              <a:rPr lang="de-DE" sz="3600" b="1" baseline="0" dirty="0" smtClean="0"/>
-              <a:t>).</a:t>
-            </a:r>
-            <a:endParaRPr lang="de-DE" sz="3600" b="1" baseline="0" dirty="0" smtClean="0"/>
-          </a:p>
-          <a:p>
-            <a:pPr lvl="1" defTabSz="2128639"/>
-            <a:endParaRPr lang="de-DE" sz="3600" b="1" baseline="0" dirty="0" smtClean="0"/>
-          </a:p>
-          <a:p>
-            <a:pPr defTabSz="2128639"/>
-            <a:r>
-              <a:rPr lang="de-DE" sz="3600" b="1" baseline="0" dirty="0" smtClean="0"/>
-              <a:t>To </a:t>
-            </a:r>
-            <a:r>
-              <a:rPr lang="de-DE" sz="3600" b="1" baseline="0" dirty="0" smtClean="0"/>
-              <a:t>develop a  fast semantic parser, we have to take advantage of this feature.</a:t>
-            </a:r>
-            <a:endParaRPr lang="de-DE" sz="3600" b="1" baseline="0" dirty="0" smtClean="0"/>
+              <a:rPr lang="de-DE" sz="3200" b="1" baseline="0" dirty="0" smtClean="0"/>
+              <a:t>) in current </a:t>
+            </a:r>
+            <a:r>
+              <a:rPr lang="de-DE" sz="3200" b="1" baseline="0" dirty="0" smtClean="0"/>
+              <a:t>dialogue systems. </a:t>
+            </a:r>
+            <a:endParaRPr lang="de-DE" sz="3200" b="1" baseline="0" dirty="0" smtClean="0"/>
           </a:p>
           <a:p>
             <a:pPr lvl="2" defTabSz="2128639"/>
-            <a:endParaRPr lang="de-DE" sz="3600" b="1" baseline="0" dirty="0"/>
+            <a:endParaRPr lang="de-DE" sz="3200" b="1" baseline="0" dirty="0"/>
           </a:p>
           <a:p>
             <a:pPr lvl="3" defTabSz="2128639"/>
             <a:r>
-              <a:rPr lang="de-DE" sz="3600" b="1" baseline="0" dirty="0" smtClean="0"/>
+              <a:rPr lang="de-DE" sz="3200" b="1" baseline="0" dirty="0" smtClean="0"/>
               <a:t>Inference of compact set of transforation rules which transforms the initial naive semantic hypothesis.  </a:t>
             </a:r>
-            <a:endParaRPr lang="de-DE" sz="3600" b="1" i="1" baseline="0" dirty="0" smtClean="0"/>
-          </a:p>
-          <a:p>
-            <a:pPr defTabSz="2128639"/>
-            <a:endParaRPr lang="de-DE" sz="3600" b="1" baseline="0" dirty="0" smtClean="0"/>
-          </a:p>
-          <a:p>
-            <a:pPr marL="0" lvl="1" algn="ctr"/>
-            <a:endParaRPr lang="en-GB" sz="2700" b="1" i="1" baseline="0" dirty="0" smtClean="0"/>
-          </a:p>
-          <a:p>
-            <a:pPr defTabSz="2128639">
-              <a:buFont typeface="Arial" pitchFamily="34" charset="0"/>
-              <a:buChar char="•"/>
-            </a:pPr>
-            <a:endParaRPr lang="de-DE" sz="3600" b="1" baseline="0" dirty="0" smtClean="0"/>
-          </a:p>
-          <a:p>
-            <a:pPr defTabSz="2128639">
-              <a:buFont typeface="Arial" pitchFamily="34" charset="0"/>
-              <a:buChar char="•"/>
-            </a:pPr>
-            <a:endParaRPr lang="de-DE" sz="3600" b="1" baseline="0" dirty="0" smtClean="0"/>
-          </a:p>
-          <a:p>
-            <a:pPr defTabSz="2128639">
-              <a:buFont typeface="Arial" pitchFamily="34" charset="0"/>
-              <a:buChar char="•"/>
-            </a:pPr>
-            <a:endParaRPr lang="de-DE" sz="3600" b="1" baseline="0" dirty="0"/>
-          </a:p>
-          <a:p>
-            <a:pPr defTabSz="2128639">
-              <a:buFont typeface="Arial" pitchFamily="34" charset="0"/>
-              <a:buChar char="•"/>
-            </a:pPr>
-            <a:endParaRPr lang="de-DE" sz="3600" b="1" baseline="0" dirty="0" smtClean="0"/>
-          </a:p>
-          <a:p>
-            <a:pPr defTabSz="2128639">
-              <a:buFont typeface="Arial" pitchFamily="34" charset="0"/>
-              <a:buChar char="•"/>
-            </a:pPr>
-            <a:endParaRPr lang="de-DE" sz="3600" b="1" baseline="0" dirty="0"/>
-          </a:p>
-          <a:p>
-            <a:pPr defTabSz="2128639">
-              <a:buFont typeface="Arial" pitchFamily="34" charset="0"/>
-              <a:buChar char="•"/>
-            </a:pPr>
-            <a:endParaRPr lang="de-DE" sz="3600" b="1" baseline="0" dirty="0" smtClean="0"/>
-          </a:p>
-          <a:p>
-            <a:pPr defTabSz="2128639">
-              <a:buFont typeface="Arial" pitchFamily="34" charset="0"/>
-              <a:buChar char="•"/>
-            </a:pPr>
-            <a:endParaRPr lang="de-DE" sz="3600" b="1" baseline="0" dirty="0"/>
-          </a:p>
-          <a:p>
-            <a:pPr defTabSz="2128639">
-              <a:buFont typeface="Arial" pitchFamily="34" charset="0"/>
-              <a:buChar char="•"/>
-            </a:pPr>
-            <a:endParaRPr lang="de-DE" sz="3600" b="1" baseline="0" dirty="0" smtClean="0"/>
-          </a:p>
-          <a:p>
-            <a:pPr defTabSz="2128639">
-              <a:buFont typeface="Arial" pitchFamily="34" charset="0"/>
-              <a:buChar char="•"/>
-            </a:pPr>
-            <a:endParaRPr lang="de-DE" sz="3600" b="1" baseline="0" dirty="0"/>
-          </a:p>
-          <a:p>
-            <a:pPr defTabSz="2128639">
-              <a:buFont typeface="Arial" pitchFamily="34" charset="0"/>
-              <a:buChar char="•"/>
-            </a:pPr>
-            <a:endParaRPr lang="de-DE" sz="3600" b="1" baseline="0" dirty="0" smtClean="0"/>
-          </a:p>
-          <a:p>
-            <a:pPr defTabSz="2128639">
-              <a:buFont typeface="Arial" pitchFamily="34" charset="0"/>
-              <a:buChar char="•"/>
-            </a:pPr>
-            <a:endParaRPr lang="de-DE" sz="3600" b="1" baseline="0" dirty="0"/>
-          </a:p>
-          <a:p>
-            <a:pPr defTabSz="2128639">
-              <a:buFont typeface="Arial" pitchFamily="34" charset="0"/>
-              <a:buChar char="•"/>
-            </a:pPr>
-            <a:endParaRPr lang="de-DE" sz="3600" b="1" baseline="0" dirty="0" smtClean="0"/>
-          </a:p>
-          <a:p>
-            <a:pPr defTabSz="2128639">
-              <a:buFont typeface="Arial" pitchFamily="34" charset="0"/>
-              <a:buChar char="•"/>
-            </a:pPr>
-            <a:endParaRPr lang="de-DE" sz="3600" b="1" baseline="0" dirty="0"/>
-          </a:p>
-          <a:p>
-            <a:pPr defTabSz="2128639">
-              <a:buFont typeface="Arial" pitchFamily="34" charset="0"/>
-              <a:buChar char="•"/>
-            </a:pPr>
-            <a:endParaRPr lang="de-DE" sz="3600" b="1" baseline="0" dirty="0" smtClean="0"/>
-          </a:p>
-          <a:p>
-            <a:pPr defTabSz="2128639">
-              <a:buFont typeface="Arial" pitchFamily="34" charset="0"/>
-              <a:buChar char="•"/>
-            </a:pPr>
-            <a:endParaRPr lang="de-DE" sz="3600" b="1" baseline="0" dirty="0"/>
+            <a:endParaRPr lang="de-DE" sz="3200" b="1" i="1" baseline="0" dirty="0" smtClean="0"/>
           </a:p>
         </p:txBody>
       </p:sp>
@@ -4070,7 +3976,7 @@
         <p:spPr bwMode="auto">
           <a:xfrm>
             <a:off x="29787170" y="8470134"/>
-            <a:ext cx="12119887" cy="15742113"/>
+            <a:ext cx="12304881" cy="17094315"/>
           </a:xfrm>
           <a:prstGeom prst="rect">
             <a:avLst/>
@@ -4090,33 +3996,33 @@
           <a:p>
             <a:pPr defTabSz="2128639"/>
             <a:r>
-              <a:rPr lang="de-DE" sz="3600" b="1" baseline="0" dirty="0" smtClean="0"/>
+              <a:rPr lang="de-DE" sz="3200" b="1" baseline="0" dirty="0" smtClean="0"/>
               <a:t>Compare semantic </a:t>
             </a:r>
             <a:r>
-              <a:rPr lang="de-DE" sz="3600" b="1" baseline="0" dirty="0"/>
+              <a:rPr lang="de-DE" sz="3200" b="1" baseline="0" dirty="0"/>
               <a:t>t</a:t>
             </a:r>
             <a:r>
-              <a:rPr lang="de-DE" sz="3600" b="1" baseline="0" dirty="0" smtClean="0"/>
+              <a:rPr lang="de-DE" sz="3200" b="1" baseline="0" dirty="0" smtClean="0"/>
               <a:t>uple </a:t>
             </a:r>
             <a:r>
-              <a:rPr lang="de-DE" sz="3600" b="1" baseline="0" dirty="0"/>
+              <a:rPr lang="de-DE" sz="3200" b="1" baseline="0" dirty="0"/>
               <a:t>c</a:t>
             </a:r>
             <a:r>
-              <a:rPr lang="de-DE" sz="3600" b="1" baseline="0" dirty="0" smtClean="0"/>
+              <a:rPr lang="de-DE" sz="3200" b="1" baseline="0" dirty="0" smtClean="0"/>
               <a:t>lassifiers with:</a:t>
             </a:r>
             <a:br>
-              <a:rPr lang="de-DE" sz="3600" b="1" baseline="0" dirty="0" smtClean="0"/>
+              <a:rPr lang="de-DE" sz="3200" b="1" baseline="0" dirty="0" smtClean="0"/>
             </a:br>
             <a:r>
-              <a:rPr lang="de-DE" sz="1400" b="1" baseline="0" dirty="0"/>
+              <a:rPr lang="de-DE" sz="3200" b="1" baseline="0" dirty="0"/>
               <a:t> </a:t>
             </a:r>
-            <a:endParaRPr lang="de-DE" sz="3600" b="1" baseline="0" dirty="0" smtClean="0"/>
+            <a:endParaRPr lang="de-DE" sz="3200" b="1" baseline="0" dirty="0" smtClean="0"/>
           </a:p>
           <a:p>
             <a:pPr lvl="1" indent="-521299" defTabSz="2128639">
@@ -4124,7 +4030,7 @@
               <a:buChar char="•"/>
             </a:pPr>
             <a:r>
-              <a:rPr lang="de-DE" sz="3200" b="1" baseline="0" dirty="0" smtClean="0"/>
+              <a:rPr lang="de-DE" sz="3000" b="1" baseline="0" dirty="0" smtClean="0"/>
               <a:t>A handcrafted Phoenix grammar</a:t>
             </a:r>
           </a:p>
@@ -4134,7 +4040,7 @@
               <a:buChar char="•"/>
             </a:pPr>
             <a:r>
-              <a:rPr lang="de-DE" sz="3200" b="1" baseline="0" dirty="0" smtClean="0"/>
+              <a:rPr lang="de-DE" sz="3000" b="1" baseline="0" dirty="0" smtClean="0"/>
               <a:t>The Hidden Vector State model (He &amp; Young, 2006)</a:t>
             </a:r>
           </a:p>
@@ -4144,7 +4050,7 @@
               <a:buChar char="•"/>
             </a:pPr>
             <a:r>
-              <a:rPr lang="de-DE" sz="3200" b="1" baseline="0" dirty="0" smtClean="0"/>
+              <a:rPr lang="de-DE" sz="3000" b="1" baseline="0" dirty="0" smtClean="0"/>
               <a:t>Probabilistic Combinatory Categorial Grammar   Induction (Zettlemoyer &amp; Collins, 2007)</a:t>
             </a:r>
           </a:p>
@@ -4154,9 +4060,21 @@
               <a:buChar char="•"/>
             </a:pPr>
             <a:r>
-              <a:rPr lang="de-DE" sz="3200" b="1" baseline="0" dirty="0" smtClean="0"/>
+              <a:rPr lang="de-DE" sz="3000" b="1" baseline="0" dirty="0" smtClean="0"/>
               <a:t>Markov Logic networks (Meza-Ruiz et al., 2008) </a:t>
             </a:r>
+            <a:endParaRPr lang="de-DE" sz="3000" b="1" baseline="0" dirty="0" smtClean="0"/>
+          </a:p>
+          <a:p>
+            <a:pPr lvl="1" indent="-521299" defTabSz="2128639">
+              <a:buFont typeface="Arial" pitchFamily="34" charset="0"/>
+              <a:buChar char="•"/>
+            </a:pPr>
+            <a:r>
+              <a:rPr lang="de-DE" sz="3000" b="1" baseline="0" dirty="0" smtClean="0"/>
+              <a:t>Semantic Tuple Classifiers (Mairesse et al., 2008)</a:t>
+            </a:r>
+            <a:endParaRPr lang="de-DE" sz="3000" b="1" baseline="0" dirty="0" smtClean="0"/>
           </a:p>
           <a:p>
             <a:pPr lvl="1" indent="-521299" defTabSz="2128639">
@@ -4166,58 +4084,18 @@
             <a:endParaRPr lang="de-DE" sz="3200" b="1" baseline="0" dirty="0"/>
           </a:p>
           <a:p>
-            <a:pPr lvl="1" indent="-521299" defTabSz="2128639"/>
-            <a:r>
-              <a:rPr lang="de-DE" sz="3600" b="1" baseline="0" dirty="0" smtClean="0"/>
-              <a:t>Evaluation metrics:</a:t>
-            </a:r>
-            <a:r>
-              <a:rPr lang="de-DE" sz="3200" b="1" baseline="0" dirty="0"/>
-              <a:t/>
-            </a:r>
-            <a:br>
-              <a:rPr lang="de-DE" sz="3200" b="1" baseline="0" dirty="0"/>
-            </a:br>
-            <a:r>
-              <a:rPr lang="de-DE" sz="1400" b="1" baseline="0" dirty="0" smtClean="0"/>
-              <a:t> </a:t>
-            </a:r>
-            <a:endParaRPr lang="de-DE" sz="3200" b="1" baseline="0" dirty="0" smtClean="0"/>
-          </a:p>
-          <a:p>
-            <a:pPr lvl="1" indent="-521299" defTabSz="2128639">
-              <a:buFont typeface="Arial" pitchFamily="34" charset="0"/>
-              <a:buChar char="•"/>
-            </a:pPr>
+            <a:pPr marL="0" lvl="1" defTabSz="2128639"/>
             <a:r>
               <a:rPr lang="de-DE" sz="3200" b="1" baseline="0" dirty="0" smtClean="0"/>
-              <a:t>Dialogue act type accuracy (e.g. </a:t>
-            </a:r>
-            <a:r>
-              <a:rPr lang="de-DE" sz="3200" b="1" i="1" baseline="0" dirty="0"/>
-              <a:t>i</a:t>
-            </a:r>
-            <a:r>
-              <a:rPr lang="de-DE" sz="3200" b="1" i="1" baseline="0" dirty="0" smtClean="0"/>
-              <a:t>nform</a:t>
+              <a:t>Evaluation </a:t>
             </a:r>
             <a:r>
               <a:rPr lang="de-DE" sz="3200" b="1" baseline="0" dirty="0" smtClean="0"/>
-              <a:t> or </a:t>
-            </a:r>
-            <a:r>
-              <a:rPr lang="de-DE" sz="3200" b="1" i="1" baseline="0" dirty="0" smtClean="0"/>
-              <a:t>request)</a:t>
-            </a:r>
-          </a:p>
-          <a:p>
-            <a:pPr lvl="1" indent="-521299" defTabSz="2128639">
-              <a:buFont typeface="Arial" pitchFamily="34" charset="0"/>
-              <a:buChar char="•"/>
-            </a:pPr>
+              <a:t>metrics is precision</a:t>
+            </a:r>
             <a:r>
               <a:rPr lang="de-DE" sz="3200" b="1" baseline="0" dirty="0" smtClean="0"/>
-              <a:t>Precision, recall and F-measure of  dialogue act items (e.g. </a:t>
+              <a:t>, recall and F-measure of  dialogue act items (e.g. </a:t>
             </a:r>
             <a:r>
               <a:rPr lang="de-DE" sz="3200" b="1" i="1" baseline="0" dirty="0" smtClean="0"/>
@@ -4239,104 +4117,145 @@
           </a:p>
           <a:p>
             <a:pPr defTabSz="2128639"/>
-            <a:endParaRPr lang="de-DE" sz="3600" b="1" baseline="0" dirty="0"/>
+            <a:endParaRPr lang="de-DE" sz="3200" b="1" baseline="0" dirty="0"/>
           </a:p>
           <a:p>
             <a:pPr defTabSz="2128639"/>
-            <a:endParaRPr lang="de-DE" sz="3600" baseline="0" dirty="0"/>
+            <a:endParaRPr lang="de-DE" sz="3200" baseline="0" dirty="0"/>
           </a:p>
           <a:p>
             <a:pPr defTabSz="2128639"/>
-            <a:endParaRPr lang="de-DE" sz="3600" baseline="0" dirty="0"/>
+            <a:endParaRPr lang="de-DE" sz="3200" baseline="0" dirty="0"/>
           </a:p>
           <a:p>
             <a:pPr defTabSz="2128639"/>
-            <a:endParaRPr lang="de-DE" sz="3600" baseline="0" dirty="0"/>
+            <a:endParaRPr lang="de-DE" sz="3200" baseline="0" dirty="0"/>
           </a:p>
           <a:p>
             <a:pPr defTabSz="2128639"/>
-            <a:endParaRPr lang="de-DE" sz="3600" baseline="0" dirty="0"/>
+            <a:endParaRPr lang="de-DE" sz="3200" baseline="0" dirty="0"/>
           </a:p>
           <a:p>
             <a:pPr defTabSz="2128639"/>
-            <a:endParaRPr lang="de-DE" sz="3600" baseline="0" dirty="0"/>
+            <a:endParaRPr lang="de-DE" sz="3200" baseline="0" dirty="0"/>
           </a:p>
           <a:p>
             <a:pPr defTabSz="2128639"/>
-            <a:endParaRPr lang="de-DE" sz="3600" baseline="0" dirty="0"/>
+            <a:endParaRPr lang="de-DE" sz="3200" baseline="0" dirty="0" smtClean="0"/>
           </a:p>
           <a:p>
             <a:pPr defTabSz="2128639"/>
-            <a:endParaRPr lang="de-DE" sz="3600" baseline="0" dirty="0"/>
+            <a:endParaRPr lang="de-DE" sz="3200" baseline="0" dirty="0"/>
           </a:p>
           <a:p>
             <a:pPr defTabSz="2128639"/>
-            <a:endParaRPr lang="de-DE" sz="3600" baseline="0" dirty="0"/>
+            <a:endParaRPr lang="de-DE" sz="3200" baseline="0" dirty="0"/>
           </a:p>
           <a:p>
             <a:pPr defTabSz="2128639"/>
-            <a:endParaRPr lang="de-DE" sz="3600" baseline="0" dirty="0"/>
+            <a:endParaRPr lang="de-DE" sz="3200" baseline="0" dirty="0"/>
           </a:p>
           <a:p>
             <a:pPr defTabSz="2128639"/>
-            <a:endParaRPr lang="de-DE" sz="3600" baseline="0" dirty="0"/>
+            <a:endParaRPr lang="de-DE" sz="3200" baseline="0" dirty="0"/>
           </a:p>
           <a:p>
             <a:pPr defTabSz="2128639"/>
-            <a:endParaRPr lang="de-DE" sz="3600" baseline="0" dirty="0"/>
+            <a:endParaRPr lang="de-DE" sz="3200" baseline="0" dirty="0"/>
           </a:p>
           <a:p>
             <a:pPr defTabSz="2128639"/>
-            <a:endParaRPr lang="de-DE" sz="3600" b="1" baseline="0" dirty="0"/>
+            <a:endParaRPr lang="de-DE" sz="3200" baseline="0" dirty="0"/>
           </a:p>
           <a:p>
             <a:pPr defTabSz="2128639"/>
-            <a:endParaRPr lang="de-DE" sz="3600" b="1" baseline="0" dirty="0"/>
+            <a:endParaRPr lang="de-DE" sz="3200" b="1" baseline="0" dirty="0" smtClean="0"/>
           </a:p>
           <a:p>
             <a:pPr defTabSz="2128639"/>
-            <a:r>
-              <a:rPr lang="de-DE" sz="3600" b="1" baseline="0" dirty="0" smtClean="0"/>
+            <a:endParaRPr lang="de-DE" sz="3200" b="1" baseline="0" dirty="0" smtClean="0"/>
+          </a:p>
+          <a:p>
+            <a:pPr defTabSz="2128639"/>
+            <a:endParaRPr lang="de-DE" sz="3200" b="1" baseline="0" dirty="0" smtClean="0"/>
+          </a:p>
+          <a:p>
+            <a:pPr defTabSz="2128639"/>
+            <a:endParaRPr lang="de-DE" sz="3200" b="1" baseline="0" dirty="0" smtClean="0"/>
+          </a:p>
+          <a:p>
+            <a:pPr defTabSz="2128639"/>
+            <a:endParaRPr lang="de-DE" sz="3200" b="1" baseline="0" dirty="0" smtClean="0"/>
+          </a:p>
+          <a:p>
+            <a:pPr defTabSz="2128639"/>
+            <a:r>
+              <a:rPr lang="de-DE" sz="3200" b="1" baseline="0" dirty="0" smtClean="0"/>
               <a:t>Conclusion</a:t>
             </a:r>
             <a:r>
-              <a:rPr lang="de-DE" sz="3600" b="1" baseline="0" dirty="0" smtClean="0"/>
-              <a:t>: semantic tuple classifiers</a:t>
-            </a:r>
-            <a:r>
-              <a:rPr lang="de-DE" sz="3600" b="1" baseline="0" dirty="0"/>
-              <a:t> </a:t>
-            </a:r>
-            <a:r>
-              <a:rPr lang="de-DE" sz="3600" b="1" baseline="0" dirty="0" smtClean="0"/>
-              <a:t>are robust to noise and competitive with the state of the art – they provide a simple yet efficient solution to the spoken language understanding problem!</a:t>
-            </a:r>
-            <a:endParaRPr lang="de-DE" sz="3600" b="1" baseline="0" dirty="0" smtClean="0"/>
+              <a:rPr lang="de-DE" sz="3200" b="1" baseline="0" dirty="0" smtClean="0"/>
+              <a:t>: </a:t>
+            </a:r>
+            <a:r>
+              <a:rPr lang="de-DE" sz="3200" b="1" baseline="0" dirty="0" smtClean="0"/>
+              <a:t>TBL Semantic Parser</a:t>
+            </a:r>
+            <a:r>
+              <a:rPr lang="de-DE" sz="3200" b="1" baseline="0" dirty="0" smtClean="0"/>
+              <a:t> is </a:t>
+            </a:r>
+            <a:r>
+              <a:rPr lang="de-DE" sz="3200" b="1" baseline="0" dirty="0" smtClean="0"/>
+              <a:t>robust to noise and competitive with the state of the </a:t>
+            </a:r>
+            <a:r>
+              <a:rPr lang="de-DE" sz="3200" b="1" baseline="0" dirty="0" smtClean="0"/>
+              <a:t>art.</a:t>
+            </a:r>
+            <a:endParaRPr lang="de-DE" sz="3200" b="1" baseline="0" dirty="0" smtClean="0"/>
           </a:p>
           <a:p>
             <a:pPr defTabSz="2128639"/>
-            <a:endParaRPr lang="de-DE" sz="3600" b="1" baseline="0" dirty="0" smtClean="0"/>
+            <a:endParaRPr lang="de-DE" sz="3200" b="1" baseline="0" dirty="0" smtClean="0"/>
           </a:p>
           <a:p>
             <a:pPr defTabSz="2128639"/>
-            <a:r>
-              <a:rPr lang="de-DE" sz="3600" b="1" baseline="0" dirty="0" smtClean="0"/>
-              <a:t>The code is available at </a:t>
-            </a:r>
-            <a:r>
-              <a:rPr lang="de-DE" sz="3600" b="1" baseline="0" dirty="0" smtClean="0">
+            <a:endParaRPr lang="de-DE" sz="3200" b="1" baseline="0" dirty="0" smtClean="0"/>
+          </a:p>
+          <a:p>
+            <a:pPr defTabSz="2128639"/>
+            <a:endParaRPr lang="de-DE" sz="3200" b="1" baseline="0" dirty="0" smtClean="0"/>
+          </a:p>
+          <a:p>
+            <a:pPr defTabSz="2128639"/>
+            <a:r>
+              <a:rPr lang="de-DE" sz="3200" b="1" baseline="0" dirty="0" smtClean="0"/>
+              <a:t>The </a:t>
+            </a:r>
+            <a:r>
+              <a:rPr lang="de-DE" sz="3200" b="1" baseline="0" dirty="0" smtClean="0"/>
+              <a:t>code is available at </a:t>
+            </a:r>
+            <a:r>
+              <a:rPr lang="de-DE" sz="3200" b="1" baseline="0" dirty="0" smtClean="0">
                 <a:hlinkClick r:id="rId3"/>
               </a:rPr>
               <a:t>http://code.google.com/p/tbed-parser</a:t>
             </a:r>
             <a:r>
-              <a:rPr lang="de-DE" sz="3600" b="1" baseline="0" dirty="0" smtClean="0"/>
-              <a:t> .</a:t>
-            </a:r>
+              <a:rPr lang="de-DE" sz="3200" b="1" baseline="0" dirty="0" smtClean="0"/>
+              <a:t> </a:t>
+            </a:r>
+            <a:r>
+              <a:rPr lang="de-DE" sz="3200" b="1" baseline="0" dirty="0" smtClean="0"/>
+              <a:t> </a:t>
+            </a:r>
+            <a:endParaRPr lang="de-DE" sz="3200" b="1" baseline="0" dirty="0" smtClean="0"/>
           </a:p>
           <a:p>
             <a:pPr defTabSz="2128639"/>
-            <a:endParaRPr lang="de-DE" sz="3600" b="1" baseline="0" dirty="0"/>
+            <a:endParaRPr lang="de-DE" sz="3200" b="1" baseline="0" dirty="0"/>
           </a:p>
         </p:txBody>
       </p:sp>
@@ -4696,12 +4615,6 @@
               </a:rPr>
               <a:t>Example of parsing</a:t>
             </a:r>
-            <a:endParaRPr lang="de-DE" sz="6200" b="1" baseline="0" dirty="0">
-              <a:solidFill>
-                <a:srgbClr val="CC0000"/>
-              </a:solidFill>
-              <a:latin typeface="Verdana" pitchFamily="34" charset="0"/>
-            </a:endParaRPr>
           </a:p>
         </p:txBody>
       </p:sp>
@@ -4715,8 +4628,8 @@
         </p:nvSpPr>
         <p:spPr bwMode="auto">
           <a:xfrm>
-            <a:off x="14451045" y="7069233"/>
-            <a:ext cx="0" cy="21461548"/>
+            <a:off x="14451044" y="7069233"/>
+            <a:ext cx="45719" cy="22146516"/>
           </a:xfrm>
           <a:prstGeom prst="line">
             <a:avLst/>
@@ -4751,8 +4664,8 @@
         </p:nvSpPr>
         <p:spPr bwMode="auto">
           <a:xfrm>
-            <a:off x="29006382" y="7069233"/>
-            <a:ext cx="0" cy="21461548"/>
+            <a:off x="29006381" y="7069233"/>
+            <a:ext cx="50529" cy="22146516"/>
           </a:xfrm>
           <a:prstGeom prst="line">
             <a:avLst/>
@@ -4787,8 +4700,8 @@
         </p:nvSpPr>
         <p:spPr bwMode="auto">
           <a:xfrm>
-            <a:off x="15401048" y="8446168"/>
-            <a:ext cx="12450933" cy="20915634"/>
+            <a:off x="15181970" y="8446168"/>
+            <a:ext cx="13327245" cy="20915634"/>
           </a:xfrm>
           <a:prstGeom prst="rect">
             <a:avLst/>
@@ -4808,24 +4721,17 @@
           <a:p>
             <a:pPr defTabSz="2128639"/>
             <a:r>
-              <a:rPr lang="de-DE" sz="3600" b="1" baseline="0" dirty="0" smtClean="0"/>
-              <a:t>Example: </a:t>
+              <a:rPr lang="de-DE" sz="3200" baseline="0" dirty="0" smtClean="0"/>
+              <a:t>find </a:t>
+            </a:r>
+            <a:r>
+              <a:rPr lang="de-DE" sz="3200" baseline="0" dirty="0" smtClean="0"/>
+              <a:t>all the flights between Toronto and Sandiego that arrive on Saturday</a:t>
             </a:r>
           </a:p>
           <a:p>
             <a:pPr defTabSz="2128639"/>
-            <a:endParaRPr lang="de-DE" sz="3600" b="1" baseline="0" dirty="0" smtClean="0"/>
-          </a:p>
-          <a:p>
-            <a:pPr lvl="1" defTabSz="2128639"/>
-            <a:r>
-              <a:rPr lang="de-DE" sz="3600" b="1" baseline="0" dirty="0" smtClean="0"/>
-              <a:t>find all the flights between Toronto and Sandiego that arrive on Saturday</a:t>
-            </a:r>
-          </a:p>
-          <a:p>
-            <a:pPr defTabSz="2128639"/>
-            <a:endParaRPr lang="de-DE" sz="3600" b="1" baseline="0" dirty="0" smtClean="0"/>
+            <a:endParaRPr lang="de-DE" sz="3200" b="1" baseline="0" dirty="0" smtClean="0"/>
           </a:p>
           <a:p>
             <a:pPr marL="742950" indent="-742950" defTabSz="2128639">
@@ -4833,7 +4739,7 @@
               <a:buAutoNum type="arabicPeriod"/>
             </a:pPr>
             <a:r>
-              <a:rPr lang="de-DE" sz="3600" b="1" baseline="0" dirty="0" smtClean="0"/>
+              <a:rPr lang="de-DE" sz="3200" b="1" baseline="0" dirty="0" smtClean="0"/>
               <a:t>Parser   assigns to inital semantics to input sentece.</a:t>
             </a:r>
           </a:p>
@@ -4842,14 +4748,14 @@
               <a:buFont typeface="+mj-lt"/>
               <a:buAutoNum type="arabicPeriod"/>
             </a:pPr>
-            <a:endParaRPr lang="de-DE" sz="3600" b="1" baseline="0" dirty="0" smtClean="0"/>
+            <a:endParaRPr lang="de-DE" sz="3200" b="1" baseline="0" dirty="0" smtClean="0"/>
           </a:p>
           <a:p>
             <a:pPr marL="742950" indent="-742950" defTabSz="2128639">
               <a:buFont typeface="+mj-lt"/>
               <a:buAutoNum type="arabicPeriod"/>
             </a:pPr>
-            <a:endParaRPr lang="de-DE" sz="3600" b="1" baseline="0" dirty="0" smtClean="0"/>
+            <a:endParaRPr lang="de-DE" sz="3200" b="1" baseline="0" dirty="0" smtClean="0"/>
           </a:p>
           <a:p>
             <a:pPr marL="742950" indent="-742950" defTabSz="2128639">
@@ -4857,7 +4763,7 @@
               <a:buAutoNum type="arabicPeriod"/>
             </a:pPr>
             <a:r>
-              <a:rPr lang="de-DE" sz="3600" b="1" baseline="0" dirty="0" smtClean="0"/>
+              <a:rPr lang="de-DE" sz="3200" b="1" baseline="0" dirty="0" smtClean="0"/>
               <a:t>Rules, whose triggers match the sentence a the hypothesised semantics, are sequentially applied.</a:t>
             </a:r>
           </a:p>
@@ -4866,60 +4772,240 @@
               <a:buFont typeface="+mj-lt"/>
               <a:buAutoNum type="arabicPeriod"/>
             </a:pPr>
-            <a:endParaRPr lang="de-DE" sz="3600" b="1" baseline="0" dirty="0" smtClean="0"/>
+            <a:endParaRPr lang="de-DE" sz="3200" b="1" baseline="0" dirty="0" smtClean="0"/>
           </a:p>
           <a:p>
             <a:pPr marL="742950" indent="-742950" defTabSz="2128639">
               <a:buFont typeface="+mj-lt"/>
               <a:buAutoNum type="arabicPeriod"/>
             </a:pPr>
-            <a:endParaRPr lang="de-DE" sz="3600" b="1" baseline="0" dirty="0" smtClean="0"/>
+            <a:endParaRPr lang="de-DE" sz="3200" b="1" baseline="0" dirty="0" smtClean="0"/>
           </a:p>
           <a:p>
             <a:pPr marL="742950" indent="-742950" defTabSz="2128639">
               <a:buFont typeface="+mj-lt"/>
               <a:buAutoNum type="arabicPeriod"/>
             </a:pPr>
-            <a:endParaRPr lang="de-DE" sz="3600" b="1" baseline="0" dirty="0" smtClean="0"/>
+            <a:endParaRPr lang="de-DE" sz="3200" b="1" baseline="0" dirty="0" smtClean="0"/>
           </a:p>
           <a:p>
             <a:pPr marL="742950" indent="-742950" defTabSz="2128639">
               <a:buFont typeface="+mj-lt"/>
               <a:buAutoNum type="arabicPeriod"/>
             </a:pPr>
-            <a:endParaRPr lang="de-DE" sz="3600" b="1" baseline="0" dirty="0" smtClean="0"/>
+            <a:endParaRPr lang="de-DE" sz="3200" b="1" baseline="0" dirty="0" smtClean="0"/>
           </a:p>
           <a:p>
             <a:pPr marL="742950" indent="-742950" defTabSz="2128639">
               <a:buFont typeface="+mj-lt"/>
               <a:buAutoNum type="arabicPeriod"/>
             </a:pPr>
-            <a:r>
-              <a:rPr lang="de-DE" sz="3600" b="1" baseline="0" dirty="0" smtClean="0"/>
-              <a:t>Resulting semantics</a:t>
-            </a:r>
-            <a:endParaRPr lang="de-DE" sz="3600" b="1" baseline="0" dirty="0" smtClean="0"/>
+            <a:endParaRPr lang="de-DE" sz="3200" b="1" baseline="0" dirty="0" smtClean="0"/>
           </a:p>
           <a:p>
             <a:pPr marL="742950" indent="-742950" defTabSz="2128639">
               <a:buFont typeface="+mj-lt"/>
               <a:buAutoNum type="arabicPeriod"/>
             </a:pPr>
-            <a:endParaRPr lang="de-DE" sz="3600" b="1" baseline="0" dirty="0" smtClean="0"/>
+            <a:r>
+              <a:rPr lang="de-DE" sz="3200" b="1" baseline="0" dirty="0" smtClean="0"/>
+              <a:t>Which results into:</a:t>
+            </a:r>
+          </a:p>
+          <a:p>
+            <a:pPr marL="742950" indent="-742950" defTabSz="2128639">
+              <a:buFont typeface="+mj-lt"/>
+              <a:buAutoNum type="arabicPeriod"/>
+            </a:pPr>
+            <a:endParaRPr lang="de-DE" sz="3200" b="1" baseline="0" dirty="0" smtClean="0"/>
+          </a:p>
+          <a:p>
+            <a:pPr marL="742950" indent="-742950" defTabSz="2128639">
+              <a:buFont typeface="+mj-lt"/>
+              <a:buAutoNum type="arabicPeriod"/>
+            </a:pPr>
+            <a:endParaRPr lang="de-DE" sz="3200" b="1" baseline="0" dirty="0" smtClean="0"/>
+          </a:p>
+          <a:p>
+            <a:pPr marL="742950" indent="-742950" defTabSz="2128639">
+              <a:buFont typeface="+mj-lt"/>
+              <a:buAutoNum type="arabicPeriod"/>
+            </a:pPr>
+            <a:endParaRPr lang="de-DE" sz="3200" b="1" baseline="0" dirty="0" smtClean="0"/>
+          </a:p>
+          <a:p>
+            <a:pPr marL="742950" indent="-742950" defTabSz="2128639">
+              <a:buFont typeface="+mj-lt"/>
+              <a:buAutoNum type="arabicPeriod"/>
+            </a:pPr>
+            <a:endParaRPr lang="de-DE" sz="3200" b="1" baseline="0" dirty="0" smtClean="0"/>
+          </a:p>
+          <a:p>
+            <a:pPr marL="742950" indent="-742950" defTabSz="2128639">
+              <a:buFont typeface="+mj-lt"/>
+              <a:buAutoNum type="arabicPeriod"/>
+            </a:pPr>
+            <a:endParaRPr lang="de-DE" sz="3200" b="1" baseline="0" dirty="0" smtClean="0"/>
+          </a:p>
+          <a:p>
+            <a:pPr marL="742950" indent="-742950" defTabSz="2128639">
+              <a:buFont typeface="+mj-lt"/>
+              <a:buAutoNum type="arabicPeriod"/>
+            </a:pPr>
+            <a:r>
+              <a:rPr lang="de-DE" sz="3200" b="1" baseline="0" dirty="0" smtClean="0"/>
+              <a:t>Additonal rules can fix previous errors</a:t>
+            </a:r>
+          </a:p>
+          <a:p>
+            <a:pPr marL="742950" indent="-742950" defTabSz="2128639">
+              <a:buFont typeface="+mj-lt"/>
+              <a:buAutoNum type="arabicPeriod"/>
+            </a:pPr>
+            <a:endParaRPr lang="de-DE" sz="3200" b="1" baseline="0" dirty="0" smtClean="0"/>
+          </a:p>
+          <a:p>
+            <a:pPr marL="742950" indent="-742950" defTabSz="2128639">
+              <a:buFont typeface="+mj-lt"/>
+              <a:buAutoNum type="arabicPeriod"/>
+            </a:pPr>
+            <a:endParaRPr lang="de-DE" sz="3200" b="1" baseline="0" dirty="0" smtClean="0"/>
+          </a:p>
+          <a:p>
+            <a:pPr marL="742950" indent="-742950" defTabSz="2128639">
+              <a:buFont typeface="+mj-lt"/>
+              <a:buAutoNum type="arabicPeriod"/>
+            </a:pPr>
+            <a:endParaRPr lang="de-DE" sz="3200" b="1" baseline="0" dirty="0" smtClean="0"/>
+          </a:p>
+          <a:p>
+            <a:pPr marL="742950" indent="-742950" defTabSz="2128639">
+              <a:buFont typeface="+mj-lt"/>
+              <a:buAutoNum type="arabicPeriod"/>
+            </a:pPr>
+            <a:endParaRPr lang="de-DE" sz="3200" b="1" baseline="0" dirty="0" smtClean="0"/>
+          </a:p>
+          <a:p>
+            <a:pPr marL="742950" indent="-742950" defTabSz="2128639">
+              <a:buFont typeface="+mj-lt"/>
+              <a:buAutoNum type="arabicPeriod"/>
+            </a:pPr>
+            <a:r>
+              <a:rPr lang="de-DE" sz="3200" b="1" baseline="0" dirty="0" smtClean="0"/>
+              <a:t>Which </a:t>
+            </a:r>
+            <a:r>
+              <a:rPr lang="de-DE" sz="3200" b="1" baseline="0" dirty="0" smtClean="0"/>
+              <a:t>results into</a:t>
+            </a:r>
+            <a:r>
+              <a:rPr lang="de-DE" sz="3200" b="1" baseline="0" dirty="0" smtClean="0"/>
+              <a:t>:</a:t>
+            </a:r>
+          </a:p>
+          <a:p>
+            <a:pPr marL="742950" indent="-742950" defTabSz="2128639">
+              <a:buFont typeface="+mj-lt"/>
+              <a:buAutoNum type="arabicPeriod"/>
+            </a:pPr>
+            <a:endParaRPr lang="de-DE" sz="3200" b="1" baseline="0" dirty="0" smtClean="0"/>
+          </a:p>
+          <a:p>
+            <a:pPr marL="742950" indent="-742950" defTabSz="2128639">
+              <a:buFont typeface="+mj-lt"/>
+              <a:buAutoNum type="arabicPeriod"/>
+            </a:pPr>
+            <a:endParaRPr lang="de-DE" sz="3200" b="1" baseline="0" dirty="0" smtClean="0"/>
+          </a:p>
+          <a:p>
+            <a:pPr marL="742950" indent="-742950" defTabSz="2128639">
+              <a:buFont typeface="+mj-lt"/>
+              <a:buAutoNum type="arabicPeriod"/>
+            </a:pPr>
+            <a:endParaRPr lang="de-DE" sz="3200" b="1" baseline="0" dirty="0" smtClean="0"/>
+          </a:p>
+          <a:p>
+            <a:pPr marL="742950" indent="-742950" defTabSz="2128639">
+              <a:buFont typeface="+mj-lt"/>
+              <a:buAutoNum type="arabicPeriod"/>
+            </a:pPr>
+            <a:endParaRPr lang="de-DE" sz="3200" b="1" baseline="0" dirty="0" smtClean="0"/>
+          </a:p>
+          <a:p>
+            <a:pPr marL="742950" indent="-742950" defTabSz="2128639">
+              <a:buFont typeface="+mj-lt"/>
+              <a:buAutoNum type="arabicPeriod"/>
+            </a:pPr>
+            <a:endParaRPr lang="de-DE" sz="3200" b="1" baseline="0" dirty="0" smtClean="0"/>
+          </a:p>
+          <a:p>
+            <a:pPr marL="742950" indent="-742950" defTabSz="2128639">
+              <a:buFont typeface="+mj-lt"/>
+              <a:buAutoNum type="arabicPeriod"/>
+            </a:pPr>
+            <a:endParaRPr lang="de-DE" sz="3200" b="1" baseline="0" dirty="0" smtClean="0"/>
+          </a:p>
+          <a:p>
+            <a:pPr marL="252000" defTabSz="2128639"/>
+            <a:endParaRPr lang="de-DE" sz="3200" b="1" baseline="0" dirty="0" smtClean="0"/>
           </a:p>
           <a:p>
             <a:pPr defTabSz="2128639"/>
-            <a:endParaRPr lang="de-DE" sz="3600" b="1" baseline="0" dirty="0" smtClean="0"/>
+            <a:endParaRPr lang="de-DE" sz="3200" b="1" baseline="0" dirty="0" smtClean="0"/>
           </a:p>
           <a:p>
             <a:pPr defTabSz="2128639"/>
             <a:r>
-              <a:rPr lang="de-DE" sz="3600" b="1" baseline="0" dirty="0" smtClean="0"/>
+              <a:rPr lang="de-DE" sz="3200" b="1" baseline="0" dirty="0" smtClean="0"/>
+              <a:t>Infered list of rules is very small for domains such as ATIS or TownInfo.</a:t>
+            </a:r>
+            <a:endParaRPr lang="de-DE" sz="3200" b="1" baseline="0" dirty="0" smtClean="0"/>
+          </a:p>
+          <a:p>
+            <a:pPr marL="742950" indent="-742950" defTabSz="2128639">
+              <a:buFont typeface="+mj-lt"/>
+              <a:buAutoNum type="arabicPeriod"/>
+            </a:pPr>
+            <a:endParaRPr lang="de-DE" sz="3200" b="1" baseline="0" dirty="0" smtClean="0"/>
+          </a:p>
+          <a:p>
+            <a:pPr marL="742950" indent="-742950" defTabSz="2128639">
+              <a:buFont typeface="+mj-lt"/>
+              <a:buAutoNum type="arabicPeriod"/>
+            </a:pPr>
+            <a:endParaRPr lang="de-DE" sz="3200" b="1" baseline="0" dirty="0" smtClean="0"/>
+          </a:p>
+          <a:p>
+            <a:pPr marL="742950" indent="-742950" defTabSz="2128639">
+              <a:buFont typeface="+mj-lt"/>
+              <a:buAutoNum type="arabicPeriod"/>
+            </a:pPr>
+            <a:endParaRPr lang="de-DE" sz="3200" b="1" baseline="0" dirty="0" smtClean="0"/>
+          </a:p>
+          <a:p>
+            <a:pPr defTabSz="2128639"/>
+            <a:r>
+              <a:rPr lang="de-DE" sz="3200" b="1" baseline="0" dirty="0" smtClean="0"/>
               <a:t/>
             </a:r>
             <a:br>
-              <a:rPr lang="de-DE" sz="3600" b="1" baseline="0" dirty="0" smtClean="0"/>
+              <a:rPr lang="de-DE" sz="3200" b="1" baseline="0" dirty="0" smtClean="0"/>
             </a:br>
+            <a:r>
+              <a:rPr lang="de-DE" sz="3200" b="1" baseline="0" dirty="0" smtClean="0"/>
+              <a:t>Avarega number of semantic concepts  in a sentence is 5.</a:t>
+            </a:r>
+          </a:p>
+          <a:p>
+            <a:pPr defTabSz="2128639"/>
+            <a:endParaRPr lang="de-DE" sz="3200" b="1" baseline="0" dirty="0" smtClean="0"/>
+          </a:p>
+          <a:p>
+            <a:pPr defTabSz="2128639"/>
+            <a:r>
+              <a:rPr lang="de-DE" sz="3200" b="1" baseline="0" dirty="0" smtClean="0"/>
+              <a:t>Python implementation of the parser needs 6ms per sentence on Intel Pentium 2.8 GHz.</a:t>
+            </a:r>
             <a:endParaRPr lang="de-DE" sz="3200" b="1" baseline="0" dirty="0" smtClean="0"/>
           </a:p>
         </p:txBody>
@@ -4934,7 +5020,7 @@
         </p:nvSpPr>
         <p:spPr bwMode="auto">
           <a:xfrm>
-            <a:off x="32061844" y="25542566"/>
+            <a:off x="32061844" y="25527936"/>
             <a:ext cx="8929290" cy="1059386"/>
           </a:xfrm>
           <a:prstGeom prst="rect">
@@ -5032,24 +5118,20 @@
               <a:t>This research was partly funded by the UK EPSRC under grant agreement EP/F013930/1 and by the EU FP7 </a:t>
             </a:r>
             <a:r>
-              <a:rPr lang="en-US" sz="2700" b="1" baseline="0" dirty="0" err="1"/>
+              <a:rPr lang="en-GB" sz="2700" b="1" baseline="0" dirty="0" smtClean="0"/>
               <a:t>Programme</a:t>
-            </a:r>
-            <a:r>
-              <a:rPr lang="en-US" sz="2700" b="1" baseline="0" dirty="0"/>
-              <a:t> under grant agreement 216594 </a:t>
-            </a:r>
-            <a:r>
-              <a:rPr lang="en-US" sz="2700" b="1" baseline="0" dirty="0" smtClean="0"/>
-              <a:t>(</a:t>
-            </a:r>
-            <a:r>
-              <a:rPr lang="en-US" sz="2700" b="1" baseline="0" dirty="0" err="1" smtClean="0"/>
-              <a:t>CLASSiC</a:t>
             </a:r>
             <a:r>
               <a:rPr lang="en-US" sz="2700" b="1" baseline="0" dirty="0" smtClean="0"/>
               <a:t> </a:t>
+            </a:r>
+            <a:r>
+              <a:rPr lang="en-US" sz="2700" b="1" baseline="0" dirty="0"/>
+              <a:t>under grant agreement 216594 </a:t>
+            </a:r>
+            <a:r>
+              <a:rPr lang="en-US" sz="2700" b="1" baseline="0" dirty="0" smtClean="0"/>
+              <a:t>(CLASSiC </a:t>
             </a:r>
             <a:r>
               <a:rPr lang="en-US" sz="2700" b="1" baseline="0" dirty="0"/>
@@ -5133,7 +5215,7 @@
         </p:nvSpPr>
         <p:spPr bwMode="auto">
           <a:xfrm>
-            <a:off x="649796" y="16253634"/>
+            <a:off x="649796" y="16508716"/>
             <a:ext cx="13238293" cy="1059386"/>
           </a:xfrm>
           <a:prstGeom prst="rect">
@@ -5181,7 +5263,7 @@
         </p:nvSpPr>
         <p:spPr bwMode="auto">
           <a:xfrm rot="10800000" flipH="1">
-            <a:off x="1854725" y="21548019"/>
+            <a:off x="1927751" y="19612830"/>
             <a:ext cx="792144" cy="739066"/>
           </a:xfrm>
           <a:prstGeom prst="bentArrow">
@@ -5233,18 +5315,17 @@
           <p:nvPr/>
         </p:nvGraphicFramePr>
         <p:xfrm>
-          <a:off x="31307421" y="14530479"/>
-          <a:ext cx="9505724" cy="6848153"/>
+          <a:off x="31539794" y="13989828"/>
+          <a:ext cx="7866688" cy="8236292"/>
         </p:xfrm>
         <a:graphic>
           <a:graphicData uri="http://schemas.openxmlformats.org/drawingml/2006/table">
             <a:tbl>
               <a:tblPr firstRow="1" bandRow="1">
-                <a:tableStyleId>{073A0DAA-6AF3-43AB-8588-CEC1D06C72B9}</a:tableStyleId>
+                <a:tableStyleId>{5C22544A-7EE6-4342-B048-85BDC9FD1C3A}</a:tableStyleId>
               </a:tblPr>
               <a:tblGrid>
                 <a:gridCol w="3943264"/>
-                <a:gridCol w="1639036"/>
                 <a:gridCol w="1603854"/>
                 <a:gridCol w="1157534"/>
                 <a:gridCol w="1162036"/>
@@ -5289,40 +5370,7 @@
                       </a:endParaRPr>
                     </a:p>
                   </a:txBody>
-                  <a:tcPr marL="94465" marR="94465" marT="46271" marB="46271">
-                    <a:solidFill>
-                      <a:schemeClr val="tx1">
-                        <a:lumMod val="75000"/>
-                        <a:lumOff val="25000"/>
-                      </a:schemeClr>
-                    </a:solidFill>
-                  </a:tcPr>
-                </a:tc>
-                <a:tc>
-                  <a:txBody>
-                    <a:bodyPr/>
-                    <a:lstStyle/>
-                    <a:p>
-                      <a:pPr algn="ctr"/>
-                      <a:r>
-                        <a:rPr lang="en-GB" sz="2400" dirty="0" smtClean="0"/>
-                        <a:t>Act accuracy</a:t>
-                      </a:r>
-                      <a:endParaRPr lang="en-GB" sz="2400" dirty="0">
-                        <a:solidFill>
-                          <a:schemeClr val="tx1"/>
-                        </a:solidFill>
-                      </a:endParaRPr>
-                    </a:p>
-                  </a:txBody>
-                  <a:tcPr marL="94465" marR="94465" marT="46271" marB="46271">
-                    <a:solidFill>
-                      <a:schemeClr val="tx1">
-                        <a:lumMod val="75000"/>
-                        <a:lumOff val="25000"/>
-                      </a:schemeClr>
-                    </a:solidFill>
-                  </a:tcPr>
+                  <a:tcPr marL="94465" marR="94465" marT="46271" marB="46271"/>
                 </a:tc>
                 <a:tc>
                   <a:txBody>
@@ -5341,14 +5389,7 @@
                       </a:endParaRPr>
                     </a:p>
                   </a:txBody>
-                  <a:tcPr marL="94465" marR="94465" marT="46271" marB="46271">
-                    <a:solidFill>
-                      <a:schemeClr val="tx1">
-                        <a:lumMod val="75000"/>
-                        <a:lumOff val="25000"/>
-                      </a:schemeClr>
-                    </a:solidFill>
-                  </a:tcPr>
+                  <a:tcPr marL="94465" marR="94465" marT="46271" marB="46271"/>
                 </a:tc>
                 <a:tc>
                   <a:txBody>
@@ -5367,14 +5408,7 @@
                       </a:endParaRPr>
                     </a:p>
                   </a:txBody>
-                  <a:tcPr marL="94465" marR="94465" marT="46271" marB="46271">
-                    <a:solidFill>
-                      <a:schemeClr val="tx1">
-                        <a:lumMod val="75000"/>
-                        <a:lumOff val="25000"/>
-                      </a:schemeClr>
-                    </a:solidFill>
-                  </a:tcPr>
+                  <a:tcPr marL="94465" marR="94465" marT="46271" marB="46271"/>
                 </a:tc>
                 <a:tc>
                   <a:txBody>
@@ -5400,90 +5434,11 @@
                       </a:endParaRPr>
                     </a:p>
                   </a:txBody>
-                  <a:tcPr marL="94465" marR="94465" marT="46271" marB="46271">
-                    <a:solidFill>
-                      <a:schemeClr val="tx1">
-                        <a:lumMod val="75000"/>
-                        <a:lumOff val="25000"/>
-                      </a:schemeClr>
-                    </a:solidFill>
-                  </a:tcPr>
+                  <a:tcPr marL="94465" marR="94465" marT="46271" marB="46271"/>
                 </a:tc>
               </a:tr>
               <a:tr h="462713">
-                <a:tc gridSpan="5">
-                  <a:txBody>
-                    <a:bodyPr/>
-                    <a:lstStyle/>
-                    <a:p>
-                      <a:pPr algn="l"/>
-                      <a:r>
-                        <a:rPr lang="en-GB" sz="2400" b="1" kern="1200" baseline="0" dirty="0" err="1" smtClean="0"/>
-                        <a:t>TownInfo</a:t>
-                      </a:r>
-                      <a:r>
-                        <a:rPr lang="en-GB" sz="2400" b="1" kern="1200" baseline="0" dirty="0" smtClean="0"/>
-                        <a:t> dataset with transcribed utterances:</a:t>
-                      </a:r>
-                      <a:endParaRPr lang="en-GB" sz="2400" b="1" kern="1200" baseline="0" dirty="0" smtClean="0">
-                        <a:solidFill>
-                          <a:schemeClr val="dk1"/>
-                        </a:solidFill>
-                        <a:latin typeface="+mn-lt"/>
-                        <a:ea typeface="+mn-ea"/>
-                        <a:cs typeface="+mn-cs"/>
-                      </a:endParaRPr>
-                    </a:p>
-                  </a:txBody>
-                  <a:tcPr marL="94465" marR="94465" marT="46271" marB="46271">
-                    <a:solidFill>
-                      <a:srgbClr val="ECC5C2"/>
-                    </a:solidFill>
-                  </a:tcPr>
-                </a:tc>
-                <a:tc hMerge="1">
-                  <a:txBody>
-                    <a:bodyPr/>
-                    <a:lstStyle/>
-                    <a:p>
-                      <a:endParaRPr lang="en-GB" dirty="0"/>
-                    </a:p>
-                  </a:txBody>
-                  <a:tcPr/>
-                </a:tc>
-                <a:tc hMerge="1">
-                  <a:txBody>
-                    <a:bodyPr/>
-                    <a:lstStyle/>
-                    <a:p>
-                      <a:endParaRPr lang="en-GB"/>
-                    </a:p>
-                  </a:txBody>
-                  <a:tcPr/>
-                </a:tc>
-                <a:tc hMerge="1">
-                  <a:txBody>
-                    <a:bodyPr/>
-                    <a:lstStyle/>
-                    <a:p>
-                      <a:endParaRPr lang="en-GB"/>
-                    </a:p>
-                  </a:txBody>
-                  <a:tcPr/>
-                </a:tc>
-                <a:tc hMerge="1">
-                  <a:txBody>
-                    <a:bodyPr/>
-                    <a:lstStyle/>
-                    <a:p>
-                      <a:endParaRPr lang="en-GB"/>
-                    </a:p>
-                  </a:txBody>
-                  <a:tcPr/>
-                </a:tc>
-              </a:tr>
-              <a:tr h="462713">
-                <a:tc>
+                <a:tc gridSpan="4">
                   <a:txBody>
                     <a:bodyPr/>
                     <a:lstStyle/>
@@ -5506,507 +5461,9 @@
                         <a:defRPr/>
                       </a:pPr>
                       <a:r>
-                        <a:rPr lang="en-GB" sz="2400" dirty="0" smtClean="0"/>
-                        <a:t>Semantic </a:t>
+                        <a:rPr lang="en-GB" sz="2400" b="1" kern="1200" baseline="0" dirty="0" smtClean="0"/>
+                        <a:t>ATIS dataset with transcribed utterances:</a:t>
                       </a:r>
-                      <a:r>
-                        <a:rPr lang="en-GB" sz="2400" dirty="0" err="1" smtClean="0"/>
-                        <a:t>Tuple</a:t>
-                      </a:r>
-                      <a:r>
-                        <a:rPr lang="en-GB" sz="2400" baseline="0" dirty="0" smtClean="0"/>
-                        <a:t> Classifiers</a:t>
-                      </a:r>
-                      <a:endParaRPr lang="en-GB" sz="2400" dirty="0"/>
-                    </a:p>
-                  </a:txBody>
-                  <a:tcPr marL="94465" marR="94465" marT="46271" marB="46271"/>
-                </a:tc>
-                <a:tc>
-                  <a:txBody>
-                    <a:bodyPr/>
-                    <a:lstStyle/>
-                    <a:p>
-                      <a:pPr algn="ctr"/>
-                      <a:r>
-                        <a:rPr lang="en-GB" sz="2400" b="1" dirty="0" smtClean="0"/>
-                        <a:t>94.9</a:t>
-                      </a:r>
-                      <a:endParaRPr lang="en-GB" sz="2400" b="1" dirty="0"/>
-                    </a:p>
-                  </a:txBody>
-                  <a:tcPr marL="94465" marR="94465" marT="46271" marB="46271"/>
-                </a:tc>
-                <a:tc>
-                  <a:txBody>
-                    <a:bodyPr/>
-                    <a:lstStyle/>
-                    <a:p>
-                      <a:pPr algn="ctr"/>
-                      <a:r>
-                        <a:rPr lang="en-GB" sz="2400" dirty="0" smtClean="0"/>
-                        <a:t>97.4</a:t>
-                      </a:r>
-                      <a:endParaRPr lang="en-GB" sz="2400" dirty="0"/>
-                    </a:p>
-                  </a:txBody>
-                  <a:tcPr marL="94465" marR="94465" marT="46271" marB="46271"/>
-                </a:tc>
-                <a:tc>
-                  <a:txBody>
-                    <a:bodyPr/>
-                    <a:lstStyle/>
-                    <a:p>
-                      <a:pPr algn="ctr"/>
-                      <a:r>
-                        <a:rPr lang="en-GB" sz="2400" dirty="0" smtClean="0"/>
-                        <a:t>94.0</a:t>
-                      </a:r>
-                      <a:endParaRPr lang="en-GB" sz="2400" dirty="0"/>
-                    </a:p>
-                  </a:txBody>
-                  <a:tcPr marL="94465" marR="94465" marT="46271" marB="46271"/>
-                </a:tc>
-                <a:tc>
-                  <a:txBody>
-                    <a:bodyPr/>
-                    <a:lstStyle/>
-                    <a:p>
-                      <a:pPr algn="ctr"/>
-                      <a:r>
-                        <a:rPr lang="en-GB" sz="2400" b="1" dirty="0" smtClean="0"/>
-                        <a:t>95.7</a:t>
-                      </a:r>
-                      <a:endParaRPr lang="en-GB" sz="2400" b="1" dirty="0"/>
-                    </a:p>
-                  </a:txBody>
-                  <a:tcPr marL="94465" marR="94465" marT="46271" marB="46271"/>
-                </a:tc>
-              </a:tr>
-              <a:tr h="462713">
-                <a:tc>
-                  <a:txBody>
-                    <a:bodyPr/>
-                    <a:lstStyle/>
-                    <a:p>
-                      <a:r>
-                        <a:rPr lang="en-GB" sz="2400" dirty="0" smtClean="0"/>
-                        <a:t>Phoenix grammar</a:t>
-                      </a:r>
-                      <a:endParaRPr lang="en-GB" sz="2400" dirty="0"/>
-                    </a:p>
-                  </a:txBody>
-                  <a:tcPr marL="94465" marR="94465" marT="46271" marB="46271"/>
-                </a:tc>
-                <a:tc>
-                  <a:txBody>
-                    <a:bodyPr/>
-                    <a:lstStyle/>
-                    <a:p>
-                      <a:pPr algn="ctr"/>
-                      <a:r>
-                        <a:rPr lang="en-GB" sz="2400" dirty="0" smtClean="0"/>
-                        <a:t>94.8</a:t>
-                      </a:r>
-                      <a:endParaRPr lang="en-GB" sz="2400" dirty="0"/>
-                    </a:p>
-                  </a:txBody>
-                  <a:tcPr marL="94465" marR="94465" marT="46271" marB="46271"/>
-                </a:tc>
-                <a:tc>
-                  <a:txBody>
-                    <a:bodyPr/>
-                    <a:lstStyle/>
-                    <a:p>
-                      <a:pPr algn="ctr"/>
-                      <a:r>
-                        <a:rPr lang="en-GB" sz="2400" dirty="0" smtClean="0"/>
-                        <a:t>96.3</a:t>
-                      </a:r>
-                      <a:endParaRPr lang="en-GB" sz="2400" dirty="0"/>
-                    </a:p>
-                  </a:txBody>
-                  <a:tcPr marL="94465" marR="94465" marT="46271" marB="46271"/>
-                </a:tc>
-                <a:tc>
-                  <a:txBody>
-                    <a:bodyPr/>
-                    <a:lstStyle/>
-                    <a:p>
-                      <a:pPr algn="ctr"/>
-                      <a:r>
-                        <a:rPr lang="en-GB" sz="2400" dirty="0" smtClean="0"/>
-                        <a:t>94.2</a:t>
-                      </a:r>
-                      <a:endParaRPr lang="en-GB" sz="2400" dirty="0"/>
-                    </a:p>
-                  </a:txBody>
-                  <a:tcPr marL="94465" marR="94465" marT="46271" marB="46271"/>
-                </a:tc>
-                <a:tc>
-                  <a:txBody>
-                    <a:bodyPr/>
-                    <a:lstStyle/>
-                    <a:p>
-                      <a:pPr algn="ctr"/>
-                      <a:r>
-                        <a:rPr lang="en-GB" sz="2400" dirty="0" smtClean="0"/>
-                        <a:t>95.3</a:t>
-                      </a:r>
-                      <a:endParaRPr lang="en-GB" sz="2400" dirty="0"/>
-                    </a:p>
-                  </a:txBody>
-                  <a:tcPr marL="94465" marR="94465" marT="46271" marB="46271"/>
-                </a:tc>
-              </a:tr>
-              <a:tr h="462713">
-                <a:tc gridSpan="5">
-                  <a:txBody>
-                    <a:bodyPr/>
-                    <a:lstStyle/>
-                    <a:p>
-                      <a:pPr marL="0" marR="0" indent="0" algn="l" defTabSz="914400" rtl="0" eaLnBrk="1" fontAlgn="auto" latinLnBrk="0" hangingPunct="1">
-                        <a:lnSpc>
-                          <a:spcPct val="100000"/>
-                        </a:lnSpc>
-                        <a:spcBef>
-                          <a:spcPts val="0"/>
-                        </a:spcBef>
-                        <a:spcAft>
-                          <a:spcPts val="0"/>
-                        </a:spcAft>
-                        <a:buClrTx/>
-                        <a:buSzTx/>
-                        <a:buFontTx/>
-                        <a:buNone/>
-                        <a:tabLst/>
-                        <a:defRPr/>
-                      </a:pPr>
-                      <a:endParaRPr lang="en-GB" sz="2400" b="1" kern="1200" baseline="0" dirty="0" smtClean="0">
-                        <a:solidFill>
-                          <a:schemeClr val="dk1"/>
-                        </a:solidFill>
-                        <a:latin typeface="+mn-lt"/>
-                        <a:ea typeface="+mn-ea"/>
-                        <a:cs typeface="+mn-cs"/>
-                      </a:endParaRPr>
-                    </a:p>
-                  </a:txBody>
-                  <a:tcPr marL="94465" marR="94465" marT="46271" marB="46271"/>
-                </a:tc>
-                <a:tc hMerge="1">
-                  <a:txBody>
-                    <a:bodyPr/>
-                    <a:lstStyle/>
-                    <a:p>
-                      <a:endParaRPr lang="en-GB" dirty="0"/>
-                    </a:p>
-                  </a:txBody>
-                  <a:tcPr/>
-                </a:tc>
-                <a:tc hMerge="1">
-                  <a:txBody>
-                    <a:bodyPr/>
-                    <a:lstStyle/>
-                    <a:p>
-                      <a:endParaRPr lang="en-GB"/>
-                    </a:p>
-                  </a:txBody>
-                  <a:tcPr/>
-                </a:tc>
-                <a:tc hMerge="1">
-                  <a:txBody>
-                    <a:bodyPr/>
-                    <a:lstStyle/>
-                    <a:p>
-                      <a:endParaRPr lang="en-GB"/>
-                    </a:p>
-                  </a:txBody>
-                  <a:tcPr/>
-                </a:tc>
-                <a:tc hMerge="1">
-                  <a:txBody>
-                    <a:bodyPr/>
-                    <a:lstStyle/>
-                    <a:p>
-                      <a:endParaRPr lang="en-GB"/>
-                    </a:p>
-                  </a:txBody>
-                  <a:tcPr/>
-                </a:tc>
-              </a:tr>
-              <a:tr h="462713">
-                <a:tc gridSpan="5">
-                  <a:txBody>
-                    <a:bodyPr/>
-                    <a:lstStyle/>
-                    <a:p>
-                      <a:pPr marL="0" marR="0" indent="0" algn="l" defTabSz="914400" rtl="0" eaLnBrk="1" fontAlgn="auto" latinLnBrk="0" hangingPunct="1">
-                        <a:lnSpc>
-                          <a:spcPct val="100000"/>
-                        </a:lnSpc>
-                        <a:spcBef>
-                          <a:spcPts val="0"/>
-                        </a:spcBef>
-                        <a:spcAft>
-                          <a:spcPts val="0"/>
-                        </a:spcAft>
-                        <a:buClrTx/>
-                        <a:buSzTx/>
-                        <a:buFontTx/>
-                        <a:buNone/>
-                        <a:tabLst/>
-                        <a:defRPr/>
-                      </a:pPr>
-                      <a:r>
-                        <a:rPr lang="en-GB" sz="2400" b="1" kern="1200" baseline="0" dirty="0" err="1" smtClean="0"/>
-                        <a:t>TownInfo</a:t>
-                      </a:r>
-                      <a:r>
-                        <a:rPr lang="en-GB" sz="2400" b="1" kern="1200" baseline="0" dirty="0" smtClean="0"/>
-                        <a:t> dataset with ASR output:</a:t>
-                      </a:r>
-                      <a:endParaRPr lang="en-GB" sz="2400" b="1" kern="1200" baseline="0" dirty="0" smtClean="0">
-                        <a:solidFill>
-                          <a:schemeClr val="dk1"/>
-                        </a:solidFill>
-                        <a:latin typeface="+mn-lt"/>
-                        <a:ea typeface="+mn-ea"/>
-                        <a:cs typeface="+mn-cs"/>
-                      </a:endParaRPr>
-                    </a:p>
-                  </a:txBody>
-                  <a:tcPr marL="94465" marR="94465" marT="46271" marB="46271">
-                    <a:solidFill>
-                      <a:srgbClr val="ECC5C2"/>
-                    </a:solidFill>
-                  </a:tcPr>
-                </a:tc>
-                <a:tc hMerge="1">
-                  <a:txBody>
-                    <a:bodyPr/>
-                    <a:lstStyle/>
-                    <a:p>
-                      <a:pPr algn="ctr"/>
-                      <a:endParaRPr lang="en-GB" b="1" dirty="0"/>
-                    </a:p>
-                  </a:txBody>
-                  <a:tcPr/>
-                </a:tc>
-                <a:tc hMerge="1">
-                  <a:txBody>
-                    <a:bodyPr/>
-                    <a:lstStyle/>
-                    <a:p>
-                      <a:endParaRPr lang="en-GB"/>
-                    </a:p>
-                  </a:txBody>
-                  <a:tcPr/>
-                </a:tc>
-                <a:tc hMerge="1">
-                  <a:txBody>
-                    <a:bodyPr/>
-                    <a:lstStyle/>
-                    <a:p>
-                      <a:endParaRPr lang="en-GB"/>
-                    </a:p>
-                  </a:txBody>
-                  <a:tcPr/>
-                </a:tc>
-                <a:tc hMerge="1">
-                  <a:txBody>
-                    <a:bodyPr/>
-                    <a:lstStyle/>
-                    <a:p>
-                      <a:endParaRPr lang="en-GB"/>
-                    </a:p>
-                  </a:txBody>
-                  <a:tcPr/>
-                </a:tc>
-              </a:tr>
-              <a:tr h="462713">
-                <a:tc>
-                  <a:txBody>
-                    <a:bodyPr/>
-                    <a:lstStyle/>
-                    <a:p>
-                      <a:r>
-                        <a:rPr lang="en-GB" sz="2400" dirty="0" smtClean="0"/>
-                        <a:t>Semantic </a:t>
-                      </a:r>
-                      <a:r>
-                        <a:rPr lang="en-GB" sz="2400" dirty="0" err="1" smtClean="0"/>
-                        <a:t>Tuple</a:t>
-                      </a:r>
-                      <a:r>
-                        <a:rPr lang="en-GB" sz="2400" dirty="0" smtClean="0"/>
-                        <a:t> Classifiers</a:t>
-                      </a:r>
-                      <a:endParaRPr lang="en-GB" sz="2400" dirty="0"/>
-                    </a:p>
-                  </a:txBody>
-                  <a:tcPr marL="94465" marR="94465" marT="46271" marB="46271"/>
-                </a:tc>
-                <a:tc>
-                  <a:txBody>
-                    <a:bodyPr/>
-                    <a:lstStyle/>
-                    <a:p>
-                      <a:pPr algn="ctr"/>
-                      <a:r>
-                        <a:rPr lang="en-GB" sz="2400" b="1" dirty="0" smtClean="0"/>
-                        <a:t>85.2</a:t>
-                      </a:r>
-                      <a:endParaRPr lang="en-GB" sz="2400" b="1" dirty="0"/>
-                    </a:p>
-                  </a:txBody>
-                  <a:tcPr marL="94465" marR="94465" marT="46271" marB="46271"/>
-                </a:tc>
-                <a:tc>
-                  <a:txBody>
-                    <a:bodyPr/>
-                    <a:lstStyle/>
-                    <a:p>
-                      <a:pPr algn="ctr"/>
-                      <a:r>
-                        <a:rPr lang="en-GB" sz="2400" dirty="0" smtClean="0"/>
-                        <a:t>94.0</a:t>
-                      </a:r>
-                      <a:endParaRPr lang="en-GB" sz="2400" dirty="0"/>
-                    </a:p>
-                  </a:txBody>
-                  <a:tcPr marL="94465" marR="94465" marT="46271" marB="46271"/>
-                </a:tc>
-                <a:tc>
-                  <a:txBody>
-                    <a:bodyPr/>
-                    <a:lstStyle/>
-                    <a:p>
-                      <a:pPr algn="ctr"/>
-                      <a:r>
-                        <a:rPr lang="en-GB" sz="2400" dirty="0" smtClean="0"/>
-                        <a:t>83.7</a:t>
-                      </a:r>
-                      <a:endParaRPr lang="en-GB" sz="2400" dirty="0"/>
-                    </a:p>
-                  </a:txBody>
-                  <a:tcPr marL="94465" marR="94465" marT="46271" marB="46271"/>
-                </a:tc>
-                <a:tc>
-                  <a:txBody>
-                    <a:bodyPr/>
-                    <a:lstStyle/>
-                    <a:p>
-                      <a:pPr algn="ctr"/>
-                      <a:r>
-                        <a:rPr lang="en-GB" sz="2400" b="1" dirty="0" smtClean="0"/>
-                        <a:t>88.6</a:t>
-                      </a:r>
-                      <a:endParaRPr lang="en-GB" sz="2400" b="1" dirty="0"/>
-                    </a:p>
-                  </a:txBody>
-                  <a:tcPr marL="94465" marR="94465" marT="46271" marB="46271"/>
-                </a:tc>
-              </a:tr>
-              <a:tr h="462713">
-                <a:tc>
-                  <a:txBody>
-                    <a:bodyPr/>
-                    <a:lstStyle/>
-                    <a:p>
-                      <a:r>
-                        <a:rPr lang="en-GB" sz="2400" dirty="0" smtClean="0"/>
-                        <a:t>Phoenix grammar</a:t>
-                      </a:r>
-                      <a:endParaRPr lang="en-GB" sz="2400" dirty="0"/>
-                    </a:p>
-                  </a:txBody>
-                  <a:tcPr marL="94465" marR="94465" marT="46271" marB="46271"/>
-                </a:tc>
-                <a:tc>
-                  <a:txBody>
-                    <a:bodyPr/>
-                    <a:lstStyle/>
-                    <a:p>
-                      <a:pPr algn="ctr"/>
-                      <a:r>
-                        <a:rPr lang="en-GB" sz="2400" dirty="0" smtClean="0"/>
-                        <a:t>74.7</a:t>
-                      </a:r>
-                      <a:endParaRPr lang="en-GB" sz="2400" dirty="0"/>
-                    </a:p>
-                  </a:txBody>
-                  <a:tcPr marL="94465" marR="94465" marT="46271" marB="46271"/>
-                </a:tc>
-                <a:tc>
-                  <a:txBody>
-                    <a:bodyPr/>
-                    <a:lstStyle/>
-                    <a:p>
-                      <a:pPr algn="ctr"/>
-                      <a:r>
-                        <a:rPr lang="en-GB" sz="2400" dirty="0" smtClean="0"/>
-                        <a:t>90.3</a:t>
-                      </a:r>
-                      <a:endParaRPr lang="en-GB" sz="2400" dirty="0"/>
-                    </a:p>
-                  </a:txBody>
-                  <a:tcPr marL="94465" marR="94465" marT="46271" marB="46271"/>
-                </a:tc>
-                <a:tc>
-                  <a:txBody>
-                    <a:bodyPr/>
-                    <a:lstStyle/>
-                    <a:p>
-                      <a:pPr algn="ctr"/>
-                      <a:r>
-                        <a:rPr lang="en-GB" sz="2400" dirty="0" smtClean="0"/>
-                        <a:t>79.5</a:t>
-                      </a:r>
-                      <a:endParaRPr lang="en-GB" sz="2400" dirty="0"/>
-                    </a:p>
-                  </a:txBody>
-                  <a:tcPr marL="94465" marR="94465" marT="46271" marB="46271"/>
-                </a:tc>
-                <a:tc>
-                  <a:txBody>
-                    <a:bodyPr/>
-                    <a:lstStyle/>
-                    <a:p>
-                      <a:pPr algn="ctr"/>
-                      <a:r>
-                        <a:rPr lang="en-GB" sz="2400" dirty="0" smtClean="0"/>
-                        <a:t>85.5</a:t>
-                      </a:r>
-                      <a:endParaRPr lang="en-GB" sz="2400" dirty="0"/>
-                    </a:p>
-                  </a:txBody>
-                  <a:tcPr marL="94465" marR="94465" marT="46271" marB="46271"/>
-                </a:tc>
-              </a:tr>
-              <a:tr h="462713">
-                <a:tc gridSpan="5">
-                  <a:txBody>
-                    <a:bodyPr/>
-                    <a:lstStyle/>
-                    <a:p>
-                      <a:pPr marL="0" marR="0" indent="0" algn="l" defTabSz="914400" rtl="0" eaLnBrk="1" fontAlgn="auto" latinLnBrk="0" hangingPunct="1">
-                        <a:lnSpc>
-                          <a:spcPct val="100000"/>
-                        </a:lnSpc>
-                        <a:spcBef>
-                          <a:spcPts val="0"/>
-                        </a:spcBef>
-                        <a:spcAft>
-                          <a:spcPts val="0"/>
-                        </a:spcAft>
-                        <a:buClrTx/>
-                        <a:buSzTx/>
-                        <a:buFontTx/>
-                        <a:buNone/>
-                        <a:tabLst/>
-                        <a:defRPr/>
-                      </a:pPr>
                       <a:endParaRPr lang="en-GB" sz="2400" b="1" kern="1200" baseline="0" dirty="0" smtClean="0">
                         <a:solidFill>
                           <a:schemeClr val="dk1"/>
@@ -6049,100 +5506,6 @@
                   </a:txBody>
                   <a:tcPr/>
                 </a:tc>
-                <a:tc hMerge="1">
-                  <a:txBody>
-                    <a:bodyPr/>
-                    <a:lstStyle/>
-                    <a:p>
-                      <a:endParaRPr lang="en-GB"/>
-                    </a:p>
-                  </a:txBody>
-                  <a:tcPr/>
-                </a:tc>
-              </a:tr>
-              <a:tr h="462713">
-                <a:tc gridSpan="5">
-                  <a:txBody>
-                    <a:bodyPr/>
-                    <a:lstStyle/>
-                    <a:p>
-                      <a:pPr marL="0" marR="0" indent="0" algn="l" defTabSz="914400" rtl="0" eaLnBrk="1" fontAlgn="auto" latinLnBrk="0" hangingPunct="1">
-                        <a:lnSpc>
-                          <a:spcPct val="100000"/>
-                        </a:lnSpc>
-                        <a:spcBef>
-                          <a:spcPts val="0"/>
-                        </a:spcBef>
-                        <a:spcAft>
-                          <a:spcPts val="0"/>
-                        </a:spcAft>
-                        <a:buClrTx/>
-                        <a:buSzTx/>
-                        <a:buFontTx/>
-                        <a:buNone/>
-                        <a:tabLst/>
-                        <a:defRPr/>
-                      </a:pPr>
-                      <a:r>
-                        <a:rPr lang="en-GB" sz="2400" b="1" kern="1200" baseline="0" dirty="0" smtClean="0"/>
-                        <a:t>ATIS dataset with transcribed utterances:</a:t>
-                      </a:r>
-                      <a:endParaRPr lang="en-GB" sz="2400" b="1" kern="1200" baseline="0" dirty="0" smtClean="0">
-                        <a:solidFill>
-                          <a:schemeClr val="dk1"/>
-                        </a:solidFill>
-                        <a:latin typeface="+mn-lt"/>
-                        <a:ea typeface="+mn-ea"/>
-                        <a:cs typeface="+mn-cs"/>
-                      </a:endParaRPr>
-                    </a:p>
-                  </a:txBody>
-                  <a:tcPr marL="94465" marR="94465" marT="46271" marB="46271">
-                    <a:solidFill>
-                      <a:srgbClr val="ECC5C2"/>
-                    </a:solidFill>
-                  </a:tcPr>
-                </a:tc>
-                <a:tc hMerge="1">
-                  <a:txBody>
-                    <a:bodyPr/>
-                    <a:lstStyle/>
-                    <a:p>
-                      <a:endParaRPr lang="en-GB" dirty="0"/>
-                    </a:p>
-                  </a:txBody>
-                  <a:tcPr/>
-                </a:tc>
-                <a:tc hMerge="1">
-                  <a:txBody>
-                    <a:bodyPr/>
-                    <a:lstStyle/>
-                    <a:p>
-                      <a:endParaRPr lang="en-GB"/>
-                    </a:p>
-                  </a:txBody>
-                  <a:tcPr/>
-                </a:tc>
-                <a:tc hMerge="1">
-                  <a:txBody>
-                    <a:bodyPr/>
-                    <a:lstStyle/>
-                    <a:p>
-                      <a:endParaRPr lang="en-GB"/>
-                    </a:p>
-                  </a:txBody>
-                  <a:tcPr/>
-                </a:tc>
-                <a:tc hMerge="1">
-                  <a:txBody>
-                    <a:bodyPr/>
-                    <a:lstStyle/>
-                    <a:p>
-                      <a:endParaRPr lang="en-GB"/>
-                    </a:p>
-                  </a:txBody>
-                  <a:tcPr/>
-                </a:tc>
               </a:tr>
               <a:tr h="462713">
                 <a:tc>
@@ -6152,32 +5515,9 @@
                     <a:p>
                       <a:r>
                         <a:rPr lang="en-GB" sz="2400" dirty="0" smtClean="0"/>
-                        <a:t>Semantic </a:t>
-                      </a:r>
-                      <a:r>
-                        <a:rPr lang="en-GB" sz="2400" dirty="0" err="1" smtClean="0"/>
-                        <a:t>Tuple</a:t>
-                      </a:r>
-                      <a:r>
-                        <a:rPr lang="en-GB" sz="2400" dirty="0" smtClean="0"/>
-                        <a:t> Classifiers</a:t>
+                        <a:t>Semantic Tuple Classifiers</a:t>
                       </a:r>
                       <a:endParaRPr lang="en-GB" sz="2400" dirty="0"/>
-                    </a:p>
-                  </a:txBody>
-                  <a:tcPr marL="94465" marR="94465" marT="46271" marB="46271"/>
-                </a:tc>
-                <a:tc>
-                  <a:txBody>
-                    <a:bodyPr/>
-                    <a:lstStyle/>
-                    <a:p>
-                      <a:pPr algn="ctr"/>
-                      <a:r>
-                        <a:rPr lang="en-GB" sz="2400" b="1" dirty="0" smtClean="0"/>
-                        <a:t>92.6</a:t>
-                      </a:r>
-                      <a:endParaRPr lang="en-GB" sz="2400" b="1" dirty="0"/>
                     </a:p>
                   </a:txBody>
                   <a:tcPr marL="94465" marR="94465" marT="46271" marB="46271"/>
@@ -6219,7 +5559,7 @@
                     <a:p>
                       <a:pPr algn="ctr"/>
                       <a:r>
-                        <a:rPr lang="en-GB" sz="2400" b="1" dirty="0" smtClean="0"/>
+                        <a:rPr lang="en-GB" sz="2400" dirty="0" smtClean="0"/>
                         <a:t>94.5</a:t>
                       </a:r>
                       <a:endParaRPr lang="en-GB" sz="2400" b="1" dirty="0"/>
@@ -6238,17 +5578,6 @@
                         <a:rPr lang="en-GB" sz="2400" kern="1200" baseline="0" dirty="0" smtClean="0"/>
                         <a:t>Hidden Vector State </a:t>
                       </a:r>
-                      <a:endParaRPr lang="en-GB" sz="2400" dirty="0"/>
-                    </a:p>
-                  </a:txBody>
-                  <a:tcPr marL="94465" marR="94465" marT="46271" marB="46271"/>
-                </a:tc>
-                <a:tc>
-                  <a:txBody>
-                    <a:bodyPr/>
-                    <a:lstStyle/>
-                    <a:p>
-                      <a:pPr algn="ctr"/>
                       <a:endParaRPr lang="en-GB" sz="2400" dirty="0"/>
                     </a:p>
                   </a:txBody>
@@ -6311,17 +5640,6 @@
                     <a:lstStyle/>
                     <a:p>
                       <a:pPr algn="ctr"/>
-                      <a:endParaRPr lang="en-GB" sz="2400" dirty="0"/>
-                    </a:p>
-                  </a:txBody>
-                  <a:tcPr marL="94465" marR="94465" marT="46271" marB="46271"/>
-                </a:tc>
-                <a:tc>
-                  <a:txBody>
-                    <a:bodyPr/>
-                    <a:lstStyle/>
-                    <a:p>
-                      <a:pPr algn="ctr"/>
                       <a:r>
                         <a:rPr lang="en-GB" sz="2400" dirty="0" smtClean="0"/>
                         <a:t>95.1</a:t>
@@ -6353,7 +5671,7 @@
                     <a:p>
                       <a:pPr algn="ctr"/>
                       <a:r>
-                        <a:rPr lang="en-GB" sz="2400" b="1" dirty="0" smtClean="0"/>
+                        <a:rPr lang="en-GB" sz="2400" dirty="0" smtClean="0"/>
                         <a:t>95.9</a:t>
                       </a:r>
                       <a:endParaRPr lang="en-GB" sz="2400" b="1" dirty="0"/>
@@ -6372,17 +5690,6 @@
                         <a:rPr lang="en-GB" sz="2400" dirty="0" smtClean="0"/>
                         <a:t>Markov Logic Networks</a:t>
                       </a:r>
-                      <a:endParaRPr lang="en-GB" sz="2400" dirty="0"/>
-                    </a:p>
-                  </a:txBody>
-                  <a:tcPr marL="94465" marR="94465" marT="46271" marB="46271"/>
-                </a:tc>
-                <a:tc>
-                  <a:txBody>
-                    <a:bodyPr/>
-                    <a:lstStyle/>
-                    <a:p>
-                      <a:pPr algn="ctr"/>
                       <a:endParaRPr lang="en-GB" sz="2400" dirty="0"/>
                     </a:p>
                   </a:txBody>
@@ -6427,6 +5734,694 @@
                       <a:r>
                         <a:rPr lang="en-GB" sz="2400" dirty="0" smtClean="0"/>
                         <a:t>91.6</a:t>
+                      </a:r>
+                      <a:endParaRPr lang="en-GB" sz="2400" dirty="0"/>
+                    </a:p>
+                  </a:txBody>
+                  <a:tcPr marL="94465" marR="94465" marT="46271" marB="46271"/>
+                </a:tc>
+              </a:tr>
+              <a:tr h="462713">
+                <a:tc>
+                  <a:txBody>
+                    <a:bodyPr/>
+                    <a:lstStyle/>
+                    <a:p>
+                      <a:r>
+                        <a:rPr lang="en-GB" sz="2400" dirty="0" smtClean="0"/>
+                        <a:t>TBL Semantic Parser</a:t>
+                      </a:r>
+                      <a:endParaRPr lang="en-GB" sz="2400" dirty="0"/>
+                    </a:p>
+                  </a:txBody>
+                  <a:tcPr marL="94465" marR="94465" marT="46271" marB="46271"/>
+                </a:tc>
+                <a:tc>
+                  <a:txBody>
+                    <a:bodyPr/>
+                    <a:lstStyle/>
+                    <a:p>
+                      <a:pPr algn="ctr"/>
+                      <a:r>
+                        <a:rPr lang="en-GB" sz="2400" dirty="0" smtClean="0"/>
+                        <a:t>96.4</a:t>
+                      </a:r>
+                      <a:endParaRPr lang="en-GB" sz="2400" dirty="0"/>
+                    </a:p>
+                  </a:txBody>
+                  <a:tcPr marL="94465" marR="94465" marT="46271" marB="46271"/>
+                </a:tc>
+                <a:tc>
+                  <a:txBody>
+                    <a:bodyPr/>
+                    <a:lstStyle/>
+                    <a:p>
+                      <a:pPr algn="ctr"/>
+                      <a:r>
+                        <a:rPr lang="en-GB" sz="2400" dirty="0" smtClean="0"/>
+                        <a:t>95.1</a:t>
+                      </a:r>
+                      <a:endParaRPr lang="en-GB" sz="2400" dirty="0"/>
+                    </a:p>
+                  </a:txBody>
+                  <a:tcPr marL="94465" marR="94465" marT="46271" marB="46271"/>
+                </a:tc>
+                <a:tc>
+                  <a:txBody>
+                    <a:bodyPr/>
+                    <a:lstStyle/>
+                    <a:p>
+                      <a:pPr algn="ctr"/>
+                      <a:r>
+                        <a:rPr lang="en-GB" sz="2400" dirty="0" smtClean="0"/>
+                        <a:t>95.7</a:t>
+                      </a:r>
+                      <a:endParaRPr lang="en-GB" sz="2400" dirty="0"/>
+                    </a:p>
+                  </a:txBody>
+                  <a:tcPr marL="94465" marR="94465" marT="46271" marB="46271"/>
+                </a:tc>
+              </a:tr>
+              <a:tr h="462713">
+                <a:tc gridSpan="4">
+                  <a:txBody>
+                    <a:bodyPr/>
+                    <a:lstStyle/>
+                    <a:p>
+                      <a:pPr algn="l"/>
+                      <a:endParaRPr lang="en-GB" sz="2400" b="1" kern="1200" baseline="0" dirty="0" smtClean="0">
+                        <a:solidFill>
+                          <a:schemeClr val="dk1"/>
+                        </a:solidFill>
+                        <a:latin typeface="+mn-lt"/>
+                        <a:ea typeface="+mn-ea"/>
+                        <a:cs typeface="+mn-cs"/>
+                      </a:endParaRPr>
+                    </a:p>
+                  </a:txBody>
+                  <a:tcPr marL="94465" marR="94465" marT="46271" marB="46271"/>
+                </a:tc>
+                <a:tc hMerge="1">
+                  <a:txBody>
+                    <a:bodyPr/>
+                    <a:lstStyle/>
+                    <a:p>
+                      <a:endParaRPr lang="en-GB"/>
+                    </a:p>
+                  </a:txBody>
+                  <a:tcPr/>
+                </a:tc>
+                <a:tc hMerge="1">
+                  <a:txBody>
+                    <a:bodyPr/>
+                    <a:lstStyle/>
+                    <a:p>
+                      <a:endParaRPr lang="en-GB"/>
+                    </a:p>
+                  </a:txBody>
+                  <a:tcPr/>
+                </a:tc>
+                <a:tc hMerge="1">
+                  <a:txBody>
+                    <a:bodyPr/>
+                    <a:lstStyle/>
+                    <a:p>
+                      <a:endParaRPr lang="en-GB"/>
+                    </a:p>
+                  </a:txBody>
+                  <a:tcPr/>
+                </a:tc>
+              </a:tr>
+              <a:tr h="462713">
+                <a:tc gridSpan="4">
+                  <a:txBody>
+                    <a:bodyPr/>
+                    <a:lstStyle/>
+                    <a:p>
+                      <a:pPr algn="l"/>
+                      <a:r>
+                        <a:rPr lang="en-GB" sz="2400" b="1" kern="1200" baseline="0" dirty="0" smtClean="0"/>
+                        <a:t>TownInfo dataset with transcribed utterances:</a:t>
+                      </a:r>
+                      <a:endParaRPr lang="en-GB" sz="2400" b="1" kern="1200" baseline="0" dirty="0" smtClean="0">
+                        <a:solidFill>
+                          <a:schemeClr val="dk1"/>
+                        </a:solidFill>
+                        <a:latin typeface="+mn-lt"/>
+                        <a:ea typeface="+mn-ea"/>
+                        <a:cs typeface="+mn-cs"/>
+                      </a:endParaRPr>
+                    </a:p>
+                  </a:txBody>
+                  <a:tcPr marL="94465" marR="94465" marT="46271" marB="46271"/>
+                </a:tc>
+                <a:tc hMerge="1">
+                  <a:txBody>
+                    <a:bodyPr/>
+                    <a:lstStyle/>
+                    <a:p>
+                      <a:endParaRPr lang="en-GB"/>
+                    </a:p>
+                  </a:txBody>
+                  <a:tcPr/>
+                </a:tc>
+                <a:tc hMerge="1">
+                  <a:txBody>
+                    <a:bodyPr/>
+                    <a:lstStyle/>
+                    <a:p>
+                      <a:endParaRPr lang="en-GB"/>
+                    </a:p>
+                  </a:txBody>
+                  <a:tcPr/>
+                </a:tc>
+                <a:tc hMerge="1">
+                  <a:txBody>
+                    <a:bodyPr/>
+                    <a:lstStyle/>
+                    <a:p>
+                      <a:endParaRPr lang="en-GB"/>
+                    </a:p>
+                  </a:txBody>
+                  <a:tcPr/>
+                </a:tc>
+              </a:tr>
+              <a:tr h="462713">
+                <a:tc>
+                  <a:txBody>
+                    <a:bodyPr/>
+                    <a:lstStyle/>
+                    <a:p>
+                      <a:pPr marL="0" marR="0" indent="0" algn="l" defTabSz="914400" rtl="0" eaLnBrk="1" fontAlgn="auto" latinLnBrk="0" hangingPunct="1">
+                        <a:lnSpc>
+                          <a:spcPct val="100000"/>
+                        </a:lnSpc>
+                        <a:spcBef>
+                          <a:spcPts val="0"/>
+                        </a:spcBef>
+                        <a:spcAft>
+                          <a:spcPts val="0"/>
+                        </a:spcAft>
+                        <a:buClrTx/>
+                        <a:buSzTx/>
+                        <a:buFontTx/>
+                        <a:buNone/>
+                        <a:tabLst/>
+                        <a:defRPr/>
+                      </a:pPr>
+                      <a:r>
+                        <a:rPr lang="en-GB" sz="2400" dirty="0" smtClean="0"/>
+                        <a:t>Semantic Tuple</a:t>
+                      </a:r>
+                      <a:r>
+                        <a:rPr lang="en-GB" sz="2400" baseline="0" dirty="0" smtClean="0"/>
+                        <a:t> Classifiers</a:t>
+                      </a:r>
+                      <a:endParaRPr lang="en-GB" sz="2400" dirty="0"/>
+                    </a:p>
+                  </a:txBody>
+                  <a:tcPr marL="94465" marR="94465" marT="46271" marB="46271"/>
+                </a:tc>
+                <a:tc>
+                  <a:txBody>
+                    <a:bodyPr/>
+                    <a:lstStyle/>
+                    <a:p>
+                      <a:pPr algn="ctr"/>
+                      <a:r>
+                        <a:rPr lang="en-GB" sz="2400" dirty="0" smtClean="0"/>
+                        <a:t>97.4</a:t>
+                      </a:r>
+                      <a:endParaRPr lang="en-GB" sz="2400" dirty="0"/>
+                    </a:p>
+                  </a:txBody>
+                  <a:tcPr marL="94465" marR="94465" marT="46271" marB="46271"/>
+                </a:tc>
+                <a:tc>
+                  <a:txBody>
+                    <a:bodyPr/>
+                    <a:lstStyle/>
+                    <a:p>
+                      <a:pPr algn="ctr"/>
+                      <a:r>
+                        <a:rPr lang="en-GB" sz="2400" dirty="0" smtClean="0"/>
+                        <a:t>94.0</a:t>
+                      </a:r>
+                      <a:endParaRPr lang="en-GB" sz="2400" dirty="0"/>
+                    </a:p>
+                  </a:txBody>
+                  <a:tcPr marL="94465" marR="94465" marT="46271" marB="46271"/>
+                </a:tc>
+                <a:tc>
+                  <a:txBody>
+                    <a:bodyPr/>
+                    <a:lstStyle/>
+                    <a:p>
+                      <a:pPr algn="ctr"/>
+                      <a:r>
+                        <a:rPr lang="en-GB" sz="2400" dirty="0" smtClean="0"/>
+                        <a:t>95.7</a:t>
+                      </a:r>
+                      <a:endParaRPr lang="en-GB" sz="2400" b="1" dirty="0"/>
+                    </a:p>
+                  </a:txBody>
+                  <a:tcPr marL="94465" marR="94465" marT="46271" marB="46271"/>
+                </a:tc>
+              </a:tr>
+              <a:tr h="462713">
+                <a:tc>
+                  <a:txBody>
+                    <a:bodyPr/>
+                    <a:lstStyle/>
+                    <a:p>
+                      <a:r>
+                        <a:rPr lang="en-GB" sz="2400" dirty="0" smtClean="0"/>
+                        <a:t>Phoenix grammar</a:t>
+                      </a:r>
+                      <a:endParaRPr lang="en-GB" sz="2400" dirty="0"/>
+                    </a:p>
+                  </a:txBody>
+                  <a:tcPr marL="94465" marR="94465" marT="46271" marB="46271"/>
+                </a:tc>
+                <a:tc>
+                  <a:txBody>
+                    <a:bodyPr/>
+                    <a:lstStyle/>
+                    <a:p>
+                      <a:pPr algn="ctr"/>
+                      <a:r>
+                        <a:rPr lang="en-GB" sz="2400" dirty="0" smtClean="0"/>
+                        <a:t>96.3</a:t>
+                      </a:r>
+                      <a:endParaRPr lang="en-GB" sz="2400" dirty="0"/>
+                    </a:p>
+                  </a:txBody>
+                  <a:tcPr marL="94465" marR="94465" marT="46271" marB="46271"/>
+                </a:tc>
+                <a:tc>
+                  <a:txBody>
+                    <a:bodyPr/>
+                    <a:lstStyle/>
+                    <a:p>
+                      <a:pPr algn="ctr"/>
+                      <a:r>
+                        <a:rPr lang="en-GB" sz="2400" dirty="0" smtClean="0"/>
+                        <a:t>94.2</a:t>
+                      </a:r>
+                      <a:endParaRPr lang="en-GB" sz="2400" dirty="0"/>
+                    </a:p>
+                  </a:txBody>
+                  <a:tcPr marL="94465" marR="94465" marT="46271" marB="46271"/>
+                </a:tc>
+                <a:tc>
+                  <a:txBody>
+                    <a:bodyPr/>
+                    <a:lstStyle/>
+                    <a:p>
+                      <a:pPr algn="ctr"/>
+                      <a:r>
+                        <a:rPr lang="en-GB" sz="2400" dirty="0" smtClean="0"/>
+                        <a:t>95.3</a:t>
+                      </a:r>
+                      <a:endParaRPr lang="en-GB" sz="2400" dirty="0"/>
+                    </a:p>
+                  </a:txBody>
+                  <a:tcPr marL="94465" marR="94465" marT="46271" marB="46271"/>
+                </a:tc>
+              </a:tr>
+              <a:tr h="462713">
+                <a:tc>
+                  <a:txBody>
+                    <a:bodyPr/>
+                    <a:lstStyle/>
+                    <a:p>
+                      <a:r>
+                        <a:rPr lang="en-GB" sz="2400" dirty="0" smtClean="0"/>
+                        <a:t>TBL Semantic Parser</a:t>
+                      </a:r>
+                      <a:endParaRPr lang="en-GB" sz="2400" dirty="0"/>
+                    </a:p>
+                  </a:txBody>
+                  <a:tcPr marL="94465" marR="94465" marT="46271" marB="46271"/>
+                </a:tc>
+                <a:tc>
+                  <a:txBody>
+                    <a:bodyPr/>
+                    <a:lstStyle/>
+                    <a:p>
+                      <a:pPr algn="ctr"/>
+                      <a:r>
+                        <a:rPr lang="en-GB" sz="2400" dirty="0" smtClean="0"/>
+                        <a:t>92.7</a:t>
+                      </a:r>
+                      <a:endParaRPr lang="en-GB" sz="2400" dirty="0"/>
+                    </a:p>
+                  </a:txBody>
+                  <a:tcPr marL="94465" marR="94465" marT="46271" marB="46271"/>
+                </a:tc>
+                <a:tc>
+                  <a:txBody>
+                    <a:bodyPr/>
+                    <a:lstStyle/>
+                    <a:p>
+                      <a:pPr algn="ctr"/>
+                      <a:r>
+                        <a:rPr lang="en-GB" sz="2400" dirty="0" smtClean="0"/>
+                        <a:t>94.7</a:t>
+                      </a:r>
+                      <a:endParaRPr lang="en-GB" sz="2400" dirty="0"/>
+                    </a:p>
+                  </a:txBody>
+                  <a:tcPr marL="94465" marR="94465" marT="46271" marB="46271"/>
+                </a:tc>
+                <a:tc>
+                  <a:txBody>
+                    <a:bodyPr/>
+                    <a:lstStyle/>
+                    <a:p>
+                      <a:pPr algn="ctr"/>
+                      <a:r>
+                        <a:rPr lang="en-GB" sz="2400" dirty="0" smtClean="0"/>
+                        <a:t>95.4</a:t>
+                      </a:r>
+                      <a:endParaRPr lang="en-GB" sz="2400" dirty="0"/>
+                    </a:p>
+                  </a:txBody>
+                  <a:tcPr marL="94465" marR="94465" marT="46271" marB="46271"/>
+                </a:tc>
+              </a:tr>
+              <a:tr h="462713">
+                <a:tc gridSpan="4">
+                  <a:txBody>
+                    <a:bodyPr/>
+                    <a:lstStyle/>
+                    <a:p>
+                      <a:pPr marL="0" marR="0" indent="0" algn="l" defTabSz="914400" rtl="0" eaLnBrk="1" fontAlgn="auto" latinLnBrk="0" hangingPunct="1">
+                        <a:lnSpc>
+                          <a:spcPct val="100000"/>
+                        </a:lnSpc>
+                        <a:spcBef>
+                          <a:spcPts val="0"/>
+                        </a:spcBef>
+                        <a:spcAft>
+                          <a:spcPts val="0"/>
+                        </a:spcAft>
+                        <a:buClrTx/>
+                        <a:buSzTx/>
+                        <a:buFontTx/>
+                        <a:buNone/>
+                        <a:tabLst/>
+                        <a:defRPr/>
+                      </a:pPr>
+                      <a:endParaRPr lang="en-GB" sz="2400" b="1" kern="1200" baseline="0" dirty="0" smtClean="0">
+                        <a:solidFill>
+                          <a:schemeClr val="dk1"/>
+                        </a:solidFill>
+                        <a:latin typeface="+mn-lt"/>
+                        <a:ea typeface="+mn-ea"/>
+                        <a:cs typeface="+mn-cs"/>
+                      </a:endParaRPr>
+                    </a:p>
+                  </a:txBody>
+                  <a:tcPr marL="94465" marR="94465" marT="46271" marB="46271"/>
+                </a:tc>
+                <a:tc hMerge="1">
+                  <a:txBody>
+                    <a:bodyPr/>
+                    <a:lstStyle/>
+                    <a:p>
+                      <a:endParaRPr lang="en-GB"/>
+                    </a:p>
+                  </a:txBody>
+                  <a:tcPr/>
+                </a:tc>
+                <a:tc hMerge="1">
+                  <a:txBody>
+                    <a:bodyPr/>
+                    <a:lstStyle/>
+                    <a:p>
+                      <a:endParaRPr lang="en-GB"/>
+                    </a:p>
+                  </a:txBody>
+                  <a:tcPr/>
+                </a:tc>
+                <a:tc hMerge="1">
+                  <a:txBody>
+                    <a:bodyPr/>
+                    <a:lstStyle/>
+                    <a:p>
+                      <a:endParaRPr lang="en-GB" dirty="0"/>
+                    </a:p>
+                  </a:txBody>
+                  <a:tcPr/>
+                </a:tc>
+              </a:tr>
+              <a:tr h="462713">
+                <a:tc gridSpan="4">
+                  <a:txBody>
+                    <a:bodyPr/>
+                    <a:lstStyle/>
+                    <a:p>
+                      <a:pPr marL="0" marR="0" indent="0" algn="l" defTabSz="914400" rtl="0" eaLnBrk="1" fontAlgn="auto" latinLnBrk="0" hangingPunct="1">
+                        <a:lnSpc>
+                          <a:spcPct val="100000"/>
+                        </a:lnSpc>
+                        <a:spcBef>
+                          <a:spcPts val="0"/>
+                        </a:spcBef>
+                        <a:spcAft>
+                          <a:spcPts val="0"/>
+                        </a:spcAft>
+                        <a:buClrTx/>
+                        <a:buSzTx/>
+                        <a:buFontTx/>
+                        <a:buNone/>
+                        <a:tabLst/>
+                        <a:defRPr/>
+                      </a:pPr>
+                      <a:r>
+                        <a:rPr lang="en-GB" sz="2400" b="1" kern="1200" baseline="0" dirty="0" smtClean="0"/>
+                        <a:t>TownInfo dataset with ASR output:</a:t>
+                      </a:r>
+                      <a:endParaRPr lang="en-GB" sz="2400" b="1" kern="1200" baseline="0" dirty="0" smtClean="0">
+                        <a:solidFill>
+                          <a:schemeClr val="dk1"/>
+                        </a:solidFill>
+                        <a:latin typeface="+mn-lt"/>
+                        <a:ea typeface="+mn-ea"/>
+                        <a:cs typeface="+mn-cs"/>
+                      </a:endParaRPr>
+                    </a:p>
+                  </a:txBody>
+                  <a:tcPr marL="94465" marR="94465" marT="46271" marB="46271"/>
+                </a:tc>
+                <a:tc hMerge="1">
+                  <a:txBody>
+                    <a:bodyPr/>
+                    <a:lstStyle/>
+                    <a:p>
+                      <a:endParaRPr lang="en-GB"/>
+                    </a:p>
+                  </a:txBody>
+                  <a:tcPr/>
+                </a:tc>
+                <a:tc hMerge="1">
+                  <a:txBody>
+                    <a:bodyPr/>
+                    <a:lstStyle/>
+                    <a:p>
+                      <a:endParaRPr lang="en-GB"/>
+                    </a:p>
+                  </a:txBody>
+                  <a:tcPr/>
+                </a:tc>
+                <a:tc hMerge="1">
+                  <a:txBody>
+                    <a:bodyPr/>
+                    <a:lstStyle/>
+                    <a:p>
+                      <a:endParaRPr lang="en-GB"/>
+                    </a:p>
+                  </a:txBody>
+                  <a:tcPr/>
+                </a:tc>
+              </a:tr>
+              <a:tr h="462713">
+                <a:tc>
+                  <a:txBody>
+                    <a:bodyPr/>
+                    <a:lstStyle/>
+                    <a:p>
+                      <a:r>
+                        <a:rPr lang="en-GB" sz="2400" dirty="0" smtClean="0"/>
+                        <a:t>Semantic Tuple Classifiers</a:t>
+                      </a:r>
+                      <a:endParaRPr lang="en-GB" sz="2400" dirty="0"/>
+                    </a:p>
+                  </a:txBody>
+                  <a:tcPr marL="94465" marR="94465" marT="46271" marB="46271"/>
+                </a:tc>
+                <a:tc>
+                  <a:txBody>
+                    <a:bodyPr/>
+                    <a:lstStyle/>
+                    <a:p>
+                      <a:pPr algn="ctr"/>
+                      <a:r>
+                        <a:rPr lang="en-GB" sz="2400" dirty="0" smtClean="0"/>
+                        <a:t>94.0</a:t>
+                      </a:r>
+                      <a:endParaRPr lang="en-GB" sz="2400" dirty="0"/>
+                    </a:p>
+                  </a:txBody>
+                  <a:tcPr marL="94465" marR="94465" marT="46271" marB="46271"/>
+                </a:tc>
+                <a:tc>
+                  <a:txBody>
+                    <a:bodyPr/>
+                    <a:lstStyle/>
+                    <a:p>
+                      <a:pPr algn="ctr"/>
+                      <a:r>
+                        <a:rPr lang="en-GB" sz="2400" dirty="0" smtClean="0"/>
+                        <a:t>83.7</a:t>
+                      </a:r>
+                      <a:endParaRPr lang="en-GB" sz="2400" dirty="0"/>
+                    </a:p>
+                  </a:txBody>
+                  <a:tcPr marL="94465" marR="94465" marT="46271" marB="46271"/>
+                </a:tc>
+                <a:tc>
+                  <a:txBody>
+                    <a:bodyPr/>
+                    <a:lstStyle/>
+                    <a:p>
+                      <a:pPr algn="ctr"/>
+                      <a:r>
+                        <a:rPr lang="en-GB" sz="2400" dirty="0" smtClean="0"/>
+                        <a:t>88.6</a:t>
+                      </a:r>
+                      <a:endParaRPr lang="en-GB" sz="2400" b="1" dirty="0"/>
+                    </a:p>
+                  </a:txBody>
+                  <a:tcPr marL="94465" marR="94465" marT="46271" marB="46271"/>
+                </a:tc>
+              </a:tr>
+              <a:tr h="462713">
+                <a:tc>
+                  <a:txBody>
+                    <a:bodyPr/>
+                    <a:lstStyle/>
+                    <a:p>
+                      <a:r>
+                        <a:rPr lang="en-GB" sz="2400" dirty="0" smtClean="0"/>
+                        <a:t>Phoenix grammar</a:t>
+                      </a:r>
+                      <a:endParaRPr lang="en-GB" sz="2400" dirty="0"/>
+                    </a:p>
+                  </a:txBody>
+                  <a:tcPr marL="94465" marR="94465" marT="46271" marB="46271"/>
+                </a:tc>
+                <a:tc>
+                  <a:txBody>
+                    <a:bodyPr/>
+                    <a:lstStyle/>
+                    <a:p>
+                      <a:pPr algn="ctr"/>
+                      <a:r>
+                        <a:rPr lang="en-GB" sz="2400" dirty="0" smtClean="0"/>
+                        <a:t>90.3</a:t>
+                      </a:r>
+                      <a:endParaRPr lang="en-GB" sz="2400" dirty="0"/>
+                    </a:p>
+                  </a:txBody>
+                  <a:tcPr marL="94465" marR="94465" marT="46271" marB="46271"/>
+                </a:tc>
+                <a:tc>
+                  <a:txBody>
+                    <a:bodyPr/>
+                    <a:lstStyle/>
+                    <a:p>
+                      <a:pPr algn="ctr"/>
+                      <a:r>
+                        <a:rPr lang="en-GB" sz="2400" dirty="0" smtClean="0"/>
+                        <a:t>79.5</a:t>
+                      </a:r>
+                      <a:endParaRPr lang="en-GB" sz="2400" dirty="0"/>
+                    </a:p>
+                  </a:txBody>
+                  <a:tcPr marL="94465" marR="94465" marT="46271" marB="46271"/>
+                </a:tc>
+                <a:tc>
+                  <a:txBody>
+                    <a:bodyPr/>
+                    <a:lstStyle/>
+                    <a:p>
+                      <a:pPr algn="ctr"/>
+                      <a:r>
+                        <a:rPr lang="en-GB" sz="2400" dirty="0" smtClean="0"/>
+                        <a:t>85.5</a:t>
+                      </a:r>
+                      <a:endParaRPr lang="en-GB" sz="2400" dirty="0"/>
+                    </a:p>
+                  </a:txBody>
+                  <a:tcPr marL="94465" marR="94465" marT="46271" marB="46271"/>
+                </a:tc>
+              </a:tr>
+              <a:tr h="462713">
+                <a:tc>
+                  <a:txBody>
+                    <a:bodyPr/>
+                    <a:lstStyle/>
+                    <a:p>
+                      <a:r>
+                        <a:rPr lang="en-GB" sz="2400" dirty="0" smtClean="0"/>
+                        <a:t>TBL Semantic Parser</a:t>
+                      </a:r>
+                      <a:endParaRPr lang="en-GB" sz="2400" dirty="0"/>
+                    </a:p>
+                  </a:txBody>
+                  <a:tcPr marL="94465" marR="94465" marT="46271" marB="46271"/>
+                </a:tc>
+                <a:tc>
+                  <a:txBody>
+                    <a:bodyPr/>
+                    <a:lstStyle/>
+                    <a:p>
+                      <a:pPr algn="ctr"/>
+                      <a:r>
+                        <a:rPr lang="en-GB" sz="2400" dirty="0" smtClean="0"/>
+                        <a:t>92.7</a:t>
+                      </a:r>
+                      <a:endParaRPr lang="en-GB" sz="2400" dirty="0"/>
+                    </a:p>
+                  </a:txBody>
+                  <a:tcPr marL="94465" marR="94465" marT="46271" marB="46271"/>
+                </a:tc>
+                <a:tc>
+                  <a:txBody>
+                    <a:bodyPr/>
+                    <a:lstStyle/>
+                    <a:p>
+                      <a:pPr algn="ctr"/>
+                      <a:r>
+                        <a:rPr lang="en-GB" sz="2400" dirty="0" smtClean="0"/>
+                        <a:t>83.4</a:t>
+                      </a:r>
+                      <a:endParaRPr lang="en-GB" sz="2400" dirty="0"/>
+                    </a:p>
+                  </a:txBody>
+                  <a:tcPr marL="94465" marR="94465" marT="46271" marB="46271"/>
+                </a:tc>
+                <a:tc>
+                  <a:txBody>
+                    <a:bodyPr/>
+                    <a:lstStyle/>
+                    <a:p>
+                      <a:pPr algn="ctr"/>
+                      <a:r>
+                        <a:rPr lang="en-GB" sz="2400" dirty="0" smtClean="0"/>
+                        <a:t>87.8</a:t>
                       </a:r>
                       <a:endParaRPr lang="en-GB" sz="2400" dirty="0"/>
                     </a:p>
@@ -6498,8 +6493,8 @@
         </p:nvSpPr>
         <p:spPr>
           <a:xfrm>
-            <a:off x="1927751" y="9243138"/>
-            <a:ext cx="12094131" cy="3429265"/>
+            <a:off x="1927751" y="9024060"/>
+            <a:ext cx="10762291" cy="3059933"/>
           </a:xfrm>
           <a:prstGeom prst="rect">
             <a:avLst/>
@@ -6513,53 +6508,45 @@
           <a:lstStyle/>
           <a:p>
             <a:r>
-              <a:rPr lang="de-DE" sz="3600" u="sng" baseline="0" dirty="0" smtClean="0"/>
+              <a:rPr lang="de-DE" sz="3200" u="sng" baseline="0" dirty="0" smtClean="0"/>
               <a:t>what are the lowest airfare from Washington DC to Boston</a:t>
             </a:r>
           </a:p>
           <a:p>
             <a:r>
-              <a:rPr lang="de-DE" sz="3600" baseline="0" dirty="0" smtClean="0"/>
+              <a:rPr lang="de-DE" sz="3200" baseline="0" dirty="0" smtClean="0"/>
               <a:t>GOAL		= airfare</a:t>
             </a:r>
           </a:p>
           <a:p>
             <a:r>
-              <a:rPr lang="de-DE" sz="3600" baseline="0" dirty="0" smtClean="0"/>
-              <a:t>airfare.type	</a:t>
-            </a:r>
-            <a:r>
-              <a:rPr lang="de-DE" sz="3600" baseline="0" dirty="0" smtClean="0"/>
-              <a:t>= </a:t>
-            </a:r>
-            <a:r>
-              <a:rPr lang="de-DE" sz="3600" baseline="0" dirty="0" smtClean="0"/>
-              <a:t>lowest</a:t>
-            </a:r>
-          </a:p>
-          <a:p>
-            <a:r>
-              <a:rPr lang="de-DE" sz="3600" baseline="0" dirty="0" smtClean="0"/>
+              <a:rPr lang="de-DE" sz="3200" baseline="0" dirty="0" smtClean="0"/>
+              <a:t>airfare.type	= lowest</a:t>
+            </a:r>
+          </a:p>
+          <a:p>
+            <a:r>
+              <a:rPr lang="de-DE" sz="3200" baseline="0" dirty="0" smtClean="0"/>
               <a:t>from.city		= Wahington</a:t>
             </a:r>
           </a:p>
           <a:p>
             <a:r>
-              <a:rPr lang="de-DE" sz="3600" baseline="0" dirty="0" smtClean="0"/>
+              <a:rPr lang="de-DE" sz="3200" baseline="0" dirty="0" smtClean="0"/>
               <a:t>from.state	</a:t>
             </a:r>
             <a:r>
-              <a:rPr lang="de-DE" sz="3600" baseline="0" dirty="0" smtClean="0"/>
-              <a:t>= </a:t>
-            </a:r>
-            <a:r>
-              <a:rPr lang="de-DE" sz="3600" baseline="0" dirty="0" smtClean="0"/>
+              <a:rPr lang="de-DE" sz="3200" baseline="0" dirty="0" smtClean="0"/>
+              <a:t>	= </a:t>
+            </a:r>
+            <a:r>
+              <a:rPr lang="de-DE" sz="3200" baseline="0" dirty="0" smtClean="0"/>
               <a:t>DC</a:t>
             </a:r>
           </a:p>
           <a:p>
             <a:r>
-              <a:rPr lang="de-DE" sz="3600" baseline="0" dirty="0" smtClean="0"/>
+              <a:rPr lang="de-DE" sz="3200" baseline="0" dirty="0" smtClean="0"/>
               <a:t>to.city		= Boston</a:t>
             </a:r>
           </a:p>
@@ -6575,7 +6562,7 @@
         </p:nvSpPr>
         <p:spPr bwMode="auto">
           <a:xfrm>
-            <a:off x="33080313" y="23694900"/>
+            <a:off x="33080313" y="23556234"/>
             <a:ext cx="5784198" cy="1059386"/>
           </a:xfrm>
           <a:prstGeom prst="rect">
@@ -6625,7 +6612,7 @@
         </p:nvSpPr>
         <p:spPr bwMode="auto">
           <a:xfrm>
-            <a:off x="686309" y="23555725"/>
+            <a:off x="686309" y="21328941"/>
             <a:ext cx="13238293" cy="1059386"/>
           </a:xfrm>
           <a:prstGeom prst="rect">
@@ -6654,7 +6641,7 @@
                 </a:solidFill>
                 <a:latin typeface="Verdana" pitchFamily="34" charset="0"/>
               </a:rPr>
-              <a:t>Tranformation parsing</a:t>
+              <a:t>Tranformations</a:t>
             </a:r>
             <a:endParaRPr lang="de-DE" sz="6200" b="1" baseline="0" dirty="0">
               <a:solidFill>
@@ -6673,7 +6660,7 @@
         </p:nvSpPr>
         <p:spPr>
           <a:xfrm>
-            <a:off x="1453082" y="24907215"/>
+            <a:off x="1453082" y="22715633"/>
             <a:ext cx="12743038" cy="4199797"/>
           </a:xfrm>
           <a:prstGeom prst="rect">
@@ -6689,17 +6676,8 @@
           <a:p>
             <a:r>
               <a:rPr lang="de-DE" sz="3200" u="sng" baseline="0" dirty="0" smtClean="0"/>
-              <a:t>Triggers</a:t>
-            </a:r>
-            <a:r>
-              <a:rPr lang="de-DE" sz="3200" u="sng" baseline="0" dirty="0" smtClean="0"/>
-              <a:t>	</a:t>
-            </a:r>
-            <a:r>
-              <a:rPr lang="de-DE" sz="3200" u="sng" baseline="0" dirty="0" smtClean="0"/>
-              <a:t>		Transformations				 		  </a:t>
-            </a:r>
-            <a:endParaRPr lang="de-DE" sz="3200" u="sng" baseline="0" dirty="0" smtClean="0"/>
+              <a:t>Triggers			Transformations				 		  </a:t>
+            </a:r>
           </a:p>
           <a:p>
             <a:pPr>
@@ -6709,17 +6687,8 @@
             </a:pPr>
             <a:r>
               <a:rPr lang="de-DE" sz="3200" baseline="0" dirty="0" smtClean="0"/>
-              <a:t>„tickets“</a:t>
-            </a:r>
-            <a:r>
-              <a:rPr lang="de-DE" sz="3200" baseline="0" dirty="0" smtClean="0"/>
-              <a:t>		</a:t>
-            </a:r>
-            <a:r>
-              <a:rPr lang="de-DE" sz="3200" baseline="0" dirty="0" smtClean="0"/>
-              <a:t>	replace the goal by „airfare“</a:t>
-            </a:r>
-            <a:endParaRPr lang="de-DE" sz="3200" baseline="0" dirty="0" smtClean="0"/>
+              <a:t>„tickets“			replace the goal by „airfare“</a:t>
+            </a:r>
           </a:p>
           <a:p>
             <a:pPr>
@@ -6729,13 +6698,8 @@
             </a:pPr>
             <a:r>
               <a:rPr lang="de-DE" sz="3200" baseline="0" dirty="0" smtClean="0"/>
-              <a:t>„flights * from“</a:t>
-            </a:r>
-            <a:r>
-              <a:rPr lang="de-DE" sz="3200" baseline="0" dirty="0" smtClean="0"/>
-              <a:t>	</a:t>
-            </a:r>
-            <a:endParaRPr lang="de-DE" sz="3200" baseline="0" dirty="0" smtClean="0"/>
+              <a:t>„flights * from“	</a:t>
+            </a:r>
           </a:p>
           <a:p>
             <a:pPr>
@@ -6747,7 +6711,6 @@
               <a:rPr lang="de-DE" sz="3200" baseline="0" dirty="0" smtClean="0"/>
               <a:t>&amp; GOAL=airfare	replace the goal by flight</a:t>
             </a:r>
-            <a:endParaRPr lang="de-DE" sz="3200" baseline="0" dirty="0" smtClean="0"/>
           </a:p>
           <a:p>
             <a:pPr>
@@ -6759,7 +6722,6 @@
               <a:rPr lang="de-DE" sz="3200" baseline="0" dirty="0" smtClean="0"/>
               <a:t>„Seatle“			add the slot „to.city=Seatle“</a:t>
             </a:r>
-            <a:endParaRPr lang="de-DE" sz="3200" baseline="0" dirty="0" smtClean="0"/>
           </a:p>
           <a:p>
             <a:pPr>
@@ -6769,17 +6731,8 @@
             </a:pPr>
             <a:r>
               <a:rPr lang="de-DE" sz="3200" baseline="0" dirty="0" smtClean="0"/>
-              <a:t>„connecting“</a:t>
-            </a:r>
-            <a:r>
-              <a:rPr lang="de-DE" sz="3200" baseline="0" dirty="0" smtClean="0"/>
-              <a:t>		</a:t>
-            </a:r>
-            <a:r>
-              <a:rPr lang="de-DE" sz="3200" baseline="0" dirty="0" smtClean="0"/>
-              <a:t>replace the slot „to.city=*“ by „stop.city=*“</a:t>
-            </a:r>
-            <a:endParaRPr lang="de-DE" sz="3200" baseline="0" dirty="0" smtClean="0"/>
+              <a:t>„connecting“		replace the slot „to.city=*“ by „stop.city=*“</a:t>
+            </a:r>
           </a:p>
         </p:txBody>
       </p:sp>
@@ -6791,7 +6744,7 @@
         </p:nvSpPr>
         <p:spPr>
           <a:xfrm>
-            <a:off x="16277360" y="11981613"/>
+            <a:off x="17130865" y="10082937"/>
             <a:ext cx="4769497" cy="597721"/>
           </a:xfrm>
           <a:prstGeom prst="rect">
@@ -6807,17 +6760,8 @@
           <a:p>
             <a:r>
               <a:rPr lang="de-DE" sz="3200" baseline="0" dirty="0" smtClean="0"/>
-              <a:t>GOAL</a:t>
-            </a:r>
-            <a:r>
-              <a:rPr lang="de-DE" sz="3200" baseline="0" dirty="0" smtClean="0"/>
-              <a:t>		</a:t>
-            </a:r>
-            <a:r>
-              <a:rPr lang="de-DE" sz="3200" baseline="0" dirty="0" smtClean="0"/>
-              <a:t>= 	flight</a:t>
-            </a:r>
-            <a:endParaRPr lang="de-DE" sz="3200" baseline="0" dirty="0" smtClean="0"/>
+              <a:t>GOAL		= 	flight</a:t>
+            </a:r>
           </a:p>
         </p:txBody>
       </p:sp>
@@ -6829,7 +6773,7 @@
         </p:nvSpPr>
         <p:spPr>
           <a:xfrm>
-            <a:off x="16277360" y="16947381"/>
+            <a:off x="17117159" y="14975679"/>
             <a:ext cx="5635118" cy="2075048"/>
           </a:xfrm>
           <a:prstGeom prst="rect">
@@ -6845,35 +6789,19 @@
           <a:p>
             <a:r>
               <a:rPr lang="de-DE" sz="3200" baseline="0" dirty="0" smtClean="0"/>
-              <a:t>GOAL</a:t>
-            </a:r>
+              <a:t>GOAL		= 	flight</a:t>
+            </a:r>
+          </a:p>
+          <a:p>
             <a:r>
               <a:rPr lang="de-DE" sz="3200" baseline="0" dirty="0" smtClean="0"/>
-              <a:t>		</a:t>
-            </a:r>
+              <a:t>from.city		=	Toronto</a:t>
+            </a:r>
+          </a:p>
+          <a:p>
             <a:r>
               <a:rPr lang="de-DE" sz="3200" baseline="0" dirty="0" smtClean="0"/>
-              <a:t>= 	flight</a:t>
-            </a:r>
-          </a:p>
-          <a:p>
-            <a:r>
-              <a:rPr lang="de-DE" sz="3200" baseline="0" dirty="0" smtClean="0"/>
-              <a:t>f</a:t>
-            </a:r>
-            <a:r>
-              <a:rPr lang="de-DE" sz="3200" baseline="0" dirty="0" smtClean="0"/>
-              <a:t>rom.city		=	Toronto</a:t>
-            </a:r>
-          </a:p>
-          <a:p>
-            <a:r>
-              <a:rPr lang="de-DE" sz="3200" baseline="0" dirty="0" smtClean="0"/>
-              <a:t>t</a:t>
-            </a:r>
-            <a:r>
-              <a:rPr lang="de-DE" sz="3200" baseline="0" dirty="0" smtClean="0"/>
-              <a:t>o.city		=	Sandiego</a:t>
+              <a:t>to.city		=	Sandiego</a:t>
             </a:r>
           </a:p>
           <a:p>
@@ -6881,7 +6809,6 @@
               <a:rPr lang="de-DE" sz="3200" baseline="0" dirty="0" smtClean="0"/>
               <a:t>departure.day	=	Saturday</a:t>
             </a:r>
-            <a:endParaRPr lang="de-DE" sz="3200" baseline="0" dirty="0" smtClean="0"/>
           </a:p>
         </p:txBody>
       </p:sp>
@@ -6893,8 +6820,8 @@
         </p:nvSpPr>
         <p:spPr>
           <a:xfrm>
-            <a:off x="16277360" y="14099367"/>
-            <a:ext cx="11747369" cy="2075048"/>
+            <a:off x="16277360" y="12091152"/>
+            <a:ext cx="12213842" cy="2075048"/>
           </a:xfrm>
           <a:prstGeom prst="rect">
             <a:avLst/>
@@ -6909,8 +6836,13 @@
           <a:p>
             <a:r>
               <a:rPr lang="de-DE" sz="3200" u="sng" baseline="0" dirty="0" smtClean="0"/>
-              <a:t>#	trigger	transformation</a:t>
-            </a:r>
+              <a:t>#	trigger	</a:t>
+            </a:r>
+            <a:r>
+              <a:rPr lang="de-DE" sz="3200" u="sng" baseline="0" dirty="0" smtClean="0"/>
+              <a:t>		transformation						</a:t>
+            </a:r>
+            <a:endParaRPr lang="de-DE" sz="3200" u="sng" baseline="0" dirty="0" smtClean="0"/>
           </a:p>
           <a:p>
             <a:pPr marL="514350" indent="-514350">
@@ -6938,6 +6870,242 @@
               <a:rPr lang="de-DE" sz="3200" baseline="0" dirty="0" smtClean="0"/>
               <a:t>„Saturday“			add the slot „departure.day=Saturday“</a:t>
             </a:r>
+          </a:p>
+        </p:txBody>
+      </p:sp>
+      <p:sp>
+        <p:nvSpPr>
+          <p:cNvPr id="29" name="TextBox 28"/>
+          <p:cNvSpPr txBox="1"/>
+          <p:nvPr/>
+        </p:nvSpPr>
+        <p:spPr>
+          <a:xfrm>
+            <a:off x="16277360" y="18079284"/>
+            <a:ext cx="12213842" cy="1582606"/>
+          </a:xfrm>
+          <a:prstGeom prst="rect">
+            <a:avLst/>
+          </a:prstGeom>
+          <a:noFill/>
+        </p:spPr>
+        <p:txBody>
+          <a:bodyPr wrap="none" lIns="104260" tIns="52130" rIns="104260" bIns="52130" rtlCol="0">
+            <a:spAutoFit/>
+          </a:bodyPr>
+          <a:lstStyle/>
+          <a:p>
+            <a:r>
+              <a:rPr lang="de-DE" sz="3200" u="sng" baseline="0" dirty="0" smtClean="0"/>
+              <a:t>#	trigger	</a:t>
+            </a:r>
+            <a:r>
+              <a:rPr lang="de-DE" sz="3200" u="sng" baseline="0" dirty="0" smtClean="0"/>
+              <a:t>		transformation						</a:t>
+            </a:r>
+            <a:endParaRPr lang="de-DE" sz="3200" u="sng" baseline="0" dirty="0" smtClean="0"/>
+          </a:p>
+          <a:p>
+            <a:pPr marL="514350" indent="-514350">
+              <a:buFont typeface="Wingdings" pitchFamily="2" charset="2"/>
+              <a:buAutoNum type="arabicPlain" startAt="5"/>
+            </a:pPr>
+            <a:r>
+              <a:rPr lang="de-DE" sz="3200" baseline="0" dirty="0" smtClean="0"/>
+              <a:t>„arrive“</a:t>
+            </a:r>
+            <a:r>
+              <a:rPr lang="de-DE" sz="3200" baseline="0" dirty="0" smtClean="0"/>
+              <a:t>	</a:t>
+            </a:r>
+            <a:r>
+              <a:rPr lang="de-DE" sz="3200" baseline="0" dirty="0" smtClean="0"/>
+              <a:t>			replace the </a:t>
+            </a:r>
+            <a:r>
+              <a:rPr lang="de-DE" sz="3200" baseline="0" dirty="0" smtClean="0"/>
+              <a:t>slot </a:t>
+            </a:r>
+            <a:r>
+              <a:rPr lang="de-DE" sz="3200" baseline="0" dirty="0" smtClean="0"/>
+              <a:t>„departure.day=*“ by</a:t>
+            </a:r>
+          </a:p>
+          <a:p>
+            <a:pPr marL="514350" indent="-514350"/>
+            <a:r>
+              <a:rPr lang="de-DE" sz="3200" baseline="0" dirty="0" smtClean="0"/>
+              <a:t>	</a:t>
+            </a:r>
+            <a:r>
+              <a:rPr lang="de-DE" sz="3200" baseline="0" dirty="0" smtClean="0"/>
+              <a:t>					„arrival.day=*“</a:t>
+            </a:r>
+            <a:endParaRPr lang="de-DE" sz="3200" baseline="0" dirty="0" smtClean="0"/>
+          </a:p>
+        </p:txBody>
+      </p:sp>
+      <p:sp>
+        <p:nvSpPr>
+          <p:cNvPr id="30" name="TextBox 29"/>
+          <p:cNvSpPr txBox="1"/>
+          <p:nvPr/>
+        </p:nvSpPr>
+        <p:spPr>
+          <a:xfrm>
+            <a:off x="17153672" y="20416116"/>
+            <a:ext cx="5635118" cy="2075048"/>
+          </a:xfrm>
+          <a:prstGeom prst="rect">
+            <a:avLst/>
+          </a:prstGeom>
+          <a:noFill/>
+        </p:spPr>
+        <p:txBody>
+          <a:bodyPr wrap="none" lIns="104260" tIns="52130" rIns="104260" bIns="52130" rtlCol="0">
+            <a:spAutoFit/>
+          </a:bodyPr>
+          <a:lstStyle/>
+          <a:p>
+            <a:r>
+              <a:rPr lang="de-DE" sz="3200" baseline="0" dirty="0" smtClean="0"/>
+              <a:t>GOAL		= 	flight</a:t>
+            </a:r>
+          </a:p>
+          <a:p>
+            <a:r>
+              <a:rPr lang="de-DE" sz="3200" baseline="0" dirty="0" smtClean="0"/>
+              <a:t>from.city		=	Toronto</a:t>
+            </a:r>
+          </a:p>
+          <a:p>
+            <a:r>
+              <a:rPr lang="de-DE" sz="3200" baseline="0" dirty="0" smtClean="0"/>
+              <a:t>to.city		=	Sandiego</a:t>
+            </a:r>
+          </a:p>
+          <a:p>
+            <a:r>
+              <a:rPr lang="de-DE" sz="3200" baseline="0" dirty="0" smtClean="0"/>
+              <a:t>arrive.day</a:t>
+            </a:r>
+            <a:r>
+              <a:rPr lang="de-DE" sz="3200" baseline="0" dirty="0" smtClean="0"/>
+              <a:t>	</a:t>
+            </a:r>
+            <a:r>
+              <a:rPr lang="de-DE" sz="3200" baseline="0" dirty="0" smtClean="0"/>
+              <a:t>	=</a:t>
+            </a:r>
+            <a:r>
+              <a:rPr lang="de-DE" sz="3200" baseline="0" dirty="0" smtClean="0"/>
+              <a:t>	Saturday</a:t>
+            </a:r>
+          </a:p>
+        </p:txBody>
+      </p:sp>
+      <p:sp>
+        <p:nvSpPr>
+          <p:cNvPr id="31" name="Text Box 75"/>
+          <p:cNvSpPr txBox="1">
+            <a:spLocks noChangeArrowheads="1"/>
+          </p:cNvSpPr>
+          <p:nvPr/>
+        </p:nvSpPr>
+        <p:spPr bwMode="auto">
+          <a:xfrm>
+            <a:off x="16167821" y="22716435"/>
+            <a:ext cx="10712653" cy="1059386"/>
+          </a:xfrm>
+          <a:prstGeom prst="rect">
+            <a:avLst/>
+          </a:prstGeom>
+          <a:noFill/>
+          <a:ln w="9525" algn="ctr">
+            <a:noFill/>
+            <a:miter lim="800000"/>
+            <a:headEnd/>
+            <a:tailEnd/>
+          </a:ln>
+          <a:effectLst/>
+        </p:spPr>
+        <p:txBody>
+          <a:bodyPr lIns="104260" tIns="52130" rIns="104260" bIns="52130">
+            <a:spAutoFit/>
+          </a:bodyPr>
+          <a:lstStyle/>
+          <a:p>
+            <a:pPr algn="ctr" defTabSz="4650064"/>
+            <a:r>
+              <a:rPr lang="de-DE" sz="6200" b="1" baseline="0" dirty="0" smtClean="0">
+                <a:solidFill>
+                  <a:srgbClr val="CC0000"/>
+                </a:solidFill>
+                <a:latin typeface="Verdana" pitchFamily="34" charset="0"/>
+              </a:rPr>
+              <a:t>Effeciency</a:t>
+            </a:r>
+            <a:endParaRPr lang="de-DE" sz="6200" b="1" baseline="0" dirty="0">
+              <a:solidFill>
+                <a:srgbClr val="CC0000"/>
+              </a:solidFill>
+              <a:latin typeface="Verdana" pitchFamily="34" charset="0"/>
+            </a:endParaRPr>
+          </a:p>
+        </p:txBody>
+      </p:sp>
+      <p:sp>
+        <p:nvSpPr>
+          <p:cNvPr id="32" name="TextBox 31"/>
+          <p:cNvSpPr txBox="1"/>
+          <p:nvPr/>
+        </p:nvSpPr>
+        <p:spPr>
+          <a:xfrm>
+            <a:off x="15620126" y="25345371"/>
+            <a:ext cx="11958965" cy="1582606"/>
+          </a:xfrm>
+          <a:prstGeom prst="rect">
+            <a:avLst/>
+          </a:prstGeom>
+          <a:noFill/>
+        </p:spPr>
+        <p:txBody>
+          <a:bodyPr wrap="none" lIns="104260" tIns="52130" rIns="104260" bIns="52130" rtlCol="0">
+            <a:spAutoFit/>
+          </a:bodyPr>
+          <a:lstStyle/>
+          <a:p>
+            <a:r>
+              <a:rPr lang="de-DE" sz="3200" u="sng" baseline="0" dirty="0" smtClean="0"/>
+              <a:t>Dataset</a:t>
+            </a:r>
+            <a:r>
+              <a:rPr lang="de-DE" sz="3200" u="sng" baseline="0" dirty="0" smtClean="0"/>
+              <a:t>	</a:t>
+            </a:r>
+            <a:r>
+              <a:rPr lang="de-DE" sz="3200" u="sng" baseline="0" dirty="0" smtClean="0"/>
+              <a:t>   </a:t>
+            </a:r>
+            <a:r>
+              <a:rPr lang="de-DE" sz="3200" u="sng" baseline="0" dirty="0" smtClean="0"/>
+              <a:t># of infered rules	concepts		# of rules/concepts</a:t>
+            </a:r>
+            <a:endParaRPr lang="de-DE" sz="3200" u="sng" baseline="0" dirty="0" smtClean="0"/>
+          </a:p>
+          <a:p>
+            <a:r>
+              <a:rPr lang="de-DE" sz="3200" baseline="0" dirty="0" smtClean="0"/>
+              <a:t>ATIS		   372			83			4.5</a:t>
+            </a:r>
+          </a:p>
+          <a:p>
+            <a:r>
+              <a:rPr lang="de-DE" sz="3200" baseline="0" dirty="0" smtClean="0"/>
+              <a:t>TownInfo	   195			28			6.9</a:t>
+            </a:r>
+            <a:endParaRPr lang="de-DE" sz="3200" baseline="0" dirty="0" smtClean="0"/>
           </a:p>
         </p:txBody>
       </p:sp>

--- a/trunk/doc/paper-1/interspeech09-poster.pptx
+++ b/trunk/doc/paper-1/interspeech09-poster.pptx
@@ -3769,101 +3769,91 @@
               <a:buFont typeface="Arial" pitchFamily="34" charset="0"/>
               <a:buChar char="•"/>
             </a:pPr>
-            <a:endParaRPr lang="de-DE" sz="3200" b="1" baseline="0" dirty="0" smtClean="0"/>
+            <a:endParaRPr lang="en-GB" sz="3200" b="1" baseline="0" dirty="0" smtClean="0"/>
           </a:p>
           <a:p>
             <a:pPr indent="-521299" defTabSz="2128639"/>
             <a:r>
-              <a:rPr lang="de-DE" sz="3200" b="1" baseline="0" dirty="0" smtClean="0"/>
-              <a:t>Develop a fast semantic </a:t>
-            </a:r>
-            <a:r>
-              <a:rPr lang="de-DE" sz="3200" b="1" baseline="0" dirty="0" smtClean="0"/>
-              <a:t>decoder for dialogue systems</a:t>
-            </a:r>
-            <a:endParaRPr lang="de-DE" sz="3200" b="1" baseline="0" dirty="0" smtClean="0"/>
+              <a:rPr lang="en-GB" sz="3200" b="1" baseline="0" dirty="0" smtClean="0"/>
+              <a:t>Develop a fast semantic decoder for dialogue systems</a:t>
+            </a:r>
           </a:p>
           <a:p>
             <a:pPr indent="-521299" defTabSz="2128639">
               <a:buFont typeface="Arial" pitchFamily="34" charset="0"/>
               <a:buChar char="•"/>
             </a:pPr>
-            <a:endParaRPr lang="de-DE" sz="3200" b="1" baseline="0" dirty="0"/>
+            <a:endParaRPr lang="en-GB" sz="3200" b="1" baseline="0" dirty="0" smtClean="0"/>
           </a:p>
           <a:p>
             <a:pPr lvl="1" indent="-521299" defTabSz="2128639"/>
             <a:r>
-              <a:rPr lang="de-DE" sz="3200" baseline="0" dirty="0"/>
+              <a:rPr lang="en-GB" sz="3200" baseline="0" dirty="0" smtClean="0"/>
               <a:t>	</a:t>
             </a:r>
-            <a:endParaRPr lang="de-DE" sz="3200" baseline="0" dirty="0" smtClean="0"/>
           </a:p>
           <a:p>
             <a:pPr indent="-521299" defTabSz="2128639"/>
-            <a:endParaRPr lang="de-DE" sz="3200" b="1" baseline="0" dirty="0"/>
+            <a:endParaRPr lang="en-GB" sz="3200" b="1" baseline="0" dirty="0" smtClean="0"/>
           </a:p>
           <a:p>
             <a:pPr lvl="1" indent="-521299" defTabSz="2128639"/>
-            <a:endParaRPr lang="de-DE" sz="3200" b="1" baseline="0" dirty="0" smtClean="0"/>
+            <a:endParaRPr lang="en-GB" sz="3200" b="1" baseline="0" dirty="0" smtClean="0"/>
           </a:p>
           <a:p>
             <a:pPr lvl="1" indent="-521299" defTabSz="2128639">
               <a:buFont typeface="Arial" pitchFamily="34" charset="0"/>
               <a:buChar char="•"/>
             </a:pPr>
-            <a:endParaRPr lang="de-DE" sz="3200" b="1" baseline="0" dirty="0"/>
+            <a:endParaRPr lang="en-GB" sz="3200" b="1" baseline="0" dirty="0" smtClean="0"/>
           </a:p>
           <a:p>
             <a:pPr lvl="1" indent="-521299" defTabSz="2128639">
               <a:buFont typeface="Arial" pitchFamily="34" charset="0"/>
               <a:buChar char="•"/>
             </a:pPr>
-            <a:endParaRPr lang="de-DE" sz="3200" b="1" baseline="0" dirty="0" smtClean="0"/>
+            <a:endParaRPr lang="en-GB" sz="3200" b="1" baseline="0" dirty="0" smtClean="0"/>
           </a:p>
           <a:p>
             <a:pPr marL="521299" indent="-521299" defTabSz="2128639">
               <a:buFont typeface="Arial" pitchFamily="34" charset="0"/>
               <a:buChar char="•"/>
             </a:pPr>
-            <a:endParaRPr lang="de-DE" sz="3200" b="1" baseline="0" dirty="0" smtClean="0"/>
+            <a:endParaRPr lang="en-GB" sz="3200" b="1" baseline="0" dirty="0" smtClean="0"/>
           </a:p>
           <a:p>
             <a:pPr marL="521299" indent="-521299" defTabSz="2128639"/>
             <a:r>
-              <a:rPr lang="de-DE" sz="3200" b="1" baseline="0" dirty="0" smtClean="0"/>
+              <a:rPr lang="en-GB" sz="3200" b="1" baseline="0" dirty="0" smtClean="0"/>
               <a:t>Capability to parse 10 – 100 ASR hypothesis in real time</a:t>
             </a:r>
           </a:p>
           <a:p>
             <a:pPr marL="521299" indent="-521299" defTabSz="2128639"/>
-            <a:endParaRPr lang="de-DE" sz="3200" b="1" baseline="0" dirty="0" smtClean="0"/>
+            <a:endParaRPr lang="en-GB" sz="3200" b="1" baseline="0" dirty="0" smtClean="0"/>
           </a:p>
           <a:p>
             <a:pPr marL="521299" indent="-521299" defTabSz="2128639"/>
             <a:r>
-              <a:rPr lang="de-DE" sz="3200" b="1" baseline="0" dirty="0" smtClean="0"/>
-              <a:t>Robust </a:t>
-            </a:r>
-            <a:r>
-              <a:rPr lang="de-DE" sz="3200" b="1" baseline="0" dirty="0" smtClean="0"/>
-              <a:t>to speech recognition noise</a:t>
+              <a:rPr lang="en-GB" sz="3200" b="1" baseline="0" dirty="0" smtClean="0"/>
+              <a:t>Robust to speech recognition noise</a:t>
             </a:r>
           </a:p>
           <a:p>
             <a:pPr marL="521299" indent="-521299" defTabSz="2128639"/>
-            <a:endParaRPr lang="de-DE" sz="3200" b="1" baseline="0" dirty="0" smtClean="0"/>
+            <a:endParaRPr lang="en-GB" sz="3200" b="1" baseline="0" dirty="0" smtClean="0"/>
           </a:p>
           <a:p>
             <a:pPr marL="521299" indent="-521299" defTabSz="2128639"/>
             <a:r>
-              <a:rPr lang="de-DE" sz="3200" b="1" baseline="0" dirty="0" smtClean="0"/>
+              <a:rPr lang="en-GB" sz="3200" b="1" baseline="0" dirty="0" smtClean="0"/>
               <a:t>Trainable on different domains:</a:t>
             </a:r>
             <a:br>
-              <a:rPr lang="de-DE" sz="3200" b="1" baseline="0" dirty="0" smtClean="0"/>
+              <a:rPr lang="en-GB" sz="3200" b="1" baseline="0" dirty="0" smtClean="0"/>
             </a:br>
             <a:r>
-              <a:rPr lang="de-DE" sz="3200" b="1" baseline="0" dirty="0" smtClean="0"/>
+              <a:rPr lang="en-GB" sz="3200" b="1" baseline="0" dirty="0" smtClean="0"/>
               <a:t> </a:t>
             </a:r>
           </a:p>
@@ -3873,7 +3863,7 @@
               <a:buChar char="•"/>
             </a:pPr>
             <a:r>
-              <a:rPr lang="de-DE" sz="3200" b="1" baseline="0" dirty="0" smtClean="0"/>
+              <a:rPr lang="en-GB" sz="3200" b="1" baseline="0" dirty="0" smtClean="0"/>
               <a:t>Air travel information system (ATIS)</a:t>
             </a:r>
           </a:p>
@@ -3883,85 +3873,63 @@
               <a:buChar char="•"/>
             </a:pPr>
             <a:r>
-              <a:rPr lang="de-DE" sz="3200" b="1" baseline="0" dirty="0" smtClean="0"/>
-              <a:t>Tourist </a:t>
-            </a:r>
-            <a:r>
-              <a:rPr lang="de-DE" sz="3200" b="1" baseline="0" dirty="0" smtClean="0"/>
-              <a:t>information (TownInfo)</a:t>
-            </a:r>
+              <a:rPr lang="en-GB" sz="3200" b="1" baseline="0" dirty="0" smtClean="0"/>
+              <a:t>Tourist information (TownInfo)</a:t>
+            </a:r>
+          </a:p>
+          <a:p>
+            <a:pPr marL="1042599" lvl="1" indent="-521299" defTabSz="2128639"/>
+            <a:endParaRPr lang="en-GB" sz="3200" b="1" baseline="0" dirty="0" smtClean="0"/>
           </a:p>
           <a:p>
             <a:pPr defTabSz="2128639"/>
-            <a:endParaRPr lang="de-DE" sz="3200" b="1" baseline="0" dirty="0"/>
+            <a:endParaRPr lang="en-GB" sz="3200" b="1" baseline="0" dirty="0" smtClean="0"/>
           </a:p>
           <a:p>
             <a:pPr defTabSz="2128639"/>
-            <a:endParaRPr lang="de-DE" sz="3200" b="1" baseline="0" dirty="0" smtClean="0"/>
+            <a:endParaRPr lang="en-GB" sz="3200" b="1" baseline="0" dirty="0" smtClean="0"/>
           </a:p>
           <a:p>
             <a:pPr lvl="1" defTabSz="2128639"/>
-            <a:endParaRPr lang="de-DE" sz="3200" b="1" baseline="0" dirty="0" smtClean="0"/>
+            <a:endParaRPr lang="en-GB" sz="3200" b="1" baseline="0" dirty="0" smtClean="0"/>
           </a:p>
           <a:p>
             <a:pPr defTabSz="2128639"/>
             <a:r>
-              <a:rPr lang="de-DE" sz="3200" b="1" baseline="0" dirty="0" smtClean="0"/>
-              <a:t>Semantic parsing maps natural language to formal </a:t>
-            </a:r>
-            <a:r>
-              <a:rPr lang="de-DE" sz="3200" b="1" baseline="0" dirty="0" smtClean="0"/>
-              <a:t>langage  </a:t>
-            </a:r>
-            <a:r>
-              <a:rPr lang="de-DE" sz="3200" b="1" baseline="0" dirty="0" smtClean="0"/>
-              <a:t>- </a:t>
-            </a:r>
-            <a:r>
-              <a:rPr lang="de-DE" sz="3200" b="1" baseline="0" dirty="0" smtClean="0"/>
-              <a:t>most </a:t>
-            </a:r>
-            <a:r>
-              <a:rPr lang="de-DE" sz="3200" b="1" baseline="0" dirty="0" smtClean="0"/>
-              <a:t>of the maping </a:t>
-            </a:r>
-            <a:r>
-              <a:rPr lang="de-DE" sz="3200" b="1" baseline="0" dirty="0" smtClean="0"/>
-              <a:t>is </a:t>
-            </a:r>
-            <a:r>
-              <a:rPr lang="de-DE" sz="3200" b="1" baseline="0" dirty="0" smtClean="0"/>
-              <a:t>fairly simple</a:t>
-            </a:r>
-            <a:r>
-              <a:rPr lang="de-DE" sz="3200" baseline="0" dirty="0" smtClean="0"/>
+              <a:rPr lang="en-GB" sz="3200" b="1" baseline="0" dirty="0" smtClean="0"/>
+              <a:t>Semantic parsing maps natural language to formal language</a:t>
+            </a:r>
+          </a:p>
+          <a:p>
+            <a:pPr defTabSz="2128639"/>
+            <a:endParaRPr lang="en-GB" sz="3200" b="1" baseline="0" dirty="0" smtClean="0"/>
+          </a:p>
+          <a:p>
+            <a:pPr defTabSz="2128639"/>
+            <a:r>
+              <a:rPr lang="en-GB" sz="3200" b="1" baseline="0" dirty="0" smtClean="0"/>
+              <a:t>Most of the mapping is fairly simple</a:t>
+            </a:r>
+            <a:r>
+              <a:rPr lang="en-GB" sz="3200" baseline="0" dirty="0" smtClean="0"/>
               <a:t> </a:t>
             </a:r>
             <a:r>
-              <a:rPr lang="de-DE" sz="3200" b="1" baseline="0" dirty="0" smtClean="0"/>
-              <a:t>(cities, times,  ... </a:t>
-            </a:r>
-            <a:r>
-              <a:rPr lang="de-DE" sz="3200" b="1" baseline="0" dirty="0" smtClean="0"/>
-              <a:t>) in current </a:t>
-            </a:r>
-            <a:r>
-              <a:rPr lang="de-DE" sz="3200" b="1" baseline="0" dirty="0" smtClean="0"/>
-              <a:t>dialogue systems. </a:t>
-            </a:r>
-            <a:endParaRPr lang="de-DE" sz="3200" b="1" baseline="0" dirty="0" smtClean="0"/>
+              <a:rPr lang="en-GB" sz="3200" b="1" baseline="0" dirty="0" smtClean="0"/>
+              <a:t>(cities, times,  ... ) in current dialogue systems.</a:t>
+            </a:r>
           </a:p>
           <a:p>
             <a:pPr lvl="2" defTabSz="2128639"/>
-            <a:endParaRPr lang="de-DE" sz="3200" b="1" baseline="0" dirty="0"/>
+            <a:endParaRPr lang="en-GB" sz="3200" b="1" baseline="0" dirty="0" smtClean="0"/>
           </a:p>
           <a:p>
             <a:pPr lvl="3" defTabSz="2128639"/>
             <a:r>
-              <a:rPr lang="de-DE" sz="3200" b="1" baseline="0" dirty="0" smtClean="0"/>
-              <a:t>Inference of compact set of transforation rules which transforms the initial naive semantic hypothesis.  </a:t>
-            </a:r>
-            <a:endParaRPr lang="de-DE" sz="3200" b="1" i="1" baseline="0" dirty="0" smtClean="0"/>
+              <a:rPr lang="en-GB" sz="3200" b="1" baseline="0" dirty="0" smtClean="0"/>
+              <a:t>Inference of compact set of transformation rules which transforms the initial naive semantic hypothesis</a:t>
+            </a:r>
+            <a:endParaRPr lang="en-GB" sz="3200" b="1" i="1" baseline="0" dirty="0" smtClean="0"/>
           </a:p>
         </p:txBody>
       </p:sp>
@@ -3996,33 +3964,20 @@
           <a:p>
             <a:pPr defTabSz="2128639"/>
             <a:r>
-              <a:rPr lang="de-DE" sz="3200" b="1" baseline="0" dirty="0" smtClean="0"/>
-              <a:t>Compare semantic </a:t>
-            </a:r>
-            <a:r>
-              <a:rPr lang="de-DE" sz="3200" b="1" baseline="0" dirty="0"/>
-              <a:t>t</a:t>
-            </a:r>
-            <a:r>
-              <a:rPr lang="de-DE" sz="3200" b="1" baseline="0" dirty="0" smtClean="0"/>
-              <a:t>uple </a:t>
-            </a:r>
-            <a:r>
-              <a:rPr lang="de-DE" sz="3200" b="1" baseline="0" dirty="0"/>
-              <a:t>c</a:t>
-            </a:r>
-            <a:r>
-              <a:rPr lang="de-DE" sz="3200" b="1" baseline="0" dirty="0" smtClean="0"/>
-              <a:t>lassifiers with:</a:t>
+              <a:rPr lang="en-GB" sz="3200" b="1" baseline="0" dirty="0" smtClean="0"/>
+              <a:t>Compare TBL Semantic Parser </a:t>
+            </a:r>
+            <a:r>
+              <a:rPr lang="en-GB" sz="3200" b="1" baseline="0" dirty="0" smtClean="0"/>
+              <a:t>with:</a:t>
             </a:r>
             <a:br>
-              <a:rPr lang="de-DE" sz="3200" b="1" baseline="0" dirty="0" smtClean="0"/>
+              <a:rPr lang="en-GB" sz="3200" b="1" baseline="0" dirty="0" smtClean="0"/>
             </a:br>
             <a:r>
-              <a:rPr lang="de-DE" sz="3200" b="1" baseline="0" dirty="0"/>
+              <a:rPr lang="en-GB" sz="3200" b="1" baseline="0" dirty="0" smtClean="0"/>
               <a:t> </a:t>
             </a:r>
-            <a:endParaRPr lang="de-DE" sz="3200" b="1" baseline="0" dirty="0" smtClean="0"/>
           </a:p>
           <a:p>
             <a:pPr lvl="1" indent="-521299" defTabSz="2128639">
@@ -4030,7 +3985,7 @@
               <a:buChar char="•"/>
             </a:pPr>
             <a:r>
-              <a:rPr lang="de-DE" sz="3000" b="1" baseline="0" dirty="0" smtClean="0"/>
+              <a:rPr lang="en-GB" sz="3000" b="1" baseline="0" dirty="0" smtClean="0"/>
               <a:t>A handcrafted Phoenix grammar</a:t>
             </a:r>
           </a:p>
@@ -4040,7 +3995,7 @@
               <a:buChar char="•"/>
             </a:pPr>
             <a:r>
-              <a:rPr lang="de-DE" sz="3000" b="1" baseline="0" dirty="0" smtClean="0"/>
+              <a:rPr lang="en-GB" sz="3000" b="1" baseline="0" dirty="0" smtClean="0"/>
               <a:t>The Hidden Vector State model (He &amp; Young, 2006)</a:t>
             </a:r>
           </a:p>
@@ -4050,7 +4005,7 @@
               <a:buChar char="•"/>
             </a:pPr>
             <a:r>
-              <a:rPr lang="de-DE" sz="3000" b="1" baseline="0" dirty="0" smtClean="0"/>
+              <a:rPr lang="en-GB" sz="3000" b="1" baseline="0" dirty="0" smtClean="0"/>
               <a:t>Probabilistic Combinatory Categorial Grammar   Induction (Zettlemoyer &amp; Collins, 2007)</a:t>
             </a:r>
           </a:p>
@@ -4060,10 +4015,9 @@
               <a:buChar char="•"/>
             </a:pPr>
             <a:r>
-              <a:rPr lang="de-DE" sz="3000" b="1" baseline="0" dirty="0" smtClean="0"/>
+              <a:rPr lang="en-GB" sz="3000" b="1" baseline="0" dirty="0" smtClean="0"/>
               <a:t>Markov Logic networks (Meza-Ruiz et al., 2008) </a:t>
             </a:r>
-            <a:endParaRPr lang="de-DE" sz="3000" b="1" baseline="0" dirty="0" smtClean="0"/>
           </a:p>
           <a:p>
             <a:pPr lvl="1" indent="-521299" defTabSz="2128639">
@@ -4071,191 +4025,147 @@
               <a:buChar char="•"/>
             </a:pPr>
             <a:r>
-              <a:rPr lang="de-DE" sz="3000" b="1" baseline="0" dirty="0" smtClean="0"/>
+              <a:rPr lang="en-GB" sz="3000" b="1" baseline="0" dirty="0" smtClean="0"/>
               <a:t>Semantic Tuple Classifiers (Mairesse et al., 2008)</a:t>
             </a:r>
-            <a:endParaRPr lang="de-DE" sz="3000" b="1" baseline="0" dirty="0" smtClean="0"/>
           </a:p>
           <a:p>
             <a:pPr lvl="1" indent="-521299" defTabSz="2128639">
               <a:buFont typeface="Arial" pitchFamily="34" charset="0"/>
               <a:buChar char="•"/>
             </a:pPr>
-            <a:endParaRPr lang="de-DE" sz="3200" b="1" baseline="0" dirty="0"/>
+            <a:endParaRPr lang="en-GB" sz="3200" b="1" baseline="0" dirty="0" smtClean="0"/>
           </a:p>
           <a:p>
             <a:pPr marL="0" lvl="1" defTabSz="2128639"/>
             <a:r>
-              <a:rPr lang="de-DE" sz="3200" b="1" baseline="0" dirty="0" smtClean="0"/>
-              <a:t>Evaluation </a:t>
-            </a:r>
-            <a:r>
-              <a:rPr lang="de-DE" sz="3200" b="1" baseline="0" dirty="0" smtClean="0"/>
-              <a:t>metrics is precision</a:t>
-            </a:r>
-            <a:r>
-              <a:rPr lang="de-DE" sz="3200" b="1" baseline="0" dirty="0" smtClean="0"/>
-              <a:t>, recall and F-measure of  dialogue act items (e.g. </a:t>
-            </a:r>
-            <a:r>
-              <a:rPr lang="de-DE" sz="3200" b="1" i="1" baseline="0" dirty="0" smtClean="0"/>
+              <a:rPr lang="en-GB" sz="3200" b="1" baseline="0" dirty="0" smtClean="0"/>
+              <a:t>Evaluation metrics is precision, recall and F-measure of  dialogue act items (e.g. </a:t>
+            </a:r>
+            <a:r>
+              <a:rPr lang="en-GB" sz="3200" b="1" i="1" baseline="0" dirty="0" smtClean="0"/>
               <a:t>food=Chinese</a:t>
             </a:r>
             <a:r>
-              <a:rPr lang="de-DE" sz="3200" b="1" baseline="0" dirty="0"/>
-              <a:t>,</a:t>
-            </a:r>
-            <a:r>
-              <a:rPr lang="de-DE" sz="3200" b="1" baseline="0" dirty="0" smtClean="0"/>
-              <a:t> </a:t>
-            </a:r>
-            <a:r>
-              <a:rPr lang="de-DE" sz="3200" b="1" i="1" baseline="0" dirty="0" smtClean="0"/>
+              <a:rPr lang="en-GB" sz="3200" b="1" baseline="0" dirty="0" smtClean="0"/>
+              <a:t>, </a:t>
+            </a:r>
+            <a:r>
+              <a:rPr lang="en-GB" sz="3200" b="1" i="1" baseline="0" dirty="0" smtClean="0"/>
               <a:t>toloc.city=New York)</a:t>
             </a:r>
-            <a:endParaRPr lang="de-DE" sz="3200" b="1" i="1" baseline="0" dirty="0"/>
           </a:p>
           <a:p>
             <a:pPr defTabSz="2128639"/>
-            <a:endParaRPr lang="de-DE" sz="3200" b="1" baseline="0" dirty="0"/>
+            <a:endParaRPr lang="en-GB" sz="3200" b="1" baseline="0" dirty="0" smtClean="0"/>
           </a:p>
           <a:p>
             <a:pPr defTabSz="2128639"/>
-            <a:endParaRPr lang="de-DE" sz="3200" baseline="0" dirty="0"/>
+            <a:endParaRPr lang="en-GB" sz="3200" baseline="0" dirty="0" smtClean="0"/>
           </a:p>
           <a:p>
             <a:pPr defTabSz="2128639"/>
-            <a:endParaRPr lang="de-DE" sz="3200" baseline="0" dirty="0"/>
+            <a:endParaRPr lang="en-GB" sz="3200" baseline="0" dirty="0" smtClean="0"/>
           </a:p>
           <a:p>
             <a:pPr defTabSz="2128639"/>
-            <a:endParaRPr lang="de-DE" sz="3200" baseline="0" dirty="0"/>
+            <a:endParaRPr lang="en-GB" sz="3200" baseline="0" dirty="0" smtClean="0"/>
           </a:p>
           <a:p>
             <a:pPr defTabSz="2128639"/>
-            <a:endParaRPr lang="de-DE" sz="3200" baseline="0" dirty="0"/>
+            <a:endParaRPr lang="en-GB" sz="3200" baseline="0" dirty="0" smtClean="0"/>
           </a:p>
           <a:p>
             <a:pPr defTabSz="2128639"/>
-            <a:endParaRPr lang="de-DE" sz="3200" baseline="0" dirty="0"/>
+            <a:endParaRPr lang="en-GB" sz="3200" baseline="0" dirty="0" smtClean="0"/>
           </a:p>
           <a:p>
             <a:pPr defTabSz="2128639"/>
-            <a:endParaRPr lang="de-DE" sz="3200" baseline="0" dirty="0" smtClean="0"/>
+            <a:endParaRPr lang="en-GB" sz="3200" baseline="0" dirty="0" smtClean="0"/>
           </a:p>
           <a:p>
             <a:pPr defTabSz="2128639"/>
-            <a:endParaRPr lang="de-DE" sz="3200" baseline="0" dirty="0"/>
+            <a:endParaRPr lang="en-GB" sz="3200" baseline="0" dirty="0" smtClean="0"/>
           </a:p>
           <a:p>
             <a:pPr defTabSz="2128639"/>
-            <a:endParaRPr lang="de-DE" sz="3200" baseline="0" dirty="0"/>
+            <a:endParaRPr lang="en-GB" sz="3200" baseline="0" dirty="0" smtClean="0"/>
           </a:p>
           <a:p>
             <a:pPr defTabSz="2128639"/>
-            <a:endParaRPr lang="de-DE" sz="3200" baseline="0" dirty="0"/>
+            <a:endParaRPr lang="en-GB" sz="3200" baseline="0" dirty="0" smtClean="0"/>
           </a:p>
           <a:p>
             <a:pPr defTabSz="2128639"/>
-            <a:endParaRPr lang="de-DE" sz="3200" baseline="0" dirty="0"/>
+            <a:endParaRPr lang="en-GB" sz="3200" baseline="0" dirty="0" smtClean="0"/>
           </a:p>
           <a:p>
             <a:pPr defTabSz="2128639"/>
-            <a:endParaRPr lang="de-DE" sz="3200" baseline="0" dirty="0"/>
+            <a:endParaRPr lang="en-GB" sz="3200" baseline="0" dirty="0" smtClean="0"/>
           </a:p>
           <a:p>
             <a:pPr defTabSz="2128639"/>
-            <a:endParaRPr lang="de-DE" sz="3200" baseline="0" dirty="0"/>
+            <a:endParaRPr lang="en-GB" sz="3200" baseline="0" dirty="0" smtClean="0"/>
           </a:p>
           <a:p>
             <a:pPr defTabSz="2128639"/>
-            <a:endParaRPr lang="de-DE" sz="3200" b="1" baseline="0" dirty="0" smtClean="0"/>
+            <a:endParaRPr lang="en-GB" sz="3200" b="1" baseline="0" dirty="0" smtClean="0"/>
           </a:p>
           <a:p>
             <a:pPr defTabSz="2128639"/>
-            <a:endParaRPr lang="de-DE" sz="3200" b="1" baseline="0" dirty="0" smtClean="0"/>
+            <a:endParaRPr lang="en-GB" sz="3200" b="1" baseline="0" dirty="0" smtClean="0"/>
           </a:p>
           <a:p>
             <a:pPr defTabSz="2128639"/>
-            <a:endParaRPr lang="de-DE" sz="3200" b="1" baseline="0" dirty="0" smtClean="0"/>
+            <a:endParaRPr lang="en-GB" sz="3200" b="1" baseline="0" dirty="0" smtClean="0"/>
           </a:p>
           <a:p>
             <a:pPr defTabSz="2128639"/>
-            <a:endParaRPr lang="de-DE" sz="3200" b="1" baseline="0" dirty="0" smtClean="0"/>
+            <a:endParaRPr lang="en-GB" sz="3200" b="1" baseline="0" dirty="0" smtClean="0"/>
           </a:p>
           <a:p>
             <a:pPr defTabSz="2128639"/>
-            <a:endParaRPr lang="de-DE" sz="3200" b="1" baseline="0" dirty="0" smtClean="0"/>
+            <a:endParaRPr lang="en-GB" sz="3200" b="1" baseline="0" dirty="0" smtClean="0"/>
           </a:p>
           <a:p>
             <a:pPr defTabSz="2128639"/>
             <a:r>
-              <a:rPr lang="de-DE" sz="3200" b="1" baseline="0" dirty="0" smtClean="0"/>
-              <a:t>Conclusion</a:t>
-            </a:r>
-            <a:r>
-              <a:rPr lang="de-DE" sz="3200" b="1" baseline="0" dirty="0" smtClean="0"/>
-              <a:t>: </a:t>
-            </a:r>
-            <a:r>
-              <a:rPr lang="de-DE" sz="3200" b="1" baseline="0" dirty="0" smtClean="0"/>
-              <a:t>TBL Semantic Parser</a:t>
-            </a:r>
-            <a:r>
-              <a:rPr lang="de-DE" sz="3200" b="1" baseline="0" dirty="0" smtClean="0"/>
-              <a:t> is </a:t>
-            </a:r>
-            <a:r>
-              <a:rPr lang="de-DE" sz="3200" b="1" baseline="0" dirty="0" smtClean="0"/>
-              <a:t>robust to noise and competitive with the state of the </a:t>
-            </a:r>
-            <a:r>
-              <a:rPr lang="de-DE" sz="3200" b="1" baseline="0" dirty="0" smtClean="0"/>
-              <a:t>art.</a:t>
-            </a:r>
-            <a:endParaRPr lang="de-DE" sz="3200" b="1" baseline="0" dirty="0" smtClean="0"/>
+              <a:rPr lang="en-GB" sz="3200" b="1" baseline="0" dirty="0" smtClean="0"/>
+              <a:t>Conclusion: TBL Semantic Parser is robust to noise and competitive with the state of the art.</a:t>
+            </a:r>
           </a:p>
           <a:p>
             <a:pPr defTabSz="2128639"/>
-            <a:endParaRPr lang="de-DE" sz="3200" b="1" baseline="0" dirty="0" smtClean="0"/>
+            <a:endParaRPr lang="en-GB" sz="3200" b="1" baseline="0" dirty="0" smtClean="0"/>
           </a:p>
           <a:p>
             <a:pPr defTabSz="2128639"/>
-            <a:endParaRPr lang="de-DE" sz="3200" b="1" baseline="0" dirty="0" smtClean="0"/>
+            <a:endParaRPr lang="en-GB" sz="3200" b="1" baseline="0" dirty="0" smtClean="0"/>
           </a:p>
           <a:p>
             <a:pPr defTabSz="2128639"/>
-            <a:endParaRPr lang="de-DE" sz="3200" b="1" baseline="0" dirty="0" smtClean="0"/>
+            <a:endParaRPr lang="en-GB" sz="3200" b="1" baseline="0" dirty="0" smtClean="0"/>
           </a:p>
           <a:p>
             <a:pPr defTabSz="2128639"/>
             <a:r>
-              <a:rPr lang="de-DE" sz="3200" b="1" baseline="0" dirty="0" smtClean="0"/>
-              <a:t>The </a:t>
-            </a:r>
-            <a:r>
-              <a:rPr lang="de-DE" sz="3200" b="1" baseline="0" dirty="0" smtClean="0"/>
-              <a:t>code is available at </a:t>
-            </a:r>
-            <a:r>
-              <a:rPr lang="de-DE" sz="3200" b="1" baseline="0" dirty="0" smtClean="0">
+              <a:rPr lang="en-GB" sz="3200" b="1" baseline="0" dirty="0" smtClean="0"/>
+              <a:t>The code is available at </a:t>
+            </a:r>
+            <a:r>
+              <a:rPr lang="en-GB" sz="3200" b="1" baseline="0" dirty="0" smtClean="0">
                 <a:hlinkClick r:id="rId3"/>
               </a:rPr>
               <a:t>http://code.google.com/p/tbed-parser</a:t>
             </a:r>
             <a:r>
-              <a:rPr lang="de-DE" sz="3200" b="1" baseline="0" dirty="0" smtClean="0"/>
-              <a:t> </a:t>
-            </a:r>
-            <a:r>
-              <a:rPr lang="de-DE" sz="3200" b="1" baseline="0" dirty="0" smtClean="0"/>
-              <a:t> </a:t>
-            </a:r>
-            <a:endParaRPr lang="de-DE" sz="3200" b="1" baseline="0" dirty="0" smtClean="0"/>
+              <a:rPr lang="en-GB" sz="3200" b="1" baseline="0" dirty="0" smtClean="0"/>
+              <a:t>  </a:t>
+            </a:r>
           </a:p>
           <a:p>
             <a:pPr defTabSz="2128639"/>
-            <a:endParaRPr lang="de-DE" sz="3200" b="1" baseline="0" dirty="0"/>
+            <a:endParaRPr lang="en-GB" sz="3200" b="1" baseline="0" dirty="0"/>
           </a:p>
         </p:txBody>
       </p:sp>
@@ -4345,9 +4255,18 @@
                 </a:solidFill>
                 <a:latin typeface="Verdana" pitchFamily="34" charset="0"/>
               </a:rPr>
-              <a:t>Transformation-based Learning for Semantic Parsing</a:t>
-            </a:r>
-            <a:endParaRPr lang="de-DE" sz="8000" b="1" baseline="0" dirty="0">
+              <a:t>Transformation-based Learning for Semantic </a:t>
+            </a:r>
+            <a:r>
+              <a:rPr lang="en-GB" sz="8000" b="1" baseline="0" dirty="0" smtClean="0">
+                <a:solidFill>
+                  <a:srgbClr val="CC0000"/>
+                </a:solidFill>
+                <a:latin typeface="Verdana" pitchFamily="34" charset="0"/>
+              </a:rPr>
+              <a:t>Parsing</a:t>
+            </a:r>
+            <a:endParaRPr lang="en-GB" sz="8000" b="1" baseline="0" dirty="0">
               <a:solidFill>
                 <a:srgbClr val="CC0000"/>
               </a:solidFill>
@@ -4428,40 +4347,10 @@
               </a:spcBef>
             </a:pPr>
             <a:r>
-              <a:rPr lang="de-DE" sz="4000" b="1" baseline="0" dirty="0" smtClean="0">
+              <a:rPr lang="en-GB" sz="4000" b="1" baseline="0" dirty="0" smtClean="0">
                 <a:latin typeface="Verdana" pitchFamily="34" charset="0"/>
               </a:rPr>
-              <a:t>F. Jurcicek, M</a:t>
-            </a:r>
-            <a:r>
-              <a:rPr lang="de-DE" sz="4000" b="1" baseline="0" dirty="0">
-                <a:latin typeface="Verdana" pitchFamily="34" charset="0"/>
-              </a:rPr>
-              <a:t>. Gasic</a:t>
-            </a:r>
-            <a:r>
-              <a:rPr lang="de-DE" sz="4000" b="1" baseline="0" dirty="0" smtClean="0">
-                <a:latin typeface="Verdana" pitchFamily="34" charset="0"/>
-              </a:rPr>
-              <a:t>, S</a:t>
-            </a:r>
-            <a:r>
-              <a:rPr lang="de-DE" sz="4000" b="1" baseline="0" dirty="0">
-                <a:latin typeface="Verdana" pitchFamily="34" charset="0"/>
-              </a:rPr>
-              <a:t>. Keizer, </a:t>
-            </a:r>
-            <a:r>
-              <a:rPr lang="de-DE" sz="4000" b="1" baseline="0" dirty="0" smtClean="0">
-                <a:latin typeface="Verdana" pitchFamily="34" charset="0"/>
-              </a:rPr>
-              <a:t>F. Mairesse, B. Thomson, K</a:t>
-            </a:r>
-            <a:r>
-              <a:rPr lang="de-DE" sz="4000" b="1" baseline="0" dirty="0">
-                <a:latin typeface="Verdana" pitchFamily="34" charset="0"/>
-              </a:rPr>
-              <a:t>. Yu, S. Young</a:t>
+              <a:t>F. Jurcicek, M. Gasic, S. Keizer, F. Mairesse, B. Thomson, K. Yu, S. Young</a:t>
             </a:r>
           </a:p>
           <a:p>
@@ -4471,54 +4360,12 @@
               </a:spcBef>
             </a:pPr>
             <a:r>
-              <a:rPr lang="de-DE" sz="4000" b="1" baseline="0" dirty="0">
+              <a:rPr lang="en-GB" sz="4000" b="1" baseline="0" dirty="0" smtClean="0">
                 <a:latin typeface="Verdana" pitchFamily="34" charset="0"/>
               </a:rPr>
-              <a:t>Cambridge University Engineering Department | </a:t>
-            </a:r>
-            <a:r>
-              <a:rPr lang="de-DE" sz="4000" b="1" baseline="0" dirty="0" smtClean="0">
-                <a:latin typeface="Verdana" pitchFamily="34" charset="0"/>
-              </a:rPr>
-              <a:t>{fj228, mg436</a:t>
-            </a:r>
-            <a:r>
-              <a:rPr lang="de-DE" sz="4000" b="1" baseline="0" dirty="0">
-                <a:latin typeface="Verdana" pitchFamily="34" charset="0"/>
-              </a:rPr>
-              <a:t>, </a:t>
-            </a:r>
-            <a:r>
-              <a:rPr lang="de-DE" sz="4000" b="1" baseline="0" dirty="0" smtClean="0">
-                <a:latin typeface="Verdana" pitchFamily="34" charset="0"/>
-              </a:rPr>
-              <a:t>sk561</a:t>
-            </a:r>
-            <a:r>
-              <a:rPr lang="de-DE" sz="4000" b="1" baseline="0" dirty="0">
-                <a:latin typeface="Verdana" pitchFamily="34" charset="0"/>
-              </a:rPr>
-              <a:t>, </a:t>
-            </a:r>
-            <a:r>
-              <a:rPr lang="de-DE" sz="4000" b="1" baseline="0" dirty="0" smtClean="0">
-                <a:latin typeface="Verdana" pitchFamily="34" charset="0"/>
-              </a:rPr>
-              <a:t>f.mairesse, brmt2, </a:t>
-            </a:r>
-            <a:r>
-              <a:rPr lang="de-DE" sz="4000" b="1" baseline="0" dirty="0">
-                <a:latin typeface="Verdana" pitchFamily="34" charset="0"/>
-              </a:rPr>
-              <a:t>ky219, sjy}@</a:t>
-            </a:r>
-            <a:r>
-              <a:rPr lang="de-DE" sz="4000" b="1" baseline="0" dirty="0" smtClean="0">
-                <a:latin typeface="Verdana" pitchFamily="34" charset="0"/>
-              </a:rPr>
-              <a:t>eng.cam.ac.uk</a:t>
-            </a:r>
-            <a:endParaRPr lang="de-DE" sz="4000" b="1" baseline="0" dirty="0">
+              <a:t>Cambridge University Engineering Department | {fj228, mg436, sk561, f.mairesse, brmt2, ky219, sjy}@eng.cam.ac.uk</a:t>
+            </a:r>
+            <a:endParaRPr lang="en-GB" sz="4000" b="1" baseline="0" dirty="0">
               <a:latin typeface="Verdana" pitchFamily="34" charset="0"/>
             </a:endParaRPr>
           </a:p>
@@ -4557,7 +4404,7 @@
           <a:p>
             <a:pPr algn="ctr" defTabSz="4650064"/>
             <a:r>
-              <a:rPr lang="de-DE" sz="6200" b="1" baseline="0" dirty="0" smtClean="0">
+              <a:rPr lang="en-GB" sz="6200" b="1" baseline="0" dirty="0" smtClean="0">
                 <a:solidFill>
                   <a:srgbClr val="CC0000"/>
                 </a:solidFill>
@@ -4565,7 +4412,7 @@
               </a:rPr>
               <a:t>Goals</a:t>
             </a:r>
-            <a:endParaRPr lang="de-DE" sz="6200" b="1" baseline="0" dirty="0">
+            <a:endParaRPr lang="en-GB" sz="6200" b="1" baseline="0" dirty="0">
               <a:solidFill>
                 <a:srgbClr val="CC0000"/>
               </a:solidFill>
@@ -4607,7 +4454,7 @@
           <a:p>
             <a:pPr algn="ctr" defTabSz="4650064"/>
             <a:r>
-              <a:rPr lang="de-DE" sz="6200" b="1" baseline="0" dirty="0" smtClean="0">
+              <a:rPr lang="en-GB" sz="6200" b="1" baseline="0" dirty="0" smtClean="0">
                 <a:solidFill>
                   <a:srgbClr val="CC0000"/>
                 </a:solidFill>
@@ -4615,6 +4462,12 @@
               </a:rPr>
               <a:t>Example of parsing</a:t>
             </a:r>
+            <a:endParaRPr lang="en-GB" sz="6200" b="1" baseline="0" dirty="0" smtClean="0">
+              <a:solidFill>
+                <a:srgbClr val="CC0000"/>
+              </a:solidFill>
+              <a:latin typeface="Verdana" pitchFamily="34" charset="0"/>
+            </a:endParaRPr>
           </a:p>
         </p:txBody>
       </p:sp>
@@ -4700,8 +4553,8 @@
         </p:nvSpPr>
         <p:spPr bwMode="auto">
           <a:xfrm>
-            <a:off x="15181970" y="8446168"/>
-            <a:ext cx="13327245" cy="20915634"/>
+            <a:off x="15035918" y="8446168"/>
+            <a:ext cx="13473297" cy="20915634"/>
           </a:xfrm>
           <a:prstGeom prst="rect">
             <a:avLst/>
@@ -4721,17 +4574,13 @@
           <a:p>
             <a:pPr defTabSz="2128639"/>
             <a:r>
-              <a:rPr lang="de-DE" sz="3200" baseline="0" dirty="0" smtClean="0"/>
-              <a:t>find </a:t>
-            </a:r>
-            <a:r>
-              <a:rPr lang="de-DE" sz="3200" baseline="0" dirty="0" smtClean="0"/>
-              <a:t>all the flights between Toronto and Sandiego that arrive on Saturday</a:t>
+              <a:rPr lang="en-GB" sz="3200" baseline="0" dirty="0" smtClean="0"/>
+              <a:t>find all the flights between Toronto and San Diego that arrive on Saturday</a:t>
             </a:r>
           </a:p>
           <a:p>
             <a:pPr defTabSz="2128639"/>
-            <a:endParaRPr lang="de-DE" sz="3200" b="1" baseline="0" dirty="0" smtClean="0"/>
+            <a:endParaRPr lang="en-GB" sz="3200" b="1" baseline="0" dirty="0" smtClean="0"/>
           </a:p>
           <a:p>
             <a:pPr marL="742950" indent="-742950" defTabSz="2128639">
@@ -4739,8 +4588,8 @@
               <a:buAutoNum type="arabicPeriod"/>
             </a:pPr>
             <a:r>
-              <a:rPr lang="de-DE" sz="3200" b="1" baseline="0" dirty="0" smtClean="0"/>
-              <a:t>Parser   assigns to inital semantics to input sentece.</a:t>
+              <a:rPr lang="en-GB" sz="3200" b="1" baseline="0" dirty="0" smtClean="0"/>
+              <a:t>Parser  assigns to initial semantics to input sentence.</a:t>
             </a:r>
           </a:p>
           <a:p>
@@ -4748,104 +4597,101 @@
               <a:buFont typeface="+mj-lt"/>
               <a:buAutoNum type="arabicPeriod"/>
             </a:pPr>
-            <a:endParaRPr lang="de-DE" sz="3200" b="1" baseline="0" dirty="0" smtClean="0"/>
+            <a:endParaRPr lang="en-GB" sz="3200" b="1" baseline="0" dirty="0" smtClean="0"/>
           </a:p>
           <a:p>
             <a:pPr marL="742950" indent="-742950" defTabSz="2128639">
               <a:buFont typeface="+mj-lt"/>
               <a:buAutoNum type="arabicPeriod"/>
             </a:pPr>
-            <a:endParaRPr lang="de-DE" sz="3200" b="1" baseline="0" dirty="0" smtClean="0"/>
+            <a:endParaRPr lang="en-GB" sz="3200" b="1" baseline="0" dirty="0" smtClean="0"/>
           </a:p>
           <a:p>
             <a:pPr marL="742950" indent="-742950" defTabSz="2128639">
               <a:buFont typeface="+mj-lt"/>
               <a:buAutoNum type="arabicPeriod"/>
             </a:pPr>
-            <a:r>
-              <a:rPr lang="de-DE" sz="3200" b="1" baseline="0" dirty="0" smtClean="0"/>
-              <a:t>Rules, whose triggers match the sentence a the hypothesised semantics, are sequentially applied.</a:t>
-            </a:r>
+            <a:endParaRPr lang="en-GB" sz="3200" b="1" baseline="0" dirty="0" smtClean="0"/>
           </a:p>
           <a:p>
             <a:pPr marL="742950" indent="-742950" defTabSz="2128639">
               <a:buFont typeface="+mj-lt"/>
               <a:buAutoNum type="arabicPeriod"/>
             </a:pPr>
-            <a:endParaRPr lang="de-DE" sz="3200" b="1" baseline="0" dirty="0" smtClean="0"/>
+            <a:r>
+              <a:rPr lang="en-GB" sz="3200" b="1" baseline="0" dirty="0" smtClean="0"/>
+              <a:t>Rules, whose triggers match the sentence a the hypothesised semantics, are sequentially applied.</a:t>
+            </a:r>
           </a:p>
           <a:p>
             <a:pPr marL="742950" indent="-742950" defTabSz="2128639">
               <a:buFont typeface="+mj-lt"/>
               <a:buAutoNum type="arabicPeriod"/>
             </a:pPr>
-            <a:endParaRPr lang="de-DE" sz="3200" b="1" baseline="0" dirty="0" smtClean="0"/>
+            <a:endParaRPr lang="en-GB" sz="3200" b="1" baseline="0" dirty="0" smtClean="0"/>
           </a:p>
           <a:p>
             <a:pPr marL="742950" indent="-742950" defTabSz="2128639">
               <a:buFont typeface="+mj-lt"/>
               <a:buAutoNum type="arabicPeriod"/>
             </a:pPr>
-            <a:endParaRPr lang="de-DE" sz="3200" b="1" baseline="0" dirty="0" smtClean="0"/>
+            <a:endParaRPr lang="en-GB" sz="3200" b="1" baseline="0" dirty="0" smtClean="0"/>
           </a:p>
           <a:p>
             <a:pPr marL="742950" indent="-742950" defTabSz="2128639">
               <a:buFont typeface="+mj-lt"/>
               <a:buAutoNum type="arabicPeriod"/>
             </a:pPr>
-            <a:endParaRPr lang="de-DE" sz="3200" b="1" baseline="0" dirty="0" smtClean="0"/>
+            <a:endParaRPr lang="en-GB" sz="3200" b="1" baseline="0" dirty="0" smtClean="0"/>
           </a:p>
           <a:p>
             <a:pPr marL="742950" indent="-742950" defTabSz="2128639">
               <a:buFont typeface="+mj-lt"/>
               <a:buAutoNum type="arabicPeriod"/>
             </a:pPr>
-            <a:endParaRPr lang="de-DE" sz="3200" b="1" baseline="0" dirty="0" smtClean="0"/>
+            <a:endParaRPr lang="en-GB" sz="3200" b="1" baseline="0" dirty="0" smtClean="0"/>
           </a:p>
           <a:p>
             <a:pPr marL="742950" indent="-742950" defTabSz="2128639">
               <a:buFont typeface="+mj-lt"/>
               <a:buAutoNum type="arabicPeriod"/>
             </a:pPr>
-            <a:r>
-              <a:rPr lang="de-DE" sz="3200" b="1" baseline="0" dirty="0" smtClean="0"/>
-              <a:t>Which results into:</a:t>
-            </a:r>
+            <a:endParaRPr lang="en-GB" sz="3200" b="1" baseline="0" dirty="0" smtClean="0"/>
           </a:p>
           <a:p>
             <a:pPr marL="742950" indent="-742950" defTabSz="2128639">
               <a:buFont typeface="+mj-lt"/>
               <a:buAutoNum type="arabicPeriod"/>
             </a:pPr>
-            <a:endParaRPr lang="de-DE" sz="3200" b="1" baseline="0" dirty="0" smtClean="0"/>
+            <a:endParaRPr lang="en-GB" sz="3200" b="1" baseline="0" dirty="0" smtClean="0"/>
           </a:p>
           <a:p>
             <a:pPr marL="742950" indent="-742950" defTabSz="2128639">
               <a:buFont typeface="+mj-lt"/>
               <a:buAutoNum type="arabicPeriod"/>
             </a:pPr>
-            <a:endParaRPr lang="de-DE" sz="3200" b="1" baseline="0" dirty="0" smtClean="0"/>
+            <a:endParaRPr lang="en-GB" sz="3200" b="1" baseline="0" dirty="0" smtClean="0"/>
           </a:p>
           <a:p>
             <a:pPr marL="742950" indent="-742950" defTabSz="2128639">
               <a:buFont typeface="+mj-lt"/>
               <a:buAutoNum type="arabicPeriod"/>
             </a:pPr>
-            <a:endParaRPr lang="de-DE" sz="3200" b="1" baseline="0" dirty="0" smtClean="0"/>
+            <a:endParaRPr lang="en-GB" sz="3200" b="1" baseline="0" dirty="0" smtClean="0"/>
           </a:p>
           <a:p>
             <a:pPr marL="742950" indent="-742950" defTabSz="2128639">
               <a:buFont typeface="+mj-lt"/>
               <a:buAutoNum type="arabicPeriod"/>
             </a:pPr>
-            <a:endParaRPr lang="de-DE" sz="3200" b="1" baseline="0" dirty="0" smtClean="0"/>
+            <a:endParaRPr lang="en-GB" sz="3200" b="1" baseline="0" dirty="0" smtClean="0"/>
           </a:p>
           <a:p>
             <a:pPr marL="742950" indent="-742950" defTabSz="2128639">
               <a:buFont typeface="+mj-lt"/>
               <a:buAutoNum type="arabicPeriod"/>
             </a:pPr>
-            <a:endParaRPr lang="de-DE" sz="3200" b="1" baseline="0" dirty="0" smtClean="0"/>
+            <a:endParaRPr lang="en-GB" sz="3200" b="1" baseline="0" dirty="0" smtClean="0"/>
           </a:p>
           <a:p>
             <a:pPr marL="742950" indent="-742950" defTabSz="2128639">
@@ -4853,8 +4699,8 @@
               <a:buAutoNum type="arabicPeriod"/>
             </a:pPr>
             <a:r>
-              <a:rPr lang="de-DE" sz="3200" b="1" baseline="0" dirty="0" smtClean="0"/>
-              <a:t>Additonal rules can fix previous errors</a:t>
+              <a:rPr lang="en-GB" sz="3200" b="1" baseline="0" dirty="0" smtClean="0"/>
+              <a:t>Additional rules can fix previous errors</a:t>
             </a:r>
           </a:p>
           <a:p>
@@ -4862,151 +4708,132 @@
               <a:buFont typeface="+mj-lt"/>
               <a:buAutoNum type="arabicPeriod"/>
             </a:pPr>
-            <a:endParaRPr lang="de-DE" sz="3200" b="1" baseline="0" dirty="0" smtClean="0"/>
+            <a:endParaRPr lang="en-GB" sz="3200" b="1" baseline="0" dirty="0" smtClean="0"/>
           </a:p>
           <a:p>
             <a:pPr marL="742950" indent="-742950" defTabSz="2128639">
               <a:buFont typeface="+mj-lt"/>
               <a:buAutoNum type="arabicPeriod"/>
             </a:pPr>
-            <a:endParaRPr lang="de-DE" sz="3200" b="1" baseline="0" dirty="0" smtClean="0"/>
+            <a:endParaRPr lang="en-GB" sz="3200" b="1" baseline="0" dirty="0" smtClean="0"/>
           </a:p>
           <a:p>
             <a:pPr marL="742950" indent="-742950" defTabSz="2128639">
               <a:buFont typeface="+mj-lt"/>
               <a:buAutoNum type="arabicPeriod"/>
             </a:pPr>
-            <a:endParaRPr lang="de-DE" sz="3200" b="1" baseline="0" dirty="0" smtClean="0"/>
+            <a:endParaRPr lang="en-GB" sz="3200" b="1" baseline="0" dirty="0" smtClean="0"/>
           </a:p>
           <a:p>
             <a:pPr marL="742950" indent="-742950" defTabSz="2128639">
               <a:buFont typeface="+mj-lt"/>
               <a:buAutoNum type="arabicPeriod"/>
             </a:pPr>
-            <a:endParaRPr lang="de-DE" sz="3200" b="1" baseline="0" dirty="0" smtClean="0"/>
+            <a:endParaRPr lang="en-GB" sz="3200" b="1" baseline="0" dirty="0" smtClean="0"/>
           </a:p>
           <a:p>
             <a:pPr marL="742950" indent="-742950" defTabSz="2128639">
               <a:buFont typeface="+mj-lt"/>
               <a:buAutoNum type="arabicPeriod"/>
             </a:pPr>
-            <a:r>
-              <a:rPr lang="de-DE" sz="3200" b="1" baseline="0" dirty="0" smtClean="0"/>
-              <a:t>Which </a:t>
-            </a:r>
-            <a:r>
-              <a:rPr lang="de-DE" sz="3200" b="1" baseline="0" dirty="0" smtClean="0"/>
-              <a:t>results into</a:t>
-            </a:r>
-            <a:r>
-              <a:rPr lang="de-DE" sz="3200" b="1" baseline="0" dirty="0" smtClean="0"/>
-              <a:t>:</a:t>
-            </a:r>
+            <a:endParaRPr lang="en-GB" sz="3200" b="1" baseline="0" dirty="0" smtClean="0"/>
           </a:p>
           <a:p>
             <a:pPr marL="742950" indent="-742950" defTabSz="2128639">
               <a:buFont typeface="+mj-lt"/>
               <a:buAutoNum type="arabicPeriod"/>
             </a:pPr>
-            <a:endParaRPr lang="de-DE" sz="3200" b="1" baseline="0" dirty="0" smtClean="0"/>
+            <a:endParaRPr lang="en-GB" sz="3200" b="1" baseline="0" dirty="0" smtClean="0"/>
           </a:p>
           <a:p>
             <a:pPr marL="742950" indent="-742950" defTabSz="2128639">
               <a:buFont typeface="+mj-lt"/>
               <a:buAutoNum type="arabicPeriod"/>
             </a:pPr>
-            <a:endParaRPr lang="de-DE" sz="3200" b="1" baseline="0" dirty="0" smtClean="0"/>
+            <a:endParaRPr lang="en-GB" sz="3200" b="1" baseline="0" dirty="0" smtClean="0"/>
           </a:p>
           <a:p>
             <a:pPr marL="742950" indent="-742950" defTabSz="2128639">
               <a:buFont typeface="+mj-lt"/>
               <a:buAutoNum type="arabicPeriod"/>
             </a:pPr>
-            <a:endParaRPr lang="de-DE" sz="3200" b="1" baseline="0" dirty="0" smtClean="0"/>
+            <a:endParaRPr lang="en-GB" sz="3200" b="1" baseline="0" dirty="0" smtClean="0"/>
           </a:p>
           <a:p>
             <a:pPr marL="742950" indent="-742950" defTabSz="2128639">
               <a:buFont typeface="+mj-lt"/>
               <a:buAutoNum type="arabicPeriod"/>
             </a:pPr>
-            <a:endParaRPr lang="de-DE" sz="3200" b="1" baseline="0" dirty="0" smtClean="0"/>
+            <a:endParaRPr lang="en-GB" sz="3200" b="1" baseline="0" dirty="0" smtClean="0"/>
           </a:p>
           <a:p>
             <a:pPr marL="742950" indent="-742950" defTabSz="2128639">
               <a:buFont typeface="+mj-lt"/>
               <a:buAutoNum type="arabicPeriod"/>
             </a:pPr>
-            <a:endParaRPr lang="de-DE" sz="3200" b="1" baseline="0" dirty="0" smtClean="0"/>
+            <a:endParaRPr lang="en-GB" sz="3200" b="1" baseline="0" dirty="0" smtClean="0"/>
+          </a:p>
+          <a:p>
+            <a:pPr marL="252000" defTabSz="2128639"/>
+            <a:endParaRPr lang="en-GB" sz="3200" b="1" baseline="0" dirty="0" smtClean="0"/>
+          </a:p>
+          <a:p>
+            <a:pPr defTabSz="2128639"/>
+            <a:endParaRPr lang="en-GB" sz="3200" b="1" baseline="0" dirty="0" smtClean="0"/>
+          </a:p>
+          <a:p>
+            <a:pPr defTabSz="2128639"/>
+            <a:r>
+              <a:rPr lang="en-GB" sz="3200" b="1" baseline="0" dirty="0" smtClean="0"/>
+              <a:t>Inferred list of rules is very small for domains such as ATIS or TownInfo.</a:t>
+            </a:r>
           </a:p>
           <a:p>
             <a:pPr marL="742950" indent="-742950" defTabSz="2128639">
               <a:buFont typeface="+mj-lt"/>
               <a:buAutoNum type="arabicPeriod"/>
             </a:pPr>
-            <a:endParaRPr lang="de-DE" sz="3200" b="1" baseline="0" dirty="0" smtClean="0"/>
-          </a:p>
-          <a:p>
-            <a:pPr marL="252000" defTabSz="2128639"/>
-            <a:endParaRPr lang="de-DE" sz="3200" b="1" baseline="0" dirty="0" smtClean="0"/>
-          </a:p>
-          <a:p>
-            <a:pPr defTabSz="2128639"/>
-            <a:endParaRPr lang="de-DE" sz="3200" b="1" baseline="0" dirty="0" smtClean="0"/>
-          </a:p>
-          <a:p>
-            <a:pPr defTabSz="2128639"/>
-            <a:r>
-              <a:rPr lang="de-DE" sz="3200" b="1" baseline="0" dirty="0" smtClean="0"/>
-              <a:t>Infered list of rules is very small for domains such as ATIS or TownInfo.</a:t>
-            </a:r>
-            <a:endParaRPr lang="de-DE" sz="3200" b="1" baseline="0" dirty="0" smtClean="0"/>
+            <a:endParaRPr lang="en-GB" sz="3200" b="1" baseline="0" dirty="0" smtClean="0"/>
           </a:p>
           <a:p>
             <a:pPr marL="742950" indent="-742950" defTabSz="2128639">
               <a:buFont typeface="+mj-lt"/>
               <a:buAutoNum type="arabicPeriod"/>
             </a:pPr>
-            <a:endParaRPr lang="de-DE" sz="3200" b="1" baseline="0" dirty="0" smtClean="0"/>
+            <a:endParaRPr lang="en-GB" sz="3200" b="1" baseline="0" dirty="0" smtClean="0"/>
           </a:p>
           <a:p>
             <a:pPr marL="742950" indent="-742950" defTabSz="2128639">
               <a:buFont typeface="+mj-lt"/>
               <a:buAutoNum type="arabicPeriod"/>
             </a:pPr>
-            <a:endParaRPr lang="de-DE" sz="3200" b="1" baseline="0" dirty="0" smtClean="0"/>
-          </a:p>
-          <a:p>
-            <a:pPr marL="742950" indent="-742950" defTabSz="2128639">
-              <a:buFont typeface="+mj-lt"/>
-              <a:buAutoNum type="arabicPeriod"/>
-            </a:pPr>
-            <a:endParaRPr lang="de-DE" sz="3200" b="1" baseline="0" dirty="0" smtClean="0"/>
+            <a:endParaRPr lang="en-GB" sz="3200" b="1" baseline="0" dirty="0" smtClean="0"/>
           </a:p>
           <a:p>
             <a:pPr defTabSz="2128639"/>
             <a:r>
-              <a:rPr lang="de-DE" sz="3200" b="1" baseline="0" dirty="0" smtClean="0"/>
+              <a:rPr lang="en-GB" sz="3200" b="1" baseline="0" dirty="0" smtClean="0"/>
               <a:t/>
             </a:r>
             <a:br>
-              <a:rPr lang="de-DE" sz="3200" b="1" baseline="0" dirty="0" smtClean="0"/>
+              <a:rPr lang="en-GB" sz="3200" b="1" baseline="0" dirty="0" smtClean="0"/>
             </a:br>
             <a:r>
-              <a:rPr lang="de-DE" sz="3200" b="1" baseline="0" dirty="0" smtClean="0"/>
-              <a:t>Avarega number of semantic concepts  in a sentence is 5.</a:t>
+              <a:rPr lang="en-GB" sz="3200" b="1" baseline="0" dirty="0" smtClean="0"/>
+              <a:t>Average number of semantic concepts  in a sentence is 5.</a:t>
             </a:r>
           </a:p>
           <a:p>
             <a:pPr defTabSz="2128639"/>
-            <a:endParaRPr lang="de-DE" sz="3200" b="1" baseline="0" dirty="0" smtClean="0"/>
+            <a:endParaRPr lang="en-GB" sz="3200" b="1" baseline="0" dirty="0" smtClean="0"/>
           </a:p>
           <a:p>
             <a:pPr defTabSz="2128639"/>
             <a:r>
-              <a:rPr lang="de-DE" sz="3200" b="1" baseline="0" dirty="0" smtClean="0"/>
+              <a:rPr lang="en-GB" sz="3200" b="1" baseline="0" dirty="0" smtClean="0"/>
               <a:t>Python implementation of the parser needs 6ms per sentence on Intel Pentium 2.8 GHz.</a:t>
             </a:r>
-            <a:endParaRPr lang="de-DE" sz="3200" b="1" baseline="0" dirty="0" smtClean="0"/>
+            <a:endParaRPr lang="en-GB" sz="3200" b="1" baseline="0" dirty="0" smtClean="0"/>
           </a:p>
         </p:txBody>
       </p:sp>
@@ -5020,7 +4847,7 @@
         </p:nvSpPr>
         <p:spPr bwMode="auto">
           <a:xfrm>
-            <a:off x="32061844" y="25527936"/>
+            <a:off x="32061844" y="25600453"/>
             <a:ext cx="8929290" cy="1059386"/>
           </a:xfrm>
           <a:prstGeom prst="rect">
@@ -5043,7 +4870,7 @@
           <a:p>
             <a:pPr algn="ctr" defTabSz="4650064"/>
             <a:r>
-              <a:rPr lang="de-DE" sz="6200" b="1" baseline="0" dirty="0">
+              <a:rPr lang="en-GB" sz="6200" b="1" baseline="0" dirty="0" smtClean="0">
                 <a:solidFill>
                   <a:srgbClr val="CC0000"/>
                 </a:solidFill>
@@ -5051,6 +4878,12 @@
               </a:rPr>
               <a:t>Acknowledgements</a:t>
             </a:r>
+            <a:endParaRPr lang="en-GB" sz="6200" b="1" baseline="0" dirty="0">
+              <a:solidFill>
+                <a:srgbClr val="CC0000"/>
+              </a:solidFill>
+              <a:latin typeface="Verdana" pitchFamily="34" charset="0"/>
+            </a:endParaRPr>
           </a:p>
         </p:txBody>
       </p:sp>
@@ -5093,7 +4926,7 @@
         </p:nvSpPr>
         <p:spPr bwMode="auto">
           <a:xfrm>
-            <a:off x="30477556" y="26538734"/>
+            <a:off x="30477556" y="26811330"/>
             <a:ext cx="7959156" cy="2477445"/>
           </a:xfrm>
           <a:prstGeom prst="rect">
@@ -5114,44 +4947,24 @@
           <a:p>
             <a:pPr defTabSz="2128639"/>
             <a:r>
-              <a:rPr lang="en-US" sz="2700" b="1" baseline="0" dirty="0"/>
-              <a:t>This research was partly funded by the UK EPSRC under grant agreement EP/F013930/1 and by the EU FP7 </a:t>
-            </a:r>
-            <a:r>
               <a:rPr lang="en-GB" sz="2700" b="1" baseline="0" dirty="0" smtClean="0"/>
-              <a:t>Programme</a:t>
-            </a:r>
-            <a:r>
-              <a:rPr lang="en-US" sz="2700" b="1" baseline="0" dirty="0" smtClean="0"/>
-              <a:t> </a:t>
-            </a:r>
-            <a:r>
-              <a:rPr lang="en-US" sz="2700" b="1" baseline="0" dirty="0"/>
-              <a:t>under grant agreement 216594 </a:t>
-            </a:r>
-            <a:r>
-              <a:rPr lang="en-US" sz="2700" b="1" baseline="0" dirty="0" smtClean="0"/>
-              <a:t>(CLASSiC </a:t>
-            </a:r>
-            <a:r>
-              <a:rPr lang="en-US" sz="2700" b="1" baseline="0" dirty="0"/>
-              <a:t>project: </a:t>
-            </a:r>
-            <a:r>
-              <a:rPr lang="en-US" sz="2700" b="1" baseline="0" dirty="0">
+              <a:t>This research was partly funded by the UK EPSRC under grant agreement EP/F013930/1 and by the EU FP7 Programme under grant agreement 216594 (CLASSiC project: </a:t>
+            </a:r>
+            <a:r>
+              <a:rPr lang="en-GB" sz="2700" b="1" baseline="0" dirty="0" smtClean="0">
                 <a:hlinkClick r:id="rId5"/>
               </a:rPr>
               <a:t>www.classic-project.org</a:t>
             </a:r>
             <a:r>
-              <a:rPr lang="en-US" sz="3200" b="1" baseline="0" dirty="0"/>
+              <a:rPr lang="en-GB" sz="3200" b="1" baseline="0" dirty="0" smtClean="0"/>
               <a:t>).</a:t>
             </a:r>
             <a:r>
-              <a:rPr lang="en-US" sz="3200" baseline="0" dirty="0"/>
+              <a:rPr lang="en-GB" sz="3200" baseline="0" dirty="0" smtClean="0"/>
               <a:t> </a:t>
             </a:r>
-            <a:endParaRPr lang="de-DE" sz="3200" baseline="0" dirty="0"/>
+            <a:endParaRPr lang="en-GB" sz="3200" baseline="0" dirty="0"/>
           </a:p>
         </p:txBody>
       </p:sp>
@@ -5188,7 +5001,7 @@
           <a:p>
             <a:pPr algn="ctr" defTabSz="4650064"/>
             <a:r>
-              <a:rPr lang="de-DE" sz="6200" b="1" baseline="0" dirty="0" smtClean="0">
+              <a:rPr lang="en-GB" sz="6200" b="1" baseline="0" dirty="0" smtClean="0">
                 <a:solidFill>
                   <a:srgbClr val="CC0000"/>
                 </a:solidFill>
@@ -5196,7 +5009,7 @@
               </a:rPr>
               <a:t>Evaluation</a:t>
             </a:r>
-            <a:endParaRPr lang="de-DE" sz="6200" b="1" baseline="0" dirty="0">
+            <a:endParaRPr lang="en-GB" sz="6200" b="1" baseline="0" dirty="0">
               <a:solidFill>
                 <a:srgbClr val="CC0000"/>
               </a:solidFill>
@@ -5215,7 +5028,7 @@
         </p:nvSpPr>
         <p:spPr bwMode="auto">
           <a:xfrm>
-            <a:off x="649796" y="16508716"/>
+            <a:off x="649796" y="16946872"/>
             <a:ext cx="13238293" cy="1059386"/>
           </a:xfrm>
           <a:prstGeom prst="rect">
@@ -5238,7 +5051,7 @@
           <a:p>
             <a:pPr algn="ctr" defTabSz="4650064"/>
             <a:r>
-              <a:rPr lang="de-DE" sz="6200" b="1" baseline="0" dirty="0" smtClean="0">
+              <a:rPr lang="en-GB" sz="6200" b="1" baseline="0" dirty="0" smtClean="0">
                 <a:solidFill>
                   <a:srgbClr val="CC0000"/>
                 </a:solidFill>
@@ -5246,7 +5059,7 @@
               </a:rPr>
               <a:t>Motivation</a:t>
             </a:r>
-            <a:endParaRPr lang="de-DE" sz="6200" b="1" baseline="0" dirty="0">
+            <a:endParaRPr lang="en-GB" sz="6200" b="1" baseline="0" dirty="0">
               <a:solidFill>
                 <a:srgbClr val="CC0000"/>
               </a:solidFill>
@@ -5263,7 +5076,7 @@
         </p:nvSpPr>
         <p:spPr bwMode="auto">
           <a:xfrm rot="10800000" flipH="1">
-            <a:off x="1927751" y="19612830"/>
+            <a:off x="1927751" y="20598681"/>
             <a:ext cx="792144" cy="739066"/>
           </a:xfrm>
           <a:prstGeom prst="bentArrow">
@@ -6450,7 +6263,7 @@
         </p:blipFill>
         <p:spPr bwMode="auto">
           <a:xfrm>
-            <a:off x="38323550" y="27611952"/>
+            <a:off x="38323550" y="28038527"/>
             <a:ext cx="3206293" cy="739066"/>
           </a:xfrm>
           <a:prstGeom prst="rect">
@@ -6476,7 +6289,7 @@
         </p:blipFill>
         <p:spPr bwMode="auto">
           <a:xfrm>
-            <a:off x="39153414" y="26358823"/>
+            <a:off x="39153414" y="26785398"/>
             <a:ext cx="1433403" cy="1142270"/>
           </a:xfrm>
           <a:prstGeom prst="rect">
@@ -6493,14 +6306,27 @@
         </p:nvSpPr>
         <p:spPr>
           <a:xfrm>
-            <a:off x="1927751" y="9024060"/>
+            <a:off x="1927751" y="9140758"/>
             <a:ext cx="10762291" cy="3059933"/>
           </a:xfrm>
           <a:prstGeom prst="rect">
             <a:avLst/>
           </a:prstGeom>
-          <a:noFill/>
         </p:spPr>
+        <p:style>
+          <a:lnRef idx="2">
+            <a:schemeClr val="accent1"/>
+          </a:lnRef>
+          <a:fillRef idx="1">
+            <a:schemeClr val="lt1"/>
+          </a:fillRef>
+          <a:effectRef idx="0">
+            <a:schemeClr val="accent1"/>
+          </a:effectRef>
+          <a:fontRef idx="minor">
+            <a:schemeClr val="dk1"/>
+          </a:fontRef>
+        </p:style>
         <p:txBody>
           <a:bodyPr wrap="none" lIns="104260" tIns="52130" rIns="104260" bIns="52130" rtlCol="0">
             <a:spAutoFit/>
@@ -6508,47 +6334,40 @@
           <a:lstStyle/>
           <a:p>
             <a:r>
-              <a:rPr lang="de-DE" sz="3200" u="sng" baseline="0" dirty="0" smtClean="0"/>
+              <a:rPr lang="en-GB" sz="3200" u="sng" baseline="0" dirty="0" smtClean="0"/>
               <a:t>what are the lowest airfare from Washington DC to Boston</a:t>
             </a:r>
           </a:p>
           <a:p>
             <a:r>
-              <a:rPr lang="de-DE" sz="3200" baseline="0" dirty="0" smtClean="0"/>
-              <a:t>GOAL		= airfare</a:t>
-            </a:r>
-          </a:p>
-          <a:p>
-            <a:r>
-              <a:rPr lang="de-DE" sz="3200" baseline="0" dirty="0" smtClean="0"/>
-              <a:t>airfare.type	= lowest</a:t>
-            </a:r>
-          </a:p>
-          <a:p>
-            <a:r>
-              <a:rPr lang="de-DE" sz="3200" baseline="0" dirty="0" smtClean="0"/>
-              <a:t>from.city		= Wahington</a:t>
-            </a:r>
-          </a:p>
-          <a:p>
-            <a:r>
-              <a:rPr lang="de-DE" sz="3200" baseline="0" dirty="0" smtClean="0"/>
-              <a:t>from.state	</a:t>
-            </a:r>
-            <a:r>
-              <a:rPr lang="de-DE" sz="3200" baseline="0" dirty="0" smtClean="0"/>
-              <a:t>	= </a:t>
-            </a:r>
-            <a:r>
-              <a:rPr lang="de-DE" sz="3200" baseline="0" dirty="0" smtClean="0"/>
-              <a:t>DC</a:t>
-            </a:r>
-          </a:p>
-          <a:p>
-            <a:r>
-              <a:rPr lang="de-DE" sz="3200" baseline="0" dirty="0" smtClean="0"/>
-              <a:t>to.city		= Boston</a:t>
-            </a:r>
+              <a:rPr lang="en-GB" sz="3200" baseline="0" dirty="0" smtClean="0"/>
+              <a:t>GOAL		= 	airfare</a:t>
+            </a:r>
+          </a:p>
+          <a:p>
+            <a:r>
+              <a:rPr lang="en-GB" sz="3200" baseline="0" dirty="0" smtClean="0"/>
+              <a:t>airfare.type	= 	lowest</a:t>
+            </a:r>
+          </a:p>
+          <a:p>
+            <a:r>
+              <a:rPr lang="en-GB" sz="3200" baseline="0" dirty="0" smtClean="0"/>
+              <a:t>from.city		= 	Washington</a:t>
+            </a:r>
+          </a:p>
+          <a:p>
+            <a:r>
+              <a:rPr lang="en-GB" sz="3200" baseline="0" dirty="0" smtClean="0"/>
+              <a:t>from.state		= 	DC</a:t>
+            </a:r>
+          </a:p>
+          <a:p>
+            <a:r>
+              <a:rPr lang="en-GB" sz="3200" baseline="0" dirty="0" smtClean="0"/>
+              <a:t>to.city		= 	Boston</a:t>
+            </a:r>
+            <a:endParaRPr lang="en-GB" sz="3200" baseline="0" dirty="0" smtClean="0"/>
           </a:p>
         </p:txBody>
       </p:sp>
@@ -6585,7 +6404,7 @@
           <a:p>
             <a:pPr algn="ctr" defTabSz="4650064"/>
             <a:r>
-              <a:rPr lang="de-DE" sz="6200" b="1" baseline="0" dirty="0" smtClean="0">
+              <a:rPr lang="en-GB" sz="6200" b="1" baseline="0" dirty="0" smtClean="0">
                 <a:solidFill>
                   <a:srgbClr val="CC0000"/>
                 </a:solidFill>
@@ -6593,7 +6412,7 @@
               </a:rPr>
               <a:t>Open source</a:t>
             </a:r>
-            <a:endParaRPr lang="de-DE" sz="6200" b="1" baseline="0" dirty="0">
+            <a:endParaRPr lang="en-GB" sz="6200" b="1" baseline="0" dirty="0">
               <a:solidFill>
                 <a:srgbClr val="CC0000"/>
               </a:solidFill>
@@ -6612,7 +6431,7 @@
         </p:nvSpPr>
         <p:spPr bwMode="auto">
           <a:xfrm>
-            <a:off x="686309" y="21328941"/>
+            <a:off x="686309" y="22131718"/>
             <a:ext cx="13238293" cy="1059386"/>
           </a:xfrm>
           <a:prstGeom prst="rect">
@@ -6635,15 +6454,15 @@
           <a:p>
             <a:pPr algn="ctr" defTabSz="4650064"/>
             <a:r>
-              <a:rPr lang="de-DE" sz="6200" b="1" baseline="0" dirty="0" smtClean="0">
+              <a:rPr lang="en-GB" sz="6200" b="1" baseline="0" dirty="0" smtClean="0">
                 <a:solidFill>
                   <a:srgbClr val="CC0000"/>
                 </a:solidFill>
                 <a:latin typeface="Verdana" pitchFamily="34" charset="0"/>
               </a:rPr>
-              <a:t>Tranformations</a:t>
-            </a:r>
-            <a:endParaRPr lang="de-DE" sz="6200" b="1" baseline="0" dirty="0">
+              <a:t>Transformations</a:t>
+            </a:r>
+            <a:endParaRPr lang="en-GB" sz="6200" b="1" baseline="0" dirty="0">
               <a:solidFill>
                 <a:srgbClr val="CC0000"/>
               </a:solidFill>
@@ -6660,8 +6479,8 @@
         </p:nvSpPr>
         <p:spPr>
           <a:xfrm>
-            <a:off x="1453082" y="22715633"/>
-            <a:ext cx="12743038" cy="4199797"/>
+            <a:off x="1453082" y="23300643"/>
+            <a:ext cx="12743038" cy="4291039"/>
           </a:xfrm>
           <a:prstGeom prst="rect">
             <a:avLst/>
@@ -6675,7 +6494,7 @@
           <a:lstStyle/>
           <a:p>
             <a:r>
-              <a:rPr lang="de-DE" sz="3200" u="sng" baseline="0" dirty="0" smtClean="0"/>
+              <a:rPr lang="en-GB" sz="3200" u="sng" baseline="0" dirty="0" smtClean="0"/>
               <a:t>Triggers			Transformations				 		  </a:t>
             </a:r>
           </a:p>
@@ -6686,7 +6505,7 @@
               </a:lnSpc>
             </a:pPr>
             <a:r>
-              <a:rPr lang="de-DE" sz="3200" baseline="0" dirty="0" smtClean="0"/>
+              <a:rPr lang="en-GB" sz="3200" baseline="0" dirty="0" smtClean="0"/>
               <a:t>„tickets“			replace the goal by „airfare“</a:t>
             </a:r>
           </a:p>
@@ -6697,7 +6516,7 @@
               </a:lnSpc>
             </a:pPr>
             <a:r>
-              <a:rPr lang="de-DE" sz="3200" baseline="0" dirty="0" smtClean="0"/>
+              <a:rPr lang="en-GB" sz="3200" baseline="0" dirty="0" smtClean="0"/>
               <a:t>„flights * from“	</a:t>
             </a:r>
           </a:p>
@@ -6708,7 +6527,7 @@
               </a:lnSpc>
             </a:pPr>
             <a:r>
-              <a:rPr lang="de-DE" sz="3200" baseline="0" dirty="0" smtClean="0"/>
+              <a:rPr lang="en-GB" sz="3200" baseline="0" dirty="0" smtClean="0"/>
               <a:t>&amp; GOAL=airfare	replace the goal by flight</a:t>
             </a:r>
           </a:p>
@@ -6719,8 +6538,8 @@
               </a:lnSpc>
             </a:pPr>
             <a:r>
-              <a:rPr lang="de-DE" sz="3200" baseline="0" dirty="0" smtClean="0"/>
-              <a:t>„Seatle“			add the slot „to.city=Seatle“</a:t>
+              <a:rPr lang="en-GB" sz="3200" baseline="0" dirty="0" smtClean="0"/>
+              <a:t>„Seattle“			add the slot „to.city=Seattle“</a:t>
             </a:r>
           </a:p>
           <a:p>
@@ -6730,9 +6549,10 @@
               </a:lnSpc>
             </a:pPr>
             <a:r>
-              <a:rPr lang="de-DE" sz="3200" baseline="0" dirty="0" smtClean="0"/>
+              <a:rPr lang="en-GB" sz="3200" baseline="0" dirty="0" smtClean="0"/>
               <a:t>„connecting“		replace the slot „to.city=*“ by „stop.city=*“</a:t>
             </a:r>
+            <a:endParaRPr lang="en-GB" sz="3200" baseline="0" dirty="0" smtClean="0"/>
           </a:p>
         </p:txBody>
       </p:sp>
@@ -6744,14 +6564,27 @@
         </p:nvSpPr>
         <p:spPr>
           <a:xfrm>
-            <a:off x="17130865" y="10082937"/>
+            <a:off x="18116716" y="10215476"/>
             <a:ext cx="4769497" cy="597721"/>
           </a:xfrm>
           <a:prstGeom prst="rect">
             <a:avLst/>
           </a:prstGeom>
-          <a:noFill/>
         </p:spPr>
+        <p:style>
+          <a:lnRef idx="2">
+            <a:schemeClr val="accent1"/>
+          </a:lnRef>
+          <a:fillRef idx="1">
+            <a:schemeClr val="lt1"/>
+          </a:fillRef>
+          <a:effectRef idx="0">
+            <a:schemeClr val="accent1"/>
+          </a:effectRef>
+          <a:fontRef idx="minor">
+            <a:schemeClr val="dk1"/>
+          </a:fontRef>
+        </p:style>
         <p:txBody>
           <a:bodyPr wrap="none" lIns="104260" tIns="52130" rIns="104260" bIns="52130" rtlCol="0">
             <a:spAutoFit/>
@@ -6759,9 +6592,10 @@
           <a:lstStyle/>
           <a:p>
             <a:r>
-              <a:rPr lang="de-DE" sz="3200" baseline="0" dirty="0" smtClean="0"/>
+              <a:rPr lang="en-GB" sz="3200" baseline="0" dirty="0" smtClean="0"/>
               <a:t>GOAL		= 	flight</a:t>
             </a:r>
+            <a:endParaRPr lang="en-GB" sz="3200" baseline="0" dirty="0" smtClean="0"/>
           </a:p>
         </p:txBody>
       </p:sp>
@@ -6773,14 +6607,27 @@
         </p:nvSpPr>
         <p:spPr>
           <a:xfrm>
-            <a:off x="17117159" y="14975679"/>
-            <a:ext cx="5635118" cy="2075048"/>
+            <a:off x="18066497" y="14835820"/>
+            <a:ext cx="5817861" cy="2075048"/>
           </a:xfrm>
           <a:prstGeom prst="rect">
             <a:avLst/>
           </a:prstGeom>
-          <a:noFill/>
         </p:spPr>
+        <p:style>
+          <a:lnRef idx="2">
+            <a:schemeClr val="accent1"/>
+          </a:lnRef>
+          <a:fillRef idx="1">
+            <a:schemeClr val="lt1"/>
+          </a:fillRef>
+          <a:effectRef idx="0">
+            <a:schemeClr val="accent1"/>
+          </a:effectRef>
+          <a:fontRef idx="minor">
+            <a:schemeClr val="dk1"/>
+          </a:fontRef>
+        </p:style>
         <p:txBody>
           <a:bodyPr wrap="none" lIns="104260" tIns="52130" rIns="104260" bIns="52130" rtlCol="0">
             <a:spAutoFit/>
@@ -6788,27 +6635,44 @@
           <a:lstStyle/>
           <a:p>
             <a:r>
-              <a:rPr lang="de-DE" sz="3200" baseline="0" dirty="0" smtClean="0"/>
+              <a:rPr lang="en-GB" sz="3200" baseline="0" dirty="0" smtClean="0"/>
               <a:t>GOAL		= 	flight</a:t>
             </a:r>
           </a:p>
           <a:p>
             <a:r>
-              <a:rPr lang="de-DE" sz="3200" baseline="0" dirty="0" smtClean="0"/>
+              <a:rPr lang="en-GB" sz="3200" baseline="0" dirty="0" smtClean="0">
+                <a:solidFill>
+                  <a:srgbClr val="009900"/>
+                </a:solidFill>
+              </a:rPr>
               <a:t>from.city		=	Toronto</a:t>
             </a:r>
           </a:p>
           <a:p>
             <a:r>
-              <a:rPr lang="de-DE" sz="3200" baseline="0" dirty="0" smtClean="0"/>
-              <a:t>to.city		=	Sandiego</a:t>
-            </a:r>
-          </a:p>
-          <a:p>
-            <a:r>
-              <a:rPr lang="de-DE" sz="3200" baseline="0" dirty="0" smtClean="0"/>
+              <a:rPr lang="en-GB" sz="3200" baseline="0" dirty="0" smtClean="0">
+                <a:solidFill>
+                  <a:srgbClr val="009900"/>
+                </a:solidFill>
+              </a:rPr>
+              <a:t>to.city		=	San Diego</a:t>
+            </a:r>
+          </a:p>
+          <a:p>
+            <a:r>
+              <a:rPr lang="en-GB" sz="3200" baseline="0" dirty="0" smtClean="0">
+                <a:solidFill>
+                  <a:srgbClr val="009900"/>
+                </a:solidFill>
+              </a:rPr>
               <a:t>departure.day	=	Saturday</a:t>
             </a:r>
+            <a:endParaRPr lang="en-GB" sz="3200" baseline="0" dirty="0" smtClean="0">
+              <a:solidFill>
+                <a:srgbClr val="009900"/>
+              </a:solidFill>
+            </a:endParaRPr>
           </a:p>
         </p:txBody>
       </p:sp>
@@ -6820,7 +6684,7 @@
         </p:nvSpPr>
         <p:spPr>
           <a:xfrm>
-            <a:off x="16277360" y="12091152"/>
+            <a:off x="16277360" y="12529308"/>
             <a:ext cx="12213842" cy="2075048"/>
           </a:xfrm>
           <a:prstGeom prst="rect">
@@ -6835,22 +6699,25 @@
           <a:lstStyle/>
           <a:p>
             <a:r>
-              <a:rPr lang="de-DE" sz="3200" u="sng" baseline="0" dirty="0" smtClean="0"/>
-              <a:t>#	trigger	</a:t>
-            </a:r>
-            <a:r>
-              <a:rPr lang="de-DE" sz="3200" u="sng" baseline="0" dirty="0" smtClean="0"/>
-              <a:t>		transformation						</a:t>
-            </a:r>
-            <a:endParaRPr lang="de-DE" sz="3200" u="sng" baseline="0" dirty="0" smtClean="0"/>
+              <a:rPr lang="en-GB" sz="3200" u="sng" baseline="0" dirty="0" smtClean="0"/>
+              <a:t>#	trigger			transformation						</a:t>
+            </a:r>
           </a:p>
           <a:p>
             <a:pPr marL="514350" indent="-514350">
               <a:buAutoNum type="arabicPlain"/>
             </a:pPr>
             <a:r>
-              <a:rPr lang="de-DE" sz="3200" baseline="0" dirty="0" smtClean="0"/>
-              <a:t>„between toronto“	add the slot „from.city=Toronto“</a:t>
+              <a:rPr lang="en-GB" sz="3200" baseline="0" dirty="0" smtClean="0"/>
+              <a:t>„between </a:t>
+            </a:r>
+            <a:r>
+              <a:rPr lang="en-GB" sz="3200" baseline="0" dirty="0" smtClean="0"/>
+              <a:t>T</a:t>
+            </a:r>
+            <a:r>
+              <a:rPr lang="en-GB" sz="3200" baseline="0" dirty="0" smtClean="0"/>
+              <a:t>oronto“	add the slot „from.city=Toronto“</a:t>
             </a:r>
           </a:p>
           <a:p>
@@ -6858,8 +6725,8 @@
               <a:buAutoNum type="arabicPlain"/>
             </a:pPr>
             <a:r>
-              <a:rPr lang="de-DE" sz="3200" baseline="0" dirty="0" smtClean="0"/>
-              <a:t>„and sandiago“		add the slot „to.city=Sand Diaego“</a:t>
+              <a:rPr lang="en-GB" sz="3200" baseline="0" dirty="0" smtClean="0"/>
+              <a:t>„and San Diego“		add the slot „to.city=Sand Diego“</a:t>
             </a:r>
           </a:p>
           <a:p>
@@ -6867,9 +6734,10 @@
               <a:buAutoNum type="arabicPlain"/>
             </a:pPr>
             <a:r>
-              <a:rPr lang="de-DE" sz="3200" baseline="0" dirty="0" smtClean="0"/>
+              <a:rPr lang="en-GB" sz="3200" baseline="0" dirty="0" smtClean="0"/>
               <a:t>„Saturday“			add the slot „departure.day=Saturday“</a:t>
             </a:r>
+            <a:endParaRPr lang="en-GB" sz="3200" baseline="0" dirty="0" smtClean="0"/>
           </a:p>
         </p:txBody>
       </p:sp>
@@ -6882,7 +6750,7 @@
         <p:spPr>
           <a:xfrm>
             <a:off x="16277360" y="18079284"/>
-            <a:ext cx="12213842" cy="1582606"/>
+            <a:ext cx="12388570" cy="1582606"/>
           </a:xfrm>
           <a:prstGeom prst="rect">
             <a:avLst/>
@@ -6896,52 +6764,27 @@
           <a:lstStyle/>
           <a:p>
             <a:r>
-              <a:rPr lang="de-DE" sz="3200" u="sng" baseline="0" dirty="0" smtClean="0"/>
-              <a:t>#	trigger	</a:t>
-            </a:r>
-            <a:r>
-              <a:rPr lang="de-DE" sz="3200" u="sng" baseline="0" dirty="0" smtClean="0"/>
-              <a:t>		transformation						</a:t>
-            </a:r>
-            <a:endParaRPr lang="de-DE" sz="3200" u="sng" baseline="0" dirty="0" smtClean="0"/>
+              <a:rPr lang="en-GB" sz="3200" u="sng" baseline="0" dirty="0" smtClean="0"/>
+              <a:t>#	trigger			transformation						</a:t>
+            </a:r>
           </a:p>
           <a:p>
             <a:pPr marL="514350" indent="-514350">
               <a:buFont typeface="Wingdings" pitchFamily="2" charset="2"/>
-              <a:buAutoNum type="arabicPlain" startAt="5"/>
+              <a:buAutoNum type="arabicPlain" startAt="4"/>
             </a:pPr>
             <a:r>
-              <a:rPr lang="de-DE" sz="3200" baseline="0" dirty="0" smtClean="0"/>
-              <a:t>„arrive“</a:t>
-            </a:r>
-            <a:r>
-              <a:rPr lang="de-DE" sz="3200" baseline="0" dirty="0" smtClean="0"/>
-              <a:t>	</a:t>
-            </a:r>
-            <a:r>
-              <a:rPr lang="de-DE" sz="3200" baseline="0" dirty="0" smtClean="0"/>
-              <a:t>			replace the </a:t>
-            </a:r>
-            <a:r>
-              <a:rPr lang="de-DE" sz="3200" baseline="0" dirty="0" smtClean="0"/>
-              <a:t>slot </a:t>
-            </a:r>
-            <a:r>
-              <a:rPr lang="de-DE" sz="3200" baseline="0" dirty="0" smtClean="0"/>
-              <a:t>„departure.day=*“ by</a:t>
+              <a:rPr lang="en-GB" sz="3200" baseline="0" dirty="0" smtClean="0"/>
+              <a:t>„arrive“				replace the slot „departure.day=*“ by</a:t>
             </a:r>
           </a:p>
           <a:p>
             <a:pPr marL="514350" indent="-514350"/>
             <a:r>
-              <a:rPr lang="de-DE" sz="3200" baseline="0" dirty="0" smtClean="0"/>
-              <a:t>	</a:t>
-            </a:r>
-            <a:r>
-              <a:rPr lang="de-DE" sz="3200" baseline="0" dirty="0" smtClean="0"/>
-              <a:t>					„arrival.day=*“</a:t>
-            </a:r>
-            <a:endParaRPr lang="de-DE" sz="3200" baseline="0" dirty="0" smtClean="0"/>
+              <a:rPr lang="en-GB" sz="3200" baseline="0" dirty="0" smtClean="0"/>
+              <a:t>						„arrival.day=*“</a:t>
+            </a:r>
+            <a:endParaRPr lang="en-GB" sz="3200" baseline="0" dirty="0" smtClean="0"/>
           </a:p>
         </p:txBody>
       </p:sp>
@@ -6953,14 +6796,27 @@
         </p:nvSpPr>
         <p:spPr>
           <a:xfrm>
-            <a:off x="17153672" y="20416116"/>
-            <a:ext cx="5635118" cy="2075048"/>
+            <a:off x="18103010" y="19911127"/>
+            <a:ext cx="5817861" cy="2075048"/>
           </a:xfrm>
           <a:prstGeom prst="rect">
             <a:avLst/>
           </a:prstGeom>
-          <a:noFill/>
         </p:spPr>
+        <p:style>
+          <a:lnRef idx="2">
+            <a:schemeClr val="accent1"/>
+          </a:lnRef>
+          <a:fillRef idx="1">
+            <a:schemeClr val="lt1"/>
+          </a:fillRef>
+          <a:effectRef idx="0">
+            <a:schemeClr val="accent1"/>
+          </a:effectRef>
+          <a:fontRef idx="minor">
+            <a:schemeClr val="dk1"/>
+          </a:fontRef>
+        </p:style>
         <p:txBody>
           <a:bodyPr wrap="none" lIns="104260" tIns="52130" rIns="104260" bIns="52130" rtlCol="0">
             <a:spAutoFit/>
@@ -6968,39 +6824,36 @@
           <a:lstStyle/>
           <a:p>
             <a:r>
-              <a:rPr lang="de-DE" sz="3200" baseline="0" dirty="0" smtClean="0"/>
+              <a:rPr lang="en-GB" sz="3200" baseline="0" dirty="0" smtClean="0"/>
               <a:t>GOAL		= 	flight</a:t>
             </a:r>
           </a:p>
           <a:p>
             <a:r>
-              <a:rPr lang="de-DE" sz="3200" baseline="0" dirty="0" smtClean="0"/>
+              <a:rPr lang="en-GB" sz="3200" baseline="0" dirty="0" smtClean="0"/>
               <a:t>from.city		=	Toronto</a:t>
             </a:r>
           </a:p>
           <a:p>
             <a:r>
-              <a:rPr lang="de-DE" sz="3200" baseline="0" dirty="0" smtClean="0"/>
-              <a:t>to.city		=	Sandiego</a:t>
-            </a:r>
-          </a:p>
-          <a:p>
-            <a:r>
-              <a:rPr lang="de-DE" sz="3200" baseline="0" dirty="0" smtClean="0"/>
+              <a:rPr lang="en-GB" sz="3200" baseline="0" dirty="0" smtClean="0"/>
+              <a:t>to.city		=	San Diego</a:t>
+            </a:r>
+          </a:p>
+          <a:p>
+            <a:r>
+              <a:rPr lang="en-GB" sz="3200" baseline="0" dirty="0" smtClean="0">
+                <a:solidFill>
+                  <a:srgbClr val="009900"/>
+                </a:solidFill>
+              </a:rPr>
               <a:t>arrive.day</a:t>
             </a:r>
             <a:r>
-              <a:rPr lang="de-DE" sz="3200" baseline="0" dirty="0" smtClean="0"/>
-              <a:t>	</a:t>
-            </a:r>
-            <a:r>
-              <a:rPr lang="de-DE" sz="3200" baseline="0" dirty="0" smtClean="0"/>
-              <a:t>	=</a:t>
-            </a:r>
-            <a:r>
-              <a:rPr lang="de-DE" sz="3200" baseline="0" dirty="0" smtClean="0"/>
-              <a:t>	Saturday</a:t>
-            </a:r>
+              <a:rPr lang="en-GB" sz="3200" baseline="0" dirty="0" smtClean="0"/>
+              <a:t>		=	Saturday</a:t>
+            </a:r>
+            <a:endParaRPr lang="en-GB" sz="3200" baseline="0" dirty="0" smtClean="0"/>
           </a:p>
         </p:txBody>
       </p:sp>
@@ -7014,7 +6867,7 @@
         </p:nvSpPr>
         <p:spPr bwMode="auto">
           <a:xfrm>
-            <a:off x="16167821" y="22716435"/>
+            <a:off x="16167821" y="22424331"/>
             <a:ext cx="10712653" cy="1059386"/>
           </a:xfrm>
           <a:prstGeom prst="rect">
@@ -7037,15 +6890,15 @@
           <a:p>
             <a:pPr algn="ctr" defTabSz="4650064"/>
             <a:r>
-              <a:rPr lang="de-DE" sz="6200" b="1" baseline="0" dirty="0" smtClean="0">
+              <a:rPr lang="en-GB" sz="6200" b="1" baseline="0" dirty="0" smtClean="0">
                 <a:solidFill>
                   <a:srgbClr val="CC0000"/>
                 </a:solidFill>
                 <a:latin typeface="Verdana" pitchFamily="34" charset="0"/>
               </a:rPr>
-              <a:t>Effeciency</a:t>
-            </a:r>
-            <a:endParaRPr lang="de-DE" sz="6200" b="1" baseline="0" dirty="0">
+              <a:t>Efficiency</a:t>
+            </a:r>
+            <a:endParaRPr lang="en-GB" sz="6200" b="1" baseline="0" dirty="0">
               <a:solidFill>
                 <a:srgbClr val="CC0000"/>
               </a:solidFill>
@@ -7062,7 +6915,7 @@
         </p:nvSpPr>
         <p:spPr>
           <a:xfrm>
-            <a:off x="15620126" y="25345371"/>
+            <a:off x="15620126" y="24724650"/>
             <a:ext cx="11958965" cy="1582606"/>
           </a:xfrm>
           <a:prstGeom prst="rect">
@@ -7077,35 +6930,132 @@
           <a:lstStyle/>
           <a:p>
             <a:r>
-              <a:rPr lang="de-DE" sz="3200" u="sng" baseline="0" dirty="0" smtClean="0"/>
-              <a:t>Dataset</a:t>
-            </a:r>
-            <a:r>
-              <a:rPr lang="de-DE" sz="3200" u="sng" baseline="0" dirty="0" smtClean="0"/>
-              <a:t>	</a:t>
-            </a:r>
-            <a:r>
-              <a:rPr lang="de-DE" sz="3200" u="sng" baseline="0" dirty="0" smtClean="0"/>
-              <a:t>   </a:t>
-            </a:r>
-            <a:r>
-              <a:rPr lang="de-DE" sz="3200" u="sng" baseline="0" dirty="0" smtClean="0"/>
-              <a:t># of infered rules	concepts		# of rules/concepts</a:t>
-            </a:r>
-            <a:endParaRPr lang="de-DE" sz="3200" u="sng" baseline="0" dirty="0" smtClean="0"/>
-          </a:p>
-          <a:p>
-            <a:r>
-              <a:rPr lang="de-DE" sz="3200" baseline="0" dirty="0" smtClean="0"/>
+              <a:rPr lang="en-GB" sz="3200" u="sng" baseline="0" dirty="0" smtClean="0"/>
+              <a:t>Dataset	   # of </a:t>
+            </a:r>
+            <a:r>
+              <a:rPr lang="en-GB" sz="3200" u="sng" baseline="0" dirty="0" smtClean="0"/>
+              <a:t>inferred rules</a:t>
+            </a:r>
+            <a:r>
+              <a:rPr lang="en-GB" sz="3200" u="sng" baseline="0" dirty="0" smtClean="0"/>
+              <a:t>	concepts		# of rules/concepts</a:t>
+            </a:r>
+          </a:p>
+          <a:p>
+            <a:r>
+              <a:rPr lang="en-GB" sz="3200" baseline="0" dirty="0" smtClean="0"/>
               <a:t>ATIS		   372			83			4.5</a:t>
             </a:r>
           </a:p>
           <a:p>
             <a:r>
-              <a:rPr lang="de-DE" sz="3200" baseline="0" dirty="0" smtClean="0"/>
+              <a:rPr lang="en-GB" sz="3200" baseline="0" dirty="0" smtClean="0"/>
               <a:t>TownInfo	   195			28			6.9</a:t>
             </a:r>
-            <a:endParaRPr lang="de-DE" sz="3200" baseline="0" dirty="0" smtClean="0"/>
+            <a:endParaRPr lang="en-GB" sz="3200" baseline="0" dirty="0" smtClean="0"/>
+          </a:p>
+        </p:txBody>
+      </p:sp>
+      <p:sp>
+        <p:nvSpPr>
+          <p:cNvPr id="33" name="Bent Arrow 32"/>
+          <p:cNvSpPr/>
+          <p:nvPr/>
+        </p:nvSpPr>
+        <p:spPr bwMode="auto">
+          <a:xfrm rot="10800000" flipH="1">
+            <a:off x="16898081" y="15273976"/>
+            <a:ext cx="792144" cy="739066"/>
+          </a:xfrm>
+          <a:prstGeom prst="bentArrow">
+            <a:avLst/>
+          </a:prstGeom>
+          <a:ln>
+            <a:headEnd type="none" w="med" len="med"/>
+            <a:tailEnd type="none" w="med" len="med"/>
+          </a:ln>
+        </p:spPr>
+        <p:style>
+          <a:lnRef idx="1">
+            <a:schemeClr val="dk1"/>
+          </a:lnRef>
+          <a:fillRef idx="2">
+            <a:schemeClr val="dk1"/>
+          </a:fillRef>
+          <a:effectRef idx="1">
+            <a:schemeClr val="dk1"/>
+          </a:effectRef>
+          <a:fontRef idx="minor">
+            <a:schemeClr val="dk1"/>
+          </a:fontRef>
+        </p:style>
+        <p:txBody>
+          <a:bodyPr vert="horz" wrap="square" lIns="104260" tIns="52130" rIns="104260" bIns="52130" numCol="1" rtlCol="0" anchor="t" anchorCtr="0" compatLnSpc="1">
+            <a:prstTxWarp prst="textNoShape">
+              <a:avLst/>
+            </a:prstTxWarp>
+          </a:bodyPr>
+          <a:lstStyle/>
+          <a:p>
+            <a:pPr defTabSz="4650064"/>
+            <a:endParaRPr lang="en-GB" dirty="0" smtClean="0">
+              <a:solidFill>
+                <a:schemeClr val="tx1"/>
+              </a:solidFill>
+              <a:latin typeface="Arial" charset="0"/>
+            </a:endParaRPr>
+          </a:p>
+        </p:txBody>
+      </p:sp>
+      <p:sp>
+        <p:nvSpPr>
+          <p:cNvPr id="34" name="Bent Arrow 33"/>
+          <p:cNvSpPr/>
+          <p:nvPr/>
+        </p:nvSpPr>
+        <p:spPr bwMode="auto">
+          <a:xfrm rot="10800000" flipH="1">
+            <a:off x="16861569" y="20413502"/>
+            <a:ext cx="792144" cy="739066"/>
+          </a:xfrm>
+          <a:prstGeom prst="bentArrow">
+            <a:avLst/>
+          </a:prstGeom>
+          <a:ln>
+            <a:headEnd type="none" w="med" len="med"/>
+            <a:tailEnd type="none" w="med" len="med"/>
+          </a:ln>
+        </p:spPr>
+        <p:style>
+          <a:lnRef idx="1">
+            <a:schemeClr val="dk1"/>
+          </a:lnRef>
+          <a:fillRef idx="2">
+            <a:schemeClr val="dk1"/>
+          </a:fillRef>
+          <a:effectRef idx="1">
+            <a:schemeClr val="dk1"/>
+          </a:effectRef>
+          <a:fontRef idx="minor">
+            <a:schemeClr val="dk1"/>
+          </a:fontRef>
+        </p:style>
+        <p:txBody>
+          <a:bodyPr vert="horz" wrap="square" lIns="104260" tIns="52130" rIns="104260" bIns="52130" numCol="1" rtlCol="0" anchor="t" anchorCtr="0" compatLnSpc="1">
+            <a:prstTxWarp prst="textNoShape">
+              <a:avLst/>
+            </a:prstTxWarp>
+          </a:bodyPr>
+          <a:lstStyle/>
+          <a:p>
+            <a:pPr defTabSz="4650064"/>
+            <a:endParaRPr lang="en-GB" dirty="0" smtClean="0">
+              <a:solidFill>
+                <a:schemeClr val="tx1"/>
+              </a:solidFill>
+              <a:latin typeface="Arial" charset="0"/>
+            </a:endParaRPr>
           </a:p>
         </p:txBody>
       </p:sp>

--- a/trunk/doc/paper-1/interspeech09-poster.pptx
+++ b/trunk/doc/paper-1/interspeech09-poster.pptx
@@ -138,6 +138,4456 @@
     </a:lvl9pPr>
   </p:defaultTextStyle>
 </p:presentation>
+</file>
+
+<file path=ppt/diagrams/colors1.xml><?xml version="1.0" encoding="utf-8"?>
+<dgm:colorsDef xmlns:dgm="http://schemas.openxmlformats.org/drawingml/2006/diagram" xmlns:a="http://schemas.openxmlformats.org/drawingml/2006/main" uniqueId="urn:microsoft.com/office/officeart/2005/8/colors/accent1_2">
+  <dgm:title val=""/>
+  <dgm:desc val=""/>
+  <dgm:catLst>
+    <dgm:cat type="accent1" pri="11200"/>
+  </dgm:catLst>
+  <dgm:styleLbl name="node0">
+    <dgm:fillClrLst meth="repeat">
+      <a:schemeClr val="accent1"/>
+    </dgm:fillClrLst>
+    <dgm:linClrLst meth="repeat">
+      <a:schemeClr val="lt1"/>
+    </dgm:linClrLst>
+    <dgm:effectClrLst/>
+    <dgm:txLinClrLst/>
+    <dgm:txFillClrLst/>
+    <dgm:txEffectClrLst/>
+  </dgm:styleLbl>
+  <dgm:styleLbl name="alignNode1">
+    <dgm:fillClrLst meth="repeat">
+      <a:schemeClr val="accent1"/>
+    </dgm:fillClrLst>
+    <dgm:linClrLst meth="repeat">
+      <a:schemeClr val="accent1"/>
+    </dgm:linClrLst>
+    <dgm:effectClrLst/>
+    <dgm:txLinClrLst/>
+    <dgm:txFillClrLst/>
+    <dgm:txEffectClrLst/>
+  </dgm:styleLbl>
+  <dgm:styleLbl name="node1">
+    <dgm:fillClrLst meth="repeat">
+      <a:schemeClr val="accent1"/>
+    </dgm:fillClrLst>
+    <dgm:linClrLst meth="repeat">
+      <a:schemeClr val="lt1"/>
+    </dgm:linClrLst>
+    <dgm:effectClrLst/>
+    <dgm:txLinClrLst/>
+    <dgm:txFillClrLst/>
+    <dgm:txEffectClrLst/>
+  </dgm:styleLbl>
+  <dgm:styleLbl name="lnNode1">
+    <dgm:fillClrLst meth="repeat">
+      <a:schemeClr val="accent1"/>
+    </dgm:fillClrLst>
+    <dgm:linClrLst meth="repeat">
+      <a:schemeClr val="lt1"/>
+    </dgm:linClrLst>
+    <dgm:effectClrLst/>
+    <dgm:txLinClrLst/>
+    <dgm:txFillClrLst/>
+    <dgm:txEffectClrLst/>
+  </dgm:styleLbl>
+  <dgm:styleLbl name="vennNode1">
+    <dgm:fillClrLst meth="repeat">
+      <a:schemeClr val="accent1">
+        <a:alpha val="50000"/>
+      </a:schemeClr>
+    </dgm:fillClrLst>
+    <dgm:linClrLst meth="repeat">
+      <a:schemeClr val="lt1"/>
+    </dgm:linClrLst>
+    <dgm:effectClrLst/>
+    <dgm:txLinClrLst/>
+    <dgm:txFillClrLst/>
+    <dgm:txEffectClrLst/>
+  </dgm:styleLbl>
+  <dgm:styleLbl name="node2">
+    <dgm:fillClrLst meth="repeat">
+      <a:schemeClr val="accent1"/>
+    </dgm:fillClrLst>
+    <dgm:linClrLst meth="repeat">
+      <a:schemeClr val="lt1"/>
+    </dgm:linClrLst>
+    <dgm:effectClrLst/>
+    <dgm:txLinClrLst/>
+    <dgm:txFillClrLst/>
+    <dgm:txEffectClrLst/>
+  </dgm:styleLbl>
+  <dgm:styleLbl name="node3">
+    <dgm:fillClrLst meth="repeat">
+      <a:schemeClr val="accent1"/>
+    </dgm:fillClrLst>
+    <dgm:linClrLst meth="repeat">
+      <a:schemeClr val="lt1"/>
+    </dgm:linClrLst>
+    <dgm:effectClrLst/>
+    <dgm:txLinClrLst/>
+    <dgm:txFillClrLst/>
+    <dgm:txEffectClrLst/>
+  </dgm:styleLbl>
+  <dgm:styleLbl name="node4">
+    <dgm:fillClrLst meth="repeat">
+      <a:schemeClr val="accent1"/>
+    </dgm:fillClrLst>
+    <dgm:linClrLst meth="repeat">
+      <a:schemeClr val="lt1"/>
+    </dgm:linClrLst>
+    <dgm:effectClrLst/>
+    <dgm:txLinClrLst/>
+    <dgm:txFillClrLst/>
+    <dgm:txEffectClrLst/>
+  </dgm:styleLbl>
+  <dgm:styleLbl name="fgImgPlace1">
+    <dgm:fillClrLst meth="repeat">
+      <a:schemeClr val="accent1">
+        <a:tint val="50000"/>
+      </a:schemeClr>
+    </dgm:fillClrLst>
+    <dgm:linClrLst meth="repeat">
+      <a:schemeClr val="lt1"/>
+    </dgm:linClrLst>
+    <dgm:effectClrLst/>
+    <dgm:txLinClrLst/>
+    <dgm:txFillClrLst meth="repeat">
+      <a:schemeClr val="lt1"/>
+    </dgm:txFillClrLst>
+    <dgm:txEffectClrLst/>
+  </dgm:styleLbl>
+  <dgm:styleLbl name="alignImgPlace1">
+    <dgm:fillClrLst meth="repeat">
+      <a:schemeClr val="accent1">
+        <a:tint val="50000"/>
+      </a:schemeClr>
+    </dgm:fillClrLst>
+    <dgm:linClrLst meth="repeat">
+      <a:schemeClr val="lt1"/>
+    </dgm:linClrLst>
+    <dgm:effectClrLst/>
+    <dgm:txLinClrLst/>
+    <dgm:txFillClrLst meth="repeat">
+      <a:schemeClr val="lt1"/>
+    </dgm:txFillClrLst>
+    <dgm:txEffectClrLst/>
+  </dgm:styleLbl>
+  <dgm:styleLbl name="bgImgPlace1">
+    <dgm:fillClrLst meth="repeat">
+      <a:schemeClr val="accent1">
+        <a:tint val="50000"/>
+      </a:schemeClr>
+    </dgm:fillClrLst>
+    <dgm:linClrLst meth="repeat">
+      <a:schemeClr val="lt1"/>
+    </dgm:linClrLst>
+    <dgm:effectClrLst/>
+    <dgm:txLinClrLst/>
+    <dgm:txFillClrLst meth="repeat">
+      <a:schemeClr val="lt1"/>
+    </dgm:txFillClrLst>
+    <dgm:txEffectClrLst/>
+  </dgm:styleLbl>
+  <dgm:styleLbl name="sibTrans2D1">
+    <dgm:fillClrLst meth="repeat">
+      <a:schemeClr val="accent1">
+        <a:tint val="60000"/>
+      </a:schemeClr>
+    </dgm:fillClrLst>
+    <dgm:linClrLst meth="repeat">
+      <a:schemeClr val="accent1">
+        <a:tint val="60000"/>
+      </a:schemeClr>
+    </dgm:linClrLst>
+    <dgm:effectClrLst/>
+    <dgm:txLinClrLst/>
+    <dgm:txFillClrLst/>
+    <dgm:txEffectClrLst/>
+  </dgm:styleLbl>
+  <dgm:styleLbl name="fgSibTrans2D1">
+    <dgm:fillClrLst meth="repeat">
+      <a:schemeClr val="accent1">
+        <a:tint val="60000"/>
+      </a:schemeClr>
+    </dgm:fillClrLst>
+    <dgm:linClrLst meth="repeat">
+      <a:schemeClr val="accent1">
+        <a:tint val="60000"/>
+      </a:schemeClr>
+    </dgm:linClrLst>
+    <dgm:effectClrLst/>
+    <dgm:txLinClrLst/>
+    <dgm:txFillClrLst/>
+    <dgm:txEffectClrLst/>
+  </dgm:styleLbl>
+  <dgm:styleLbl name="bgSibTrans2D1">
+    <dgm:fillClrLst meth="repeat">
+      <a:schemeClr val="accent1">
+        <a:tint val="60000"/>
+      </a:schemeClr>
+    </dgm:fillClrLst>
+    <dgm:linClrLst meth="repeat">
+      <a:schemeClr val="accent1">
+        <a:tint val="60000"/>
+      </a:schemeClr>
+    </dgm:linClrLst>
+    <dgm:effectClrLst/>
+    <dgm:txLinClrLst/>
+    <dgm:txFillClrLst/>
+    <dgm:txEffectClrLst/>
+  </dgm:styleLbl>
+  <dgm:styleLbl name="sibTrans1D1">
+    <dgm:fillClrLst meth="repeat">
+      <a:schemeClr val="accent1"/>
+    </dgm:fillClrLst>
+    <dgm:linClrLst meth="repeat">
+      <a:schemeClr val="accent1"/>
+    </dgm:linClrLst>
+    <dgm:effectClrLst/>
+    <dgm:txLinClrLst/>
+    <dgm:txFillClrLst meth="repeat">
+      <a:schemeClr val="tx1"/>
+    </dgm:txFillClrLst>
+    <dgm:txEffectClrLst/>
+  </dgm:styleLbl>
+  <dgm:styleLbl name="callout">
+    <dgm:fillClrLst meth="repeat">
+      <a:schemeClr val="accent1"/>
+    </dgm:fillClrLst>
+    <dgm:linClrLst meth="repeat">
+      <a:schemeClr val="accent1">
+        <a:tint val="50000"/>
+      </a:schemeClr>
+    </dgm:linClrLst>
+    <dgm:effectClrLst/>
+    <dgm:txLinClrLst/>
+    <dgm:txFillClrLst meth="repeat">
+      <a:schemeClr val="tx1"/>
+    </dgm:txFillClrLst>
+    <dgm:txEffectClrLst/>
+  </dgm:styleLbl>
+  <dgm:styleLbl name="asst0">
+    <dgm:fillClrLst meth="repeat">
+      <a:schemeClr val="accent1"/>
+    </dgm:fillClrLst>
+    <dgm:linClrLst meth="repeat">
+      <a:schemeClr val="lt1"/>
+    </dgm:linClrLst>
+    <dgm:effectClrLst/>
+    <dgm:txLinClrLst/>
+    <dgm:txFillClrLst/>
+    <dgm:txEffectClrLst/>
+  </dgm:styleLbl>
+  <dgm:styleLbl name="asst1">
+    <dgm:fillClrLst meth="repeat">
+      <a:schemeClr val="accent1"/>
+    </dgm:fillClrLst>
+    <dgm:linClrLst meth="repeat">
+      <a:schemeClr val="lt1"/>
+    </dgm:linClrLst>
+    <dgm:effectClrLst/>
+    <dgm:txLinClrLst/>
+    <dgm:txFillClrLst/>
+    <dgm:txEffectClrLst/>
+  </dgm:styleLbl>
+  <dgm:styleLbl name="asst2">
+    <dgm:fillClrLst meth="repeat">
+      <a:schemeClr val="accent1"/>
+    </dgm:fillClrLst>
+    <dgm:linClrLst meth="repeat">
+      <a:schemeClr val="lt1"/>
+    </dgm:linClrLst>
+    <dgm:effectClrLst/>
+    <dgm:txLinClrLst/>
+    <dgm:txFillClrLst/>
+    <dgm:txEffectClrLst/>
+  </dgm:styleLbl>
+  <dgm:styleLbl name="asst3">
+    <dgm:fillClrLst meth="repeat">
+      <a:schemeClr val="accent1"/>
+    </dgm:fillClrLst>
+    <dgm:linClrLst meth="repeat">
+      <a:schemeClr val="lt1"/>
+    </dgm:linClrLst>
+    <dgm:effectClrLst/>
+    <dgm:txLinClrLst/>
+    <dgm:txFillClrLst/>
+    <dgm:txEffectClrLst/>
+  </dgm:styleLbl>
+  <dgm:styleLbl name="asst4">
+    <dgm:fillClrLst meth="repeat">
+      <a:schemeClr val="accent1"/>
+    </dgm:fillClrLst>
+    <dgm:linClrLst meth="repeat">
+      <a:schemeClr val="lt1"/>
+    </dgm:linClrLst>
+    <dgm:effectClrLst/>
+    <dgm:txLinClrLst/>
+    <dgm:txFillClrLst/>
+    <dgm:txEffectClrLst/>
+  </dgm:styleLbl>
+  <dgm:styleLbl name="parChTrans2D1">
+    <dgm:fillClrLst meth="repeat">
+      <a:schemeClr val="accent1">
+        <a:tint val="60000"/>
+      </a:schemeClr>
+    </dgm:fillClrLst>
+    <dgm:linClrLst meth="repeat">
+      <a:schemeClr val="accent1">
+        <a:tint val="60000"/>
+      </a:schemeClr>
+    </dgm:linClrLst>
+    <dgm:effectClrLst/>
+    <dgm:txLinClrLst/>
+    <dgm:txFillClrLst meth="repeat">
+      <a:schemeClr val="lt1"/>
+    </dgm:txFillClrLst>
+    <dgm:txEffectClrLst/>
+  </dgm:styleLbl>
+  <dgm:styleLbl name="parChTrans2D2">
+    <dgm:fillClrLst meth="repeat">
+      <a:schemeClr val="accent1"/>
+    </dgm:fillClrLst>
+    <dgm:linClrLst meth="repeat">
+      <a:schemeClr val="accent1"/>
+    </dgm:linClrLst>
+    <dgm:effectClrLst/>
+    <dgm:txLinClrLst/>
+    <dgm:txFillClrLst meth="repeat">
+      <a:schemeClr val="lt1"/>
+    </dgm:txFillClrLst>
+    <dgm:txEffectClrLst/>
+  </dgm:styleLbl>
+  <dgm:styleLbl name="parChTrans2D3">
+    <dgm:fillClrLst meth="repeat">
+      <a:schemeClr val="accent1"/>
+    </dgm:fillClrLst>
+    <dgm:linClrLst meth="repeat">
+      <a:schemeClr val="accent1"/>
+    </dgm:linClrLst>
+    <dgm:effectClrLst/>
+    <dgm:txLinClrLst/>
+    <dgm:txFillClrLst meth="repeat">
+      <a:schemeClr val="lt1"/>
+    </dgm:txFillClrLst>
+    <dgm:txEffectClrLst/>
+  </dgm:styleLbl>
+  <dgm:styleLbl name="parChTrans2D4">
+    <dgm:fillClrLst meth="repeat">
+      <a:schemeClr val="accent1"/>
+    </dgm:fillClrLst>
+    <dgm:linClrLst meth="repeat">
+      <a:schemeClr val="accent1"/>
+    </dgm:linClrLst>
+    <dgm:effectClrLst/>
+    <dgm:txLinClrLst/>
+    <dgm:txFillClrLst meth="repeat">
+      <a:schemeClr val="lt1"/>
+    </dgm:txFillClrLst>
+    <dgm:txEffectClrLst/>
+  </dgm:styleLbl>
+  <dgm:styleLbl name="parChTrans1D1">
+    <dgm:fillClrLst meth="repeat">
+      <a:schemeClr val="accent1"/>
+    </dgm:fillClrLst>
+    <dgm:linClrLst meth="repeat">
+      <a:schemeClr val="accent1">
+        <a:shade val="60000"/>
+      </a:schemeClr>
+    </dgm:linClrLst>
+    <dgm:effectClrLst/>
+    <dgm:txLinClrLst/>
+    <dgm:txFillClrLst meth="repeat">
+      <a:schemeClr val="tx1"/>
+    </dgm:txFillClrLst>
+    <dgm:txEffectClrLst/>
+  </dgm:styleLbl>
+  <dgm:styleLbl name="parChTrans1D2">
+    <dgm:fillClrLst meth="repeat">
+      <a:schemeClr val="accent1"/>
+    </dgm:fillClrLst>
+    <dgm:linClrLst meth="repeat">
+      <a:schemeClr val="accent1">
+        <a:shade val="60000"/>
+      </a:schemeClr>
+    </dgm:linClrLst>
+    <dgm:effectClrLst/>
+    <dgm:txLinClrLst/>
+    <dgm:txFillClrLst meth="repeat">
+      <a:schemeClr val="tx1"/>
+    </dgm:txFillClrLst>
+    <dgm:txEffectClrLst/>
+  </dgm:styleLbl>
+  <dgm:styleLbl name="parChTrans1D3">
+    <dgm:fillClrLst meth="repeat">
+      <a:schemeClr val="accent1"/>
+    </dgm:fillClrLst>
+    <dgm:linClrLst meth="repeat">
+      <a:schemeClr val="accent1">
+        <a:shade val="80000"/>
+      </a:schemeClr>
+    </dgm:linClrLst>
+    <dgm:effectClrLst/>
+    <dgm:txLinClrLst/>
+    <dgm:txFillClrLst meth="repeat">
+      <a:schemeClr val="tx1"/>
+    </dgm:txFillClrLst>
+    <dgm:txEffectClrLst/>
+  </dgm:styleLbl>
+  <dgm:styleLbl name="parChTrans1D4">
+    <dgm:fillClrLst meth="repeat">
+      <a:schemeClr val="accent1"/>
+    </dgm:fillClrLst>
+    <dgm:linClrLst meth="repeat">
+      <a:schemeClr val="accent1">
+        <a:shade val="80000"/>
+      </a:schemeClr>
+    </dgm:linClrLst>
+    <dgm:effectClrLst/>
+    <dgm:txLinClrLst/>
+    <dgm:txFillClrLst meth="repeat">
+      <a:schemeClr val="tx1"/>
+    </dgm:txFillClrLst>
+    <dgm:txEffectClrLst/>
+  </dgm:styleLbl>
+  <dgm:styleLbl name="fgAcc1">
+    <dgm:fillClrLst meth="repeat">
+      <a:schemeClr val="lt1">
+        <a:alpha val="90000"/>
+      </a:schemeClr>
+    </dgm:fillClrLst>
+    <dgm:linClrLst meth="repeat">
+      <a:schemeClr val="accent1"/>
+    </dgm:linClrLst>
+    <dgm:effectClrLst/>
+    <dgm:txLinClrLst/>
+    <dgm:txFillClrLst meth="repeat">
+      <a:schemeClr val="dk1"/>
+    </dgm:txFillClrLst>
+    <dgm:txEffectClrLst/>
+  </dgm:styleLbl>
+  <dgm:styleLbl name="conFgAcc1">
+    <dgm:fillClrLst meth="repeat">
+      <a:schemeClr val="lt1">
+        <a:alpha val="90000"/>
+      </a:schemeClr>
+    </dgm:fillClrLst>
+    <dgm:linClrLst meth="repeat">
+      <a:schemeClr val="accent1"/>
+    </dgm:linClrLst>
+    <dgm:effectClrLst/>
+    <dgm:txLinClrLst/>
+    <dgm:txFillClrLst meth="repeat">
+      <a:schemeClr val="dk1"/>
+    </dgm:txFillClrLst>
+    <dgm:txEffectClrLst/>
+  </dgm:styleLbl>
+  <dgm:styleLbl name="alignAcc1">
+    <dgm:fillClrLst meth="repeat">
+      <a:schemeClr val="lt1">
+        <a:alpha val="90000"/>
+      </a:schemeClr>
+    </dgm:fillClrLst>
+    <dgm:linClrLst meth="repeat">
+      <a:schemeClr val="accent1"/>
+    </dgm:linClrLst>
+    <dgm:effectClrLst/>
+    <dgm:txLinClrLst/>
+    <dgm:txFillClrLst meth="repeat">
+      <a:schemeClr val="dk1"/>
+    </dgm:txFillClrLst>
+    <dgm:txEffectClrLst/>
+  </dgm:styleLbl>
+  <dgm:styleLbl name="trAlignAcc1">
+    <dgm:fillClrLst meth="repeat">
+      <a:schemeClr val="lt1">
+        <a:alpha val="40000"/>
+      </a:schemeClr>
+    </dgm:fillClrLst>
+    <dgm:linClrLst meth="repeat">
+      <a:schemeClr val="accent1"/>
+    </dgm:linClrLst>
+    <dgm:effectClrLst/>
+    <dgm:txLinClrLst/>
+    <dgm:txFillClrLst meth="repeat">
+      <a:schemeClr val="dk1"/>
+    </dgm:txFillClrLst>
+    <dgm:txEffectClrLst/>
+  </dgm:styleLbl>
+  <dgm:styleLbl name="bgAcc1">
+    <dgm:fillClrLst meth="repeat">
+      <a:schemeClr val="lt1">
+        <a:alpha val="90000"/>
+      </a:schemeClr>
+    </dgm:fillClrLst>
+    <dgm:linClrLst meth="repeat">
+      <a:schemeClr val="accent1"/>
+    </dgm:linClrLst>
+    <dgm:effectClrLst/>
+    <dgm:txLinClrLst/>
+    <dgm:txFillClrLst meth="repeat">
+      <a:schemeClr val="dk1"/>
+    </dgm:txFillClrLst>
+    <dgm:txEffectClrLst/>
+  </dgm:styleLbl>
+  <dgm:styleLbl name="solidFgAcc1">
+    <dgm:fillClrLst meth="repeat">
+      <a:schemeClr val="lt1"/>
+    </dgm:fillClrLst>
+    <dgm:linClrLst meth="repeat">
+      <a:schemeClr val="accent1"/>
+    </dgm:linClrLst>
+    <dgm:effectClrLst/>
+    <dgm:txLinClrLst/>
+    <dgm:txFillClrLst meth="repeat">
+      <a:schemeClr val="dk1"/>
+    </dgm:txFillClrLst>
+    <dgm:txEffectClrLst/>
+  </dgm:styleLbl>
+  <dgm:styleLbl name="solidAlignAcc1">
+    <dgm:fillClrLst meth="repeat">
+      <a:schemeClr val="lt1"/>
+    </dgm:fillClrLst>
+    <dgm:linClrLst meth="repeat">
+      <a:schemeClr val="accent1"/>
+    </dgm:linClrLst>
+    <dgm:effectClrLst/>
+    <dgm:txLinClrLst/>
+    <dgm:txFillClrLst meth="repeat">
+      <a:schemeClr val="dk1"/>
+    </dgm:txFillClrLst>
+    <dgm:txEffectClrLst/>
+  </dgm:styleLbl>
+  <dgm:styleLbl name="solidBgAcc1">
+    <dgm:fillClrLst meth="repeat">
+      <a:schemeClr val="lt1"/>
+    </dgm:fillClrLst>
+    <dgm:linClrLst meth="repeat">
+      <a:schemeClr val="accent1"/>
+    </dgm:linClrLst>
+    <dgm:effectClrLst/>
+    <dgm:txLinClrLst/>
+    <dgm:txFillClrLst meth="repeat">
+      <a:schemeClr val="dk1"/>
+    </dgm:txFillClrLst>
+    <dgm:txEffectClrLst/>
+  </dgm:styleLbl>
+  <dgm:styleLbl name="fgAccFollowNode1">
+    <dgm:fillClrLst meth="repeat">
+      <a:schemeClr val="accent1">
+        <a:alpha val="90000"/>
+        <a:tint val="40000"/>
+      </a:schemeClr>
+    </dgm:fillClrLst>
+    <dgm:linClrLst meth="repeat">
+      <a:schemeClr val="accent1">
+        <a:alpha val="90000"/>
+        <a:tint val="40000"/>
+      </a:schemeClr>
+    </dgm:linClrLst>
+    <dgm:effectClrLst/>
+    <dgm:txLinClrLst/>
+    <dgm:txFillClrLst meth="repeat">
+      <a:schemeClr val="dk1"/>
+    </dgm:txFillClrLst>
+    <dgm:txEffectClrLst/>
+  </dgm:styleLbl>
+  <dgm:styleLbl name="alignAccFollowNode1">
+    <dgm:fillClrLst meth="repeat">
+      <a:schemeClr val="accent1">
+        <a:alpha val="90000"/>
+        <a:tint val="40000"/>
+      </a:schemeClr>
+    </dgm:fillClrLst>
+    <dgm:linClrLst meth="repeat">
+      <a:schemeClr val="accent1">
+        <a:alpha val="90000"/>
+        <a:tint val="40000"/>
+      </a:schemeClr>
+    </dgm:linClrLst>
+    <dgm:effectClrLst/>
+    <dgm:txLinClrLst/>
+    <dgm:txFillClrLst meth="repeat">
+      <a:schemeClr val="dk1"/>
+    </dgm:txFillClrLst>
+    <dgm:txEffectClrLst/>
+  </dgm:styleLbl>
+  <dgm:styleLbl name="bgAccFollowNode1">
+    <dgm:fillClrLst meth="repeat">
+      <a:schemeClr val="accent1">
+        <a:alpha val="90000"/>
+        <a:tint val="40000"/>
+      </a:schemeClr>
+    </dgm:fillClrLst>
+    <dgm:linClrLst meth="repeat">
+      <a:schemeClr val="accent1">
+        <a:alpha val="90000"/>
+        <a:tint val="40000"/>
+      </a:schemeClr>
+    </dgm:linClrLst>
+    <dgm:effectClrLst/>
+    <dgm:txLinClrLst/>
+    <dgm:txFillClrLst meth="repeat">
+      <a:schemeClr val="dk1"/>
+    </dgm:txFillClrLst>
+    <dgm:txEffectClrLst/>
+  </dgm:styleLbl>
+  <dgm:styleLbl name="fgAcc0">
+    <dgm:fillClrLst meth="repeat">
+      <a:schemeClr val="lt1">
+        <a:alpha val="90000"/>
+      </a:schemeClr>
+    </dgm:fillClrLst>
+    <dgm:linClrLst meth="repeat">
+      <a:schemeClr val="accent1"/>
+    </dgm:linClrLst>
+    <dgm:effectClrLst/>
+    <dgm:txLinClrLst/>
+    <dgm:txFillClrLst meth="repeat">
+      <a:schemeClr val="dk1"/>
+    </dgm:txFillClrLst>
+    <dgm:txEffectClrLst/>
+  </dgm:styleLbl>
+  <dgm:styleLbl name="fgAcc2">
+    <dgm:fillClrLst meth="repeat">
+      <a:schemeClr val="lt1">
+        <a:alpha val="90000"/>
+      </a:schemeClr>
+    </dgm:fillClrLst>
+    <dgm:linClrLst meth="repeat">
+      <a:schemeClr val="accent1"/>
+    </dgm:linClrLst>
+    <dgm:effectClrLst/>
+    <dgm:txLinClrLst/>
+    <dgm:txFillClrLst meth="repeat">
+      <a:schemeClr val="dk1"/>
+    </dgm:txFillClrLst>
+    <dgm:txEffectClrLst/>
+  </dgm:styleLbl>
+  <dgm:styleLbl name="fgAcc3">
+    <dgm:fillClrLst meth="repeat">
+      <a:schemeClr val="lt1">
+        <a:alpha val="90000"/>
+      </a:schemeClr>
+    </dgm:fillClrLst>
+    <dgm:linClrLst meth="repeat">
+      <a:schemeClr val="accent1"/>
+    </dgm:linClrLst>
+    <dgm:effectClrLst/>
+    <dgm:txLinClrLst/>
+    <dgm:txFillClrLst meth="repeat">
+      <a:schemeClr val="dk1"/>
+    </dgm:txFillClrLst>
+    <dgm:txEffectClrLst/>
+  </dgm:styleLbl>
+  <dgm:styleLbl name="fgAcc4">
+    <dgm:fillClrLst meth="repeat">
+      <a:schemeClr val="lt1">
+        <a:alpha val="90000"/>
+      </a:schemeClr>
+    </dgm:fillClrLst>
+    <dgm:linClrLst meth="repeat">
+      <a:schemeClr val="accent1"/>
+    </dgm:linClrLst>
+    <dgm:effectClrLst/>
+    <dgm:txLinClrLst/>
+    <dgm:txFillClrLst meth="repeat">
+      <a:schemeClr val="dk1"/>
+    </dgm:txFillClrLst>
+    <dgm:txEffectClrLst/>
+  </dgm:styleLbl>
+  <dgm:styleLbl name="bgShp">
+    <dgm:fillClrLst meth="repeat">
+      <a:schemeClr val="accent1">
+        <a:tint val="40000"/>
+      </a:schemeClr>
+    </dgm:fillClrLst>
+    <dgm:linClrLst meth="repeat">
+      <a:schemeClr val="accent1"/>
+    </dgm:linClrLst>
+    <dgm:effectClrLst/>
+    <dgm:txLinClrLst/>
+    <dgm:txFillClrLst meth="repeat">
+      <a:schemeClr val="dk1"/>
+    </dgm:txFillClrLst>
+    <dgm:txEffectClrLst/>
+  </dgm:styleLbl>
+  <dgm:styleLbl name="dkBgShp">
+    <dgm:fillClrLst meth="repeat">
+      <a:schemeClr val="accent1">
+        <a:shade val="80000"/>
+      </a:schemeClr>
+    </dgm:fillClrLst>
+    <dgm:linClrLst meth="repeat">
+      <a:schemeClr val="accent1"/>
+    </dgm:linClrLst>
+    <dgm:effectClrLst/>
+    <dgm:txLinClrLst/>
+    <dgm:txFillClrLst meth="repeat">
+      <a:schemeClr val="lt1"/>
+    </dgm:txFillClrLst>
+    <dgm:txEffectClrLst/>
+  </dgm:styleLbl>
+  <dgm:styleLbl name="trBgShp">
+    <dgm:fillClrLst meth="repeat">
+      <a:schemeClr val="accent1">
+        <a:tint val="50000"/>
+        <a:alpha val="40000"/>
+      </a:schemeClr>
+    </dgm:fillClrLst>
+    <dgm:linClrLst meth="repeat">
+      <a:schemeClr val="accent1"/>
+    </dgm:linClrLst>
+    <dgm:effectClrLst/>
+    <dgm:txLinClrLst/>
+    <dgm:txFillClrLst meth="repeat">
+      <a:schemeClr val="lt1"/>
+    </dgm:txFillClrLst>
+    <dgm:txEffectClrLst/>
+  </dgm:styleLbl>
+  <dgm:styleLbl name="fgShp">
+    <dgm:fillClrLst meth="repeat">
+      <a:schemeClr val="accent1">
+        <a:tint val="60000"/>
+      </a:schemeClr>
+    </dgm:fillClrLst>
+    <dgm:linClrLst meth="repeat">
+      <a:schemeClr val="lt1"/>
+    </dgm:linClrLst>
+    <dgm:effectClrLst/>
+    <dgm:txLinClrLst/>
+    <dgm:txFillClrLst meth="repeat">
+      <a:schemeClr val="dk1"/>
+    </dgm:txFillClrLst>
+    <dgm:txEffectClrLst/>
+  </dgm:styleLbl>
+  <dgm:styleLbl name="revTx">
+    <dgm:fillClrLst meth="repeat">
+      <a:schemeClr val="lt1">
+        <a:alpha val="0"/>
+      </a:schemeClr>
+    </dgm:fillClrLst>
+    <dgm:linClrLst meth="repeat">
+      <a:schemeClr val="dk1">
+        <a:alpha val="0"/>
+      </a:schemeClr>
+    </dgm:linClrLst>
+    <dgm:effectClrLst/>
+    <dgm:txLinClrLst/>
+    <dgm:txFillClrLst meth="repeat">
+      <a:schemeClr val="tx1"/>
+    </dgm:txFillClrLst>
+    <dgm:txEffectClrLst/>
+  </dgm:styleLbl>
+</dgm:colorsDef>
+</file>
+
+<file path=ppt/diagrams/colors2.xml><?xml version="1.0" encoding="utf-8"?>
+<dgm:colorsDef xmlns:dgm="http://schemas.openxmlformats.org/drawingml/2006/diagram" xmlns:a="http://schemas.openxmlformats.org/drawingml/2006/main" uniqueId="urn:microsoft.com/office/officeart/2005/8/colors/accent1_2">
+  <dgm:title val=""/>
+  <dgm:desc val=""/>
+  <dgm:catLst>
+    <dgm:cat type="accent1" pri="11200"/>
+  </dgm:catLst>
+  <dgm:styleLbl name="node0">
+    <dgm:fillClrLst meth="repeat">
+      <a:schemeClr val="accent1"/>
+    </dgm:fillClrLst>
+    <dgm:linClrLst meth="repeat">
+      <a:schemeClr val="lt1"/>
+    </dgm:linClrLst>
+    <dgm:effectClrLst/>
+    <dgm:txLinClrLst/>
+    <dgm:txFillClrLst/>
+    <dgm:txEffectClrLst/>
+  </dgm:styleLbl>
+  <dgm:styleLbl name="alignNode1">
+    <dgm:fillClrLst meth="repeat">
+      <a:schemeClr val="accent1"/>
+    </dgm:fillClrLst>
+    <dgm:linClrLst meth="repeat">
+      <a:schemeClr val="accent1"/>
+    </dgm:linClrLst>
+    <dgm:effectClrLst/>
+    <dgm:txLinClrLst/>
+    <dgm:txFillClrLst/>
+    <dgm:txEffectClrLst/>
+  </dgm:styleLbl>
+  <dgm:styleLbl name="node1">
+    <dgm:fillClrLst meth="repeat">
+      <a:schemeClr val="accent1"/>
+    </dgm:fillClrLst>
+    <dgm:linClrLst meth="repeat">
+      <a:schemeClr val="lt1"/>
+    </dgm:linClrLst>
+    <dgm:effectClrLst/>
+    <dgm:txLinClrLst/>
+    <dgm:txFillClrLst/>
+    <dgm:txEffectClrLst/>
+  </dgm:styleLbl>
+  <dgm:styleLbl name="lnNode1">
+    <dgm:fillClrLst meth="repeat">
+      <a:schemeClr val="accent1"/>
+    </dgm:fillClrLst>
+    <dgm:linClrLst meth="repeat">
+      <a:schemeClr val="lt1"/>
+    </dgm:linClrLst>
+    <dgm:effectClrLst/>
+    <dgm:txLinClrLst/>
+    <dgm:txFillClrLst/>
+    <dgm:txEffectClrLst/>
+  </dgm:styleLbl>
+  <dgm:styleLbl name="vennNode1">
+    <dgm:fillClrLst meth="repeat">
+      <a:schemeClr val="accent1">
+        <a:alpha val="50000"/>
+      </a:schemeClr>
+    </dgm:fillClrLst>
+    <dgm:linClrLst meth="repeat">
+      <a:schemeClr val="lt1"/>
+    </dgm:linClrLst>
+    <dgm:effectClrLst/>
+    <dgm:txLinClrLst/>
+    <dgm:txFillClrLst/>
+    <dgm:txEffectClrLst/>
+  </dgm:styleLbl>
+  <dgm:styleLbl name="node2">
+    <dgm:fillClrLst meth="repeat">
+      <a:schemeClr val="accent1"/>
+    </dgm:fillClrLst>
+    <dgm:linClrLst meth="repeat">
+      <a:schemeClr val="lt1"/>
+    </dgm:linClrLst>
+    <dgm:effectClrLst/>
+    <dgm:txLinClrLst/>
+    <dgm:txFillClrLst/>
+    <dgm:txEffectClrLst/>
+  </dgm:styleLbl>
+  <dgm:styleLbl name="node3">
+    <dgm:fillClrLst meth="repeat">
+      <a:schemeClr val="accent1"/>
+    </dgm:fillClrLst>
+    <dgm:linClrLst meth="repeat">
+      <a:schemeClr val="lt1"/>
+    </dgm:linClrLst>
+    <dgm:effectClrLst/>
+    <dgm:txLinClrLst/>
+    <dgm:txFillClrLst/>
+    <dgm:txEffectClrLst/>
+  </dgm:styleLbl>
+  <dgm:styleLbl name="node4">
+    <dgm:fillClrLst meth="repeat">
+      <a:schemeClr val="accent1"/>
+    </dgm:fillClrLst>
+    <dgm:linClrLst meth="repeat">
+      <a:schemeClr val="lt1"/>
+    </dgm:linClrLst>
+    <dgm:effectClrLst/>
+    <dgm:txLinClrLst/>
+    <dgm:txFillClrLst/>
+    <dgm:txEffectClrLst/>
+  </dgm:styleLbl>
+  <dgm:styleLbl name="fgImgPlace1">
+    <dgm:fillClrLst meth="repeat">
+      <a:schemeClr val="accent1">
+        <a:tint val="50000"/>
+      </a:schemeClr>
+    </dgm:fillClrLst>
+    <dgm:linClrLst meth="repeat">
+      <a:schemeClr val="lt1"/>
+    </dgm:linClrLst>
+    <dgm:effectClrLst/>
+    <dgm:txLinClrLst/>
+    <dgm:txFillClrLst meth="repeat">
+      <a:schemeClr val="lt1"/>
+    </dgm:txFillClrLst>
+    <dgm:txEffectClrLst/>
+  </dgm:styleLbl>
+  <dgm:styleLbl name="alignImgPlace1">
+    <dgm:fillClrLst meth="repeat">
+      <a:schemeClr val="accent1">
+        <a:tint val="50000"/>
+      </a:schemeClr>
+    </dgm:fillClrLst>
+    <dgm:linClrLst meth="repeat">
+      <a:schemeClr val="lt1"/>
+    </dgm:linClrLst>
+    <dgm:effectClrLst/>
+    <dgm:txLinClrLst/>
+    <dgm:txFillClrLst meth="repeat">
+      <a:schemeClr val="lt1"/>
+    </dgm:txFillClrLst>
+    <dgm:txEffectClrLst/>
+  </dgm:styleLbl>
+  <dgm:styleLbl name="bgImgPlace1">
+    <dgm:fillClrLst meth="repeat">
+      <a:schemeClr val="accent1">
+        <a:tint val="50000"/>
+      </a:schemeClr>
+    </dgm:fillClrLst>
+    <dgm:linClrLst meth="repeat">
+      <a:schemeClr val="lt1"/>
+    </dgm:linClrLst>
+    <dgm:effectClrLst/>
+    <dgm:txLinClrLst/>
+    <dgm:txFillClrLst meth="repeat">
+      <a:schemeClr val="lt1"/>
+    </dgm:txFillClrLst>
+    <dgm:txEffectClrLst/>
+  </dgm:styleLbl>
+  <dgm:styleLbl name="sibTrans2D1">
+    <dgm:fillClrLst meth="repeat">
+      <a:schemeClr val="accent1">
+        <a:tint val="60000"/>
+      </a:schemeClr>
+    </dgm:fillClrLst>
+    <dgm:linClrLst meth="repeat">
+      <a:schemeClr val="accent1">
+        <a:tint val="60000"/>
+      </a:schemeClr>
+    </dgm:linClrLst>
+    <dgm:effectClrLst/>
+    <dgm:txLinClrLst/>
+    <dgm:txFillClrLst/>
+    <dgm:txEffectClrLst/>
+  </dgm:styleLbl>
+  <dgm:styleLbl name="fgSibTrans2D1">
+    <dgm:fillClrLst meth="repeat">
+      <a:schemeClr val="accent1">
+        <a:tint val="60000"/>
+      </a:schemeClr>
+    </dgm:fillClrLst>
+    <dgm:linClrLst meth="repeat">
+      <a:schemeClr val="accent1">
+        <a:tint val="60000"/>
+      </a:schemeClr>
+    </dgm:linClrLst>
+    <dgm:effectClrLst/>
+    <dgm:txLinClrLst/>
+    <dgm:txFillClrLst/>
+    <dgm:txEffectClrLst/>
+  </dgm:styleLbl>
+  <dgm:styleLbl name="bgSibTrans2D1">
+    <dgm:fillClrLst meth="repeat">
+      <a:schemeClr val="accent1">
+        <a:tint val="60000"/>
+      </a:schemeClr>
+    </dgm:fillClrLst>
+    <dgm:linClrLst meth="repeat">
+      <a:schemeClr val="accent1">
+        <a:tint val="60000"/>
+      </a:schemeClr>
+    </dgm:linClrLst>
+    <dgm:effectClrLst/>
+    <dgm:txLinClrLst/>
+    <dgm:txFillClrLst/>
+    <dgm:txEffectClrLst/>
+  </dgm:styleLbl>
+  <dgm:styleLbl name="sibTrans1D1">
+    <dgm:fillClrLst meth="repeat">
+      <a:schemeClr val="accent1"/>
+    </dgm:fillClrLst>
+    <dgm:linClrLst meth="repeat">
+      <a:schemeClr val="accent1"/>
+    </dgm:linClrLst>
+    <dgm:effectClrLst/>
+    <dgm:txLinClrLst/>
+    <dgm:txFillClrLst meth="repeat">
+      <a:schemeClr val="tx1"/>
+    </dgm:txFillClrLst>
+    <dgm:txEffectClrLst/>
+  </dgm:styleLbl>
+  <dgm:styleLbl name="callout">
+    <dgm:fillClrLst meth="repeat">
+      <a:schemeClr val="accent1"/>
+    </dgm:fillClrLst>
+    <dgm:linClrLst meth="repeat">
+      <a:schemeClr val="accent1">
+        <a:tint val="50000"/>
+      </a:schemeClr>
+    </dgm:linClrLst>
+    <dgm:effectClrLst/>
+    <dgm:txLinClrLst/>
+    <dgm:txFillClrLst meth="repeat">
+      <a:schemeClr val="tx1"/>
+    </dgm:txFillClrLst>
+    <dgm:txEffectClrLst/>
+  </dgm:styleLbl>
+  <dgm:styleLbl name="asst0">
+    <dgm:fillClrLst meth="repeat">
+      <a:schemeClr val="accent1"/>
+    </dgm:fillClrLst>
+    <dgm:linClrLst meth="repeat">
+      <a:schemeClr val="lt1"/>
+    </dgm:linClrLst>
+    <dgm:effectClrLst/>
+    <dgm:txLinClrLst/>
+    <dgm:txFillClrLst/>
+    <dgm:txEffectClrLst/>
+  </dgm:styleLbl>
+  <dgm:styleLbl name="asst1">
+    <dgm:fillClrLst meth="repeat">
+      <a:schemeClr val="accent1"/>
+    </dgm:fillClrLst>
+    <dgm:linClrLst meth="repeat">
+      <a:schemeClr val="lt1"/>
+    </dgm:linClrLst>
+    <dgm:effectClrLst/>
+    <dgm:txLinClrLst/>
+    <dgm:txFillClrLst/>
+    <dgm:txEffectClrLst/>
+  </dgm:styleLbl>
+  <dgm:styleLbl name="asst2">
+    <dgm:fillClrLst meth="repeat">
+      <a:schemeClr val="accent1"/>
+    </dgm:fillClrLst>
+    <dgm:linClrLst meth="repeat">
+      <a:schemeClr val="lt1"/>
+    </dgm:linClrLst>
+    <dgm:effectClrLst/>
+    <dgm:txLinClrLst/>
+    <dgm:txFillClrLst/>
+    <dgm:txEffectClrLst/>
+  </dgm:styleLbl>
+  <dgm:styleLbl name="asst3">
+    <dgm:fillClrLst meth="repeat">
+      <a:schemeClr val="accent1"/>
+    </dgm:fillClrLst>
+    <dgm:linClrLst meth="repeat">
+      <a:schemeClr val="lt1"/>
+    </dgm:linClrLst>
+    <dgm:effectClrLst/>
+    <dgm:txLinClrLst/>
+    <dgm:txFillClrLst/>
+    <dgm:txEffectClrLst/>
+  </dgm:styleLbl>
+  <dgm:styleLbl name="asst4">
+    <dgm:fillClrLst meth="repeat">
+      <a:schemeClr val="accent1"/>
+    </dgm:fillClrLst>
+    <dgm:linClrLst meth="repeat">
+      <a:schemeClr val="lt1"/>
+    </dgm:linClrLst>
+    <dgm:effectClrLst/>
+    <dgm:txLinClrLst/>
+    <dgm:txFillClrLst/>
+    <dgm:txEffectClrLst/>
+  </dgm:styleLbl>
+  <dgm:styleLbl name="parChTrans2D1">
+    <dgm:fillClrLst meth="repeat">
+      <a:schemeClr val="accent1">
+        <a:tint val="60000"/>
+      </a:schemeClr>
+    </dgm:fillClrLst>
+    <dgm:linClrLst meth="repeat">
+      <a:schemeClr val="accent1">
+        <a:tint val="60000"/>
+      </a:schemeClr>
+    </dgm:linClrLst>
+    <dgm:effectClrLst/>
+    <dgm:txLinClrLst/>
+    <dgm:txFillClrLst meth="repeat">
+      <a:schemeClr val="lt1"/>
+    </dgm:txFillClrLst>
+    <dgm:txEffectClrLst/>
+  </dgm:styleLbl>
+  <dgm:styleLbl name="parChTrans2D2">
+    <dgm:fillClrLst meth="repeat">
+      <a:schemeClr val="accent1"/>
+    </dgm:fillClrLst>
+    <dgm:linClrLst meth="repeat">
+      <a:schemeClr val="accent1"/>
+    </dgm:linClrLst>
+    <dgm:effectClrLst/>
+    <dgm:txLinClrLst/>
+    <dgm:txFillClrLst meth="repeat">
+      <a:schemeClr val="lt1"/>
+    </dgm:txFillClrLst>
+    <dgm:txEffectClrLst/>
+  </dgm:styleLbl>
+  <dgm:styleLbl name="parChTrans2D3">
+    <dgm:fillClrLst meth="repeat">
+      <a:schemeClr val="accent1"/>
+    </dgm:fillClrLst>
+    <dgm:linClrLst meth="repeat">
+      <a:schemeClr val="accent1"/>
+    </dgm:linClrLst>
+    <dgm:effectClrLst/>
+    <dgm:txLinClrLst/>
+    <dgm:txFillClrLst meth="repeat">
+      <a:schemeClr val="lt1"/>
+    </dgm:txFillClrLst>
+    <dgm:txEffectClrLst/>
+  </dgm:styleLbl>
+  <dgm:styleLbl name="parChTrans2D4">
+    <dgm:fillClrLst meth="repeat">
+      <a:schemeClr val="accent1"/>
+    </dgm:fillClrLst>
+    <dgm:linClrLst meth="repeat">
+      <a:schemeClr val="accent1"/>
+    </dgm:linClrLst>
+    <dgm:effectClrLst/>
+    <dgm:txLinClrLst/>
+    <dgm:txFillClrLst meth="repeat">
+      <a:schemeClr val="lt1"/>
+    </dgm:txFillClrLst>
+    <dgm:txEffectClrLst/>
+  </dgm:styleLbl>
+  <dgm:styleLbl name="parChTrans1D1">
+    <dgm:fillClrLst meth="repeat">
+      <a:schemeClr val="accent1"/>
+    </dgm:fillClrLst>
+    <dgm:linClrLst meth="repeat">
+      <a:schemeClr val="accent1">
+        <a:shade val="60000"/>
+      </a:schemeClr>
+    </dgm:linClrLst>
+    <dgm:effectClrLst/>
+    <dgm:txLinClrLst/>
+    <dgm:txFillClrLst meth="repeat">
+      <a:schemeClr val="tx1"/>
+    </dgm:txFillClrLst>
+    <dgm:txEffectClrLst/>
+  </dgm:styleLbl>
+  <dgm:styleLbl name="parChTrans1D2">
+    <dgm:fillClrLst meth="repeat">
+      <a:schemeClr val="accent1"/>
+    </dgm:fillClrLst>
+    <dgm:linClrLst meth="repeat">
+      <a:schemeClr val="accent1">
+        <a:shade val="60000"/>
+      </a:schemeClr>
+    </dgm:linClrLst>
+    <dgm:effectClrLst/>
+    <dgm:txLinClrLst/>
+    <dgm:txFillClrLst meth="repeat">
+      <a:schemeClr val="tx1"/>
+    </dgm:txFillClrLst>
+    <dgm:txEffectClrLst/>
+  </dgm:styleLbl>
+  <dgm:styleLbl name="parChTrans1D3">
+    <dgm:fillClrLst meth="repeat">
+      <a:schemeClr val="accent1"/>
+    </dgm:fillClrLst>
+    <dgm:linClrLst meth="repeat">
+      <a:schemeClr val="accent1">
+        <a:shade val="80000"/>
+      </a:schemeClr>
+    </dgm:linClrLst>
+    <dgm:effectClrLst/>
+    <dgm:txLinClrLst/>
+    <dgm:txFillClrLst meth="repeat">
+      <a:schemeClr val="tx1"/>
+    </dgm:txFillClrLst>
+    <dgm:txEffectClrLst/>
+  </dgm:styleLbl>
+  <dgm:styleLbl name="parChTrans1D4">
+    <dgm:fillClrLst meth="repeat">
+      <a:schemeClr val="accent1"/>
+    </dgm:fillClrLst>
+    <dgm:linClrLst meth="repeat">
+      <a:schemeClr val="accent1">
+        <a:shade val="80000"/>
+      </a:schemeClr>
+    </dgm:linClrLst>
+    <dgm:effectClrLst/>
+    <dgm:txLinClrLst/>
+    <dgm:txFillClrLst meth="repeat">
+      <a:schemeClr val="tx1"/>
+    </dgm:txFillClrLst>
+    <dgm:txEffectClrLst/>
+  </dgm:styleLbl>
+  <dgm:styleLbl name="fgAcc1">
+    <dgm:fillClrLst meth="repeat">
+      <a:schemeClr val="lt1">
+        <a:alpha val="90000"/>
+      </a:schemeClr>
+    </dgm:fillClrLst>
+    <dgm:linClrLst meth="repeat">
+      <a:schemeClr val="accent1"/>
+    </dgm:linClrLst>
+    <dgm:effectClrLst/>
+    <dgm:txLinClrLst/>
+    <dgm:txFillClrLst meth="repeat">
+      <a:schemeClr val="dk1"/>
+    </dgm:txFillClrLst>
+    <dgm:txEffectClrLst/>
+  </dgm:styleLbl>
+  <dgm:styleLbl name="conFgAcc1">
+    <dgm:fillClrLst meth="repeat">
+      <a:schemeClr val="lt1">
+        <a:alpha val="90000"/>
+      </a:schemeClr>
+    </dgm:fillClrLst>
+    <dgm:linClrLst meth="repeat">
+      <a:schemeClr val="accent1"/>
+    </dgm:linClrLst>
+    <dgm:effectClrLst/>
+    <dgm:txLinClrLst/>
+    <dgm:txFillClrLst meth="repeat">
+      <a:schemeClr val="dk1"/>
+    </dgm:txFillClrLst>
+    <dgm:txEffectClrLst/>
+  </dgm:styleLbl>
+  <dgm:styleLbl name="alignAcc1">
+    <dgm:fillClrLst meth="repeat">
+      <a:schemeClr val="lt1">
+        <a:alpha val="90000"/>
+      </a:schemeClr>
+    </dgm:fillClrLst>
+    <dgm:linClrLst meth="repeat">
+      <a:schemeClr val="accent1"/>
+    </dgm:linClrLst>
+    <dgm:effectClrLst/>
+    <dgm:txLinClrLst/>
+    <dgm:txFillClrLst meth="repeat">
+      <a:schemeClr val="dk1"/>
+    </dgm:txFillClrLst>
+    <dgm:txEffectClrLst/>
+  </dgm:styleLbl>
+  <dgm:styleLbl name="trAlignAcc1">
+    <dgm:fillClrLst meth="repeat">
+      <a:schemeClr val="lt1">
+        <a:alpha val="40000"/>
+      </a:schemeClr>
+    </dgm:fillClrLst>
+    <dgm:linClrLst meth="repeat">
+      <a:schemeClr val="accent1"/>
+    </dgm:linClrLst>
+    <dgm:effectClrLst/>
+    <dgm:txLinClrLst/>
+    <dgm:txFillClrLst meth="repeat">
+      <a:schemeClr val="dk1"/>
+    </dgm:txFillClrLst>
+    <dgm:txEffectClrLst/>
+  </dgm:styleLbl>
+  <dgm:styleLbl name="bgAcc1">
+    <dgm:fillClrLst meth="repeat">
+      <a:schemeClr val="lt1">
+        <a:alpha val="90000"/>
+      </a:schemeClr>
+    </dgm:fillClrLst>
+    <dgm:linClrLst meth="repeat">
+      <a:schemeClr val="accent1"/>
+    </dgm:linClrLst>
+    <dgm:effectClrLst/>
+    <dgm:txLinClrLst/>
+    <dgm:txFillClrLst meth="repeat">
+      <a:schemeClr val="dk1"/>
+    </dgm:txFillClrLst>
+    <dgm:txEffectClrLst/>
+  </dgm:styleLbl>
+  <dgm:styleLbl name="solidFgAcc1">
+    <dgm:fillClrLst meth="repeat">
+      <a:schemeClr val="lt1"/>
+    </dgm:fillClrLst>
+    <dgm:linClrLst meth="repeat">
+      <a:schemeClr val="accent1"/>
+    </dgm:linClrLst>
+    <dgm:effectClrLst/>
+    <dgm:txLinClrLst/>
+    <dgm:txFillClrLst meth="repeat">
+      <a:schemeClr val="dk1"/>
+    </dgm:txFillClrLst>
+    <dgm:txEffectClrLst/>
+  </dgm:styleLbl>
+  <dgm:styleLbl name="solidAlignAcc1">
+    <dgm:fillClrLst meth="repeat">
+      <a:schemeClr val="lt1"/>
+    </dgm:fillClrLst>
+    <dgm:linClrLst meth="repeat">
+      <a:schemeClr val="accent1"/>
+    </dgm:linClrLst>
+    <dgm:effectClrLst/>
+    <dgm:txLinClrLst/>
+    <dgm:txFillClrLst meth="repeat">
+      <a:schemeClr val="dk1"/>
+    </dgm:txFillClrLst>
+    <dgm:txEffectClrLst/>
+  </dgm:styleLbl>
+  <dgm:styleLbl name="solidBgAcc1">
+    <dgm:fillClrLst meth="repeat">
+      <a:schemeClr val="lt1"/>
+    </dgm:fillClrLst>
+    <dgm:linClrLst meth="repeat">
+      <a:schemeClr val="accent1"/>
+    </dgm:linClrLst>
+    <dgm:effectClrLst/>
+    <dgm:txLinClrLst/>
+    <dgm:txFillClrLst meth="repeat">
+      <a:schemeClr val="dk1"/>
+    </dgm:txFillClrLst>
+    <dgm:txEffectClrLst/>
+  </dgm:styleLbl>
+  <dgm:styleLbl name="fgAccFollowNode1">
+    <dgm:fillClrLst meth="repeat">
+      <a:schemeClr val="accent1">
+        <a:alpha val="90000"/>
+        <a:tint val="40000"/>
+      </a:schemeClr>
+    </dgm:fillClrLst>
+    <dgm:linClrLst meth="repeat">
+      <a:schemeClr val="accent1">
+        <a:alpha val="90000"/>
+        <a:tint val="40000"/>
+      </a:schemeClr>
+    </dgm:linClrLst>
+    <dgm:effectClrLst/>
+    <dgm:txLinClrLst/>
+    <dgm:txFillClrLst meth="repeat">
+      <a:schemeClr val="dk1"/>
+    </dgm:txFillClrLst>
+    <dgm:txEffectClrLst/>
+  </dgm:styleLbl>
+  <dgm:styleLbl name="alignAccFollowNode1">
+    <dgm:fillClrLst meth="repeat">
+      <a:schemeClr val="accent1">
+        <a:alpha val="90000"/>
+        <a:tint val="40000"/>
+      </a:schemeClr>
+    </dgm:fillClrLst>
+    <dgm:linClrLst meth="repeat">
+      <a:schemeClr val="accent1">
+        <a:alpha val="90000"/>
+        <a:tint val="40000"/>
+      </a:schemeClr>
+    </dgm:linClrLst>
+    <dgm:effectClrLst/>
+    <dgm:txLinClrLst/>
+    <dgm:txFillClrLst meth="repeat">
+      <a:schemeClr val="dk1"/>
+    </dgm:txFillClrLst>
+    <dgm:txEffectClrLst/>
+  </dgm:styleLbl>
+  <dgm:styleLbl name="bgAccFollowNode1">
+    <dgm:fillClrLst meth="repeat">
+      <a:schemeClr val="accent1">
+        <a:alpha val="90000"/>
+        <a:tint val="40000"/>
+      </a:schemeClr>
+    </dgm:fillClrLst>
+    <dgm:linClrLst meth="repeat">
+      <a:schemeClr val="accent1">
+        <a:alpha val="90000"/>
+        <a:tint val="40000"/>
+      </a:schemeClr>
+    </dgm:linClrLst>
+    <dgm:effectClrLst/>
+    <dgm:txLinClrLst/>
+    <dgm:txFillClrLst meth="repeat">
+      <a:schemeClr val="dk1"/>
+    </dgm:txFillClrLst>
+    <dgm:txEffectClrLst/>
+  </dgm:styleLbl>
+  <dgm:styleLbl name="fgAcc0">
+    <dgm:fillClrLst meth="repeat">
+      <a:schemeClr val="lt1">
+        <a:alpha val="90000"/>
+      </a:schemeClr>
+    </dgm:fillClrLst>
+    <dgm:linClrLst meth="repeat">
+      <a:schemeClr val="accent1"/>
+    </dgm:linClrLst>
+    <dgm:effectClrLst/>
+    <dgm:txLinClrLst/>
+    <dgm:txFillClrLst meth="repeat">
+      <a:schemeClr val="dk1"/>
+    </dgm:txFillClrLst>
+    <dgm:txEffectClrLst/>
+  </dgm:styleLbl>
+  <dgm:styleLbl name="fgAcc2">
+    <dgm:fillClrLst meth="repeat">
+      <a:schemeClr val="lt1">
+        <a:alpha val="90000"/>
+      </a:schemeClr>
+    </dgm:fillClrLst>
+    <dgm:linClrLst meth="repeat">
+      <a:schemeClr val="accent1"/>
+    </dgm:linClrLst>
+    <dgm:effectClrLst/>
+    <dgm:txLinClrLst/>
+    <dgm:txFillClrLst meth="repeat">
+      <a:schemeClr val="dk1"/>
+    </dgm:txFillClrLst>
+    <dgm:txEffectClrLst/>
+  </dgm:styleLbl>
+  <dgm:styleLbl name="fgAcc3">
+    <dgm:fillClrLst meth="repeat">
+      <a:schemeClr val="lt1">
+        <a:alpha val="90000"/>
+      </a:schemeClr>
+    </dgm:fillClrLst>
+    <dgm:linClrLst meth="repeat">
+      <a:schemeClr val="accent1"/>
+    </dgm:linClrLst>
+    <dgm:effectClrLst/>
+    <dgm:txLinClrLst/>
+    <dgm:txFillClrLst meth="repeat">
+      <a:schemeClr val="dk1"/>
+    </dgm:txFillClrLst>
+    <dgm:txEffectClrLst/>
+  </dgm:styleLbl>
+  <dgm:styleLbl name="fgAcc4">
+    <dgm:fillClrLst meth="repeat">
+      <a:schemeClr val="lt1">
+        <a:alpha val="90000"/>
+      </a:schemeClr>
+    </dgm:fillClrLst>
+    <dgm:linClrLst meth="repeat">
+      <a:schemeClr val="accent1"/>
+    </dgm:linClrLst>
+    <dgm:effectClrLst/>
+    <dgm:txLinClrLst/>
+    <dgm:txFillClrLst meth="repeat">
+      <a:schemeClr val="dk1"/>
+    </dgm:txFillClrLst>
+    <dgm:txEffectClrLst/>
+  </dgm:styleLbl>
+  <dgm:styleLbl name="bgShp">
+    <dgm:fillClrLst meth="repeat">
+      <a:schemeClr val="accent1">
+        <a:tint val="40000"/>
+      </a:schemeClr>
+    </dgm:fillClrLst>
+    <dgm:linClrLst meth="repeat">
+      <a:schemeClr val="accent1"/>
+    </dgm:linClrLst>
+    <dgm:effectClrLst/>
+    <dgm:txLinClrLst/>
+    <dgm:txFillClrLst meth="repeat">
+      <a:schemeClr val="dk1"/>
+    </dgm:txFillClrLst>
+    <dgm:txEffectClrLst/>
+  </dgm:styleLbl>
+  <dgm:styleLbl name="dkBgShp">
+    <dgm:fillClrLst meth="repeat">
+      <a:schemeClr val="accent1">
+        <a:shade val="80000"/>
+      </a:schemeClr>
+    </dgm:fillClrLst>
+    <dgm:linClrLst meth="repeat">
+      <a:schemeClr val="accent1"/>
+    </dgm:linClrLst>
+    <dgm:effectClrLst/>
+    <dgm:txLinClrLst/>
+    <dgm:txFillClrLst meth="repeat">
+      <a:schemeClr val="lt1"/>
+    </dgm:txFillClrLst>
+    <dgm:txEffectClrLst/>
+  </dgm:styleLbl>
+  <dgm:styleLbl name="trBgShp">
+    <dgm:fillClrLst meth="repeat">
+      <a:schemeClr val="accent1">
+        <a:tint val="50000"/>
+        <a:alpha val="40000"/>
+      </a:schemeClr>
+    </dgm:fillClrLst>
+    <dgm:linClrLst meth="repeat">
+      <a:schemeClr val="accent1"/>
+    </dgm:linClrLst>
+    <dgm:effectClrLst/>
+    <dgm:txLinClrLst/>
+    <dgm:txFillClrLst meth="repeat">
+      <a:schemeClr val="lt1"/>
+    </dgm:txFillClrLst>
+    <dgm:txEffectClrLst/>
+  </dgm:styleLbl>
+  <dgm:styleLbl name="fgShp">
+    <dgm:fillClrLst meth="repeat">
+      <a:schemeClr val="accent1">
+        <a:tint val="60000"/>
+      </a:schemeClr>
+    </dgm:fillClrLst>
+    <dgm:linClrLst meth="repeat">
+      <a:schemeClr val="lt1"/>
+    </dgm:linClrLst>
+    <dgm:effectClrLst/>
+    <dgm:txLinClrLst/>
+    <dgm:txFillClrLst meth="repeat">
+      <a:schemeClr val="dk1"/>
+    </dgm:txFillClrLst>
+    <dgm:txEffectClrLst/>
+  </dgm:styleLbl>
+  <dgm:styleLbl name="revTx">
+    <dgm:fillClrLst meth="repeat">
+      <a:schemeClr val="lt1">
+        <a:alpha val="0"/>
+      </a:schemeClr>
+    </dgm:fillClrLst>
+    <dgm:linClrLst meth="repeat">
+      <a:schemeClr val="dk1">
+        <a:alpha val="0"/>
+      </a:schemeClr>
+    </dgm:linClrLst>
+    <dgm:effectClrLst/>
+    <dgm:txLinClrLst/>
+    <dgm:txFillClrLst meth="repeat">
+      <a:schemeClr val="tx1"/>
+    </dgm:txFillClrLst>
+    <dgm:txEffectClrLst/>
+  </dgm:styleLbl>
+</dgm:colorsDef>
+</file>
+
+<file path=ppt/diagrams/data1.xml><?xml version="1.0" encoding="utf-8"?>
+<dgm:dataModel xmlns:dgm="http://schemas.openxmlformats.org/drawingml/2006/diagram" xmlns:a="http://schemas.openxmlformats.org/drawingml/2006/main">
+  <dgm:ptLst>
+    <dgm:pt modelId="{87D65C3D-C6D1-428B-B298-F41E7A7A8A09}" type="doc">
+      <dgm:prSet loTypeId="urn:microsoft.com/office/officeart/2005/8/layout/cycle5" loCatId="cycle" qsTypeId="urn:microsoft.com/office/officeart/2005/8/quickstyle/simple1" qsCatId="simple" csTypeId="urn:microsoft.com/office/officeart/2005/8/colors/accent1_2" csCatId="accent1" phldr="1"/>
+      <dgm:spPr/>
+      <dgm:t>
+        <a:bodyPr/>
+        <a:lstStyle/>
+        <a:p>
+          <a:endParaRPr lang="en-GB"/>
+        </a:p>
+      </dgm:t>
+    </dgm:pt>
+    <dgm:pt modelId="{F02563A7-1B82-40C1-A61F-F9E390B3F19C}">
+      <dgm:prSet phldrT="[Text]" custT="1"/>
+      <dgm:spPr/>
+      <dgm:t>
+        <a:bodyPr/>
+        <a:lstStyle/>
+        <a:p>
+          <a:r>
+            <a:rPr lang="en-GB" sz="3200" b="1" dirty="0" smtClean="0"/>
+            <a:t>Test  the rules</a:t>
+          </a:r>
+          <a:endParaRPr lang="en-GB" sz="3200" b="1" dirty="0"/>
+        </a:p>
+      </dgm:t>
+    </dgm:pt>
+    <dgm:pt modelId="{39F58D12-4167-404A-9D53-2C9F60856159}" type="parTrans" cxnId="{A7C3B032-75B0-4088-A33B-CA529B0B9565}">
+      <dgm:prSet/>
+      <dgm:spPr/>
+      <dgm:t>
+        <a:bodyPr/>
+        <a:lstStyle/>
+        <a:p>
+          <a:endParaRPr lang="en-GB"/>
+        </a:p>
+      </dgm:t>
+    </dgm:pt>
+    <dgm:pt modelId="{FFEB3C72-76E4-4CD6-A8A1-9DEEE529899C}" type="sibTrans" cxnId="{A7C3B032-75B0-4088-A33B-CA529B0B9565}">
+      <dgm:prSet/>
+      <dgm:spPr>
+        <a:ln w="28575">
+          <a:solidFill>
+            <a:schemeClr val="accent1"/>
+          </a:solidFill>
+        </a:ln>
+      </dgm:spPr>
+      <dgm:t>
+        <a:bodyPr/>
+        <a:lstStyle/>
+        <a:p>
+          <a:endParaRPr lang="en-GB" dirty="0"/>
+        </a:p>
+      </dgm:t>
+    </dgm:pt>
+    <dgm:pt modelId="{E161CEA6-F372-4E39-A3F5-537EB62FBEED}">
+      <dgm:prSet phldrT="[Text]" custT="1"/>
+      <dgm:spPr/>
+      <dgm:t>
+        <a:bodyPr/>
+        <a:lstStyle/>
+        <a:p>
+          <a:r>
+            <a:rPr lang="en-GB" sz="3200" b="1" dirty="0" smtClean="0"/>
+            <a:t>Select the best rule</a:t>
+          </a:r>
+          <a:endParaRPr lang="en-GB" sz="3200" b="1" dirty="0"/>
+        </a:p>
+      </dgm:t>
+    </dgm:pt>
+    <dgm:pt modelId="{5E687ABD-C928-42E9-A47C-AEFBE9CCED18}" type="parTrans" cxnId="{63F14E87-8050-4F69-8097-51F778758C4D}">
+      <dgm:prSet/>
+      <dgm:spPr/>
+      <dgm:t>
+        <a:bodyPr/>
+        <a:lstStyle/>
+        <a:p>
+          <a:endParaRPr lang="en-GB"/>
+        </a:p>
+      </dgm:t>
+    </dgm:pt>
+    <dgm:pt modelId="{3EA0E7CC-8793-460F-B872-409C4BD30959}" type="sibTrans" cxnId="{63F14E87-8050-4F69-8097-51F778758C4D}">
+      <dgm:prSet/>
+      <dgm:spPr>
+        <a:ln w="28575">
+          <a:solidFill>
+            <a:schemeClr val="accent1"/>
+          </a:solidFill>
+        </a:ln>
+      </dgm:spPr>
+      <dgm:t>
+        <a:bodyPr/>
+        <a:lstStyle/>
+        <a:p>
+          <a:endParaRPr lang="en-GB" dirty="0"/>
+        </a:p>
+      </dgm:t>
+    </dgm:pt>
+    <dgm:pt modelId="{8704B45A-AB84-4C03-AA00-8680FB4BFA6F}">
+      <dgm:prSet phldrT="[Text]" custT="1"/>
+      <dgm:spPr/>
+      <dgm:t>
+        <a:bodyPr/>
+        <a:lstStyle/>
+        <a:p>
+          <a:r>
+            <a:rPr lang="en-GB" sz="3200" b="1" dirty="0" smtClean="0"/>
+            <a:t>Apply the best rule</a:t>
+          </a:r>
+          <a:endParaRPr lang="en-GB" sz="3200" b="1" dirty="0"/>
+        </a:p>
+      </dgm:t>
+    </dgm:pt>
+    <dgm:pt modelId="{BBB7671C-FAFA-42AB-96FF-542427045CA2}" type="parTrans" cxnId="{87DE1473-8EA5-4E51-8B89-34CFDE8911B8}">
+      <dgm:prSet/>
+      <dgm:spPr/>
+      <dgm:t>
+        <a:bodyPr/>
+        <a:lstStyle/>
+        <a:p>
+          <a:endParaRPr lang="en-GB"/>
+        </a:p>
+      </dgm:t>
+    </dgm:pt>
+    <dgm:pt modelId="{9E494898-73F0-4573-ABF9-7E0E17618AC2}" type="sibTrans" cxnId="{87DE1473-8EA5-4E51-8B89-34CFDE8911B8}">
+      <dgm:prSet/>
+      <dgm:spPr>
+        <a:ln w="28575">
+          <a:solidFill>
+            <a:schemeClr val="accent1"/>
+          </a:solidFill>
+        </a:ln>
+      </dgm:spPr>
+      <dgm:t>
+        <a:bodyPr/>
+        <a:lstStyle/>
+        <a:p>
+          <a:endParaRPr lang="en-GB" dirty="0"/>
+        </a:p>
+      </dgm:t>
+    </dgm:pt>
+    <dgm:pt modelId="{178D1CA8-EB11-43EA-A6D0-86D0B21C1412}">
+      <dgm:prSet phldrT="[Text]" custT="1"/>
+      <dgm:spPr/>
+      <dgm:t>
+        <a:bodyPr/>
+        <a:lstStyle/>
+        <a:p>
+          <a:r>
+            <a:rPr lang="en-GB" sz="3200" b="1" dirty="0" smtClean="0"/>
+            <a:t>Exit, if no improvement</a:t>
+          </a:r>
+          <a:endParaRPr lang="en-GB" sz="3200" b="1" dirty="0"/>
+        </a:p>
+      </dgm:t>
+    </dgm:pt>
+    <dgm:pt modelId="{980FEE9D-9047-4E48-AB2D-5AF81058B516}" type="parTrans" cxnId="{64373CEF-A17B-442E-9664-C244F5C0FF3F}">
+      <dgm:prSet/>
+      <dgm:spPr/>
+      <dgm:t>
+        <a:bodyPr/>
+        <a:lstStyle/>
+        <a:p>
+          <a:endParaRPr lang="en-GB"/>
+        </a:p>
+      </dgm:t>
+    </dgm:pt>
+    <dgm:pt modelId="{0492A759-DBED-4B4C-ADE1-A3749353B8F9}" type="sibTrans" cxnId="{64373CEF-A17B-442E-9664-C244F5C0FF3F}">
+      <dgm:prSet/>
+      <dgm:spPr>
+        <a:ln w="28575">
+          <a:solidFill>
+            <a:schemeClr val="accent1"/>
+          </a:solidFill>
+        </a:ln>
+      </dgm:spPr>
+      <dgm:t>
+        <a:bodyPr/>
+        <a:lstStyle/>
+        <a:p>
+          <a:endParaRPr lang="en-GB" dirty="0"/>
+        </a:p>
+      </dgm:t>
+    </dgm:pt>
+    <dgm:pt modelId="{168AD72D-E255-41F1-9F69-00763D987B3F}">
+      <dgm:prSet phldrT="[Text]" custT="1"/>
+      <dgm:spPr/>
+      <dgm:t>
+        <a:bodyPr/>
+        <a:lstStyle/>
+        <a:p>
+          <a:r>
+            <a:rPr lang="en-GB" sz="3200" b="1" dirty="0" smtClean="0"/>
+            <a:t>Generate applicable rules</a:t>
+          </a:r>
+          <a:endParaRPr lang="en-GB" sz="3200" b="1" dirty="0"/>
+        </a:p>
+      </dgm:t>
+    </dgm:pt>
+    <dgm:pt modelId="{1161804B-C29E-41C5-AADC-B9294289DEB7}" type="parTrans" cxnId="{8A8E43F2-949C-4954-8FA1-70B4A0E0F72C}">
+      <dgm:prSet/>
+      <dgm:spPr/>
+      <dgm:t>
+        <a:bodyPr/>
+        <a:lstStyle/>
+        <a:p>
+          <a:endParaRPr lang="en-GB"/>
+        </a:p>
+      </dgm:t>
+    </dgm:pt>
+    <dgm:pt modelId="{38543AA3-61A8-404E-885F-153342460C01}" type="sibTrans" cxnId="{8A8E43F2-949C-4954-8FA1-70B4A0E0F72C}">
+      <dgm:prSet/>
+      <dgm:spPr>
+        <a:ln w="28575">
+          <a:solidFill>
+            <a:schemeClr val="accent1"/>
+          </a:solidFill>
+        </a:ln>
+      </dgm:spPr>
+      <dgm:t>
+        <a:bodyPr/>
+        <a:lstStyle/>
+        <a:p>
+          <a:endParaRPr lang="en-GB" dirty="0"/>
+        </a:p>
+      </dgm:t>
+    </dgm:pt>
+    <dgm:pt modelId="{31B201AB-D5E6-4DEA-A9C7-A9990F3B5135}" type="pres">
+      <dgm:prSet presAssocID="{87D65C3D-C6D1-428B-B298-F41E7A7A8A09}" presName="cycle" presStyleCnt="0">
+        <dgm:presLayoutVars>
+          <dgm:dir/>
+          <dgm:resizeHandles val="exact"/>
+        </dgm:presLayoutVars>
+      </dgm:prSet>
+      <dgm:spPr/>
+    </dgm:pt>
+    <dgm:pt modelId="{6213C7EB-50F9-4545-B026-0417ABDCF20E}" type="pres">
+      <dgm:prSet presAssocID="{F02563A7-1B82-40C1-A61F-F9E390B3F19C}" presName="node" presStyleLbl="node1" presStyleIdx="0" presStyleCnt="5" custScaleX="153594" custScaleY="84555">
+        <dgm:presLayoutVars>
+          <dgm:bulletEnabled val="1"/>
+        </dgm:presLayoutVars>
+      </dgm:prSet>
+      <dgm:spPr/>
+    </dgm:pt>
+    <dgm:pt modelId="{3389847B-9D34-4A46-8D54-B589AE4CA4C8}" type="pres">
+      <dgm:prSet presAssocID="{F02563A7-1B82-40C1-A61F-F9E390B3F19C}" presName="spNode" presStyleCnt="0"/>
+      <dgm:spPr/>
+    </dgm:pt>
+    <dgm:pt modelId="{A87490F5-9BFB-40B8-86E3-E1425B3BA269}" type="pres">
+      <dgm:prSet presAssocID="{FFEB3C72-76E4-4CD6-A8A1-9DEEE529899C}" presName="sibTrans" presStyleLbl="sibTrans1D1" presStyleIdx="0" presStyleCnt="5"/>
+      <dgm:spPr/>
+      <dgm:t>
+        <a:bodyPr/>
+        <a:lstStyle/>
+        <a:p>
+          <a:endParaRPr lang="en-GB"/>
+        </a:p>
+      </dgm:t>
+    </dgm:pt>
+    <dgm:pt modelId="{BC2CC8FD-EEF0-4F75-8F94-E629A064EE60}" type="pres">
+      <dgm:prSet presAssocID="{E161CEA6-F372-4E39-A3F5-537EB62FBEED}" presName="node" presStyleLbl="node1" presStyleIdx="1" presStyleCnt="5" custScaleX="152013" custScaleY="84555">
+        <dgm:presLayoutVars>
+          <dgm:bulletEnabled val="1"/>
+        </dgm:presLayoutVars>
+      </dgm:prSet>
+      <dgm:spPr/>
+    </dgm:pt>
+    <dgm:pt modelId="{4CDE2A96-FC76-4C76-828A-69F138885CB7}" type="pres">
+      <dgm:prSet presAssocID="{E161CEA6-F372-4E39-A3F5-537EB62FBEED}" presName="spNode" presStyleCnt="0"/>
+      <dgm:spPr/>
+    </dgm:pt>
+    <dgm:pt modelId="{516AB618-53FF-4DFC-A01F-1CD14F4C63A4}" type="pres">
+      <dgm:prSet presAssocID="{3EA0E7CC-8793-460F-B872-409C4BD30959}" presName="sibTrans" presStyleLbl="sibTrans1D1" presStyleIdx="1" presStyleCnt="5"/>
+      <dgm:spPr/>
+    </dgm:pt>
+    <dgm:pt modelId="{13C7D8D8-3F31-4F16-8F60-8B56B88C8794}" type="pres">
+      <dgm:prSet presAssocID="{8704B45A-AB84-4C03-AA00-8680FB4BFA6F}" presName="node" presStyleLbl="node1" presStyleIdx="2" presStyleCnt="5" custScaleX="121486" custScaleY="84555" custRadScaleRad="104502" custRadScaleInc="-76508">
+        <dgm:presLayoutVars>
+          <dgm:bulletEnabled val="1"/>
+        </dgm:presLayoutVars>
+      </dgm:prSet>
+      <dgm:spPr/>
+    </dgm:pt>
+    <dgm:pt modelId="{A1831999-ED47-4C28-9FAD-C230295C9F01}" type="pres">
+      <dgm:prSet presAssocID="{8704B45A-AB84-4C03-AA00-8680FB4BFA6F}" presName="spNode" presStyleCnt="0"/>
+      <dgm:spPr/>
+    </dgm:pt>
+    <dgm:pt modelId="{82080A7D-0EC5-4A43-BDA1-9289D9C45DE8}" type="pres">
+      <dgm:prSet presAssocID="{9E494898-73F0-4573-ABF9-7E0E17618AC2}" presName="sibTrans" presStyleLbl="sibTrans1D1" presStyleIdx="2" presStyleCnt="5"/>
+      <dgm:spPr/>
+    </dgm:pt>
+    <dgm:pt modelId="{84AFBF01-0AE7-454A-9D7C-6EB6D3B5A0AD}" type="pres">
+      <dgm:prSet presAssocID="{178D1CA8-EB11-43EA-A6D0-86D0B21C1412}" presName="node" presStyleLbl="node1" presStyleIdx="3" presStyleCnt="5" custScaleX="147654" custScaleY="84555" custRadScaleRad="95625" custRadScaleInc="47413">
+        <dgm:presLayoutVars>
+          <dgm:bulletEnabled val="1"/>
+        </dgm:presLayoutVars>
+      </dgm:prSet>
+      <dgm:spPr/>
+      <dgm:t>
+        <a:bodyPr/>
+        <a:lstStyle/>
+        <a:p>
+          <a:endParaRPr lang="en-GB"/>
+        </a:p>
+      </dgm:t>
+    </dgm:pt>
+    <dgm:pt modelId="{3B4BE05C-9951-4EB9-94C7-754F6BE3EB6D}" type="pres">
+      <dgm:prSet presAssocID="{178D1CA8-EB11-43EA-A6D0-86D0B21C1412}" presName="spNode" presStyleCnt="0"/>
+      <dgm:spPr/>
+    </dgm:pt>
+    <dgm:pt modelId="{D4DBC04A-E694-4ABF-9A66-5D246212F707}" type="pres">
+      <dgm:prSet presAssocID="{0492A759-DBED-4B4C-ADE1-A3749353B8F9}" presName="sibTrans" presStyleLbl="sibTrans1D1" presStyleIdx="3" presStyleCnt="5"/>
+      <dgm:spPr/>
+      <dgm:t>
+        <a:bodyPr/>
+        <a:lstStyle/>
+        <a:p>
+          <a:endParaRPr lang="en-GB"/>
+        </a:p>
+      </dgm:t>
+    </dgm:pt>
+    <dgm:pt modelId="{793BDEEE-9D53-457E-B99E-6FF334F09ADD}" type="pres">
+      <dgm:prSet presAssocID="{168AD72D-E255-41F1-9F69-00763D987B3F}" presName="node" presStyleLbl="node1" presStyleIdx="4" presStyleCnt="5" custScaleX="176153" custScaleY="84555">
+        <dgm:presLayoutVars>
+          <dgm:bulletEnabled val="1"/>
+        </dgm:presLayoutVars>
+      </dgm:prSet>
+      <dgm:spPr/>
+    </dgm:pt>
+    <dgm:pt modelId="{2021A3FB-FC6F-44EB-A612-B8E530EAEFB6}" type="pres">
+      <dgm:prSet presAssocID="{168AD72D-E255-41F1-9F69-00763D987B3F}" presName="spNode" presStyleCnt="0"/>
+      <dgm:spPr/>
+    </dgm:pt>
+    <dgm:pt modelId="{3498C1EE-CF45-4AF8-AD0F-87450E79C4F7}" type="pres">
+      <dgm:prSet presAssocID="{38543AA3-61A8-404E-885F-153342460C01}" presName="sibTrans" presStyleLbl="sibTrans1D1" presStyleIdx="4" presStyleCnt="5"/>
+      <dgm:spPr/>
+      <dgm:t>
+        <a:bodyPr/>
+        <a:lstStyle/>
+        <a:p>
+          <a:endParaRPr lang="en-GB"/>
+        </a:p>
+      </dgm:t>
+    </dgm:pt>
+  </dgm:ptLst>
+  <dgm:cxnLst>
+    <dgm:cxn modelId="{87DE1473-8EA5-4E51-8B89-34CFDE8911B8}" srcId="{87D65C3D-C6D1-428B-B298-F41E7A7A8A09}" destId="{8704B45A-AB84-4C03-AA00-8680FB4BFA6F}" srcOrd="2" destOrd="0" parTransId="{BBB7671C-FAFA-42AB-96FF-542427045CA2}" sibTransId="{9E494898-73F0-4573-ABF9-7E0E17618AC2}"/>
+    <dgm:cxn modelId="{950588B9-1388-4823-AD96-36AA565ED5EC}" type="presOf" srcId="{178D1CA8-EB11-43EA-A6D0-86D0B21C1412}" destId="{84AFBF01-0AE7-454A-9D7C-6EB6D3B5A0AD}" srcOrd="0" destOrd="0" presId="urn:microsoft.com/office/officeart/2005/8/layout/cycle5"/>
+    <dgm:cxn modelId="{9CA814B3-6CE9-474A-AAB7-357A33E79547}" type="presOf" srcId="{87D65C3D-C6D1-428B-B298-F41E7A7A8A09}" destId="{31B201AB-D5E6-4DEA-A9C7-A9990F3B5135}" srcOrd="0" destOrd="0" presId="urn:microsoft.com/office/officeart/2005/8/layout/cycle5"/>
+    <dgm:cxn modelId="{63F14E87-8050-4F69-8097-51F778758C4D}" srcId="{87D65C3D-C6D1-428B-B298-F41E7A7A8A09}" destId="{E161CEA6-F372-4E39-A3F5-537EB62FBEED}" srcOrd="1" destOrd="0" parTransId="{5E687ABD-C928-42E9-A47C-AEFBE9CCED18}" sibTransId="{3EA0E7CC-8793-460F-B872-409C4BD30959}"/>
+    <dgm:cxn modelId="{64373CEF-A17B-442E-9664-C244F5C0FF3F}" srcId="{87D65C3D-C6D1-428B-B298-F41E7A7A8A09}" destId="{178D1CA8-EB11-43EA-A6D0-86D0B21C1412}" srcOrd="3" destOrd="0" parTransId="{980FEE9D-9047-4E48-AB2D-5AF81058B516}" sibTransId="{0492A759-DBED-4B4C-ADE1-A3749353B8F9}"/>
+    <dgm:cxn modelId="{24DA519F-EFE6-4D2A-8F8B-164FE1DAEF63}" type="presOf" srcId="{168AD72D-E255-41F1-9F69-00763D987B3F}" destId="{793BDEEE-9D53-457E-B99E-6FF334F09ADD}" srcOrd="0" destOrd="0" presId="urn:microsoft.com/office/officeart/2005/8/layout/cycle5"/>
+    <dgm:cxn modelId="{F60C7AB8-6B39-484C-B0B8-077126AD5976}" type="presOf" srcId="{FFEB3C72-76E4-4CD6-A8A1-9DEEE529899C}" destId="{A87490F5-9BFB-40B8-86E3-E1425B3BA269}" srcOrd="0" destOrd="0" presId="urn:microsoft.com/office/officeart/2005/8/layout/cycle5"/>
+    <dgm:cxn modelId="{49A40B2C-1A15-4076-8E3E-2931821069CE}" type="presOf" srcId="{8704B45A-AB84-4C03-AA00-8680FB4BFA6F}" destId="{13C7D8D8-3F31-4F16-8F60-8B56B88C8794}" srcOrd="0" destOrd="0" presId="urn:microsoft.com/office/officeart/2005/8/layout/cycle5"/>
+    <dgm:cxn modelId="{8A8E43F2-949C-4954-8FA1-70B4A0E0F72C}" srcId="{87D65C3D-C6D1-428B-B298-F41E7A7A8A09}" destId="{168AD72D-E255-41F1-9F69-00763D987B3F}" srcOrd="4" destOrd="0" parTransId="{1161804B-C29E-41C5-AADC-B9294289DEB7}" sibTransId="{38543AA3-61A8-404E-885F-153342460C01}"/>
+    <dgm:cxn modelId="{325DE7FA-E586-4BC4-AF00-E7B857B7FF2A}" type="presOf" srcId="{9E494898-73F0-4573-ABF9-7E0E17618AC2}" destId="{82080A7D-0EC5-4A43-BDA1-9289D9C45DE8}" srcOrd="0" destOrd="0" presId="urn:microsoft.com/office/officeart/2005/8/layout/cycle5"/>
+    <dgm:cxn modelId="{CC75008F-6DFE-4721-B3DF-227A7A598C3B}" type="presOf" srcId="{0492A759-DBED-4B4C-ADE1-A3749353B8F9}" destId="{D4DBC04A-E694-4ABF-9A66-5D246212F707}" srcOrd="0" destOrd="0" presId="urn:microsoft.com/office/officeart/2005/8/layout/cycle5"/>
+    <dgm:cxn modelId="{101CD9A7-556A-41D6-BB11-6093F8071ED8}" type="presOf" srcId="{E161CEA6-F372-4E39-A3F5-537EB62FBEED}" destId="{BC2CC8FD-EEF0-4F75-8F94-E629A064EE60}" srcOrd="0" destOrd="0" presId="urn:microsoft.com/office/officeart/2005/8/layout/cycle5"/>
+    <dgm:cxn modelId="{E1026780-AC7D-42BE-9A20-F991C4F8D483}" type="presOf" srcId="{F02563A7-1B82-40C1-A61F-F9E390B3F19C}" destId="{6213C7EB-50F9-4545-B026-0417ABDCF20E}" srcOrd="0" destOrd="0" presId="urn:microsoft.com/office/officeart/2005/8/layout/cycle5"/>
+    <dgm:cxn modelId="{ED425692-CC49-4060-96DC-CD691DCFA588}" type="presOf" srcId="{3EA0E7CC-8793-460F-B872-409C4BD30959}" destId="{516AB618-53FF-4DFC-A01F-1CD14F4C63A4}" srcOrd="0" destOrd="0" presId="urn:microsoft.com/office/officeart/2005/8/layout/cycle5"/>
+    <dgm:cxn modelId="{A7C3B032-75B0-4088-A33B-CA529B0B9565}" srcId="{87D65C3D-C6D1-428B-B298-F41E7A7A8A09}" destId="{F02563A7-1B82-40C1-A61F-F9E390B3F19C}" srcOrd="0" destOrd="0" parTransId="{39F58D12-4167-404A-9D53-2C9F60856159}" sibTransId="{FFEB3C72-76E4-4CD6-A8A1-9DEEE529899C}"/>
+    <dgm:cxn modelId="{F20B92BD-9345-4B31-890B-285192467A44}" type="presOf" srcId="{38543AA3-61A8-404E-885F-153342460C01}" destId="{3498C1EE-CF45-4AF8-AD0F-87450E79C4F7}" srcOrd="0" destOrd="0" presId="urn:microsoft.com/office/officeart/2005/8/layout/cycle5"/>
+    <dgm:cxn modelId="{1398DE79-CF85-4A0C-B5B7-673792DD129F}" type="presParOf" srcId="{31B201AB-D5E6-4DEA-A9C7-A9990F3B5135}" destId="{6213C7EB-50F9-4545-B026-0417ABDCF20E}" srcOrd="0" destOrd="0" presId="urn:microsoft.com/office/officeart/2005/8/layout/cycle5"/>
+    <dgm:cxn modelId="{CD693AF1-2246-4E2B-AAAC-7B199AA94167}" type="presParOf" srcId="{31B201AB-D5E6-4DEA-A9C7-A9990F3B5135}" destId="{3389847B-9D34-4A46-8D54-B589AE4CA4C8}" srcOrd="1" destOrd="0" presId="urn:microsoft.com/office/officeart/2005/8/layout/cycle5"/>
+    <dgm:cxn modelId="{C3ACE2F0-66EF-4699-AFB9-07DF7CFBC090}" type="presParOf" srcId="{31B201AB-D5E6-4DEA-A9C7-A9990F3B5135}" destId="{A87490F5-9BFB-40B8-86E3-E1425B3BA269}" srcOrd="2" destOrd="0" presId="urn:microsoft.com/office/officeart/2005/8/layout/cycle5"/>
+    <dgm:cxn modelId="{49A5E153-F845-4DEC-9F85-012444F9F35D}" type="presParOf" srcId="{31B201AB-D5E6-4DEA-A9C7-A9990F3B5135}" destId="{BC2CC8FD-EEF0-4F75-8F94-E629A064EE60}" srcOrd="3" destOrd="0" presId="urn:microsoft.com/office/officeart/2005/8/layout/cycle5"/>
+    <dgm:cxn modelId="{178ADB00-B53C-45A2-8CF0-519D86568FE4}" type="presParOf" srcId="{31B201AB-D5E6-4DEA-A9C7-A9990F3B5135}" destId="{4CDE2A96-FC76-4C76-828A-69F138885CB7}" srcOrd="4" destOrd="0" presId="urn:microsoft.com/office/officeart/2005/8/layout/cycle5"/>
+    <dgm:cxn modelId="{7CD96B32-F394-491F-8E35-2287F524AEE7}" type="presParOf" srcId="{31B201AB-D5E6-4DEA-A9C7-A9990F3B5135}" destId="{516AB618-53FF-4DFC-A01F-1CD14F4C63A4}" srcOrd="5" destOrd="0" presId="urn:microsoft.com/office/officeart/2005/8/layout/cycle5"/>
+    <dgm:cxn modelId="{0F46C7BB-3418-41D4-B581-189501E8BDC6}" type="presParOf" srcId="{31B201AB-D5E6-4DEA-A9C7-A9990F3B5135}" destId="{13C7D8D8-3F31-4F16-8F60-8B56B88C8794}" srcOrd="6" destOrd="0" presId="urn:microsoft.com/office/officeart/2005/8/layout/cycle5"/>
+    <dgm:cxn modelId="{30E9008B-40D9-43C4-95B3-D0EEB3D20713}" type="presParOf" srcId="{31B201AB-D5E6-4DEA-A9C7-A9990F3B5135}" destId="{A1831999-ED47-4C28-9FAD-C230295C9F01}" srcOrd="7" destOrd="0" presId="urn:microsoft.com/office/officeart/2005/8/layout/cycle5"/>
+    <dgm:cxn modelId="{0A0A3B74-D3FC-44E8-A89E-804CE551F075}" type="presParOf" srcId="{31B201AB-D5E6-4DEA-A9C7-A9990F3B5135}" destId="{82080A7D-0EC5-4A43-BDA1-9289D9C45DE8}" srcOrd="8" destOrd="0" presId="urn:microsoft.com/office/officeart/2005/8/layout/cycle5"/>
+    <dgm:cxn modelId="{E6417327-A7AE-48A9-9B46-6875C876BD39}" type="presParOf" srcId="{31B201AB-D5E6-4DEA-A9C7-A9990F3B5135}" destId="{84AFBF01-0AE7-454A-9D7C-6EB6D3B5A0AD}" srcOrd="9" destOrd="0" presId="urn:microsoft.com/office/officeart/2005/8/layout/cycle5"/>
+    <dgm:cxn modelId="{BCEF879F-2A35-422C-8848-1938EEA7BBF5}" type="presParOf" srcId="{31B201AB-D5E6-4DEA-A9C7-A9990F3B5135}" destId="{3B4BE05C-9951-4EB9-94C7-754F6BE3EB6D}" srcOrd="10" destOrd="0" presId="urn:microsoft.com/office/officeart/2005/8/layout/cycle5"/>
+    <dgm:cxn modelId="{82DF241F-FF03-4A6C-A47C-85174753E577}" type="presParOf" srcId="{31B201AB-D5E6-4DEA-A9C7-A9990F3B5135}" destId="{D4DBC04A-E694-4ABF-9A66-5D246212F707}" srcOrd="11" destOrd="0" presId="urn:microsoft.com/office/officeart/2005/8/layout/cycle5"/>
+    <dgm:cxn modelId="{607B9E90-6680-4D03-98E4-D2D62517A502}" type="presParOf" srcId="{31B201AB-D5E6-4DEA-A9C7-A9990F3B5135}" destId="{793BDEEE-9D53-457E-B99E-6FF334F09ADD}" srcOrd="12" destOrd="0" presId="urn:microsoft.com/office/officeart/2005/8/layout/cycle5"/>
+    <dgm:cxn modelId="{04490344-4A8E-4429-9250-4CC2C2246BE2}" type="presParOf" srcId="{31B201AB-D5E6-4DEA-A9C7-A9990F3B5135}" destId="{2021A3FB-FC6F-44EB-A612-B8E530EAEFB6}" srcOrd="13" destOrd="0" presId="urn:microsoft.com/office/officeart/2005/8/layout/cycle5"/>
+    <dgm:cxn modelId="{318B9B86-18AC-4146-A52C-6B82BCEAFC40}" type="presParOf" srcId="{31B201AB-D5E6-4DEA-A9C7-A9990F3B5135}" destId="{3498C1EE-CF45-4AF8-AD0F-87450E79C4F7}" srcOrd="14" destOrd="0" presId="urn:microsoft.com/office/officeart/2005/8/layout/cycle5"/>
+  </dgm:cxnLst>
+  <dgm:bg/>
+  <dgm:whole/>
+</dgm:dataModel>
+</file>
+
+<file path=ppt/diagrams/data2.xml><?xml version="1.0" encoding="utf-8"?>
+<dgm:dataModel xmlns:dgm="http://schemas.openxmlformats.org/drawingml/2006/diagram" xmlns:a="http://schemas.openxmlformats.org/drawingml/2006/main">
+  <dgm:ptLst>
+    <dgm:pt modelId="{74E27C88-3AF1-4AFF-89A3-0F228B99AFDC}" type="doc">
+      <dgm:prSet loTypeId="urn:microsoft.com/office/officeart/2005/8/layout/cycle5" loCatId="cycle" qsTypeId="urn:microsoft.com/office/officeart/2005/8/quickstyle/simple1" qsCatId="simple" csTypeId="urn:microsoft.com/office/officeart/2005/8/colors/accent1_2" csCatId="accent1" phldr="1"/>
+      <dgm:spPr/>
+      <dgm:t>
+        <a:bodyPr/>
+        <a:lstStyle/>
+        <a:p>
+          <a:endParaRPr lang="en-GB"/>
+        </a:p>
+      </dgm:t>
+    </dgm:pt>
+    <dgm:pt modelId="{70BB9191-08B4-435F-A859-F3DAC14281FB}">
+      <dgm:prSet phldrT="[Text]" custT="1"/>
+      <dgm:spPr/>
+      <dgm:t>
+        <a:bodyPr/>
+        <a:lstStyle/>
+        <a:p>
+          <a:r>
+            <a:rPr lang="en-GB" sz="3200" b="1" dirty="0" smtClean="0"/>
+            <a:t>Initial semantics</a:t>
+          </a:r>
+          <a:endParaRPr lang="en-GB" sz="3200" b="1" dirty="0"/>
+        </a:p>
+      </dgm:t>
+    </dgm:pt>
+    <dgm:pt modelId="{6137C401-273E-48F3-B6E8-DB823E9E6BCE}" type="parTrans" cxnId="{0112A854-AEA7-4047-A5CB-C6D8CFAF3121}">
+      <dgm:prSet/>
+      <dgm:spPr/>
+      <dgm:t>
+        <a:bodyPr/>
+        <a:lstStyle/>
+        <a:p>
+          <a:endParaRPr lang="en-GB"/>
+        </a:p>
+      </dgm:t>
+    </dgm:pt>
+    <dgm:pt modelId="{9774B3D3-8242-4080-AB16-2B5745F61E70}" type="sibTrans" cxnId="{0112A854-AEA7-4047-A5CB-C6D8CFAF3121}">
+      <dgm:prSet/>
+      <dgm:spPr/>
+      <dgm:t>
+        <a:bodyPr/>
+        <a:lstStyle/>
+        <a:p>
+          <a:endParaRPr lang="en-GB"/>
+        </a:p>
+      </dgm:t>
+    </dgm:pt>
+    <dgm:pt modelId="{459F06AB-E283-4F3B-8D44-07F804328F50}" type="pres">
+      <dgm:prSet presAssocID="{74E27C88-3AF1-4AFF-89A3-0F228B99AFDC}" presName="cycle" presStyleCnt="0">
+        <dgm:presLayoutVars>
+          <dgm:dir/>
+          <dgm:resizeHandles val="exact"/>
+        </dgm:presLayoutVars>
+      </dgm:prSet>
+      <dgm:spPr/>
+    </dgm:pt>
+    <dgm:pt modelId="{D1B7430D-1318-468C-8A51-D9A2248A0921}" type="pres">
+      <dgm:prSet presAssocID="{70BB9191-08B4-435F-A859-F3DAC14281FB}" presName="node" presStyleLbl="node1" presStyleIdx="0" presStyleCnt="1" custScaleX="115227">
+        <dgm:presLayoutVars>
+          <dgm:bulletEnabled val="1"/>
+        </dgm:presLayoutVars>
+      </dgm:prSet>
+      <dgm:spPr/>
+      <dgm:t>
+        <a:bodyPr/>
+        <a:lstStyle/>
+        <a:p>
+          <a:endParaRPr lang="en-GB"/>
+        </a:p>
+      </dgm:t>
+    </dgm:pt>
+  </dgm:ptLst>
+  <dgm:cxnLst>
+    <dgm:cxn modelId="{0112A854-AEA7-4047-A5CB-C6D8CFAF3121}" srcId="{74E27C88-3AF1-4AFF-89A3-0F228B99AFDC}" destId="{70BB9191-08B4-435F-A859-F3DAC14281FB}" srcOrd="0" destOrd="0" parTransId="{6137C401-273E-48F3-B6E8-DB823E9E6BCE}" sibTransId="{9774B3D3-8242-4080-AB16-2B5745F61E70}"/>
+    <dgm:cxn modelId="{F7408F82-070F-4228-B4E7-E0AF1CC158EC}" type="presOf" srcId="{70BB9191-08B4-435F-A859-F3DAC14281FB}" destId="{D1B7430D-1318-468C-8A51-D9A2248A0921}" srcOrd="0" destOrd="0" presId="urn:microsoft.com/office/officeart/2005/8/layout/cycle5"/>
+    <dgm:cxn modelId="{92D15380-0EE4-4F0E-A4A0-8D2D5BA43DAB}" type="presOf" srcId="{74E27C88-3AF1-4AFF-89A3-0F228B99AFDC}" destId="{459F06AB-E283-4F3B-8D44-07F804328F50}" srcOrd="0" destOrd="0" presId="urn:microsoft.com/office/officeart/2005/8/layout/cycle5"/>
+    <dgm:cxn modelId="{E2A704EF-98DE-4C14-ADB8-E6011657D0FD}" type="presParOf" srcId="{459F06AB-E283-4F3B-8D44-07F804328F50}" destId="{D1B7430D-1318-468C-8A51-D9A2248A0921}" srcOrd="0" destOrd="0" presId="urn:microsoft.com/office/officeart/2005/8/layout/cycle5"/>
+  </dgm:cxnLst>
+  <dgm:bg/>
+  <dgm:whole/>
+</dgm:dataModel>
+</file>
+
+<file path=ppt/diagrams/layout1.xml><?xml version="1.0" encoding="utf-8"?>
+<dgm:layoutDef xmlns:dgm="http://schemas.openxmlformats.org/drawingml/2006/diagram" xmlns:a="http://schemas.openxmlformats.org/drawingml/2006/main" uniqueId="urn:microsoft.com/office/officeart/2005/8/layout/cycle5">
+  <dgm:title val=""/>
+  <dgm:desc val=""/>
+  <dgm:catLst>
+    <dgm:cat type="cycle" pri="3000"/>
+  </dgm:catLst>
+  <dgm:sampData>
+    <dgm:dataModel>
+      <dgm:ptLst>
+        <dgm:pt modelId="0" type="doc"/>
+        <dgm:pt modelId="1">
+          <dgm:prSet phldr="1"/>
+        </dgm:pt>
+        <dgm:pt modelId="2">
+          <dgm:prSet phldr="1"/>
+        </dgm:pt>
+        <dgm:pt modelId="3">
+          <dgm:prSet phldr="1"/>
+        </dgm:pt>
+        <dgm:pt modelId="4">
+          <dgm:prSet phldr="1"/>
+        </dgm:pt>
+        <dgm:pt modelId="5">
+          <dgm:prSet phldr="1"/>
+        </dgm:pt>
+      </dgm:ptLst>
+      <dgm:cxnLst>
+        <dgm:cxn modelId="6" srcId="0" destId="1" srcOrd="0" destOrd="0"/>
+        <dgm:cxn modelId="7" srcId="0" destId="2" srcOrd="1" destOrd="0"/>
+        <dgm:cxn modelId="8" srcId="0" destId="3" srcOrd="2" destOrd="0"/>
+        <dgm:cxn modelId="9" srcId="0" destId="4" srcOrd="3" destOrd="0"/>
+        <dgm:cxn modelId="10" srcId="0" destId="5" srcOrd="4" destOrd="0"/>
+      </dgm:cxnLst>
+      <dgm:bg/>
+      <dgm:whole/>
+    </dgm:dataModel>
+  </dgm:sampData>
+  <dgm:styleData>
+    <dgm:dataModel>
+      <dgm:ptLst>
+        <dgm:pt modelId="0" type="doc"/>
+        <dgm:pt modelId="1"/>
+        <dgm:pt modelId="2"/>
+        <dgm:pt modelId="3"/>
+      </dgm:ptLst>
+      <dgm:cxnLst>
+        <dgm:cxn modelId="4" srcId="0" destId="1" srcOrd="0" destOrd="0"/>
+        <dgm:cxn modelId="5" srcId="0" destId="2" srcOrd="1" destOrd="0"/>
+        <dgm:cxn modelId="6" srcId="0" destId="3" srcOrd="2" destOrd="0"/>
+      </dgm:cxnLst>
+      <dgm:bg/>
+      <dgm:whole/>
+    </dgm:dataModel>
+  </dgm:styleData>
+  <dgm:clrData>
+    <dgm:dataModel>
+      <dgm:ptLst>
+        <dgm:pt modelId="0" type="doc"/>
+        <dgm:pt modelId="1"/>
+        <dgm:pt modelId="2"/>
+        <dgm:pt modelId="3"/>
+        <dgm:pt modelId="4"/>
+        <dgm:pt modelId="5"/>
+        <dgm:pt modelId="6"/>
+      </dgm:ptLst>
+      <dgm:cxnLst>
+        <dgm:cxn modelId="7" srcId="0" destId="1" srcOrd="0" destOrd="0"/>
+        <dgm:cxn modelId="8" srcId="0" destId="2" srcOrd="1" destOrd="0"/>
+        <dgm:cxn modelId="9" srcId="0" destId="3" srcOrd="2" destOrd="0"/>
+        <dgm:cxn modelId="10" srcId="0" destId="4" srcOrd="3" destOrd="0"/>
+        <dgm:cxn modelId="11" srcId="0" destId="5" srcOrd="4" destOrd="0"/>
+        <dgm:cxn modelId="12" srcId="0" destId="6" srcOrd="5" destOrd="0"/>
+      </dgm:cxnLst>
+      <dgm:bg/>
+      <dgm:whole/>
+    </dgm:dataModel>
+  </dgm:clrData>
+  <dgm:layoutNode name="cycle">
+    <dgm:varLst>
+      <dgm:dir/>
+      <dgm:resizeHandles val="exact"/>
+    </dgm:varLst>
+    <dgm:choose name="Name0">
+      <dgm:if name="Name1" func="var" arg="dir" op="equ" val="norm">
+        <dgm:choose name="Name2">
+          <dgm:if name="Name3" axis="ch" ptType="node" func="cnt" op="gt" val="2">
+            <dgm:alg type="cycle">
+              <dgm:param type="stAng" val="0"/>
+              <dgm:param type="spanAng" val="360"/>
+            </dgm:alg>
+          </dgm:if>
+          <dgm:else name="Name4">
+            <dgm:alg type="cycle">
+              <dgm:param type="stAng" val="-90"/>
+              <dgm:param type="spanAng" val="360"/>
+            </dgm:alg>
+          </dgm:else>
+        </dgm:choose>
+      </dgm:if>
+      <dgm:else name="Name5">
+        <dgm:choose name="Name6">
+          <dgm:if name="Name7" axis="ch" ptType="node" func="cnt" op="gt" val="2">
+            <dgm:alg type="cycle">
+              <dgm:param type="stAng" val="0"/>
+              <dgm:param type="spanAng" val="-360"/>
+            </dgm:alg>
+          </dgm:if>
+          <dgm:else name="Name8">
+            <dgm:alg type="cycle">
+              <dgm:param type="stAng" val="90"/>
+              <dgm:param type="spanAng" val="-360"/>
+            </dgm:alg>
+          </dgm:else>
+        </dgm:choose>
+      </dgm:else>
+    </dgm:choose>
+    <dgm:shape xmlns:r="http://schemas.openxmlformats.org/officeDocument/2006/relationships" r:blip="">
+      <dgm:adjLst/>
+    </dgm:shape>
+    <dgm:presOf/>
+    <dgm:choose name="Name9">
+      <dgm:if name="Name10" func="var" arg="dir" op="equ" val="norm">
+        <dgm:constrLst>
+          <dgm:constr type="w" for="ch" forName="node" refType="w"/>
+          <dgm:constr type="w" for="ch" ptType="sibTrans" refType="w" refFor="ch" refForName="node" op="equ" fact="0.3"/>
+          <dgm:constr type="diam" for="ch" ptType="sibTrans" refType="diam" op="equ"/>
+          <dgm:constr type="sibSp" refType="w" refFor="ch" refForName="node" op="equ" fact="0.15"/>
+          <dgm:constr type="w" for="ch" forName="spNode" refType="sibSp" fact="1.6"/>
+          <dgm:constr type="primFontSz" for="ch" forName="node" op="equ" val="65"/>
+        </dgm:constrLst>
+      </dgm:if>
+      <dgm:else name="Name11">
+        <dgm:constrLst>
+          <dgm:constr type="w" for="ch" forName="node" refType="w"/>
+          <dgm:constr type="w" for="ch" ptType="sibTrans" refType="w" refFor="ch" refForName="node" op="equ" fact="0.3"/>
+          <dgm:constr type="diam" for="ch" ptType="sibTrans" refType="diam" fact="-1"/>
+          <dgm:constr type="diam" for="ch" refType="diam" op="equ" fact="-1"/>
+          <dgm:constr type="sibSp" refType="w" refFor="ch" refForName="node" op="equ" fact="0.15"/>
+          <dgm:constr type="w" for="ch" forName="spNode" refType="sibSp" fact="1.6"/>
+          <dgm:constr type="primFontSz" for="ch" forName="node" op="equ" val="65"/>
+        </dgm:constrLst>
+      </dgm:else>
+    </dgm:choose>
+    <dgm:ruleLst/>
+    <dgm:forEach name="Name12" axis="ch" ptType="node">
+      <dgm:layoutNode name="node">
+        <dgm:varLst>
+          <dgm:bulletEnabled val="1"/>
+        </dgm:varLst>
+        <dgm:alg type="tx"/>
+        <dgm:shape xmlns:r="http://schemas.openxmlformats.org/officeDocument/2006/relationships" type="roundRect" r:blip="">
+          <dgm:adjLst/>
+        </dgm:shape>
+        <dgm:presOf axis="desOrSelf" ptType="node"/>
+        <dgm:constrLst>
+          <dgm:constr type="h" refType="w" fact="0.65"/>
+          <dgm:constr type="tMarg" refType="primFontSz" fact="0.3"/>
+          <dgm:constr type="bMarg" refType="primFontSz" fact="0.3"/>
+          <dgm:constr type="lMarg" refType="primFontSz" fact="0.3"/>
+          <dgm:constr type="rMarg" refType="primFontSz" fact="0.3"/>
+        </dgm:constrLst>
+        <dgm:ruleLst>
+          <dgm:rule type="primFontSz" val="5" fact="NaN" max="NaN"/>
+        </dgm:ruleLst>
+      </dgm:layoutNode>
+      <dgm:choose name="Name13">
+        <dgm:if name="Name14" axis="par ch" ptType="doc node" func="cnt" op="gt" val="1">
+          <dgm:layoutNode name="spNode">
+            <dgm:alg type="sp"/>
+            <dgm:shape xmlns:r="http://schemas.openxmlformats.org/officeDocument/2006/relationships" r:blip="">
+              <dgm:adjLst/>
+            </dgm:shape>
+            <dgm:presOf/>
+            <dgm:constrLst>
+              <dgm:constr type="h" refType="w"/>
+            </dgm:constrLst>
+            <dgm:ruleLst/>
+          </dgm:layoutNode>
+          <dgm:forEach name="Name15" axis="followSib" ptType="sibTrans" hideLastTrans="0" cnt="1">
+            <dgm:layoutNode name="sibTrans">
+              <dgm:alg type="conn">
+                <dgm:param type="dim" val="1D"/>
+                <dgm:param type="connRout" val="curve"/>
+                <dgm:param type="begPts" val="radial"/>
+                <dgm:param type="endPts" val="radial"/>
+              </dgm:alg>
+              <dgm:shape xmlns:r="http://schemas.openxmlformats.org/officeDocument/2006/relationships" type="conn" r:blip="">
+                <dgm:adjLst/>
+              </dgm:shape>
+              <dgm:presOf axis="self"/>
+              <dgm:constrLst>
+                <dgm:constr type="h" refType="w" fact="0.65"/>
+                <dgm:constr type="connDist"/>
+                <dgm:constr type="begPad" refType="connDist" fact="0.2"/>
+                <dgm:constr type="endPad" refType="connDist" fact="0.2"/>
+              </dgm:constrLst>
+              <dgm:ruleLst/>
+            </dgm:layoutNode>
+          </dgm:forEach>
+        </dgm:if>
+        <dgm:else name="Name16"/>
+      </dgm:choose>
+    </dgm:forEach>
+  </dgm:layoutNode>
+</dgm:layoutDef>
+</file>
+
+<file path=ppt/diagrams/layout2.xml><?xml version="1.0" encoding="utf-8"?>
+<dgm:layoutDef xmlns:dgm="http://schemas.openxmlformats.org/drawingml/2006/diagram" xmlns:a="http://schemas.openxmlformats.org/drawingml/2006/main" uniqueId="urn:microsoft.com/office/officeart/2005/8/layout/cycle5">
+  <dgm:title val=""/>
+  <dgm:desc val=""/>
+  <dgm:catLst>
+    <dgm:cat type="cycle" pri="3000"/>
+  </dgm:catLst>
+  <dgm:sampData>
+    <dgm:dataModel>
+      <dgm:ptLst>
+        <dgm:pt modelId="0" type="doc"/>
+        <dgm:pt modelId="1">
+          <dgm:prSet phldr="1"/>
+        </dgm:pt>
+        <dgm:pt modelId="2">
+          <dgm:prSet phldr="1"/>
+        </dgm:pt>
+        <dgm:pt modelId="3">
+          <dgm:prSet phldr="1"/>
+        </dgm:pt>
+        <dgm:pt modelId="4">
+          <dgm:prSet phldr="1"/>
+        </dgm:pt>
+        <dgm:pt modelId="5">
+          <dgm:prSet phldr="1"/>
+        </dgm:pt>
+      </dgm:ptLst>
+      <dgm:cxnLst>
+        <dgm:cxn modelId="6" srcId="0" destId="1" srcOrd="0" destOrd="0"/>
+        <dgm:cxn modelId="7" srcId="0" destId="2" srcOrd="1" destOrd="0"/>
+        <dgm:cxn modelId="8" srcId="0" destId="3" srcOrd="2" destOrd="0"/>
+        <dgm:cxn modelId="9" srcId="0" destId="4" srcOrd="3" destOrd="0"/>
+        <dgm:cxn modelId="10" srcId="0" destId="5" srcOrd="4" destOrd="0"/>
+      </dgm:cxnLst>
+      <dgm:bg/>
+      <dgm:whole/>
+    </dgm:dataModel>
+  </dgm:sampData>
+  <dgm:styleData>
+    <dgm:dataModel>
+      <dgm:ptLst>
+        <dgm:pt modelId="0" type="doc"/>
+        <dgm:pt modelId="1"/>
+        <dgm:pt modelId="2"/>
+        <dgm:pt modelId="3"/>
+      </dgm:ptLst>
+      <dgm:cxnLst>
+        <dgm:cxn modelId="4" srcId="0" destId="1" srcOrd="0" destOrd="0"/>
+        <dgm:cxn modelId="5" srcId="0" destId="2" srcOrd="1" destOrd="0"/>
+        <dgm:cxn modelId="6" srcId="0" destId="3" srcOrd="2" destOrd="0"/>
+      </dgm:cxnLst>
+      <dgm:bg/>
+      <dgm:whole/>
+    </dgm:dataModel>
+  </dgm:styleData>
+  <dgm:clrData>
+    <dgm:dataModel>
+      <dgm:ptLst>
+        <dgm:pt modelId="0" type="doc"/>
+        <dgm:pt modelId="1"/>
+        <dgm:pt modelId="2"/>
+        <dgm:pt modelId="3"/>
+        <dgm:pt modelId="4"/>
+        <dgm:pt modelId="5"/>
+        <dgm:pt modelId="6"/>
+      </dgm:ptLst>
+      <dgm:cxnLst>
+        <dgm:cxn modelId="7" srcId="0" destId="1" srcOrd="0" destOrd="0"/>
+        <dgm:cxn modelId="8" srcId="0" destId="2" srcOrd="1" destOrd="0"/>
+        <dgm:cxn modelId="9" srcId="0" destId="3" srcOrd="2" destOrd="0"/>
+        <dgm:cxn modelId="10" srcId="0" destId="4" srcOrd="3" destOrd="0"/>
+        <dgm:cxn modelId="11" srcId="0" destId="5" srcOrd="4" destOrd="0"/>
+        <dgm:cxn modelId="12" srcId="0" destId="6" srcOrd="5" destOrd="0"/>
+      </dgm:cxnLst>
+      <dgm:bg/>
+      <dgm:whole/>
+    </dgm:dataModel>
+  </dgm:clrData>
+  <dgm:layoutNode name="cycle">
+    <dgm:varLst>
+      <dgm:dir/>
+      <dgm:resizeHandles val="exact"/>
+    </dgm:varLst>
+    <dgm:choose name="Name0">
+      <dgm:if name="Name1" func="var" arg="dir" op="equ" val="norm">
+        <dgm:choose name="Name2">
+          <dgm:if name="Name3" axis="ch" ptType="node" func="cnt" op="gt" val="2">
+            <dgm:alg type="cycle">
+              <dgm:param type="stAng" val="0"/>
+              <dgm:param type="spanAng" val="360"/>
+            </dgm:alg>
+          </dgm:if>
+          <dgm:else name="Name4">
+            <dgm:alg type="cycle">
+              <dgm:param type="stAng" val="-90"/>
+              <dgm:param type="spanAng" val="360"/>
+            </dgm:alg>
+          </dgm:else>
+        </dgm:choose>
+      </dgm:if>
+      <dgm:else name="Name5">
+        <dgm:choose name="Name6">
+          <dgm:if name="Name7" axis="ch" ptType="node" func="cnt" op="gt" val="2">
+            <dgm:alg type="cycle">
+              <dgm:param type="stAng" val="0"/>
+              <dgm:param type="spanAng" val="-360"/>
+            </dgm:alg>
+          </dgm:if>
+          <dgm:else name="Name8">
+            <dgm:alg type="cycle">
+              <dgm:param type="stAng" val="90"/>
+              <dgm:param type="spanAng" val="-360"/>
+            </dgm:alg>
+          </dgm:else>
+        </dgm:choose>
+      </dgm:else>
+    </dgm:choose>
+    <dgm:shape xmlns:r="http://schemas.openxmlformats.org/officeDocument/2006/relationships" r:blip="">
+      <dgm:adjLst/>
+    </dgm:shape>
+    <dgm:presOf/>
+    <dgm:choose name="Name9">
+      <dgm:if name="Name10" func="var" arg="dir" op="equ" val="norm">
+        <dgm:constrLst>
+          <dgm:constr type="w" for="ch" forName="node" refType="w"/>
+          <dgm:constr type="w" for="ch" ptType="sibTrans" refType="w" refFor="ch" refForName="node" op="equ" fact="0.3"/>
+          <dgm:constr type="diam" for="ch" ptType="sibTrans" refType="diam" op="equ"/>
+          <dgm:constr type="sibSp" refType="w" refFor="ch" refForName="node" op="equ" fact="0.15"/>
+          <dgm:constr type="w" for="ch" forName="spNode" refType="sibSp" fact="1.6"/>
+          <dgm:constr type="primFontSz" for="ch" forName="node" op="equ" val="65"/>
+        </dgm:constrLst>
+      </dgm:if>
+      <dgm:else name="Name11">
+        <dgm:constrLst>
+          <dgm:constr type="w" for="ch" forName="node" refType="w"/>
+          <dgm:constr type="w" for="ch" ptType="sibTrans" refType="w" refFor="ch" refForName="node" op="equ" fact="0.3"/>
+          <dgm:constr type="diam" for="ch" ptType="sibTrans" refType="diam" fact="-1"/>
+          <dgm:constr type="diam" for="ch" refType="diam" op="equ" fact="-1"/>
+          <dgm:constr type="sibSp" refType="w" refFor="ch" refForName="node" op="equ" fact="0.15"/>
+          <dgm:constr type="w" for="ch" forName="spNode" refType="sibSp" fact="1.6"/>
+          <dgm:constr type="primFontSz" for="ch" forName="node" op="equ" val="65"/>
+        </dgm:constrLst>
+      </dgm:else>
+    </dgm:choose>
+    <dgm:ruleLst/>
+    <dgm:forEach name="Name12" axis="ch" ptType="node">
+      <dgm:layoutNode name="node">
+        <dgm:varLst>
+          <dgm:bulletEnabled val="1"/>
+        </dgm:varLst>
+        <dgm:alg type="tx"/>
+        <dgm:shape xmlns:r="http://schemas.openxmlformats.org/officeDocument/2006/relationships" type="roundRect" r:blip="">
+          <dgm:adjLst/>
+        </dgm:shape>
+        <dgm:presOf axis="desOrSelf" ptType="node"/>
+        <dgm:constrLst>
+          <dgm:constr type="h" refType="w" fact="0.65"/>
+          <dgm:constr type="tMarg" refType="primFontSz" fact="0.3"/>
+          <dgm:constr type="bMarg" refType="primFontSz" fact="0.3"/>
+          <dgm:constr type="lMarg" refType="primFontSz" fact="0.3"/>
+          <dgm:constr type="rMarg" refType="primFontSz" fact="0.3"/>
+        </dgm:constrLst>
+        <dgm:ruleLst>
+          <dgm:rule type="primFontSz" val="5" fact="NaN" max="NaN"/>
+        </dgm:ruleLst>
+      </dgm:layoutNode>
+      <dgm:choose name="Name13">
+        <dgm:if name="Name14" axis="par ch" ptType="doc node" func="cnt" op="gt" val="1">
+          <dgm:layoutNode name="spNode">
+            <dgm:alg type="sp"/>
+            <dgm:shape xmlns:r="http://schemas.openxmlformats.org/officeDocument/2006/relationships" r:blip="">
+              <dgm:adjLst/>
+            </dgm:shape>
+            <dgm:presOf/>
+            <dgm:constrLst>
+              <dgm:constr type="h" refType="w"/>
+            </dgm:constrLst>
+            <dgm:ruleLst/>
+          </dgm:layoutNode>
+          <dgm:forEach name="Name15" axis="followSib" ptType="sibTrans" hideLastTrans="0" cnt="1">
+            <dgm:layoutNode name="sibTrans">
+              <dgm:alg type="conn">
+                <dgm:param type="dim" val="1D"/>
+                <dgm:param type="connRout" val="curve"/>
+                <dgm:param type="begPts" val="radial"/>
+                <dgm:param type="endPts" val="radial"/>
+              </dgm:alg>
+              <dgm:shape xmlns:r="http://schemas.openxmlformats.org/officeDocument/2006/relationships" type="conn" r:blip="">
+                <dgm:adjLst/>
+              </dgm:shape>
+              <dgm:presOf axis="self"/>
+              <dgm:constrLst>
+                <dgm:constr type="h" refType="w" fact="0.65"/>
+                <dgm:constr type="connDist"/>
+                <dgm:constr type="begPad" refType="connDist" fact="0.2"/>
+                <dgm:constr type="endPad" refType="connDist" fact="0.2"/>
+              </dgm:constrLst>
+              <dgm:ruleLst/>
+            </dgm:layoutNode>
+          </dgm:forEach>
+        </dgm:if>
+        <dgm:else name="Name16"/>
+      </dgm:choose>
+    </dgm:forEach>
+  </dgm:layoutNode>
+</dgm:layoutDef>
+</file>
+
+<file path=ppt/diagrams/quickStyle1.xml><?xml version="1.0" encoding="utf-8"?>
+<dgm:styleDef xmlns:dgm="http://schemas.openxmlformats.org/drawingml/2006/diagram" xmlns:a="http://schemas.openxmlformats.org/drawingml/2006/main" uniqueId="urn:microsoft.com/office/officeart/2005/8/quickstyle/simple1">
+  <dgm:title val=""/>
+  <dgm:desc val=""/>
+  <dgm:catLst>
+    <dgm:cat type="simple" pri="10100"/>
+  </dgm:catLst>
+  <dgm:scene3d>
+    <a:camera prst="orthographicFront"/>
+    <a:lightRig rig="threePt" dir="t"/>
+  </dgm:scene3d>
+  <dgm:styleLbl name="node0">
+    <dgm:scene3d>
+      <a:camera prst="orthographicFront"/>
+      <a:lightRig rig="threePt" dir="t"/>
+    </dgm:scene3d>
+    <dgm:sp3d/>
+    <dgm:txPr/>
+    <dgm:style>
+      <a:lnRef idx="2">
+        <a:scrgbClr r="0" g="0" b="0"/>
+      </a:lnRef>
+      <a:fillRef idx="1">
+        <a:scrgbClr r="0" g="0" b="0"/>
+      </a:fillRef>
+      <a:effectRef idx="0">
+        <a:scrgbClr r="0" g="0" b="0"/>
+      </a:effectRef>
+      <a:fontRef idx="minor">
+        <a:schemeClr val="lt1"/>
+      </a:fontRef>
+    </dgm:style>
+  </dgm:styleLbl>
+  <dgm:styleLbl name="lnNode1">
+    <dgm:scene3d>
+      <a:camera prst="orthographicFront"/>
+      <a:lightRig rig="threePt" dir="t"/>
+    </dgm:scene3d>
+    <dgm:sp3d/>
+    <dgm:txPr/>
+    <dgm:style>
+      <a:lnRef idx="2">
+        <a:scrgbClr r="0" g="0" b="0"/>
+      </a:lnRef>
+      <a:fillRef idx="1">
+        <a:scrgbClr r="0" g="0" b="0"/>
+      </a:fillRef>
+      <a:effectRef idx="0">
+        <a:scrgbClr r="0" g="0" b="0"/>
+      </a:effectRef>
+      <a:fontRef idx="minor">
+        <a:schemeClr val="lt1"/>
+      </a:fontRef>
+    </dgm:style>
+  </dgm:styleLbl>
+  <dgm:styleLbl name="vennNode1">
+    <dgm:scene3d>
+      <a:camera prst="orthographicFront"/>
+      <a:lightRig rig="threePt" dir="t"/>
+    </dgm:scene3d>
+    <dgm:sp3d/>
+    <dgm:txPr/>
+    <dgm:style>
+      <a:lnRef idx="2">
+        <a:scrgbClr r="0" g="0" b="0"/>
+      </a:lnRef>
+      <a:fillRef idx="1">
+        <a:scrgbClr r="0" g="0" b="0"/>
+      </a:fillRef>
+      <a:effectRef idx="0">
+        <a:scrgbClr r="0" g="0" b="0"/>
+      </a:effectRef>
+      <a:fontRef idx="minor">
+        <a:schemeClr val="tx1"/>
+      </a:fontRef>
+    </dgm:style>
+  </dgm:styleLbl>
+  <dgm:styleLbl name="alignNode1">
+    <dgm:scene3d>
+      <a:camera prst="orthographicFront"/>
+      <a:lightRig rig="threePt" dir="t"/>
+    </dgm:scene3d>
+    <dgm:sp3d/>
+    <dgm:txPr/>
+    <dgm:style>
+      <a:lnRef idx="2">
+        <a:scrgbClr r="0" g="0" b="0"/>
+      </a:lnRef>
+      <a:fillRef idx="1">
+        <a:scrgbClr r="0" g="0" b="0"/>
+      </a:fillRef>
+      <a:effectRef idx="0">
+        <a:scrgbClr r="0" g="0" b="0"/>
+      </a:effectRef>
+      <a:fontRef idx="minor">
+        <a:schemeClr val="lt1"/>
+      </a:fontRef>
+    </dgm:style>
+  </dgm:styleLbl>
+  <dgm:styleLbl name="node1">
+    <dgm:scene3d>
+      <a:camera prst="orthographicFront"/>
+      <a:lightRig rig="threePt" dir="t"/>
+    </dgm:scene3d>
+    <dgm:sp3d/>
+    <dgm:txPr/>
+    <dgm:style>
+      <a:lnRef idx="2">
+        <a:scrgbClr r="0" g="0" b="0"/>
+      </a:lnRef>
+      <a:fillRef idx="1">
+        <a:scrgbClr r="0" g="0" b="0"/>
+      </a:fillRef>
+      <a:effectRef idx="0">
+        <a:scrgbClr r="0" g="0" b="0"/>
+      </a:effectRef>
+      <a:fontRef idx="minor">
+        <a:schemeClr val="lt1"/>
+      </a:fontRef>
+    </dgm:style>
+  </dgm:styleLbl>
+  <dgm:styleLbl name="node2">
+    <dgm:scene3d>
+      <a:camera prst="orthographicFront"/>
+      <a:lightRig rig="threePt" dir="t"/>
+    </dgm:scene3d>
+    <dgm:sp3d/>
+    <dgm:txPr/>
+    <dgm:style>
+      <a:lnRef idx="2">
+        <a:scrgbClr r="0" g="0" b="0"/>
+      </a:lnRef>
+      <a:fillRef idx="1">
+        <a:scrgbClr r="0" g="0" b="0"/>
+      </a:fillRef>
+      <a:effectRef idx="0">
+        <a:scrgbClr r="0" g="0" b="0"/>
+      </a:effectRef>
+      <a:fontRef idx="minor">
+        <a:schemeClr val="lt1"/>
+      </a:fontRef>
+    </dgm:style>
+  </dgm:styleLbl>
+  <dgm:styleLbl name="node3">
+    <dgm:scene3d>
+      <a:camera prst="orthographicFront"/>
+      <a:lightRig rig="threePt" dir="t"/>
+    </dgm:scene3d>
+    <dgm:sp3d/>
+    <dgm:txPr/>
+    <dgm:style>
+      <a:lnRef idx="2">
+        <a:scrgbClr r="0" g="0" b="0"/>
+      </a:lnRef>
+      <a:fillRef idx="1">
+        <a:scrgbClr r="0" g="0" b="0"/>
+      </a:fillRef>
+      <a:effectRef idx="0">
+        <a:scrgbClr r="0" g="0" b="0"/>
+      </a:effectRef>
+      <a:fontRef idx="minor">
+        <a:schemeClr val="lt1"/>
+      </a:fontRef>
+    </dgm:style>
+  </dgm:styleLbl>
+  <dgm:styleLbl name="node4">
+    <dgm:scene3d>
+      <a:camera prst="orthographicFront"/>
+      <a:lightRig rig="threePt" dir="t"/>
+    </dgm:scene3d>
+    <dgm:sp3d/>
+    <dgm:txPr/>
+    <dgm:style>
+      <a:lnRef idx="2">
+        <a:scrgbClr r="0" g="0" b="0"/>
+      </a:lnRef>
+      <a:fillRef idx="1">
+        <a:scrgbClr r="0" g="0" b="0"/>
+      </a:fillRef>
+      <a:effectRef idx="0">
+        <a:scrgbClr r="0" g="0" b="0"/>
+      </a:effectRef>
+      <a:fontRef idx="minor">
+        <a:schemeClr val="lt1"/>
+      </a:fontRef>
+    </dgm:style>
+  </dgm:styleLbl>
+  <dgm:styleLbl name="fgImgPlace1">
+    <dgm:scene3d>
+      <a:camera prst="orthographicFront"/>
+      <a:lightRig rig="threePt" dir="t"/>
+    </dgm:scene3d>
+    <dgm:sp3d/>
+    <dgm:txPr/>
+    <dgm:style>
+      <a:lnRef idx="2">
+        <a:scrgbClr r="0" g="0" b="0"/>
+      </a:lnRef>
+      <a:fillRef idx="1">
+        <a:scrgbClr r="0" g="0" b="0"/>
+      </a:fillRef>
+      <a:effectRef idx="0">
+        <a:scrgbClr r="0" g="0" b="0"/>
+      </a:effectRef>
+      <a:fontRef idx="minor"/>
+    </dgm:style>
+  </dgm:styleLbl>
+  <dgm:styleLbl name="alignImgPlace1">
+    <dgm:scene3d>
+      <a:camera prst="orthographicFront"/>
+      <a:lightRig rig="threePt" dir="t"/>
+    </dgm:scene3d>
+    <dgm:sp3d/>
+    <dgm:txPr/>
+    <dgm:style>
+      <a:lnRef idx="2">
+        <a:scrgbClr r="0" g="0" b="0"/>
+      </a:lnRef>
+      <a:fillRef idx="1">
+        <a:scrgbClr r="0" g="0" b="0"/>
+      </a:fillRef>
+      <a:effectRef idx="0">
+        <a:scrgbClr r="0" g="0" b="0"/>
+      </a:effectRef>
+      <a:fontRef idx="minor"/>
+    </dgm:style>
+  </dgm:styleLbl>
+  <dgm:styleLbl name="bgImgPlace1">
+    <dgm:scene3d>
+      <a:camera prst="orthographicFront"/>
+      <a:lightRig rig="threePt" dir="t"/>
+    </dgm:scene3d>
+    <dgm:sp3d/>
+    <dgm:txPr/>
+    <dgm:style>
+      <a:lnRef idx="2">
+        <a:scrgbClr r="0" g="0" b="0"/>
+      </a:lnRef>
+      <a:fillRef idx="1">
+        <a:scrgbClr r="0" g="0" b="0"/>
+      </a:fillRef>
+      <a:effectRef idx="0">
+        <a:scrgbClr r="0" g="0" b="0"/>
+      </a:effectRef>
+      <a:fontRef idx="minor"/>
+    </dgm:style>
+  </dgm:styleLbl>
+  <dgm:styleLbl name="sibTrans2D1">
+    <dgm:scene3d>
+      <a:camera prst="orthographicFront"/>
+      <a:lightRig rig="threePt" dir="t"/>
+    </dgm:scene3d>
+    <dgm:sp3d/>
+    <dgm:txPr/>
+    <dgm:style>
+      <a:lnRef idx="0">
+        <a:scrgbClr r="0" g="0" b="0"/>
+      </a:lnRef>
+      <a:fillRef idx="1">
+        <a:scrgbClr r="0" g="0" b="0"/>
+      </a:fillRef>
+      <a:effectRef idx="0">
+        <a:scrgbClr r="0" g="0" b="0"/>
+      </a:effectRef>
+      <a:fontRef idx="minor">
+        <a:schemeClr val="lt1"/>
+      </a:fontRef>
+    </dgm:style>
+  </dgm:styleLbl>
+  <dgm:styleLbl name="fgSibTrans2D1">
+    <dgm:scene3d>
+      <a:camera prst="orthographicFront"/>
+      <a:lightRig rig="threePt" dir="t"/>
+    </dgm:scene3d>
+    <dgm:sp3d/>
+    <dgm:txPr/>
+    <dgm:style>
+      <a:lnRef idx="0">
+        <a:scrgbClr r="0" g="0" b="0"/>
+      </a:lnRef>
+      <a:fillRef idx="1">
+        <a:scrgbClr r="0" g="0" b="0"/>
+      </a:fillRef>
+      <a:effectRef idx="0">
+        <a:scrgbClr r="0" g="0" b="0"/>
+      </a:effectRef>
+      <a:fontRef idx="minor">
+        <a:schemeClr val="lt1"/>
+      </a:fontRef>
+    </dgm:style>
+  </dgm:styleLbl>
+  <dgm:styleLbl name="bgSibTrans2D1">
+    <dgm:scene3d>
+      <a:camera prst="orthographicFront"/>
+      <a:lightRig rig="threePt" dir="t"/>
+    </dgm:scene3d>
+    <dgm:sp3d/>
+    <dgm:txPr/>
+    <dgm:style>
+      <a:lnRef idx="0">
+        <a:scrgbClr r="0" g="0" b="0"/>
+      </a:lnRef>
+      <a:fillRef idx="1">
+        <a:scrgbClr r="0" g="0" b="0"/>
+      </a:fillRef>
+      <a:effectRef idx="0">
+        <a:scrgbClr r="0" g="0" b="0"/>
+      </a:effectRef>
+      <a:fontRef idx="minor">
+        <a:schemeClr val="lt1"/>
+      </a:fontRef>
+    </dgm:style>
+  </dgm:styleLbl>
+  <dgm:styleLbl name="sibTrans1D1">
+    <dgm:scene3d>
+      <a:camera prst="orthographicFront"/>
+      <a:lightRig rig="threePt" dir="t"/>
+    </dgm:scene3d>
+    <dgm:sp3d/>
+    <dgm:txPr/>
+    <dgm:style>
+      <a:lnRef idx="1">
+        <a:scrgbClr r="0" g="0" b="0"/>
+      </a:lnRef>
+      <a:fillRef idx="0">
+        <a:scrgbClr r="0" g="0" b="0"/>
+      </a:fillRef>
+      <a:effectRef idx="0">
+        <a:scrgbClr r="0" g="0" b="0"/>
+      </a:effectRef>
+      <a:fontRef idx="minor"/>
+    </dgm:style>
+  </dgm:styleLbl>
+  <dgm:styleLbl name="callout">
+    <dgm:scene3d>
+      <a:camera prst="orthographicFront"/>
+      <a:lightRig rig="threePt" dir="t"/>
+    </dgm:scene3d>
+    <dgm:sp3d/>
+    <dgm:txPr/>
+    <dgm:style>
+      <a:lnRef idx="2">
+        <a:scrgbClr r="0" g="0" b="0"/>
+      </a:lnRef>
+      <a:fillRef idx="1">
+        <a:scrgbClr r="0" g="0" b="0"/>
+      </a:fillRef>
+      <a:effectRef idx="0">
+        <a:scrgbClr r="0" g="0" b="0"/>
+      </a:effectRef>
+      <a:fontRef idx="minor"/>
+    </dgm:style>
+  </dgm:styleLbl>
+  <dgm:styleLbl name="asst0">
+    <dgm:scene3d>
+      <a:camera prst="orthographicFront"/>
+      <a:lightRig rig="threePt" dir="t"/>
+    </dgm:scene3d>
+    <dgm:sp3d/>
+    <dgm:txPr/>
+    <dgm:style>
+      <a:lnRef idx="2">
+        <a:scrgbClr r="0" g="0" b="0"/>
+      </a:lnRef>
+      <a:fillRef idx="1">
+        <a:scrgbClr r="0" g="0" b="0"/>
+      </a:fillRef>
+      <a:effectRef idx="0">
+        <a:scrgbClr r="0" g="0" b="0"/>
+      </a:effectRef>
+      <a:fontRef idx="minor">
+        <a:schemeClr val="lt1"/>
+      </a:fontRef>
+    </dgm:style>
+  </dgm:styleLbl>
+  <dgm:styleLbl name="asst1">
+    <dgm:scene3d>
+      <a:camera prst="orthographicFront"/>
+      <a:lightRig rig="threePt" dir="t"/>
+    </dgm:scene3d>
+    <dgm:sp3d/>
+    <dgm:txPr/>
+    <dgm:style>
+      <a:lnRef idx="2">
+        <a:scrgbClr r="0" g="0" b="0"/>
+      </a:lnRef>
+      <a:fillRef idx="1">
+        <a:scrgbClr r="0" g="0" b="0"/>
+      </a:fillRef>
+      <a:effectRef idx="0">
+        <a:scrgbClr r="0" g="0" b="0"/>
+      </a:effectRef>
+      <a:fontRef idx="minor">
+        <a:schemeClr val="lt1"/>
+      </a:fontRef>
+    </dgm:style>
+  </dgm:styleLbl>
+  <dgm:styleLbl name="asst2">
+    <dgm:scene3d>
+      <a:camera prst="orthographicFront"/>
+      <a:lightRig rig="threePt" dir="t"/>
+    </dgm:scene3d>
+    <dgm:sp3d/>
+    <dgm:txPr/>
+    <dgm:style>
+      <a:lnRef idx="2">
+        <a:scrgbClr r="0" g="0" b="0"/>
+      </a:lnRef>
+      <a:fillRef idx="1">
+        <a:scrgbClr r="0" g="0" b="0"/>
+      </a:fillRef>
+      <a:effectRef idx="0">
+        <a:scrgbClr r="0" g="0" b="0"/>
+      </a:effectRef>
+      <a:fontRef idx="minor">
+        <a:schemeClr val="lt1"/>
+      </a:fontRef>
+    </dgm:style>
+  </dgm:styleLbl>
+  <dgm:styleLbl name="asst3">
+    <dgm:scene3d>
+      <a:camera prst="orthographicFront"/>
+      <a:lightRig rig="threePt" dir="t"/>
+    </dgm:scene3d>
+    <dgm:sp3d/>
+    <dgm:txPr/>
+    <dgm:style>
+      <a:lnRef idx="2">
+        <a:scrgbClr r="0" g="0" b="0"/>
+      </a:lnRef>
+      <a:fillRef idx="1">
+        <a:scrgbClr r="0" g="0" b="0"/>
+      </a:fillRef>
+      <a:effectRef idx="0">
+        <a:scrgbClr r="0" g="0" b="0"/>
+      </a:effectRef>
+      <a:fontRef idx="minor">
+        <a:schemeClr val="lt1"/>
+      </a:fontRef>
+    </dgm:style>
+  </dgm:styleLbl>
+  <dgm:styleLbl name="asst4">
+    <dgm:scene3d>
+      <a:camera prst="orthographicFront"/>
+      <a:lightRig rig="threePt" dir="t"/>
+    </dgm:scene3d>
+    <dgm:sp3d/>
+    <dgm:txPr/>
+    <dgm:style>
+      <a:lnRef idx="2">
+        <a:scrgbClr r="0" g="0" b="0"/>
+      </a:lnRef>
+      <a:fillRef idx="1">
+        <a:scrgbClr r="0" g="0" b="0"/>
+      </a:fillRef>
+      <a:effectRef idx="0">
+        <a:scrgbClr r="0" g="0" b="0"/>
+      </a:effectRef>
+      <a:fontRef idx="minor">
+        <a:schemeClr val="lt1"/>
+      </a:fontRef>
+    </dgm:style>
+  </dgm:styleLbl>
+  <dgm:styleLbl name="parChTrans2D1">
+    <dgm:scene3d>
+      <a:camera prst="orthographicFront"/>
+      <a:lightRig rig="threePt" dir="t"/>
+    </dgm:scene3d>
+    <dgm:sp3d/>
+    <dgm:txPr/>
+    <dgm:style>
+      <a:lnRef idx="2">
+        <a:scrgbClr r="0" g="0" b="0"/>
+      </a:lnRef>
+      <a:fillRef idx="1">
+        <a:scrgbClr r="0" g="0" b="0"/>
+      </a:fillRef>
+      <a:effectRef idx="0">
+        <a:scrgbClr r="0" g="0" b="0"/>
+      </a:effectRef>
+      <a:fontRef idx="minor">
+        <a:schemeClr val="lt1"/>
+      </a:fontRef>
+    </dgm:style>
+  </dgm:styleLbl>
+  <dgm:styleLbl name="parChTrans2D2">
+    <dgm:scene3d>
+      <a:camera prst="orthographicFront"/>
+      <a:lightRig rig="threePt" dir="t"/>
+    </dgm:scene3d>
+    <dgm:sp3d/>
+    <dgm:txPr/>
+    <dgm:style>
+      <a:lnRef idx="2">
+        <a:scrgbClr r="0" g="0" b="0"/>
+      </a:lnRef>
+      <a:fillRef idx="1">
+        <a:scrgbClr r="0" g="0" b="0"/>
+      </a:fillRef>
+      <a:effectRef idx="0">
+        <a:scrgbClr r="0" g="0" b="0"/>
+      </a:effectRef>
+      <a:fontRef idx="minor">
+        <a:schemeClr val="lt1"/>
+      </a:fontRef>
+    </dgm:style>
+  </dgm:styleLbl>
+  <dgm:styleLbl name="parChTrans2D3">
+    <dgm:scene3d>
+      <a:camera prst="orthographicFront"/>
+      <a:lightRig rig="threePt" dir="t"/>
+    </dgm:scene3d>
+    <dgm:sp3d/>
+    <dgm:txPr/>
+    <dgm:style>
+      <a:lnRef idx="2">
+        <a:scrgbClr r="0" g="0" b="0"/>
+      </a:lnRef>
+      <a:fillRef idx="1">
+        <a:scrgbClr r="0" g="0" b="0"/>
+      </a:fillRef>
+      <a:effectRef idx="0">
+        <a:scrgbClr r="0" g="0" b="0"/>
+      </a:effectRef>
+      <a:fontRef idx="minor">
+        <a:schemeClr val="lt1"/>
+      </a:fontRef>
+    </dgm:style>
+  </dgm:styleLbl>
+  <dgm:styleLbl name="parChTrans2D4">
+    <dgm:scene3d>
+      <a:camera prst="orthographicFront"/>
+      <a:lightRig rig="threePt" dir="t"/>
+    </dgm:scene3d>
+    <dgm:sp3d/>
+    <dgm:txPr/>
+    <dgm:style>
+      <a:lnRef idx="2">
+        <a:scrgbClr r="0" g="0" b="0"/>
+      </a:lnRef>
+      <a:fillRef idx="1">
+        <a:scrgbClr r="0" g="0" b="0"/>
+      </a:fillRef>
+      <a:effectRef idx="0">
+        <a:scrgbClr r="0" g="0" b="0"/>
+      </a:effectRef>
+      <a:fontRef idx="minor">
+        <a:schemeClr val="lt1"/>
+      </a:fontRef>
+    </dgm:style>
+  </dgm:styleLbl>
+  <dgm:styleLbl name="parChTrans1D1">
+    <dgm:scene3d>
+      <a:camera prst="orthographicFront"/>
+      <a:lightRig rig="threePt" dir="t"/>
+    </dgm:scene3d>
+    <dgm:sp3d/>
+    <dgm:txPr/>
+    <dgm:style>
+      <a:lnRef idx="2">
+        <a:scrgbClr r="0" g="0" b="0"/>
+      </a:lnRef>
+      <a:fillRef idx="0">
+        <a:scrgbClr r="0" g="0" b="0"/>
+      </a:fillRef>
+      <a:effectRef idx="0">
+        <a:scrgbClr r="0" g="0" b="0"/>
+      </a:effectRef>
+      <a:fontRef idx="minor"/>
+    </dgm:style>
+  </dgm:styleLbl>
+  <dgm:styleLbl name="parChTrans1D2">
+    <dgm:scene3d>
+      <a:camera prst="orthographicFront"/>
+      <a:lightRig rig="threePt" dir="t"/>
+    </dgm:scene3d>
+    <dgm:sp3d/>
+    <dgm:txPr/>
+    <dgm:style>
+      <a:lnRef idx="2">
+        <a:scrgbClr r="0" g="0" b="0"/>
+      </a:lnRef>
+      <a:fillRef idx="0">
+        <a:scrgbClr r="0" g="0" b="0"/>
+      </a:fillRef>
+      <a:effectRef idx="0">
+        <a:scrgbClr r="0" g="0" b="0"/>
+      </a:effectRef>
+      <a:fontRef idx="minor"/>
+    </dgm:style>
+  </dgm:styleLbl>
+  <dgm:styleLbl name="parChTrans1D3">
+    <dgm:scene3d>
+      <a:camera prst="orthographicFront"/>
+      <a:lightRig rig="threePt" dir="t"/>
+    </dgm:scene3d>
+    <dgm:sp3d/>
+    <dgm:txPr/>
+    <dgm:style>
+      <a:lnRef idx="2">
+        <a:scrgbClr r="0" g="0" b="0"/>
+      </a:lnRef>
+      <a:fillRef idx="0">
+        <a:scrgbClr r="0" g="0" b="0"/>
+      </a:fillRef>
+      <a:effectRef idx="0">
+        <a:scrgbClr r="0" g="0" b="0"/>
+      </a:effectRef>
+      <a:fontRef idx="minor"/>
+    </dgm:style>
+  </dgm:styleLbl>
+  <dgm:styleLbl name="parChTrans1D4">
+    <dgm:scene3d>
+      <a:camera prst="orthographicFront"/>
+      <a:lightRig rig="threePt" dir="t"/>
+    </dgm:scene3d>
+    <dgm:sp3d/>
+    <dgm:txPr/>
+    <dgm:style>
+      <a:lnRef idx="2">
+        <a:scrgbClr r="0" g="0" b="0"/>
+      </a:lnRef>
+      <a:fillRef idx="0">
+        <a:scrgbClr r="0" g="0" b="0"/>
+      </a:fillRef>
+      <a:effectRef idx="0">
+        <a:scrgbClr r="0" g="0" b="0"/>
+      </a:effectRef>
+      <a:fontRef idx="minor"/>
+    </dgm:style>
+  </dgm:styleLbl>
+  <dgm:styleLbl name="fgAcc1">
+    <dgm:scene3d>
+      <a:camera prst="orthographicFront"/>
+      <a:lightRig rig="threePt" dir="t"/>
+    </dgm:scene3d>
+    <dgm:sp3d/>
+    <dgm:txPr/>
+    <dgm:style>
+      <a:lnRef idx="2">
+        <a:scrgbClr r="0" g="0" b="0"/>
+      </a:lnRef>
+      <a:fillRef idx="1">
+        <a:scrgbClr r="0" g="0" b="0"/>
+      </a:fillRef>
+      <a:effectRef idx="0">
+        <a:scrgbClr r="0" g="0" b="0"/>
+      </a:effectRef>
+      <a:fontRef idx="minor"/>
+    </dgm:style>
+  </dgm:styleLbl>
+  <dgm:styleLbl name="conFgAcc1">
+    <dgm:scene3d>
+      <a:camera prst="orthographicFront"/>
+      <a:lightRig rig="threePt" dir="t"/>
+    </dgm:scene3d>
+    <dgm:sp3d/>
+    <dgm:txPr/>
+    <dgm:style>
+      <a:lnRef idx="2">
+        <a:scrgbClr r="0" g="0" b="0"/>
+      </a:lnRef>
+      <a:fillRef idx="1">
+        <a:scrgbClr r="0" g="0" b="0"/>
+      </a:fillRef>
+      <a:effectRef idx="0">
+        <a:scrgbClr r="0" g="0" b="0"/>
+      </a:effectRef>
+      <a:fontRef idx="minor"/>
+    </dgm:style>
+  </dgm:styleLbl>
+  <dgm:styleLbl name="alignAcc1">
+    <dgm:scene3d>
+      <a:camera prst="orthographicFront"/>
+      <a:lightRig rig="threePt" dir="t"/>
+    </dgm:scene3d>
+    <dgm:sp3d/>
+    <dgm:txPr/>
+    <dgm:style>
+      <a:lnRef idx="2">
+        <a:scrgbClr r="0" g="0" b="0"/>
+      </a:lnRef>
+      <a:fillRef idx="1">
+        <a:scrgbClr r="0" g="0" b="0"/>
+      </a:fillRef>
+      <a:effectRef idx="0">
+        <a:scrgbClr r="0" g="0" b="0"/>
+      </a:effectRef>
+      <a:fontRef idx="minor"/>
+    </dgm:style>
+  </dgm:styleLbl>
+  <dgm:styleLbl name="trAlignAcc1">
+    <dgm:scene3d>
+      <a:camera prst="orthographicFront"/>
+      <a:lightRig rig="threePt" dir="t"/>
+    </dgm:scene3d>
+    <dgm:sp3d/>
+    <dgm:txPr/>
+    <dgm:style>
+      <a:lnRef idx="1">
+        <a:scrgbClr r="0" g="0" b="0"/>
+      </a:lnRef>
+      <a:fillRef idx="1">
+        <a:scrgbClr r="0" g="0" b="0"/>
+      </a:fillRef>
+      <a:effectRef idx="0">
+        <a:scrgbClr r="0" g="0" b="0"/>
+      </a:effectRef>
+      <a:fontRef idx="minor"/>
+    </dgm:style>
+  </dgm:styleLbl>
+  <dgm:styleLbl name="bgAcc1">
+    <dgm:scene3d>
+      <a:camera prst="orthographicFront"/>
+      <a:lightRig rig="threePt" dir="t"/>
+    </dgm:scene3d>
+    <dgm:sp3d/>
+    <dgm:txPr/>
+    <dgm:style>
+      <a:lnRef idx="2">
+        <a:scrgbClr r="0" g="0" b="0"/>
+      </a:lnRef>
+      <a:fillRef idx="1">
+        <a:scrgbClr r="0" g="0" b="0"/>
+      </a:fillRef>
+      <a:effectRef idx="0">
+        <a:scrgbClr r="0" g="0" b="0"/>
+      </a:effectRef>
+      <a:fontRef idx="minor"/>
+    </dgm:style>
+  </dgm:styleLbl>
+  <dgm:styleLbl name="solidFgAcc1">
+    <dgm:scene3d>
+      <a:camera prst="orthographicFront"/>
+      <a:lightRig rig="threePt" dir="t"/>
+    </dgm:scene3d>
+    <dgm:sp3d/>
+    <dgm:txPr/>
+    <dgm:style>
+      <a:lnRef idx="2">
+        <a:scrgbClr r="0" g="0" b="0"/>
+      </a:lnRef>
+      <a:fillRef idx="1">
+        <a:scrgbClr r="0" g="0" b="0"/>
+      </a:fillRef>
+      <a:effectRef idx="0">
+        <a:scrgbClr r="0" g="0" b="0"/>
+      </a:effectRef>
+      <a:fontRef idx="minor"/>
+    </dgm:style>
+  </dgm:styleLbl>
+  <dgm:styleLbl name="solidAlignAcc1">
+    <dgm:scene3d>
+      <a:camera prst="orthographicFront"/>
+      <a:lightRig rig="threePt" dir="t"/>
+    </dgm:scene3d>
+    <dgm:sp3d/>
+    <dgm:txPr/>
+    <dgm:style>
+      <a:lnRef idx="2">
+        <a:scrgbClr r="0" g="0" b="0"/>
+      </a:lnRef>
+      <a:fillRef idx="1">
+        <a:scrgbClr r="0" g="0" b="0"/>
+      </a:fillRef>
+      <a:effectRef idx="0">
+        <a:scrgbClr r="0" g="0" b="0"/>
+      </a:effectRef>
+      <a:fontRef idx="minor"/>
+    </dgm:style>
+  </dgm:styleLbl>
+  <dgm:styleLbl name="solidBgAcc1">
+    <dgm:scene3d>
+      <a:camera prst="orthographicFront"/>
+      <a:lightRig rig="threePt" dir="t"/>
+    </dgm:scene3d>
+    <dgm:sp3d/>
+    <dgm:txPr/>
+    <dgm:style>
+      <a:lnRef idx="2">
+        <a:scrgbClr r="0" g="0" b="0"/>
+      </a:lnRef>
+      <a:fillRef idx="1">
+        <a:scrgbClr r="0" g="0" b="0"/>
+      </a:fillRef>
+      <a:effectRef idx="0">
+        <a:scrgbClr r="0" g="0" b="0"/>
+      </a:effectRef>
+      <a:fontRef idx="minor"/>
+    </dgm:style>
+  </dgm:styleLbl>
+  <dgm:styleLbl name="fgAccFollowNode1">
+    <dgm:scene3d>
+      <a:camera prst="orthographicFront"/>
+      <a:lightRig rig="threePt" dir="t"/>
+    </dgm:scene3d>
+    <dgm:sp3d/>
+    <dgm:txPr/>
+    <dgm:style>
+      <a:lnRef idx="2">
+        <a:scrgbClr r="0" g="0" b="0"/>
+      </a:lnRef>
+      <a:fillRef idx="1">
+        <a:scrgbClr r="0" g="0" b="0"/>
+      </a:fillRef>
+      <a:effectRef idx="0">
+        <a:scrgbClr r="0" g="0" b="0"/>
+      </a:effectRef>
+      <a:fontRef idx="minor"/>
+    </dgm:style>
+  </dgm:styleLbl>
+  <dgm:styleLbl name="alignAccFollowNode1">
+    <dgm:scene3d>
+      <a:camera prst="orthographicFront"/>
+      <a:lightRig rig="threePt" dir="t"/>
+    </dgm:scene3d>
+    <dgm:sp3d/>
+    <dgm:txPr/>
+    <dgm:style>
+      <a:lnRef idx="2">
+        <a:scrgbClr r="0" g="0" b="0"/>
+      </a:lnRef>
+      <a:fillRef idx="1">
+        <a:scrgbClr r="0" g="0" b="0"/>
+      </a:fillRef>
+      <a:effectRef idx="0">
+        <a:scrgbClr r="0" g="0" b="0"/>
+      </a:effectRef>
+      <a:fontRef idx="minor"/>
+    </dgm:style>
+  </dgm:styleLbl>
+  <dgm:styleLbl name="bgAccFollowNode1">
+    <dgm:scene3d>
+      <a:camera prst="orthographicFront"/>
+      <a:lightRig rig="threePt" dir="t"/>
+    </dgm:scene3d>
+    <dgm:sp3d/>
+    <dgm:txPr/>
+    <dgm:style>
+      <a:lnRef idx="2">
+        <a:scrgbClr r="0" g="0" b="0"/>
+      </a:lnRef>
+      <a:fillRef idx="1">
+        <a:scrgbClr r="0" g="0" b="0"/>
+      </a:fillRef>
+      <a:effectRef idx="0">
+        <a:scrgbClr r="0" g="0" b="0"/>
+      </a:effectRef>
+      <a:fontRef idx="minor"/>
+    </dgm:style>
+  </dgm:styleLbl>
+  <dgm:styleLbl name="fgAcc0">
+    <dgm:scene3d>
+      <a:camera prst="orthographicFront"/>
+      <a:lightRig rig="threePt" dir="t"/>
+    </dgm:scene3d>
+    <dgm:sp3d/>
+    <dgm:txPr/>
+    <dgm:style>
+      <a:lnRef idx="2">
+        <a:scrgbClr r="0" g="0" b="0"/>
+      </a:lnRef>
+      <a:fillRef idx="1">
+        <a:scrgbClr r="0" g="0" b="0"/>
+      </a:fillRef>
+      <a:effectRef idx="0">
+        <a:scrgbClr r="0" g="0" b="0"/>
+      </a:effectRef>
+      <a:fontRef idx="minor"/>
+    </dgm:style>
+  </dgm:styleLbl>
+  <dgm:styleLbl name="fgAcc2">
+    <dgm:scene3d>
+      <a:camera prst="orthographicFront"/>
+      <a:lightRig rig="threePt" dir="t"/>
+    </dgm:scene3d>
+    <dgm:sp3d/>
+    <dgm:txPr/>
+    <dgm:style>
+      <a:lnRef idx="2">
+        <a:scrgbClr r="0" g="0" b="0"/>
+      </a:lnRef>
+      <a:fillRef idx="1">
+        <a:scrgbClr r="0" g="0" b="0"/>
+      </a:fillRef>
+      <a:effectRef idx="0">
+        <a:scrgbClr r="0" g="0" b="0"/>
+      </a:effectRef>
+      <a:fontRef idx="minor"/>
+    </dgm:style>
+  </dgm:styleLbl>
+  <dgm:styleLbl name="fgAcc3">
+    <dgm:scene3d>
+      <a:camera prst="orthographicFront"/>
+      <a:lightRig rig="threePt" dir="t"/>
+    </dgm:scene3d>
+    <dgm:sp3d/>
+    <dgm:txPr/>
+    <dgm:style>
+      <a:lnRef idx="2">
+        <a:scrgbClr r="0" g="0" b="0"/>
+      </a:lnRef>
+      <a:fillRef idx="1">
+        <a:scrgbClr r="0" g="0" b="0"/>
+      </a:fillRef>
+      <a:effectRef idx="0">
+        <a:scrgbClr r="0" g="0" b="0"/>
+      </a:effectRef>
+      <a:fontRef idx="minor"/>
+    </dgm:style>
+  </dgm:styleLbl>
+  <dgm:styleLbl name="fgAcc4">
+    <dgm:scene3d>
+      <a:camera prst="orthographicFront"/>
+      <a:lightRig rig="threePt" dir="t"/>
+    </dgm:scene3d>
+    <dgm:sp3d/>
+    <dgm:txPr/>
+    <dgm:style>
+      <a:lnRef idx="2">
+        <a:scrgbClr r="0" g="0" b="0"/>
+      </a:lnRef>
+      <a:fillRef idx="1">
+        <a:scrgbClr r="0" g="0" b="0"/>
+      </a:fillRef>
+      <a:effectRef idx="0">
+        <a:scrgbClr r="0" g="0" b="0"/>
+      </a:effectRef>
+      <a:fontRef idx="minor"/>
+    </dgm:style>
+  </dgm:styleLbl>
+  <dgm:styleLbl name="bgShp">
+    <dgm:scene3d>
+      <a:camera prst="orthographicFront"/>
+      <a:lightRig rig="threePt" dir="t"/>
+    </dgm:scene3d>
+    <dgm:sp3d/>
+    <dgm:txPr/>
+    <dgm:style>
+      <a:lnRef idx="0">
+        <a:scrgbClr r="0" g="0" b="0"/>
+      </a:lnRef>
+      <a:fillRef idx="1">
+        <a:scrgbClr r="0" g="0" b="0"/>
+      </a:fillRef>
+      <a:effectRef idx="0">
+        <a:scrgbClr r="0" g="0" b="0"/>
+      </a:effectRef>
+      <a:fontRef idx="minor"/>
+    </dgm:style>
+  </dgm:styleLbl>
+  <dgm:styleLbl name="dkBgShp">
+    <dgm:scene3d>
+      <a:camera prst="orthographicFront"/>
+      <a:lightRig rig="threePt" dir="t"/>
+    </dgm:scene3d>
+    <dgm:sp3d/>
+    <dgm:txPr/>
+    <dgm:style>
+      <a:lnRef idx="0">
+        <a:scrgbClr r="0" g="0" b="0"/>
+      </a:lnRef>
+      <a:fillRef idx="1">
+        <a:scrgbClr r="0" g="0" b="0"/>
+      </a:fillRef>
+      <a:effectRef idx="0">
+        <a:scrgbClr r="0" g="0" b="0"/>
+      </a:effectRef>
+      <a:fontRef idx="minor"/>
+    </dgm:style>
+  </dgm:styleLbl>
+  <dgm:styleLbl name="trBgShp">
+    <dgm:scene3d>
+      <a:camera prst="orthographicFront"/>
+      <a:lightRig rig="threePt" dir="t"/>
+    </dgm:scene3d>
+    <dgm:sp3d/>
+    <dgm:txPr/>
+    <dgm:style>
+      <a:lnRef idx="0">
+        <a:scrgbClr r="0" g="0" b="0"/>
+      </a:lnRef>
+      <a:fillRef idx="1">
+        <a:scrgbClr r="0" g="0" b="0"/>
+      </a:fillRef>
+      <a:effectRef idx="0">
+        <a:scrgbClr r="0" g="0" b="0"/>
+      </a:effectRef>
+      <a:fontRef idx="minor"/>
+    </dgm:style>
+  </dgm:styleLbl>
+  <dgm:styleLbl name="fgShp">
+    <dgm:scene3d>
+      <a:camera prst="orthographicFront"/>
+      <a:lightRig rig="threePt" dir="t"/>
+    </dgm:scene3d>
+    <dgm:sp3d/>
+    <dgm:txPr/>
+    <dgm:style>
+      <a:lnRef idx="2">
+        <a:scrgbClr r="0" g="0" b="0"/>
+      </a:lnRef>
+      <a:fillRef idx="1">
+        <a:scrgbClr r="0" g="0" b="0"/>
+      </a:fillRef>
+      <a:effectRef idx="0">
+        <a:scrgbClr r="0" g="0" b="0"/>
+      </a:effectRef>
+      <a:fontRef idx="minor"/>
+    </dgm:style>
+  </dgm:styleLbl>
+  <dgm:styleLbl name="revTx">
+    <dgm:scene3d>
+      <a:camera prst="orthographicFront"/>
+      <a:lightRig rig="threePt" dir="t"/>
+    </dgm:scene3d>
+    <dgm:sp3d/>
+    <dgm:txPr/>
+    <dgm:style>
+      <a:lnRef idx="0">
+        <a:scrgbClr r="0" g="0" b="0"/>
+      </a:lnRef>
+      <a:fillRef idx="0">
+        <a:scrgbClr r="0" g="0" b="0"/>
+      </a:fillRef>
+      <a:effectRef idx="0">
+        <a:scrgbClr r="0" g="0" b="0"/>
+      </a:effectRef>
+      <a:fontRef idx="minor"/>
+    </dgm:style>
+  </dgm:styleLbl>
+</dgm:styleDef>
+</file>
+
+<file path=ppt/diagrams/quickStyle2.xml><?xml version="1.0" encoding="utf-8"?>
+<dgm:styleDef xmlns:dgm="http://schemas.openxmlformats.org/drawingml/2006/diagram" xmlns:a="http://schemas.openxmlformats.org/drawingml/2006/main" uniqueId="urn:microsoft.com/office/officeart/2005/8/quickstyle/simple1">
+  <dgm:title val=""/>
+  <dgm:desc val=""/>
+  <dgm:catLst>
+    <dgm:cat type="simple" pri="10100"/>
+  </dgm:catLst>
+  <dgm:scene3d>
+    <a:camera prst="orthographicFront"/>
+    <a:lightRig rig="threePt" dir="t"/>
+  </dgm:scene3d>
+  <dgm:styleLbl name="node0">
+    <dgm:scene3d>
+      <a:camera prst="orthographicFront"/>
+      <a:lightRig rig="threePt" dir="t"/>
+    </dgm:scene3d>
+    <dgm:sp3d/>
+    <dgm:txPr/>
+    <dgm:style>
+      <a:lnRef idx="2">
+        <a:scrgbClr r="0" g="0" b="0"/>
+      </a:lnRef>
+      <a:fillRef idx="1">
+        <a:scrgbClr r="0" g="0" b="0"/>
+      </a:fillRef>
+      <a:effectRef idx="0">
+        <a:scrgbClr r="0" g="0" b="0"/>
+      </a:effectRef>
+      <a:fontRef idx="minor">
+        <a:schemeClr val="lt1"/>
+      </a:fontRef>
+    </dgm:style>
+  </dgm:styleLbl>
+  <dgm:styleLbl name="lnNode1">
+    <dgm:scene3d>
+      <a:camera prst="orthographicFront"/>
+      <a:lightRig rig="threePt" dir="t"/>
+    </dgm:scene3d>
+    <dgm:sp3d/>
+    <dgm:txPr/>
+    <dgm:style>
+      <a:lnRef idx="2">
+        <a:scrgbClr r="0" g="0" b="0"/>
+      </a:lnRef>
+      <a:fillRef idx="1">
+        <a:scrgbClr r="0" g="0" b="0"/>
+      </a:fillRef>
+      <a:effectRef idx="0">
+        <a:scrgbClr r="0" g="0" b="0"/>
+      </a:effectRef>
+      <a:fontRef idx="minor">
+        <a:schemeClr val="lt1"/>
+      </a:fontRef>
+    </dgm:style>
+  </dgm:styleLbl>
+  <dgm:styleLbl name="vennNode1">
+    <dgm:scene3d>
+      <a:camera prst="orthographicFront"/>
+      <a:lightRig rig="threePt" dir="t"/>
+    </dgm:scene3d>
+    <dgm:sp3d/>
+    <dgm:txPr/>
+    <dgm:style>
+      <a:lnRef idx="2">
+        <a:scrgbClr r="0" g="0" b="0"/>
+      </a:lnRef>
+      <a:fillRef idx="1">
+        <a:scrgbClr r="0" g="0" b="0"/>
+      </a:fillRef>
+      <a:effectRef idx="0">
+        <a:scrgbClr r="0" g="0" b="0"/>
+      </a:effectRef>
+      <a:fontRef idx="minor">
+        <a:schemeClr val="tx1"/>
+      </a:fontRef>
+    </dgm:style>
+  </dgm:styleLbl>
+  <dgm:styleLbl name="alignNode1">
+    <dgm:scene3d>
+      <a:camera prst="orthographicFront"/>
+      <a:lightRig rig="threePt" dir="t"/>
+    </dgm:scene3d>
+    <dgm:sp3d/>
+    <dgm:txPr/>
+    <dgm:style>
+      <a:lnRef idx="2">
+        <a:scrgbClr r="0" g="0" b="0"/>
+      </a:lnRef>
+      <a:fillRef idx="1">
+        <a:scrgbClr r="0" g="0" b="0"/>
+      </a:fillRef>
+      <a:effectRef idx="0">
+        <a:scrgbClr r="0" g="0" b="0"/>
+      </a:effectRef>
+      <a:fontRef idx="minor">
+        <a:schemeClr val="lt1"/>
+      </a:fontRef>
+    </dgm:style>
+  </dgm:styleLbl>
+  <dgm:styleLbl name="node1">
+    <dgm:scene3d>
+      <a:camera prst="orthographicFront"/>
+      <a:lightRig rig="threePt" dir="t"/>
+    </dgm:scene3d>
+    <dgm:sp3d/>
+    <dgm:txPr/>
+    <dgm:style>
+      <a:lnRef idx="2">
+        <a:scrgbClr r="0" g="0" b="0"/>
+      </a:lnRef>
+      <a:fillRef idx="1">
+        <a:scrgbClr r="0" g="0" b="0"/>
+      </a:fillRef>
+      <a:effectRef idx="0">
+        <a:scrgbClr r="0" g="0" b="0"/>
+      </a:effectRef>
+      <a:fontRef idx="minor">
+        <a:schemeClr val="lt1"/>
+      </a:fontRef>
+    </dgm:style>
+  </dgm:styleLbl>
+  <dgm:styleLbl name="node2">
+    <dgm:scene3d>
+      <a:camera prst="orthographicFront"/>
+      <a:lightRig rig="threePt" dir="t"/>
+    </dgm:scene3d>
+    <dgm:sp3d/>
+    <dgm:txPr/>
+    <dgm:style>
+      <a:lnRef idx="2">
+        <a:scrgbClr r="0" g="0" b="0"/>
+      </a:lnRef>
+      <a:fillRef idx="1">
+        <a:scrgbClr r="0" g="0" b="0"/>
+      </a:fillRef>
+      <a:effectRef idx="0">
+        <a:scrgbClr r="0" g="0" b="0"/>
+      </a:effectRef>
+      <a:fontRef idx="minor">
+        <a:schemeClr val="lt1"/>
+      </a:fontRef>
+    </dgm:style>
+  </dgm:styleLbl>
+  <dgm:styleLbl name="node3">
+    <dgm:scene3d>
+      <a:camera prst="orthographicFront"/>
+      <a:lightRig rig="threePt" dir="t"/>
+    </dgm:scene3d>
+    <dgm:sp3d/>
+    <dgm:txPr/>
+    <dgm:style>
+      <a:lnRef idx="2">
+        <a:scrgbClr r="0" g="0" b="0"/>
+      </a:lnRef>
+      <a:fillRef idx="1">
+        <a:scrgbClr r="0" g="0" b="0"/>
+      </a:fillRef>
+      <a:effectRef idx="0">
+        <a:scrgbClr r="0" g="0" b="0"/>
+      </a:effectRef>
+      <a:fontRef idx="minor">
+        <a:schemeClr val="lt1"/>
+      </a:fontRef>
+    </dgm:style>
+  </dgm:styleLbl>
+  <dgm:styleLbl name="node4">
+    <dgm:scene3d>
+      <a:camera prst="orthographicFront"/>
+      <a:lightRig rig="threePt" dir="t"/>
+    </dgm:scene3d>
+    <dgm:sp3d/>
+    <dgm:txPr/>
+    <dgm:style>
+      <a:lnRef idx="2">
+        <a:scrgbClr r="0" g="0" b="0"/>
+      </a:lnRef>
+      <a:fillRef idx="1">
+        <a:scrgbClr r="0" g="0" b="0"/>
+      </a:fillRef>
+      <a:effectRef idx="0">
+        <a:scrgbClr r="0" g="0" b="0"/>
+      </a:effectRef>
+      <a:fontRef idx="minor">
+        <a:schemeClr val="lt1"/>
+      </a:fontRef>
+    </dgm:style>
+  </dgm:styleLbl>
+  <dgm:styleLbl name="fgImgPlace1">
+    <dgm:scene3d>
+      <a:camera prst="orthographicFront"/>
+      <a:lightRig rig="threePt" dir="t"/>
+    </dgm:scene3d>
+    <dgm:sp3d/>
+    <dgm:txPr/>
+    <dgm:style>
+      <a:lnRef idx="2">
+        <a:scrgbClr r="0" g="0" b="0"/>
+      </a:lnRef>
+      <a:fillRef idx="1">
+        <a:scrgbClr r="0" g="0" b="0"/>
+      </a:fillRef>
+      <a:effectRef idx="0">
+        <a:scrgbClr r="0" g="0" b="0"/>
+      </a:effectRef>
+      <a:fontRef idx="minor"/>
+    </dgm:style>
+  </dgm:styleLbl>
+  <dgm:styleLbl name="alignImgPlace1">
+    <dgm:scene3d>
+      <a:camera prst="orthographicFront"/>
+      <a:lightRig rig="threePt" dir="t"/>
+    </dgm:scene3d>
+    <dgm:sp3d/>
+    <dgm:txPr/>
+    <dgm:style>
+      <a:lnRef idx="2">
+        <a:scrgbClr r="0" g="0" b="0"/>
+      </a:lnRef>
+      <a:fillRef idx="1">
+        <a:scrgbClr r="0" g="0" b="0"/>
+      </a:fillRef>
+      <a:effectRef idx="0">
+        <a:scrgbClr r="0" g="0" b="0"/>
+      </a:effectRef>
+      <a:fontRef idx="minor"/>
+    </dgm:style>
+  </dgm:styleLbl>
+  <dgm:styleLbl name="bgImgPlace1">
+    <dgm:scene3d>
+      <a:camera prst="orthographicFront"/>
+      <a:lightRig rig="threePt" dir="t"/>
+    </dgm:scene3d>
+    <dgm:sp3d/>
+    <dgm:txPr/>
+    <dgm:style>
+      <a:lnRef idx="2">
+        <a:scrgbClr r="0" g="0" b="0"/>
+      </a:lnRef>
+      <a:fillRef idx="1">
+        <a:scrgbClr r="0" g="0" b="0"/>
+      </a:fillRef>
+      <a:effectRef idx="0">
+        <a:scrgbClr r="0" g="0" b="0"/>
+      </a:effectRef>
+      <a:fontRef idx="minor"/>
+    </dgm:style>
+  </dgm:styleLbl>
+  <dgm:styleLbl name="sibTrans2D1">
+    <dgm:scene3d>
+      <a:camera prst="orthographicFront"/>
+      <a:lightRig rig="threePt" dir="t"/>
+    </dgm:scene3d>
+    <dgm:sp3d/>
+    <dgm:txPr/>
+    <dgm:style>
+      <a:lnRef idx="0">
+        <a:scrgbClr r="0" g="0" b="0"/>
+      </a:lnRef>
+      <a:fillRef idx="1">
+        <a:scrgbClr r="0" g="0" b="0"/>
+      </a:fillRef>
+      <a:effectRef idx="0">
+        <a:scrgbClr r="0" g="0" b="0"/>
+      </a:effectRef>
+      <a:fontRef idx="minor">
+        <a:schemeClr val="lt1"/>
+      </a:fontRef>
+    </dgm:style>
+  </dgm:styleLbl>
+  <dgm:styleLbl name="fgSibTrans2D1">
+    <dgm:scene3d>
+      <a:camera prst="orthographicFront"/>
+      <a:lightRig rig="threePt" dir="t"/>
+    </dgm:scene3d>
+    <dgm:sp3d/>
+    <dgm:txPr/>
+    <dgm:style>
+      <a:lnRef idx="0">
+        <a:scrgbClr r="0" g="0" b="0"/>
+      </a:lnRef>
+      <a:fillRef idx="1">
+        <a:scrgbClr r="0" g="0" b="0"/>
+      </a:fillRef>
+      <a:effectRef idx="0">
+        <a:scrgbClr r="0" g="0" b="0"/>
+      </a:effectRef>
+      <a:fontRef idx="minor">
+        <a:schemeClr val="lt1"/>
+      </a:fontRef>
+    </dgm:style>
+  </dgm:styleLbl>
+  <dgm:styleLbl name="bgSibTrans2D1">
+    <dgm:scene3d>
+      <a:camera prst="orthographicFront"/>
+      <a:lightRig rig="threePt" dir="t"/>
+    </dgm:scene3d>
+    <dgm:sp3d/>
+    <dgm:txPr/>
+    <dgm:style>
+      <a:lnRef idx="0">
+        <a:scrgbClr r="0" g="0" b="0"/>
+      </a:lnRef>
+      <a:fillRef idx="1">
+        <a:scrgbClr r="0" g="0" b="0"/>
+      </a:fillRef>
+      <a:effectRef idx="0">
+        <a:scrgbClr r="0" g="0" b="0"/>
+      </a:effectRef>
+      <a:fontRef idx="minor">
+        <a:schemeClr val="lt1"/>
+      </a:fontRef>
+    </dgm:style>
+  </dgm:styleLbl>
+  <dgm:styleLbl name="sibTrans1D1">
+    <dgm:scene3d>
+      <a:camera prst="orthographicFront"/>
+      <a:lightRig rig="threePt" dir="t"/>
+    </dgm:scene3d>
+    <dgm:sp3d/>
+    <dgm:txPr/>
+    <dgm:style>
+      <a:lnRef idx="1">
+        <a:scrgbClr r="0" g="0" b="0"/>
+      </a:lnRef>
+      <a:fillRef idx="0">
+        <a:scrgbClr r="0" g="0" b="0"/>
+      </a:fillRef>
+      <a:effectRef idx="0">
+        <a:scrgbClr r="0" g="0" b="0"/>
+      </a:effectRef>
+      <a:fontRef idx="minor"/>
+    </dgm:style>
+  </dgm:styleLbl>
+  <dgm:styleLbl name="callout">
+    <dgm:scene3d>
+      <a:camera prst="orthographicFront"/>
+      <a:lightRig rig="threePt" dir="t"/>
+    </dgm:scene3d>
+    <dgm:sp3d/>
+    <dgm:txPr/>
+    <dgm:style>
+      <a:lnRef idx="2">
+        <a:scrgbClr r="0" g="0" b="0"/>
+      </a:lnRef>
+      <a:fillRef idx="1">
+        <a:scrgbClr r="0" g="0" b="0"/>
+      </a:fillRef>
+      <a:effectRef idx="0">
+        <a:scrgbClr r="0" g="0" b="0"/>
+      </a:effectRef>
+      <a:fontRef idx="minor"/>
+    </dgm:style>
+  </dgm:styleLbl>
+  <dgm:styleLbl name="asst0">
+    <dgm:scene3d>
+      <a:camera prst="orthographicFront"/>
+      <a:lightRig rig="threePt" dir="t"/>
+    </dgm:scene3d>
+    <dgm:sp3d/>
+    <dgm:txPr/>
+    <dgm:style>
+      <a:lnRef idx="2">
+        <a:scrgbClr r="0" g="0" b="0"/>
+      </a:lnRef>
+      <a:fillRef idx="1">
+        <a:scrgbClr r="0" g="0" b="0"/>
+      </a:fillRef>
+      <a:effectRef idx="0">
+        <a:scrgbClr r="0" g="0" b="0"/>
+      </a:effectRef>
+      <a:fontRef idx="minor">
+        <a:schemeClr val="lt1"/>
+      </a:fontRef>
+    </dgm:style>
+  </dgm:styleLbl>
+  <dgm:styleLbl name="asst1">
+    <dgm:scene3d>
+      <a:camera prst="orthographicFront"/>
+      <a:lightRig rig="threePt" dir="t"/>
+    </dgm:scene3d>
+    <dgm:sp3d/>
+    <dgm:txPr/>
+    <dgm:style>
+      <a:lnRef idx="2">
+        <a:scrgbClr r="0" g="0" b="0"/>
+      </a:lnRef>
+      <a:fillRef idx="1">
+        <a:scrgbClr r="0" g="0" b="0"/>
+      </a:fillRef>
+      <a:effectRef idx="0">
+        <a:scrgbClr r="0" g="0" b="0"/>
+      </a:effectRef>
+      <a:fontRef idx="minor">
+        <a:schemeClr val="lt1"/>
+      </a:fontRef>
+    </dgm:style>
+  </dgm:styleLbl>
+  <dgm:styleLbl name="asst2">
+    <dgm:scene3d>
+      <a:camera prst="orthographicFront"/>
+      <a:lightRig rig="threePt" dir="t"/>
+    </dgm:scene3d>
+    <dgm:sp3d/>
+    <dgm:txPr/>
+    <dgm:style>
+      <a:lnRef idx="2">
+        <a:scrgbClr r="0" g="0" b="0"/>
+      </a:lnRef>
+      <a:fillRef idx="1">
+        <a:scrgbClr r="0" g="0" b="0"/>
+      </a:fillRef>
+      <a:effectRef idx="0">
+        <a:scrgbClr r="0" g="0" b="0"/>
+      </a:effectRef>
+      <a:fontRef idx="minor">
+        <a:schemeClr val="lt1"/>
+      </a:fontRef>
+    </dgm:style>
+  </dgm:styleLbl>
+  <dgm:styleLbl name="asst3">
+    <dgm:scene3d>
+      <a:camera prst="orthographicFront"/>
+      <a:lightRig rig="threePt" dir="t"/>
+    </dgm:scene3d>
+    <dgm:sp3d/>
+    <dgm:txPr/>
+    <dgm:style>
+      <a:lnRef idx="2">
+        <a:scrgbClr r="0" g="0" b="0"/>
+      </a:lnRef>
+      <a:fillRef idx="1">
+        <a:scrgbClr r="0" g="0" b="0"/>
+      </a:fillRef>
+      <a:effectRef idx="0">
+        <a:scrgbClr r="0" g="0" b="0"/>
+      </a:effectRef>
+      <a:fontRef idx="minor">
+        <a:schemeClr val="lt1"/>
+      </a:fontRef>
+    </dgm:style>
+  </dgm:styleLbl>
+  <dgm:styleLbl name="asst4">
+    <dgm:scene3d>
+      <a:camera prst="orthographicFront"/>
+      <a:lightRig rig="threePt" dir="t"/>
+    </dgm:scene3d>
+    <dgm:sp3d/>
+    <dgm:txPr/>
+    <dgm:style>
+      <a:lnRef idx="2">
+        <a:scrgbClr r="0" g="0" b="0"/>
+      </a:lnRef>
+      <a:fillRef idx="1">
+        <a:scrgbClr r="0" g="0" b="0"/>
+      </a:fillRef>
+      <a:effectRef idx="0">
+        <a:scrgbClr r="0" g="0" b="0"/>
+      </a:effectRef>
+      <a:fontRef idx="minor">
+        <a:schemeClr val="lt1"/>
+      </a:fontRef>
+    </dgm:style>
+  </dgm:styleLbl>
+  <dgm:styleLbl name="parChTrans2D1">
+    <dgm:scene3d>
+      <a:camera prst="orthographicFront"/>
+      <a:lightRig rig="threePt" dir="t"/>
+    </dgm:scene3d>
+    <dgm:sp3d/>
+    <dgm:txPr/>
+    <dgm:style>
+      <a:lnRef idx="2">
+        <a:scrgbClr r="0" g="0" b="0"/>
+      </a:lnRef>
+      <a:fillRef idx="1">
+        <a:scrgbClr r="0" g="0" b="0"/>
+      </a:fillRef>
+      <a:effectRef idx="0">
+        <a:scrgbClr r="0" g="0" b="0"/>
+      </a:effectRef>
+      <a:fontRef idx="minor">
+        <a:schemeClr val="lt1"/>
+      </a:fontRef>
+    </dgm:style>
+  </dgm:styleLbl>
+  <dgm:styleLbl name="parChTrans2D2">
+    <dgm:scene3d>
+      <a:camera prst="orthographicFront"/>
+      <a:lightRig rig="threePt" dir="t"/>
+    </dgm:scene3d>
+    <dgm:sp3d/>
+    <dgm:txPr/>
+    <dgm:style>
+      <a:lnRef idx="2">
+        <a:scrgbClr r="0" g="0" b="0"/>
+      </a:lnRef>
+      <a:fillRef idx="1">
+        <a:scrgbClr r="0" g="0" b="0"/>
+      </a:fillRef>
+      <a:effectRef idx="0">
+        <a:scrgbClr r="0" g="0" b="0"/>
+      </a:effectRef>
+      <a:fontRef idx="minor">
+        <a:schemeClr val="lt1"/>
+      </a:fontRef>
+    </dgm:style>
+  </dgm:styleLbl>
+  <dgm:styleLbl name="parChTrans2D3">
+    <dgm:scene3d>
+      <a:camera prst="orthographicFront"/>
+      <a:lightRig rig="threePt" dir="t"/>
+    </dgm:scene3d>
+    <dgm:sp3d/>
+    <dgm:txPr/>
+    <dgm:style>
+      <a:lnRef idx="2">
+        <a:scrgbClr r="0" g="0" b="0"/>
+      </a:lnRef>
+      <a:fillRef idx="1">
+        <a:scrgbClr r="0" g="0" b="0"/>
+      </a:fillRef>
+      <a:effectRef idx="0">
+        <a:scrgbClr r="0" g="0" b="0"/>
+      </a:effectRef>
+      <a:fontRef idx="minor">
+        <a:schemeClr val="lt1"/>
+      </a:fontRef>
+    </dgm:style>
+  </dgm:styleLbl>
+  <dgm:styleLbl name="parChTrans2D4">
+    <dgm:scene3d>
+      <a:camera prst="orthographicFront"/>
+      <a:lightRig rig="threePt" dir="t"/>
+    </dgm:scene3d>
+    <dgm:sp3d/>
+    <dgm:txPr/>
+    <dgm:style>
+      <a:lnRef idx="2">
+        <a:scrgbClr r="0" g="0" b="0"/>
+      </a:lnRef>
+      <a:fillRef idx="1">
+        <a:scrgbClr r="0" g="0" b="0"/>
+      </a:fillRef>
+      <a:effectRef idx="0">
+        <a:scrgbClr r="0" g="0" b="0"/>
+      </a:effectRef>
+      <a:fontRef idx="minor">
+        <a:schemeClr val="lt1"/>
+      </a:fontRef>
+    </dgm:style>
+  </dgm:styleLbl>
+  <dgm:styleLbl name="parChTrans1D1">
+    <dgm:scene3d>
+      <a:camera prst="orthographicFront"/>
+      <a:lightRig rig="threePt" dir="t"/>
+    </dgm:scene3d>
+    <dgm:sp3d/>
+    <dgm:txPr/>
+    <dgm:style>
+      <a:lnRef idx="2">
+        <a:scrgbClr r="0" g="0" b="0"/>
+      </a:lnRef>
+      <a:fillRef idx="0">
+        <a:scrgbClr r="0" g="0" b="0"/>
+      </a:fillRef>
+      <a:effectRef idx="0">
+        <a:scrgbClr r="0" g="0" b="0"/>
+      </a:effectRef>
+      <a:fontRef idx="minor"/>
+    </dgm:style>
+  </dgm:styleLbl>
+  <dgm:styleLbl name="parChTrans1D2">
+    <dgm:scene3d>
+      <a:camera prst="orthographicFront"/>
+      <a:lightRig rig="threePt" dir="t"/>
+    </dgm:scene3d>
+    <dgm:sp3d/>
+    <dgm:txPr/>
+    <dgm:style>
+      <a:lnRef idx="2">
+        <a:scrgbClr r="0" g="0" b="0"/>
+      </a:lnRef>
+      <a:fillRef idx="0">
+        <a:scrgbClr r="0" g="0" b="0"/>
+      </a:fillRef>
+      <a:effectRef idx="0">
+        <a:scrgbClr r="0" g="0" b="0"/>
+      </a:effectRef>
+      <a:fontRef idx="minor"/>
+    </dgm:style>
+  </dgm:styleLbl>
+  <dgm:styleLbl name="parChTrans1D3">
+    <dgm:scene3d>
+      <a:camera prst="orthographicFront"/>
+      <a:lightRig rig="threePt" dir="t"/>
+    </dgm:scene3d>
+    <dgm:sp3d/>
+    <dgm:txPr/>
+    <dgm:style>
+      <a:lnRef idx="2">
+        <a:scrgbClr r="0" g="0" b="0"/>
+      </a:lnRef>
+      <a:fillRef idx="0">
+        <a:scrgbClr r="0" g="0" b="0"/>
+      </a:fillRef>
+      <a:effectRef idx="0">
+        <a:scrgbClr r="0" g="0" b="0"/>
+      </a:effectRef>
+      <a:fontRef idx="minor"/>
+    </dgm:style>
+  </dgm:styleLbl>
+  <dgm:styleLbl name="parChTrans1D4">
+    <dgm:scene3d>
+      <a:camera prst="orthographicFront"/>
+      <a:lightRig rig="threePt" dir="t"/>
+    </dgm:scene3d>
+    <dgm:sp3d/>
+    <dgm:txPr/>
+    <dgm:style>
+      <a:lnRef idx="2">
+        <a:scrgbClr r="0" g="0" b="0"/>
+      </a:lnRef>
+      <a:fillRef idx="0">
+        <a:scrgbClr r="0" g="0" b="0"/>
+      </a:fillRef>
+      <a:effectRef idx="0">
+        <a:scrgbClr r="0" g="0" b="0"/>
+      </a:effectRef>
+      <a:fontRef idx="minor"/>
+    </dgm:style>
+  </dgm:styleLbl>
+  <dgm:styleLbl name="fgAcc1">
+    <dgm:scene3d>
+      <a:camera prst="orthographicFront"/>
+      <a:lightRig rig="threePt" dir="t"/>
+    </dgm:scene3d>
+    <dgm:sp3d/>
+    <dgm:txPr/>
+    <dgm:style>
+      <a:lnRef idx="2">
+        <a:scrgbClr r="0" g="0" b="0"/>
+      </a:lnRef>
+      <a:fillRef idx="1">
+        <a:scrgbClr r="0" g="0" b="0"/>
+      </a:fillRef>
+      <a:effectRef idx="0">
+        <a:scrgbClr r="0" g="0" b="0"/>
+      </a:effectRef>
+      <a:fontRef idx="minor"/>
+    </dgm:style>
+  </dgm:styleLbl>
+  <dgm:styleLbl name="conFgAcc1">
+    <dgm:scene3d>
+      <a:camera prst="orthographicFront"/>
+      <a:lightRig rig="threePt" dir="t"/>
+    </dgm:scene3d>
+    <dgm:sp3d/>
+    <dgm:txPr/>
+    <dgm:style>
+      <a:lnRef idx="2">
+        <a:scrgbClr r="0" g="0" b="0"/>
+      </a:lnRef>
+      <a:fillRef idx="1">
+        <a:scrgbClr r="0" g="0" b="0"/>
+      </a:fillRef>
+      <a:effectRef idx="0">
+        <a:scrgbClr r="0" g="0" b="0"/>
+      </a:effectRef>
+      <a:fontRef idx="minor"/>
+    </dgm:style>
+  </dgm:styleLbl>
+  <dgm:styleLbl name="alignAcc1">
+    <dgm:scene3d>
+      <a:camera prst="orthographicFront"/>
+      <a:lightRig rig="threePt" dir="t"/>
+    </dgm:scene3d>
+    <dgm:sp3d/>
+    <dgm:txPr/>
+    <dgm:style>
+      <a:lnRef idx="2">
+        <a:scrgbClr r="0" g="0" b="0"/>
+      </a:lnRef>
+      <a:fillRef idx="1">
+        <a:scrgbClr r="0" g="0" b="0"/>
+      </a:fillRef>
+      <a:effectRef idx="0">
+        <a:scrgbClr r="0" g="0" b="0"/>
+      </a:effectRef>
+      <a:fontRef idx="minor"/>
+    </dgm:style>
+  </dgm:styleLbl>
+  <dgm:styleLbl name="trAlignAcc1">
+    <dgm:scene3d>
+      <a:camera prst="orthographicFront"/>
+      <a:lightRig rig="threePt" dir="t"/>
+    </dgm:scene3d>
+    <dgm:sp3d/>
+    <dgm:txPr/>
+    <dgm:style>
+      <a:lnRef idx="1">
+        <a:scrgbClr r="0" g="0" b="0"/>
+      </a:lnRef>
+      <a:fillRef idx="1">
+        <a:scrgbClr r="0" g="0" b="0"/>
+      </a:fillRef>
+      <a:effectRef idx="0">
+        <a:scrgbClr r="0" g="0" b="0"/>
+      </a:effectRef>
+      <a:fontRef idx="minor"/>
+    </dgm:style>
+  </dgm:styleLbl>
+  <dgm:styleLbl name="bgAcc1">
+    <dgm:scene3d>
+      <a:camera prst="orthographicFront"/>
+      <a:lightRig rig="threePt" dir="t"/>
+    </dgm:scene3d>
+    <dgm:sp3d/>
+    <dgm:txPr/>
+    <dgm:style>
+      <a:lnRef idx="2">
+        <a:scrgbClr r="0" g="0" b="0"/>
+      </a:lnRef>
+      <a:fillRef idx="1">
+        <a:scrgbClr r="0" g="0" b="0"/>
+      </a:fillRef>
+      <a:effectRef idx="0">
+        <a:scrgbClr r="0" g="0" b="0"/>
+      </a:effectRef>
+      <a:fontRef idx="minor"/>
+    </dgm:style>
+  </dgm:styleLbl>
+  <dgm:styleLbl name="solidFgAcc1">
+    <dgm:scene3d>
+      <a:camera prst="orthographicFront"/>
+      <a:lightRig rig="threePt" dir="t"/>
+    </dgm:scene3d>
+    <dgm:sp3d/>
+    <dgm:txPr/>
+    <dgm:style>
+      <a:lnRef idx="2">
+        <a:scrgbClr r="0" g="0" b="0"/>
+      </a:lnRef>
+      <a:fillRef idx="1">
+        <a:scrgbClr r="0" g="0" b="0"/>
+      </a:fillRef>
+      <a:effectRef idx="0">
+        <a:scrgbClr r="0" g="0" b="0"/>
+      </a:effectRef>
+      <a:fontRef idx="minor"/>
+    </dgm:style>
+  </dgm:styleLbl>
+  <dgm:styleLbl name="solidAlignAcc1">
+    <dgm:scene3d>
+      <a:camera prst="orthographicFront"/>
+      <a:lightRig rig="threePt" dir="t"/>
+    </dgm:scene3d>
+    <dgm:sp3d/>
+    <dgm:txPr/>
+    <dgm:style>
+      <a:lnRef idx="2">
+        <a:scrgbClr r="0" g="0" b="0"/>
+      </a:lnRef>
+      <a:fillRef idx="1">
+        <a:scrgbClr r="0" g="0" b="0"/>
+      </a:fillRef>
+      <a:effectRef idx="0">
+        <a:scrgbClr r="0" g="0" b="0"/>
+      </a:effectRef>
+      <a:fontRef idx="minor"/>
+    </dgm:style>
+  </dgm:styleLbl>
+  <dgm:styleLbl name="solidBgAcc1">
+    <dgm:scene3d>
+      <a:camera prst="orthographicFront"/>
+      <a:lightRig rig="threePt" dir="t"/>
+    </dgm:scene3d>
+    <dgm:sp3d/>
+    <dgm:txPr/>
+    <dgm:style>
+      <a:lnRef idx="2">
+        <a:scrgbClr r="0" g="0" b="0"/>
+      </a:lnRef>
+      <a:fillRef idx="1">
+        <a:scrgbClr r="0" g="0" b="0"/>
+      </a:fillRef>
+      <a:effectRef idx="0">
+        <a:scrgbClr r="0" g="0" b="0"/>
+      </a:effectRef>
+      <a:fontRef idx="minor"/>
+    </dgm:style>
+  </dgm:styleLbl>
+  <dgm:styleLbl name="fgAccFollowNode1">
+    <dgm:scene3d>
+      <a:camera prst="orthographicFront"/>
+      <a:lightRig rig="threePt" dir="t"/>
+    </dgm:scene3d>
+    <dgm:sp3d/>
+    <dgm:txPr/>
+    <dgm:style>
+      <a:lnRef idx="2">
+        <a:scrgbClr r="0" g="0" b="0"/>
+      </a:lnRef>
+      <a:fillRef idx="1">
+        <a:scrgbClr r="0" g="0" b="0"/>
+      </a:fillRef>
+      <a:effectRef idx="0">
+        <a:scrgbClr r="0" g="0" b="0"/>
+      </a:effectRef>
+      <a:fontRef idx="minor"/>
+    </dgm:style>
+  </dgm:styleLbl>
+  <dgm:styleLbl name="alignAccFollowNode1">
+    <dgm:scene3d>
+      <a:camera prst="orthographicFront"/>
+      <a:lightRig rig="threePt" dir="t"/>
+    </dgm:scene3d>
+    <dgm:sp3d/>
+    <dgm:txPr/>
+    <dgm:style>
+      <a:lnRef idx="2">
+        <a:scrgbClr r="0" g="0" b="0"/>
+      </a:lnRef>
+      <a:fillRef idx="1">
+        <a:scrgbClr r="0" g="0" b="0"/>
+      </a:fillRef>
+      <a:effectRef idx="0">
+        <a:scrgbClr r="0" g="0" b="0"/>
+      </a:effectRef>
+      <a:fontRef idx="minor"/>
+    </dgm:style>
+  </dgm:styleLbl>
+  <dgm:styleLbl name="bgAccFollowNode1">
+    <dgm:scene3d>
+      <a:camera prst="orthographicFront"/>
+      <a:lightRig rig="threePt" dir="t"/>
+    </dgm:scene3d>
+    <dgm:sp3d/>
+    <dgm:txPr/>
+    <dgm:style>
+      <a:lnRef idx="2">
+        <a:scrgbClr r="0" g="0" b="0"/>
+      </a:lnRef>
+      <a:fillRef idx="1">
+        <a:scrgbClr r="0" g="0" b="0"/>
+      </a:fillRef>
+      <a:effectRef idx="0">
+        <a:scrgbClr r="0" g="0" b="0"/>
+      </a:effectRef>
+      <a:fontRef idx="minor"/>
+    </dgm:style>
+  </dgm:styleLbl>
+  <dgm:styleLbl name="fgAcc0">
+    <dgm:scene3d>
+      <a:camera prst="orthographicFront"/>
+      <a:lightRig rig="threePt" dir="t"/>
+    </dgm:scene3d>
+    <dgm:sp3d/>
+    <dgm:txPr/>
+    <dgm:style>
+      <a:lnRef idx="2">
+        <a:scrgbClr r="0" g="0" b="0"/>
+      </a:lnRef>
+      <a:fillRef idx="1">
+        <a:scrgbClr r="0" g="0" b="0"/>
+      </a:fillRef>
+      <a:effectRef idx="0">
+        <a:scrgbClr r="0" g="0" b="0"/>
+      </a:effectRef>
+      <a:fontRef idx="minor"/>
+    </dgm:style>
+  </dgm:styleLbl>
+  <dgm:styleLbl name="fgAcc2">
+    <dgm:scene3d>
+      <a:camera prst="orthographicFront"/>
+      <a:lightRig rig="threePt" dir="t"/>
+    </dgm:scene3d>
+    <dgm:sp3d/>
+    <dgm:txPr/>
+    <dgm:style>
+      <a:lnRef idx="2">
+        <a:scrgbClr r="0" g="0" b="0"/>
+      </a:lnRef>
+      <a:fillRef idx="1">
+        <a:scrgbClr r="0" g="0" b="0"/>
+      </a:fillRef>
+      <a:effectRef idx="0">
+        <a:scrgbClr r="0" g="0" b="0"/>
+      </a:effectRef>
+      <a:fontRef idx="minor"/>
+    </dgm:style>
+  </dgm:styleLbl>
+  <dgm:styleLbl name="fgAcc3">
+    <dgm:scene3d>
+      <a:camera prst="orthographicFront"/>
+      <a:lightRig rig="threePt" dir="t"/>
+    </dgm:scene3d>
+    <dgm:sp3d/>
+    <dgm:txPr/>
+    <dgm:style>
+      <a:lnRef idx="2">
+        <a:scrgbClr r="0" g="0" b="0"/>
+      </a:lnRef>
+      <a:fillRef idx="1">
+        <a:scrgbClr r="0" g="0" b="0"/>
+      </a:fillRef>
+      <a:effectRef idx="0">
+        <a:scrgbClr r="0" g="0" b="0"/>
+      </a:effectRef>
+      <a:fontRef idx="minor"/>
+    </dgm:style>
+  </dgm:styleLbl>
+  <dgm:styleLbl name="fgAcc4">
+    <dgm:scene3d>
+      <a:camera prst="orthographicFront"/>
+      <a:lightRig rig="threePt" dir="t"/>
+    </dgm:scene3d>
+    <dgm:sp3d/>
+    <dgm:txPr/>
+    <dgm:style>
+      <a:lnRef idx="2">
+        <a:scrgbClr r="0" g="0" b="0"/>
+      </a:lnRef>
+      <a:fillRef idx="1">
+        <a:scrgbClr r="0" g="0" b="0"/>
+      </a:fillRef>
+      <a:effectRef idx="0">
+        <a:scrgbClr r="0" g="0" b="0"/>
+      </a:effectRef>
+      <a:fontRef idx="minor"/>
+    </dgm:style>
+  </dgm:styleLbl>
+  <dgm:styleLbl name="bgShp">
+    <dgm:scene3d>
+      <a:camera prst="orthographicFront"/>
+      <a:lightRig rig="threePt" dir="t"/>
+    </dgm:scene3d>
+    <dgm:sp3d/>
+    <dgm:txPr/>
+    <dgm:style>
+      <a:lnRef idx="0">
+        <a:scrgbClr r="0" g="0" b="0"/>
+      </a:lnRef>
+      <a:fillRef idx="1">
+        <a:scrgbClr r="0" g="0" b="0"/>
+      </a:fillRef>
+      <a:effectRef idx="0">
+        <a:scrgbClr r="0" g="0" b="0"/>
+      </a:effectRef>
+      <a:fontRef idx="minor"/>
+    </dgm:style>
+  </dgm:styleLbl>
+  <dgm:styleLbl name="dkBgShp">
+    <dgm:scene3d>
+      <a:camera prst="orthographicFront"/>
+      <a:lightRig rig="threePt" dir="t"/>
+    </dgm:scene3d>
+    <dgm:sp3d/>
+    <dgm:txPr/>
+    <dgm:style>
+      <a:lnRef idx="0">
+        <a:scrgbClr r="0" g="0" b="0"/>
+      </a:lnRef>
+      <a:fillRef idx="1">
+        <a:scrgbClr r="0" g="0" b="0"/>
+      </a:fillRef>
+      <a:effectRef idx="0">
+        <a:scrgbClr r="0" g="0" b="0"/>
+      </a:effectRef>
+      <a:fontRef idx="minor"/>
+    </dgm:style>
+  </dgm:styleLbl>
+  <dgm:styleLbl name="trBgShp">
+    <dgm:scene3d>
+      <a:camera prst="orthographicFront"/>
+      <a:lightRig rig="threePt" dir="t"/>
+    </dgm:scene3d>
+    <dgm:sp3d/>
+    <dgm:txPr/>
+    <dgm:style>
+      <a:lnRef idx="0">
+        <a:scrgbClr r="0" g="0" b="0"/>
+      </a:lnRef>
+      <a:fillRef idx="1">
+        <a:scrgbClr r="0" g="0" b="0"/>
+      </a:fillRef>
+      <a:effectRef idx="0">
+        <a:scrgbClr r="0" g="0" b="0"/>
+      </a:effectRef>
+      <a:fontRef idx="minor"/>
+    </dgm:style>
+  </dgm:styleLbl>
+  <dgm:styleLbl name="fgShp">
+    <dgm:scene3d>
+      <a:camera prst="orthographicFront"/>
+      <a:lightRig rig="threePt" dir="t"/>
+    </dgm:scene3d>
+    <dgm:sp3d/>
+    <dgm:txPr/>
+    <dgm:style>
+      <a:lnRef idx="2">
+        <a:scrgbClr r="0" g="0" b="0"/>
+      </a:lnRef>
+      <a:fillRef idx="1">
+        <a:scrgbClr r="0" g="0" b="0"/>
+      </a:fillRef>
+      <a:effectRef idx="0">
+        <a:scrgbClr r="0" g="0" b="0"/>
+      </a:effectRef>
+      <a:fontRef idx="minor"/>
+    </dgm:style>
+  </dgm:styleLbl>
+  <dgm:styleLbl name="revTx">
+    <dgm:scene3d>
+      <a:camera prst="orthographicFront"/>
+      <a:lightRig rig="threePt" dir="t"/>
+    </dgm:scene3d>
+    <dgm:sp3d/>
+    <dgm:txPr/>
+    <dgm:style>
+      <a:lnRef idx="0">
+        <a:scrgbClr r="0" g="0" b="0"/>
+      </a:lnRef>
+      <a:fillRef idx="0">
+        <a:scrgbClr r="0" g="0" b="0"/>
+      </a:fillRef>
+      <a:effectRef idx="0">
+        <a:scrgbClr r="0" g="0" b="0"/>
+      </a:effectRef>
+      <a:fontRef idx="minor"/>
+    </dgm:style>
+  </dgm:styleLbl>
+</dgm:styleDef>
 </file>
 
 <file path=ppt/notesMasters/notesMaster1.xml><?xml version="1.0" encoding="utf-8"?>
@@ -3746,8 +8196,8 @@
         </p:nvSpPr>
         <p:spPr bwMode="auto">
           <a:xfrm>
-            <a:off x="1380056" y="7952789"/>
-            <a:ext cx="12450932" cy="21170990"/>
+            <a:off x="1380056" y="7257269"/>
+            <a:ext cx="12779550" cy="22636166"/>
           </a:xfrm>
           <a:prstGeom prst="rect">
             <a:avLst/>
@@ -3772,114 +8222,158 @@
             <a:endParaRPr lang="en-GB" sz="3200" b="1" baseline="0" dirty="0" smtClean="0"/>
           </a:p>
           <a:p>
-            <a:pPr indent="-521299" defTabSz="2128639"/>
-            <a:r>
-              <a:rPr lang="en-GB" sz="3200" b="1" baseline="0" dirty="0" smtClean="0"/>
-              <a:t>Develop a fast semantic decoder for dialogue systems</a:t>
-            </a:r>
-          </a:p>
-          <a:p>
             <a:pPr indent="-521299" defTabSz="2128639">
               <a:buFont typeface="Arial" pitchFamily="34" charset="0"/>
               <a:buChar char="•"/>
             </a:pPr>
+            <a:r>
+              <a:rPr lang="en-GB" sz="3200" b="1" baseline="0" dirty="0" smtClean="0"/>
+              <a:t>Develop a fast semantic decoder for dialogue </a:t>
+            </a:r>
+            <a:r>
+              <a:rPr lang="en-GB" sz="3200" b="1" baseline="0" dirty="0" smtClean="0"/>
+              <a:t>systems</a:t>
+            </a:r>
+          </a:p>
+          <a:p>
+            <a:pPr marL="521299" indent="-521299" defTabSz="2128639">
+              <a:buFont typeface="Arial" pitchFamily="34" charset="0"/>
+              <a:buChar char="•"/>
+            </a:pPr>
+            <a:r>
+              <a:rPr lang="en-GB" sz="3200" b="1" baseline="0" dirty="0" smtClean="0"/>
+              <a:t>Capability </a:t>
+            </a:r>
+            <a:r>
+              <a:rPr lang="en-GB" sz="3200" b="1" baseline="0" dirty="0" smtClean="0"/>
+              <a:t>to parse 10 – 100 ASR </a:t>
+            </a:r>
+            <a:r>
+              <a:rPr lang="en-GB" sz="3200" b="1" baseline="0" dirty="0" smtClean="0"/>
+              <a:t>hypotheses </a:t>
+            </a:r>
+            <a:r>
+              <a:rPr lang="en-GB" sz="3200" b="1" baseline="0" dirty="0" smtClean="0"/>
+              <a:t>in real time</a:t>
+            </a:r>
+          </a:p>
+          <a:p>
+            <a:pPr marL="521299" indent="-521299" defTabSz="2128639">
+              <a:buFont typeface="Arial" pitchFamily="34" charset="0"/>
+              <a:buChar char="•"/>
+            </a:pPr>
+            <a:r>
+              <a:rPr lang="en-GB" sz="3200" b="1" baseline="0" dirty="0" smtClean="0"/>
+              <a:t>Robust </a:t>
+            </a:r>
+            <a:r>
+              <a:rPr lang="en-GB" sz="3200" b="1" baseline="0" dirty="0" smtClean="0"/>
+              <a:t>to speech recognition </a:t>
+            </a:r>
+            <a:r>
+              <a:rPr lang="en-GB" sz="3200" b="1" baseline="0" dirty="0" smtClean="0"/>
+              <a:t>noise</a:t>
+            </a:r>
+          </a:p>
+          <a:p>
+            <a:pPr lvl="1" defTabSz="2128639"/>
             <a:endParaRPr lang="en-GB" sz="3200" b="1" baseline="0" dirty="0" smtClean="0"/>
           </a:p>
           <a:p>
-            <a:pPr lvl="1" indent="-521299" defTabSz="2128639"/>
+            <a:pPr marL="522000" indent="-457200" defTabSz="2128639">
+              <a:buFont typeface="Arial" pitchFamily="34" charset="0"/>
+              <a:buChar char="•"/>
+            </a:pPr>
+            <a:r>
+              <a:rPr lang="en-GB" sz="3200" b="1" baseline="0" dirty="0" smtClean="0"/>
+              <a:t>Semantic parsing maps natural language to formal language</a:t>
+            </a:r>
+          </a:p>
+          <a:p>
+            <a:pPr marL="522000" indent="-457200" defTabSz="2128639">
+              <a:buFont typeface="Arial" pitchFamily="34" charset="0"/>
+              <a:buChar char="•"/>
+            </a:pPr>
+            <a:r>
+              <a:rPr lang="en-GB" sz="3200" b="1" baseline="0" dirty="0" smtClean="0"/>
+              <a:t>In </a:t>
+            </a:r>
+            <a:r>
+              <a:rPr lang="en-GB" sz="3200" b="1" baseline="0" dirty="0" smtClean="0"/>
+              <a:t>current dialogue </a:t>
+            </a:r>
+            <a:r>
+              <a:rPr lang="en-GB" sz="3200" b="1" baseline="0" dirty="0" smtClean="0"/>
+              <a:t>systems, most </a:t>
+            </a:r>
+            <a:r>
+              <a:rPr lang="en-GB" sz="3200" b="1" baseline="0" dirty="0" smtClean="0"/>
+              <a:t>of the mapping is fairly simple</a:t>
+            </a:r>
             <a:r>
               <a:rPr lang="en-GB" sz="3200" baseline="0" dirty="0" smtClean="0"/>
-              <a:t>	</a:t>
-            </a:r>
-          </a:p>
-          <a:p>
-            <a:pPr indent="-521299" defTabSz="2128639"/>
-            <a:endParaRPr lang="en-GB" sz="3200" b="1" baseline="0" dirty="0" smtClean="0"/>
-          </a:p>
-          <a:p>
-            <a:pPr lvl="1" indent="-521299" defTabSz="2128639"/>
-            <a:endParaRPr lang="en-GB" sz="3200" b="1" baseline="0" dirty="0" smtClean="0"/>
-          </a:p>
-          <a:p>
-            <a:pPr lvl="1" indent="-521299" defTabSz="2128639">
+              <a:t> </a:t>
+            </a:r>
+            <a:r>
+              <a:rPr lang="en-GB" sz="3200" b="1" baseline="0" dirty="0" smtClean="0"/>
+              <a:t>(cities, times,  ... </a:t>
+            </a:r>
+            <a:r>
+              <a:rPr lang="en-GB" sz="3200" b="1" baseline="0" dirty="0" smtClean="0"/>
+              <a:t>)</a:t>
+            </a:r>
+          </a:p>
+          <a:p>
+            <a:pPr marL="522000" indent="-457200" defTabSz="2128639">
               <a:buFont typeface="Arial" pitchFamily="34" charset="0"/>
               <a:buChar char="•"/>
             </a:pPr>
             <a:endParaRPr lang="en-GB" sz="3200" b="1" baseline="0" dirty="0" smtClean="0"/>
           </a:p>
           <a:p>
-            <a:pPr lvl="1" indent="-521299" defTabSz="2128639">
+            <a:pPr marL="522000" indent="-457200" defTabSz="2128639">
               <a:buFont typeface="Arial" pitchFamily="34" charset="0"/>
               <a:buChar char="•"/>
             </a:pPr>
             <a:endParaRPr lang="en-GB" sz="3200" b="1" baseline="0" dirty="0" smtClean="0"/>
           </a:p>
           <a:p>
-            <a:pPr marL="521299" indent="-521299" defTabSz="2128639">
+            <a:pPr marL="522000" indent="-457200" defTabSz="2128639">
               <a:buFont typeface="Arial" pitchFamily="34" charset="0"/>
               <a:buChar char="•"/>
             </a:pPr>
             <a:endParaRPr lang="en-GB" sz="3200" b="1" baseline="0" dirty="0" smtClean="0"/>
           </a:p>
           <a:p>
-            <a:pPr marL="521299" indent="-521299" defTabSz="2128639"/>
-            <a:r>
-              <a:rPr lang="en-GB" sz="3200" b="1" baseline="0" dirty="0" smtClean="0"/>
-              <a:t>Capability to parse 10 – 100 ASR hypothesis in real time</a:t>
-            </a:r>
-          </a:p>
-          <a:p>
-            <a:pPr marL="521299" indent="-521299" defTabSz="2128639"/>
-            <a:endParaRPr lang="en-GB" sz="3200" b="1" baseline="0" dirty="0" smtClean="0"/>
-          </a:p>
-          <a:p>
-            <a:pPr marL="521299" indent="-521299" defTabSz="2128639"/>
-            <a:r>
-              <a:rPr lang="en-GB" sz="3200" b="1" baseline="0" dirty="0" smtClean="0"/>
-              <a:t>Robust to speech recognition noise</a:t>
-            </a:r>
-          </a:p>
-          <a:p>
-            <a:pPr marL="521299" indent="-521299" defTabSz="2128639"/>
-            <a:endParaRPr lang="en-GB" sz="3200" b="1" baseline="0" dirty="0" smtClean="0"/>
-          </a:p>
-          <a:p>
-            <a:pPr marL="521299" indent="-521299" defTabSz="2128639"/>
-            <a:r>
-              <a:rPr lang="en-GB" sz="3200" b="1" baseline="0" dirty="0" smtClean="0"/>
-              <a:t>Trainable on different domains:</a:t>
-            </a:r>
-            <a:br>
-              <a:rPr lang="en-GB" sz="3200" b="1" baseline="0" dirty="0" smtClean="0"/>
-            </a:br>
-            <a:r>
-              <a:rPr lang="en-GB" sz="3200" b="1" baseline="0" dirty="0" smtClean="0"/>
-              <a:t> </a:t>
-            </a:r>
-          </a:p>
-          <a:p>
-            <a:pPr marL="1042599" lvl="1" indent="-521299" defTabSz="2128639">
+            <a:pPr marL="522000" lvl="3" indent="-457200" defTabSz="2128639">
               <a:buFont typeface="Arial" pitchFamily="34" charset="0"/>
               <a:buChar char="•"/>
             </a:pPr>
-            <a:r>
-              <a:rPr lang="en-GB" sz="3200" b="1" baseline="0" dirty="0" smtClean="0"/>
-              <a:t>Air travel information system (ATIS)</a:t>
-            </a:r>
-          </a:p>
-          <a:p>
-            <a:pPr marL="1042599" lvl="1" indent="-521299" defTabSz="2128639">
+            <a:endParaRPr lang="en-GB" sz="3200" b="1" baseline="0" dirty="0" smtClean="0"/>
+          </a:p>
+          <a:p>
+            <a:pPr marL="522000" lvl="3" indent="-457200" defTabSz="2128639">
               <a:buFont typeface="Arial" pitchFamily="34" charset="0"/>
               <a:buChar char="•"/>
             </a:pPr>
+            <a:endParaRPr lang="en-GB" sz="3200" b="1" baseline="0" dirty="0" smtClean="0"/>
+          </a:p>
+          <a:p>
+            <a:pPr marL="522000" lvl="3" indent="-457200" defTabSz="2128639">
+              <a:buFont typeface="Arial" pitchFamily="34" charset="0"/>
+              <a:buChar char="•"/>
+            </a:pPr>
+            <a:endParaRPr lang="en-GB" sz="3200" b="1" baseline="0" dirty="0" smtClean="0"/>
+          </a:p>
+          <a:p>
+            <a:pPr marL="522000" indent="-457200" defTabSz="2128639">
+              <a:buFont typeface="Arial" pitchFamily="34" charset="0"/>
+              <a:buChar char="•"/>
+            </a:pPr>
             <a:r>
               <a:rPr lang="en-GB" sz="3200" b="1" baseline="0" dirty="0" smtClean="0"/>
-              <a:t>Tourist information (TownInfo)</a:t>
-            </a:r>
-          </a:p>
-          <a:p>
-            <a:pPr marL="1042599" lvl="1" indent="-521299" defTabSz="2128639"/>
-            <a:endParaRPr lang="en-GB" sz="3200" b="1" baseline="0" dirty="0" smtClean="0"/>
+              <a:t>Transformation based – error driven learning was shown to be efficient  and fast on this type of task</a:t>
+            </a:r>
           </a:p>
           <a:p>
             <a:pPr defTabSz="2128639"/>
@@ -3890,46 +8384,107 @@
             <a:endParaRPr lang="en-GB" sz="3200" b="1" baseline="0" dirty="0" smtClean="0"/>
           </a:p>
           <a:p>
-            <a:pPr lvl="1" defTabSz="2128639"/>
-            <a:endParaRPr lang="en-GB" sz="3200" b="1" baseline="0" dirty="0" smtClean="0"/>
-          </a:p>
-          <a:p>
-            <a:pPr defTabSz="2128639"/>
-            <a:r>
-              <a:rPr lang="en-GB" sz="3200" b="1" baseline="0" dirty="0" smtClean="0"/>
-              <a:t>Semantic parsing maps natural language to formal language</a:t>
-            </a:r>
-          </a:p>
-          <a:p>
             <a:pPr defTabSz="2128639"/>
             <a:endParaRPr lang="en-GB" sz="3200" b="1" baseline="0" dirty="0" smtClean="0"/>
           </a:p>
           <a:p>
             <a:pPr defTabSz="2128639"/>
+            <a:endParaRPr lang="en-GB" sz="3200" b="1" baseline="0" dirty="0" smtClean="0"/>
+          </a:p>
+          <a:p>
+            <a:pPr defTabSz="2128639"/>
+            <a:endParaRPr lang="en-GB" sz="3200" b="1" baseline="0" dirty="0" smtClean="0"/>
+          </a:p>
+          <a:p>
+            <a:pPr defTabSz="2128639"/>
+            <a:endParaRPr lang="en-GB" sz="3200" b="1" baseline="0" dirty="0" smtClean="0"/>
+          </a:p>
+          <a:p>
+            <a:pPr defTabSz="2128639"/>
+            <a:endParaRPr lang="en-GB" sz="3200" b="1" baseline="0" dirty="0" smtClean="0"/>
+          </a:p>
+          <a:p>
+            <a:pPr defTabSz="2128639"/>
+            <a:endParaRPr lang="en-GB" sz="3200" b="1" baseline="0" dirty="0" smtClean="0"/>
+          </a:p>
+          <a:p>
+            <a:pPr defTabSz="2128639"/>
+            <a:endParaRPr lang="en-GB" sz="3200" b="1" baseline="0" dirty="0" smtClean="0"/>
+          </a:p>
+          <a:p>
+            <a:pPr defTabSz="2128639"/>
+            <a:endParaRPr lang="en-GB" sz="3200" b="1" baseline="0" dirty="0" smtClean="0"/>
+          </a:p>
+          <a:p>
+            <a:pPr defTabSz="2128639"/>
+            <a:endParaRPr lang="en-GB" sz="3200" b="1" baseline="0" dirty="0" smtClean="0"/>
+          </a:p>
+          <a:p>
+            <a:pPr defTabSz="2128639"/>
+            <a:endParaRPr lang="en-GB" sz="3200" b="1" baseline="0" dirty="0" smtClean="0"/>
+          </a:p>
+          <a:p>
+            <a:pPr defTabSz="2128639"/>
+            <a:r>
+              <a:rPr lang="en-GB" sz="3200" baseline="0" dirty="0" smtClean="0"/>
+              <a:t>find </a:t>
+            </a:r>
+            <a:r>
+              <a:rPr lang="en-GB" sz="3200" baseline="0" dirty="0" smtClean="0"/>
+              <a:t>all flights between Toronto and San Diego that arrive on Saturday</a:t>
+            </a:r>
+          </a:p>
+          <a:p>
+            <a:pPr defTabSz="2128639"/>
+            <a:endParaRPr lang="en-GB" sz="3200" b="1" baseline="0" dirty="0" smtClean="0"/>
+          </a:p>
+          <a:p>
+            <a:pPr marL="742950" indent="-742950" defTabSz="2128639">
+              <a:buFont typeface="+mj-lt"/>
+              <a:buAutoNum type="arabicPeriod"/>
+            </a:pPr>
             <a:r>
               <a:rPr lang="en-GB" sz="3200" b="1" baseline="0" dirty="0" smtClean="0"/>
-              <a:t>Most of the mapping is fairly simple</a:t>
-            </a:r>
-            <a:r>
-              <a:rPr lang="en-GB" sz="3200" baseline="0" dirty="0" smtClean="0"/>
-              <a:t> </a:t>
+              <a:t>Parser  assigns initial semantics to input </a:t>
             </a:r>
             <a:r>
               <a:rPr lang="en-GB" sz="3200" b="1" baseline="0" dirty="0" smtClean="0"/>
-              <a:t>(cities, times,  ... ) in current dialogue systems.</a:t>
-            </a:r>
-          </a:p>
-          <a:p>
-            <a:pPr lvl="2" defTabSz="2128639"/>
+              <a:t>sentence</a:t>
+            </a:r>
             <a:endParaRPr lang="en-GB" sz="3200" b="1" baseline="0" dirty="0" smtClean="0"/>
           </a:p>
           <a:p>
-            <a:pPr lvl="3" defTabSz="2128639"/>
+            <a:pPr marL="742950" indent="-742950" defTabSz="2128639">
+              <a:buFont typeface="+mj-lt"/>
+              <a:buAutoNum type="arabicPeriod"/>
+            </a:pPr>
+            <a:endParaRPr lang="en-GB" sz="3200" b="1" baseline="0" dirty="0" smtClean="0"/>
+          </a:p>
+          <a:p>
+            <a:pPr marL="742950" indent="-742950" defTabSz="2128639">
+              <a:buFont typeface="+mj-lt"/>
+              <a:buAutoNum type="arabicPeriod"/>
+            </a:pPr>
+            <a:endParaRPr lang="en-GB" sz="3200" b="1" baseline="0" dirty="0" smtClean="0"/>
+          </a:p>
+          <a:p>
+            <a:pPr marL="742950" indent="-742950" defTabSz="2128639">
+              <a:buFont typeface="+mj-lt"/>
+              <a:buAutoNum type="arabicPeriod"/>
+            </a:pPr>
             <a:r>
               <a:rPr lang="en-GB" sz="3200" b="1" baseline="0" dirty="0" smtClean="0"/>
-              <a:t>Inference of compact set of transformation rules which transforms the initial naive semantic hypothesis</a:t>
-            </a:r>
-            <a:endParaRPr lang="en-GB" sz="3200" b="1" i="1" baseline="0" dirty="0" smtClean="0"/>
+              <a:t>Rules are sequentially applied, whenever a trigger matches the sentence a the hypothesised </a:t>
+            </a:r>
+            <a:r>
+              <a:rPr lang="en-GB" sz="3200" b="1" baseline="0" dirty="0" smtClean="0"/>
+              <a:t>semantics</a:t>
+            </a:r>
+            <a:endParaRPr lang="en-GB" sz="3200" b="1" baseline="0" dirty="0" smtClean="0"/>
+          </a:p>
+          <a:p>
+            <a:pPr defTabSz="2128639"/>
+            <a:endParaRPr lang="en-GB" sz="3200" b="1" baseline="0" dirty="0" smtClean="0"/>
           </a:p>
         </p:txBody>
       </p:sp>
@@ -3943,8 +8498,8 @@
         </p:nvSpPr>
         <p:spPr bwMode="auto">
           <a:xfrm>
-            <a:off x="29787170" y="8470134"/>
-            <a:ext cx="12304881" cy="17094315"/>
+            <a:off x="29531580" y="7774614"/>
+            <a:ext cx="12560472" cy="17094315"/>
           </a:xfrm>
           <a:prstGeom prst="rect">
             <a:avLst/>
@@ -3965,11 +8520,7 @@
             <a:pPr defTabSz="2128639"/>
             <a:r>
               <a:rPr lang="en-GB" sz="3200" b="1" baseline="0" dirty="0" smtClean="0"/>
-              <a:t>Compare TBL Semantic Parser </a:t>
-            </a:r>
-            <a:r>
-              <a:rPr lang="en-GB" sz="3200" b="1" baseline="0" dirty="0" smtClean="0"/>
-              <a:t>with:</a:t>
+              <a:t>Compare TBL Semantic Parser with:</a:t>
             </a:r>
             <a:br>
               <a:rPr lang="en-GB" sz="3200" b="1" baseline="0" dirty="0" smtClean="0"/>
@@ -4109,7 +8660,11 @@
           </a:p>
           <a:p>
             <a:pPr defTabSz="2128639"/>
-            <a:endParaRPr lang="en-GB" sz="3200" b="1" baseline="0" dirty="0" smtClean="0"/>
+            <a:endParaRPr lang="en-GB" sz="3200" baseline="0" dirty="0" smtClean="0"/>
+          </a:p>
+          <a:p>
+            <a:pPr defTabSz="2128639"/>
+            <a:endParaRPr lang="en-GB" sz="3200" baseline="0" dirty="0" smtClean="0"/>
           </a:p>
           <a:p>
             <a:pPr defTabSz="2128639"/>
@@ -4129,14 +8684,14 @@
           </a:p>
           <a:p>
             <a:pPr defTabSz="2128639"/>
+            <a:endParaRPr lang="en-GB" sz="3200" b="1" baseline="0" dirty="0" smtClean="0"/>
+          </a:p>
+          <a:p>
+            <a:pPr defTabSz="2128639"/>
             <a:r>
               <a:rPr lang="en-GB" sz="3200" b="1" baseline="0" dirty="0" smtClean="0"/>
               <a:t>Conclusion: TBL Semantic Parser is robust to noise and competitive with the state of the art.</a:t>
             </a:r>
-          </a:p>
-          <a:p>
-            <a:pPr defTabSz="2128639"/>
-            <a:endParaRPr lang="en-GB" sz="3200" b="1" baseline="0" dirty="0" smtClean="0"/>
           </a:p>
           <a:p>
             <a:pPr defTabSz="2128639"/>
@@ -4179,7 +8734,7 @@
         </p:nvSpPr>
         <p:spPr bwMode="auto">
           <a:xfrm>
-            <a:off x="0" y="6341424"/>
+            <a:off x="0" y="5991396"/>
             <a:ext cx="42924413" cy="363102"/>
           </a:xfrm>
           <a:prstGeom prst="rect">
@@ -4226,7 +8781,7 @@
         </p:nvSpPr>
         <p:spPr bwMode="auto">
           <a:xfrm>
-            <a:off x="5840134" y="1596819"/>
+            <a:off x="5840134" y="1246791"/>
             <a:ext cx="33313281" cy="1336384"/>
           </a:xfrm>
           <a:prstGeom prst="rect">
@@ -4255,16 +8810,7 @@
                 </a:solidFill>
                 <a:latin typeface="Verdana" pitchFamily="34" charset="0"/>
               </a:rPr>
-              <a:t>Transformation-based Learning for Semantic </a:t>
-            </a:r>
-            <a:r>
-              <a:rPr lang="en-GB" sz="8000" b="1" baseline="0" dirty="0" smtClean="0">
-                <a:solidFill>
-                  <a:srgbClr val="CC0000"/>
-                </a:solidFill>
-                <a:latin typeface="Verdana" pitchFamily="34" charset="0"/>
-              </a:rPr>
-              <a:t>Parsing</a:t>
+              <a:t>Transformation-based Learning for Semantic Parsing</a:t>
             </a:r>
             <a:endParaRPr lang="en-GB" sz="8000" b="1" baseline="0" dirty="0">
               <a:solidFill>
@@ -4285,7 +8831,7 @@
         </p:nvSpPr>
         <p:spPr bwMode="auto">
           <a:xfrm>
-            <a:off x="0" y="6084362"/>
+            <a:off x="0" y="5734334"/>
             <a:ext cx="42924413" cy="327755"/>
           </a:xfrm>
           <a:prstGeom prst="rect">
@@ -4320,7 +8866,7 @@
         </p:nvSpPr>
         <p:spPr bwMode="auto">
           <a:xfrm>
-            <a:off x="5968057" y="3333787"/>
+            <a:off x="5968057" y="2983759"/>
             <a:ext cx="35281889" cy="1521050"/>
           </a:xfrm>
           <a:prstGeom prst="rect">
@@ -4381,7 +8927,7 @@
         </p:nvSpPr>
         <p:spPr bwMode="auto">
           <a:xfrm>
-            <a:off x="640146" y="7249082"/>
+            <a:off x="663228" y="6553562"/>
             <a:ext cx="13238293" cy="1059386"/>
           </a:xfrm>
           <a:prstGeom prst="rect">
@@ -4410,7 +8956,7 @@
                 </a:solidFill>
                 <a:latin typeface="Verdana" pitchFamily="34" charset="0"/>
               </a:rPr>
-              <a:t>Goals</a:t>
+              <a:t>Goals &amp; Motivation</a:t>
             </a:r>
             <a:endParaRPr lang="en-GB" sz="6200" b="1" baseline="0" dirty="0">
               <a:solidFill>
@@ -4431,7 +8977,7 @@
         </p:nvSpPr>
         <p:spPr bwMode="auto">
           <a:xfrm>
-            <a:off x="16256691" y="7250690"/>
+            <a:off x="1926048" y="19797801"/>
             <a:ext cx="10712653" cy="1059386"/>
           </a:xfrm>
           <a:prstGeom prst="rect">
@@ -4462,12 +9008,6 @@
               </a:rPr>
               <a:t>Example of parsing</a:t>
             </a:r>
-            <a:endParaRPr lang="en-GB" sz="6200" b="1" baseline="0" dirty="0" smtClean="0">
-              <a:solidFill>
-                <a:srgbClr val="CC0000"/>
-              </a:solidFill>
-              <a:latin typeface="Verdana" pitchFamily="34" charset="0"/>
-            </a:endParaRPr>
           </a:p>
         </p:txBody>
       </p:sp>
@@ -4481,8 +9021,8 @@
         </p:nvSpPr>
         <p:spPr bwMode="auto">
           <a:xfrm>
-            <a:off x="14451044" y="7069233"/>
-            <a:ext cx="45719" cy="22146516"/>
+            <a:off x="14515530" y="6373713"/>
+            <a:ext cx="45719" cy="22930164"/>
           </a:xfrm>
           <a:prstGeom prst="line">
             <a:avLst/>
@@ -4517,8 +9057,8 @@
         </p:nvSpPr>
         <p:spPr bwMode="auto">
           <a:xfrm>
-            <a:off x="29006381" y="7069233"/>
-            <a:ext cx="50529" cy="22146516"/>
+            <a:off x="28947371" y="6373712"/>
+            <a:ext cx="45719" cy="22893651"/>
           </a:xfrm>
           <a:prstGeom prst="line">
             <a:avLst/>
@@ -4553,8 +9093,8 @@
         </p:nvSpPr>
         <p:spPr bwMode="auto">
           <a:xfrm>
-            <a:off x="15035918" y="8446168"/>
-            <a:ext cx="13473297" cy="20915634"/>
+            <a:off x="15035918" y="7750648"/>
+            <a:ext cx="13473297" cy="21516716"/>
           </a:xfrm>
           <a:prstGeom prst="rect">
             <a:avLst/>
@@ -4572,266 +9112,304 @@
           <a:bodyPr lIns="104260" tIns="52130" rIns="104260" bIns="52130"/>
           <a:lstStyle/>
           <a:p>
-            <a:pPr defTabSz="2128639"/>
-            <a:r>
-              <a:rPr lang="en-GB" sz="3200" baseline="0" dirty="0" smtClean="0"/>
-              <a:t>find all the flights between Toronto and San Diego that arrive on Saturday</a:t>
-            </a:r>
+            <a:pPr marL="742950" indent="-742950" defTabSz="2128639">
+              <a:buFont typeface="+mj-lt"/>
+              <a:buAutoNum type="arabicPeriod" startAt="3"/>
+            </a:pPr>
+            <a:r>
+              <a:rPr lang="en-GB" sz="3200" b="1" baseline="0" dirty="0" smtClean="0"/>
+              <a:t>Rules </a:t>
+            </a:r>
+            <a:r>
+              <a:rPr lang="en-GB" sz="3200" b="1" baseline="0" dirty="0" smtClean="0"/>
+              <a:t>can </a:t>
+            </a:r>
+            <a:r>
+              <a:rPr lang="en-GB" sz="3200" b="1" baseline="0" dirty="0" smtClean="0"/>
+              <a:t>correct </a:t>
+            </a:r>
+            <a:r>
+              <a:rPr lang="en-GB" sz="3200" b="1" baseline="0" dirty="0" smtClean="0"/>
+              <a:t>previous errors</a:t>
+            </a:r>
+          </a:p>
+          <a:p>
+            <a:pPr marL="742950" indent="-742950" defTabSz="2128639">
+              <a:buFont typeface="+mj-lt"/>
+              <a:buAutoNum type="arabicPeriod" startAt="3"/>
+            </a:pPr>
+            <a:endParaRPr lang="en-GB" sz="3200" b="1" baseline="0" dirty="0" smtClean="0"/>
+          </a:p>
+          <a:p>
+            <a:pPr marL="742950" indent="-742950" defTabSz="2128639">
+              <a:buFont typeface="+mj-lt"/>
+              <a:buAutoNum type="arabicPeriod" startAt="3"/>
+            </a:pPr>
+            <a:endParaRPr lang="en-GB" sz="3200" b="1" baseline="0" dirty="0" smtClean="0"/>
+          </a:p>
+          <a:p>
+            <a:pPr marL="742950" indent="-742950" defTabSz="2128639">
+              <a:buFont typeface="+mj-lt"/>
+              <a:buAutoNum type="arabicPeriod" startAt="3"/>
+            </a:pPr>
+            <a:endParaRPr lang="en-GB" sz="3200" b="1" baseline="0" dirty="0" smtClean="0"/>
+          </a:p>
+          <a:p>
+            <a:pPr marL="742950" indent="-742950" defTabSz="2128639">
+              <a:buFont typeface="+mj-lt"/>
+              <a:buAutoNum type="arabicPeriod" startAt="3"/>
+            </a:pPr>
+            <a:endParaRPr lang="en-GB" sz="3200" b="1" baseline="0" dirty="0" smtClean="0"/>
+          </a:p>
+          <a:p>
+            <a:pPr marL="742950" indent="-742950" defTabSz="2128639">
+              <a:buFont typeface="+mj-lt"/>
+              <a:buAutoNum type="arabicPeriod" startAt="3"/>
+            </a:pPr>
+            <a:endParaRPr lang="en-GB" sz="3200" b="1" baseline="0" dirty="0" smtClean="0"/>
+          </a:p>
+          <a:p>
+            <a:pPr marL="742950" indent="-742950" defTabSz="2128639">
+              <a:buFont typeface="+mj-lt"/>
+              <a:buAutoNum type="arabicPeriod" startAt="3"/>
+            </a:pPr>
+            <a:endParaRPr lang="en-GB" sz="3200" b="1" baseline="0" dirty="0" smtClean="0"/>
+          </a:p>
+          <a:p>
+            <a:pPr marL="742950" indent="-742950" defTabSz="2128639">
+              <a:buFont typeface="+mj-lt"/>
+              <a:buAutoNum type="arabicPeriod" startAt="3"/>
+            </a:pPr>
+            <a:endParaRPr lang="en-GB" sz="3200" b="1" baseline="0" dirty="0" smtClean="0"/>
+          </a:p>
+          <a:p>
+            <a:pPr marL="742950" indent="-742950" defTabSz="2128639">
+              <a:buFont typeface="+mj-lt"/>
+              <a:buAutoNum type="arabicPeriod" startAt="3"/>
+            </a:pPr>
+            <a:endParaRPr lang="en-GB" sz="3200" b="1" baseline="0" dirty="0" smtClean="0"/>
+          </a:p>
+          <a:p>
+            <a:pPr marL="742950" indent="-742950" defTabSz="2128639">
+              <a:buFont typeface="+mj-lt"/>
+              <a:buAutoNum type="arabicPeriod" startAt="3"/>
+            </a:pPr>
+            <a:endParaRPr lang="en-GB" sz="3200" b="1" baseline="0" dirty="0" smtClean="0"/>
+          </a:p>
+          <a:p>
+            <a:pPr marL="742950" indent="-742950" defTabSz="2128639">
+              <a:buFont typeface="+mj-lt"/>
+              <a:buAutoNum type="arabicPeriod" startAt="3"/>
+            </a:pPr>
+            <a:endParaRPr lang="en-GB" sz="3200" b="1" baseline="0" dirty="0" smtClean="0"/>
+          </a:p>
+          <a:p>
+            <a:pPr marL="742950" indent="-742950" defTabSz="2128639">
+              <a:buFont typeface="+mj-lt"/>
+              <a:buAutoNum type="arabicPeriod" startAt="3"/>
+            </a:pPr>
+            <a:endParaRPr lang="en-GB" sz="3200" b="1" baseline="0" dirty="0" smtClean="0"/>
+          </a:p>
+          <a:p>
+            <a:pPr marL="742950" indent="-742950" defTabSz="2128639">
+              <a:buFont typeface="+mj-lt"/>
+              <a:buAutoNum type="arabicPeriod" startAt="3"/>
+            </a:pPr>
+            <a:endParaRPr lang="en-GB" sz="3200" b="1" baseline="0" dirty="0" smtClean="0"/>
+          </a:p>
+          <a:p>
+            <a:pPr marL="742950" indent="-742950" defTabSz="2128639">
+              <a:buFont typeface="+mj-lt"/>
+              <a:buAutoNum type="arabicPeriod" startAt="3"/>
+            </a:pPr>
+            <a:endParaRPr lang="en-GB" sz="3200" b="1" baseline="0" dirty="0" smtClean="0"/>
+          </a:p>
+          <a:p>
+            <a:pPr marL="252000" defTabSz="2128639"/>
+            <a:endParaRPr lang="en-GB" sz="3200" b="1" baseline="0" dirty="0" smtClean="0"/>
           </a:p>
           <a:p>
             <a:pPr defTabSz="2128639"/>
             <a:endParaRPr lang="en-GB" sz="3200" b="1" baseline="0" dirty="0" smtClean="0"/>
           </a:p>
           <a:p>
-            <a:pPr marL="742950" indent="-742950" defTabSz="2128639">
-              <a:buFont typeface="+mj-lt"/>
-              <a:buAutoNum type="arabicPeriod"/>
+            <a:pPr defTabSz="2128639"/>
+            <a:endParaRPr lang="en-GB" sz="3200" b="1" baseline="0" dirty="0" smtClean="0"/>
+          </a:p>
+          <a:p>
+            <a:pPr defTabSz="2128639"/>
+            <a:endParaRPr lang="en-GB" sz="3200" b="1" baseline="0" dirty="0" smtClean="0"/>
+          </a:p>
+          <a:p>
+            <a:pPr defTabSz="2128639"/>
+            <a:endParaRPr lang="en-GB" sz="3200" b="1" baseline="0" dirty="0" smtClean="0"/>
+          </a:p>
+          <a:p>
+            <a:pPr defTabSz="2128639"/>
+            <a:endParaRPr lang="en-GB" sz="3200" b="1" baseline="0" dirty="0" smtClean="0"/>
+          </a:p>
+          <a:p>
+            <a:pPr defTabSz="2128639"/>
+            <a:endParaRPr lang="en-GB" sz="3200" b="1" baseline="0" dirty="0" smtClean="0"/>
+          </a:p>
+          <a:p>
+            <a:pPr defTabSz="2128639"/>
+            <a:endParaRPr lang="en-GB" sz="3200" b="1" baseline="0" dirty="0" smtClean="0"/>
+          </a:p>
+          <a:p>
+            <a:pPr defTabSz="2128639"/>
+            <a:endParaRPr lang="en-GB" sz="3200" b="1" baseline="0" dirty="0" smtClean="0"/>
+          </a:p>
+          <a:p>
+            <a:pPr defTabSz="2128639"/>
+            <a:endParaRPr lang="en-GB" sz="3200" b="1" baseline="0" dirty="0" smtClean="0"/>
+          </a:p>
+          <a:p>
+            <a:pPr defTabSz="2128639"/>
+            <a:endParaRPr lang="en-GB" sz="3200" b="1" baseline="0" dirty="0" smtClean="0"/>
+          </a:p>
+          <a:p>
+            <a:pPr defTabSz="2128639"/>
+            <a:endParaRPr lang="en-GB" sz="3200" b="1" baseline="0" dirty="0" smtClean="0"/>
+          </a:p>
+          <a:p>
+            <a:pPr defTabSz="2128639"/>
+            <a:endParaRPr lang="en-GB" sz="3200" b="1" baseline="0" dirty="0" smtClean="0"/>
+          </a:p>
+          <a:p>
+            <a:pPr defTabSz="2128639"/>
+            <a:endParaRPr lang="en-GB" sz="3200" b="1" baseline="0" dirty="0" smtClean="0"/>
+          </a:p>
+          <a:p>
+            <a:pPr marL="522000" indent="-457200" defTabSz="2128639">
+              <a:buFont typeface="Arial" pitchFamily="34" charset="0"/>
+              <a:buChar char="•"/>
             </a:pPr>
             <a:r>
               <a:rPr lang="en-GB" sz="3200" b="1" baseline="0" dirty="0" smtClean="0"/>
-              <a:t>Parser  assigns to initial semantics to input sentence.</a:t>
-            </a:r>
-          </a:p>
-          <a:p>
-            <a:pPr marL="742950" indent="-742950" defTabSz="2128639">
-              <a:buFont typeface="+mj-lt"/>
-              <a:buAutoNum type="arabicPeriod"/>
+              <a:t>On average 1 million of rules is tested in each iteration</a:t>
+            </a:r>
+          </a:p>
+          <a:p>
+            <a:pPr marL="522000" indent="-457200" defTabSz="2128639">
+              <a:buFont typeface="Arial" pitchFamily="34" charset="0"/>
+              <a:buChar char="•"/>
+            </a:pPr>
+            <a:r>
+              <a:rPr lang="en-GB" sz="3200" b="1" baseline="0" dirty="0" smtClean="0"/>
+              <a:t>Training takes about </a:t>
+            </a:r>
+            <a:r>
+              <a:rPr lang="en-GB" sz="3200" b="1" baseline="0" dirty="0" smtClean="0"/>
+              <a:t>24 hours on </a:t>
+            </a:r>
+            <a:r>
+              <a:rPr lang="en-GB" sz="3200" b="1" baseline="0" dirty="0" smtClean="0"/>
+              <a:t>an </a:t>
+            </a:r>
+            <a:r>
+              <a:rPr lang="en-GB" sz="3200" b="1" baseline="0" dirty="0" smtClean="0"/>
+              <a:t>Intel Pentium 2.8 GHz</a:t>
+            </a:r>
+            <a:endParaRPr lang="en-GB" sz="3200" b="1" baseline="0" dirty="0" smtClean="0"/>
+          </a:p>
+          <a:p>
+            <a:pPr defTabSz="2128639"/>
+            <a:endParaRPr lang="en-GB" sz="3200" b="1" baseline="0" dirty="0" smtClean="0"/>
+          </a:p>
+          <a:p>
+            <a:pPr defTabSz="2128639"/>
+            <a:endParaRPr lang="en-GB" sz="3200" b="1" baseline="0" dirty="0" smtClean="0"/>
+          </a:p>
+          <a:p>
+            <a:pPr defTabSz="2128639"/>
+            <a:endParaRPr lang="en-GB" sz="3200" b="1" baseline="0" dirty="0" smtClean="0"/>
+          </a:p>
+          <a:p>
+            <a:pPr defTabSz="2128639"/>
+            <a:endParaRPr lang="en-GB" sz="3200" b="1" baseline="0" dirty="0" smtClean="0"/>
+          </a:p>
+          <a:p>
+            <a:pPr marL="522000" indent="-457200" defTabSz="2128639">
+              <a:buFont typeface="Arial" pitchFamily="34" charset="0"/>
+              <a:buChar char="•"/>
+            </a:pPr>
+            <a:r>
+              <a:rPr lang="en-GB" sz="3200" b="1" baseline="0" dirty="0" smtClean="0"/>
+              <a:t>Inferred </a:t>
+            </a:r>
+            <a:r>
+              <a:rPr lang="en-GB" sz="3200" b="1" baseline="0" dirty="0" smtClean="0"/>
+              <a:t>list of rules is very small for domains such as ATIS or </a:t>
+            </a:r>
+            <a:r>
+              <a:rPr lang="en-GB" sz="3200" b="1" baseline="0" dirty="0" smtClean="0"/>
+              <a:t>TownInfo</a:t>
+            </a:r>
+          </a:p>
+          <a:p>
+            <a:pPr marL="522000" indent="-457200" defTabSz="2128639">
+              <a:buFont typeface="Arial" pitchFamily="34" charset="0"/>
+              <a:buChar char="•"/>
             </a:pPr>
             <a:endParaRPr lang="en-GB" sz="3200" b="1" baseline="0" dirty="0" smtClean="0"/>
           </a:p>
           <a:p>
-            <a:pPr marL="742950" indent="-742950" defTabSz="2128639">
-              <a:buFont typeface="+mj-lt"/>
-              <a:buAutoNum type="arabicPeriod"/>
+            <a:pPr marL="522000" indent="-457200" defTabSz="2128639">
+              <a:buFont typeface="Arial" pitchFamily="34" charset="0"/>
+              <a:buChar char="•"/>
             </a:pPr>
             <a:endParaRPr lang="en-GB" sz="3200" b="1" baseline="0" dirty="0" smtClean="0"/>
           </a:p>
           <a:p>
-            <a:pPr marL="742950" indent="-742950" defTabSz="2128639">
-              <a:buFont typeface="+mj-lt"/>
-              <a:buAutoNum type="arabicPeriod"/>
+            <a:pPr marL="522000" indent="-457200" defTabSz="2128639">
+              <a:buFont typeface="Arial" pitchFamily="34" charset="0"/>
+              <a:buChar char="•"/>
             </a:pPr>
             <a:endParaRPr lang="en-GB" sz="3200" b="1" baseline="0" dirty="0" smtClean="0"/>
           </a:p>
           <a:p>
-            <a:pPr marL="742950" indent="-742950" defTabSz="2128639">
-              <a:buFont typeface="+mj-lt"/>
-              <a:buAutoNum type="arabicPeriod"/>
-            </a:pPr>
-            <a:r>
-              <a:rPr lang="en-GB" sz="3200" b="1" baseline="0" dirty="0" smtClean="0"/>
-              <a:t>Rules, whose triggers match the sentence a the hypothesised semantics, are sequentially applied.</a:t>
-            </a:r>
-          </a:p>
-          <a:p>
-            <a:pPr marL="742950" indent="-742950" defTabSz="2128639">
-              <a:buFont typeface="+mj-lt"/>
-              <a:buAutoNum type="arabicPeriod"/>
+            <a:pPr marL="522000" indent="-457200" defTabSz="2128639">
+              <a:buFont typeface="Arial" pitchFamily="34" charset="0"/>
+              <a:buChar char="•"/>
             </a:pPr>
             <a:endParaRPr lang="en-GB" sz="3200" b="1" baseline="0" dirty="0" smtClean="0"/>
           </a:p>
           <a:p>
-            <a:pPr marL="742950" indent="-742950" defTabSz="2128639">
-              <a:buFont typeface="+mj-lt"/>
-              <a:buAutoNum type="arabicPeriod"/>
+            <a:pPr marL="522000" indent="-457200" defTabSz="2128639">
+              <a:buFont typeface="Arial" pitchFamily="34" charset="0"/>
+              <a:buChar char="•"/>
             </a:pPr>
+            <a:r>
+              <a:rPr lang="en-GB" sz="3200" b="1" baseline="0" dirty="0" smtClean="0"/>
+              <a:t>Average </a:t>
+            </a:r>
+            <a:r>
+              <a:rPr lang="en-GB" sz="3200" b="1" baseline="0" dirty="0" smtClean="0"/>
+              <a:t>number of semantic concepts  in a sentence is </a:t>
+            </a:r>
+            <a:r>
+              <a:rPr lang="en-GB" sz="3200" b="1" baseline="0" dirty="0" smtClean="0"/>
+              <a:t>5</a:t>
+            </a:r>
             <a:endParaRPr lang="en-GB" sz="3200" b="1" baseline="0" dirty="0" smtClean="0"/>
           </a:p>
           <a:p>
-            <a:pPr marL="742950" indent="-742950" defTabSz="2128639">
-              <a:buFont typeface="+mj-lt"/>
-              <a:buAutoNum type="arabicPeriod"/>
+            <a:pPr marL="522000" indent="-457200" defTabSz="2128639">
+              <a:buFont typeface="Arial" pitchFamily="34" charset="0"/>
+              <a:buChar char="•"/>
             </a:pPr>
-            <a:endParaRPr lang="en-GB" sz="3200" b="1" baseline="0" dirty="0" smtClean="0"/>
-          </a:p>
-          <a:p>
-            <a:pPr marL="742950" indent="-742950" defTabSz="2128639">
-              <a:buFont typeface="+mj-lt"/>
-              <a:buAutoNum type="arabicPeriod"/>
-            </a:pPr>
-            <a:endParaRPr lang="en-GB" sz="3200" b="1" baseline="0" dirty="0" smtClean="0"/>
-          </a:p>
-          <a:p>
-            <a:pPr marL="742950" indent="-742950" defTabSz="2128639">
-              <a:buFont typeface="+mj-lt"/>
-              <a:buAutoNum type="arabicPeriod"/>
-            </a:pPr>
-            <a:endParaRPr lang="en-GB" sz="3200" b="1" baseline="0" dirty="0" smtClean="0"/>
-          </a:p>
-          <a:p>
-            <a:pPr marL="742950" indent="-742950" defTabSz="2128639">
-              <a:buFont typeface="+mj-lt"/>
-              <a:buAutoNum type="arabicPeriod"/>
-            </a:pPr>
-            <a:endParaRPr lang="en-GB" sz="3200" b="1" baseline="0" dirty="0" smtClean="0"/>
-          </a:p>
-          <a:p>
-            <a:pPr marL="742950" indent="-742950" defTabSz="2128639">
-              <a:buFont typeface="+mj-lt"/>
-              <a:buAutoNum type="arabicPeriod"/>
-            </a:pPr>
-            <a:endParaRPr lang="en-GB" sz="3200" b="1" baseline="0" dirty="0" smtClean="0"/>
-          </a:p>
-          <a:p>
-            <a:pPr marL="742950" indent="-742950" defTabSz="2128639">
-              <a:buFont typeface="+mj-lt"/>
-              <a:buAutoNum type="arabicPeriod"/>
-            </a:pPr>
-            <a:endParaRPr lang="en-GB" sz="3200" b="1" baseline="0" dirty="0" smtClean="0"/>
-          </a:p>
-          <a:p>
-            <a:pPr marL="742950" indent="-742950" defTabSz="2128639">
-              <a:buFont typeface="+mj-lt"/>
-              <a:buAutoNum type="arabicPeriod"/>
-            </a:pPr>
-            <a:endParaRPr lang="en-GB" sz="3200" b="1" baseline="0" dirty="0" smtClean="0"/>
-          </a:p>
-          <a:p>
-            <a:pPr marL="742950" indent="-742950" defTabSz="2128639">
-              <a:buFont typeface="+mj-lt"/>
-              <a:buAutoNum type="arabicPeriod"/>
-            </a:pPr>
-            <a:endParaRPr lang="en-GB" sz="3200" b="1" baseline="0" dirty="0" smtClean="0"/>
-          </a:p>
-          <a:p>
-            <a:pPr marL="742950" indent="-742950" defTabSz="2128639">
-              <a:buFont typeface="+mj-lt"/>
-              <a:buAutoNum type="arabicPeriod"/>
-            </a:pPr>
             <a:r>
               <a:rPr lang="en-GB" sz="3200" b="1" baseline="0" dirty="0" smtClean="0"/>
-              <a:t>Additional rules can fix previous errors</a:t>
-            </a:r>
-          </a:p>
-          <a:p>
-            <a:pPr marL="742950" indent="-742950" defTabSz="2128639">
-              <a:buFont typeface="+mj-lt"/>
-              <a:buAutoNum type="arabicPeriod"/>
-            </a:pPr>
-            <a:endParaRPr lang="en-GB" sz="3200" b="1" baseline="0" dirty="0" smtClean="0"/>
-          </a:p>
-          <a:p>
-            <a:pPr marL="742950" indent="-742950" defTabSz="2128639">
-              <a:buFont typeface="+mj-lt"/>
-              <a:buAutoNum type="arabicPeriod"/>
-            </a:pPr>
-            <a:endParaRPr lang="en-GB" sz="3200" b="1" baseline="0" dirty="0" smtClean="0"/>
-          </a:p>
-          <a:p>
-            <a:pPr marL="742950" indent="-742950" defTabSz="2128639">
-              <a:buFont typeface="+mj-lt"/>
-              <a:buAutoNum type="arabicPeriod"/>
-            </a:pPr>
-            <a:endParaRPr lang="en-GB" sz="3200" b="1" baseline="0" dirty="0" smtClean="0"/>
-          </a:p>
-          <a:p>
-            <a:pPr marL="742950" indent="-742950" defTabSz="2128639">
-              <a:buFont typeface="+mj-lt"/>
-              <a:buAutoNum type="arabicPeriod"/>
-            </a:pPr>
-            <a:endParaRPr lang="en-GB" sz="3200" b="1" baseline="0" dirty="0" smtClean="0"/>
-          </a:p>
-          <a:p>
-            <a:pPr marL="742950" indent="-742950" defTabSz="2128639">
-              <a:buFont typeface="+mj-lt"/>
-              <a:buAutoNum type="arabicPeriod"/>
-            </a:pPr>
-            <a:endParaRPr lang="en-GB" sz="3200" b="1" baseline="0" dirty="0" smtClean="0"/>
-          </a:p>
-          <a:p>
-            <a:pPr marL="742950" indent="-742950" defTabSz="2128639">
-              <a:buFont typeface="+mj-lt"/>
-              <a:buAutoNum type="arabicPeriod"/>
-            </a:pPr>
-            <a:endParaRPr lang="en-GB" sz="3200" b="1" baseline="0" dirty="0" smtClean="0"/>
-          </a:p>
-          <a:p>
-            <a:pPr marL="742950" indent="-742950" defTabSz="2128639">
-              <a:buFont typeface="+mj-lt"/>
-              <a:buAutoNum type="arabicPeriod"/>
-            </a:pPr>
-            <a:endParaRPr lang="en-GB" sz="3200" b="1" baseline="0" dirty="0" smtClean="0"/>
-          </a:p>
-          <a:p>
-            <a:pPr marL="742950" indent="-742950" defTabSz="2128639">
-              <a:buFont typeface="+mj-lt"/>
-              <a:buAutoNum type="arabicPeriod"/>
-            </a:pPr>
-            <a:endParaRPr lang="en-GB" sz="3200" b="1" baseline="0" dirty="0" smtClean="0"/>
-          </a:p>
-          <a:p>
-            <a:pPr marL="742950" indent="-742950" defTabSz="2128639">
-              <a:buFont typeface="+mj-lt"/>
-              <a:buAutoNum type="arabicPeriod"/>
-            </a:pPr>
-            <a:endParaRPr lang="en-GB" sz="3200" b="1" baseline="0" dirty="0" smtClean="0"/>
-          </a:p>
-          <a:p>
-            <a:pPr marL="742950" indent="-742950" defTabSz="2128639">
-              <a:buFont typeface="+mj-lt"/>
-              <a:buAutoNum type="arabicPeriod"/>
-            </a:pPr>
-            <a:endParaRPr lang="en-GB" sz="3200" b="1" baseline="0" dirty="0" smtClean="0"/>
-          </a:p>
-          <a:p>
-            <a:pPr marL="252000" defTabSz="2128639"/>
-            <a:endParaRPr lang="en-GB" sz="3200" b="1" baseline="0" dirty="0" smtClean="0"/>
-          </a:p>
-          <a:p>
-            <a:pPr defTabSz="2128639"/>
-            <a:endParaRPr lang="en-GB" sz="3200" b="1" baseline="0" dirty="0" smtClean="0"/>
-          </a:p>
-          <a:p>
-            <a:pPr defTabSz="2128639"/>
+              <a:t>Python </a:t>
+            </a:r>
             <a:r>
               <a:rPr lang="en-GB" sz="3200" b="1" baseline="0" dirty="0" smtClean="0"/>
-              <a:t>Inferred list of rules is very small for domains such as ATIS or TownInfo.</a:t>
-            </a:r>
-          </a:p>
-          <a:p>
-            <a:pPr marL="742950" indent="-742950" defTabSz="2128639">
-              <a:buFont typeface="+mj-lt"/>
-              <a:buAutoNum type="arabicPeriod"/>
-            </a:pPr>
-            <a:endParaRPr lang="en-GB" sz="3200" b="1" baseline="0" dirty="0" smtClean="0"/>
-          </a:p>
-          <a:p>
-            <a:pPr marL="742950" indent="-742950" defTabSz="2128639">
-              <a:buFont typeface="+mj-lt"/>
-              <a:buAutoNum type="arabicPeriod"/>
-            </a:pPr>
-            <a:endParaRPr lang="en-GB" sz="3200" b="1" baseline="0" dirty="0" smtClean="0"/>
-          </a:p>
-          <a:p>
-            <a:pPr marL="742950" indent="-742950" defTabSz="2128639">
-              <a:buFont typeface="+mj-lt"/>
-              <a:buAutoNum type="arabicPeriod"/>
-            </a:pPr>
-            <a:endParaRPr lang="en-GB" sz="3200" b="1" baseline="0" dirty="0" smtClean="0"/>
-          </a:p>
-          <a:p>
-            <a:pPr defTabSz="2128639"/>
+              <a:t>implementation of the parser needs 6ms per </a:t>
+            </a:r>
             <a:r>
               <a:rPr lang="en-GB" sz="3200" b="1" baseline="0" dirty="0" smtClean="0"/>
-              <a:t/>
-            </a:r>
-            <a:br>
-              <a:rPr lang="en-GB" sz="3200" b="1" baseline="0" dirty="0" smtClean="0"/>
-            </a:br>
-            <a:r>
-              <a:rPr lang="en-GB" sz="3200" b="1" baseline="0" dirty="0" smtClean="0"/>
-              <a:t>Average number of semantic concepts  in a sentence is 5.</a:t>
-            </a:r>
-          </a:p>
-          <a:p>
-            <a:pPr defTabSz="2128639"/>
-            <a:endParaRPr lang="en-GB" sz="3200" b="1" baseline="0" dirty="0" smtClean="0"/>
-          </a:p>
-          <a:p>
-            <a:pPr defTabSz="2128639"/>
-            <a:r>
-              <a:rPr lang="en-GB" sz="3200" b="1" baseline="0" dirty="0" smtClean="0"/>
-              <a:t>Python implementation of the parser needs 6ms per sentence on Intel Pentium 2.8 GHz.</a:t>
+              <a:t>sentence</a:t>
             </a:r>
             <a:endParaRPr lang="en-GB" sz="3200" b="1" baseline="0" dirty="0" smtClean="0"/>
           </a:p>
@@ -4847,7 +9425,7 @@
         </p:nvSpPr>
         <p:spPr bwMode="auto">
           <a:xfrm>
-            <a:off x="32061844" y="25600453"/>
+            <a:off x="31444678" y="25381375"/>
             <a:ext cx="8929290" cy="1059386"/>
           </a:xfrm>
           <a:prstGeom prst="rect">
@@ -4907,7 +9485,7 @@
         </p:blipFill>
         <p:spPr bwMode="auto">
           <a:xfrm>
-            <a:off x="1889311" y="1619497"/>
+            <a:off x="1889311" y="1269469"/>
             <a:ext cx="2879887" cy="3238994"/>
           </a:xfrm>
           <a:prstGeom prst="rect">
@@ -4926,7 +9504,7 @@
         </p:nvSpPr>
         <p:spPr bwMode="auto">
           <a:xfrm>
-            <a:off x="30477556" y="26811330"/>
+            <a:off x="30477556" y="26592252"/>
             <a:ext cx="7959156" cy="2477445"/>
           </a:xfrm>
           <a:prstGeom prst="rect">
@@ -4978,7 +9556,7 @@
         </p:nvSpPr>
         <p:spPr bwMode="auto">
           <a:xfrm>
-            <a:off x="30552997" y="7250676"/>
+            <a:off x="30552997" y="6555156"/>
             <a:ext cx="10712653" cy="1059386"/>
           </a:xfrm>
           <a:prstGeom prst="rect">
@@ -5018,107 +9596,6 @@
           </a:p>
         </p:txBody>
       </p:sp>
-      <p:sp>
-        <p:nvSpPr>
-          <p:cNvPr id="378" name="Text Box 73"/>
-          <p:cNvSpPr txBox="1">
-            <a:spLocks noChangeArrowheads="1"/>
-          </p:cNvSpPr>
-          <p:nvPr/>
-        </p:nvSpPr>
-        <p:spPr bwMode="auto">
-          <a:xfrm>
-            <a:off x="649796" y="16946872"/>
-            <a:ext cx="13238293" cy="1059386"/>
-          </a:xfrm>
-          <a:prstGeom prst="rect">
-            <a:avLst/>
-          </a:prstGeom>
-          <a:noFill/>
-          <a:ln w="9525" algn="ctr">
-            <a:noFill/>
-            <a:miter lim="800000"/>
-            <a:headEnd/>
-            <a:tailEnd/>
-          </a:ln>
-          <a:effectLst/>
-        </p:spPr>
-        <p:txBody>
-          <a:bodyPr lIns="104260" tIns="52130" rIns="104260" bIns="52130">
-            <a:spAutoFit/>
-          </a:bodyPr>
-          <a:lstStyle/>
-          <a:p>
-            <a:pPr algn="ctr" defTabSz="4650064"/>
-            <a:r>
-              <a:rPr lang="en-GB" sz="6200" b="1" baseline="0" dirty="0" smtClean="0">
-                <a:solidFill>
-                  <a:srgbClr val="CC0000"/>
-                </a:solidFill>
-                <a:latin typeface="Verdana" pitchFamily="34" charset="0"/>
-              </a:rPr>
-              <a:t>Motivation</a:t>
-            </a:r>
-            <a:endParaRPr lang="en-GB" sz="6200" b="1" baseline="0" dirty="0">
-              <a:solidFill>
-                <a:srgbClr val="CC0000"/>
-              </a:solidFill>
-              <a:latin typeface="Verdana" pitchFamily="34" charset="0"/>
-            </a:endParaRPr>
-          </a:p>
-        </p:txBody>
-      </p:sp>
-      <p:sp>
-        <p:nvSpPr>
-          <p:cNvPr id="380" name="Bent Arrow 379"/>
-          <p:cNvSpPr/>
-          <p:nvPr/>
-        </p:nvSpPr>
-        <p:spPr bwMode="auto">
-          <a:xfrm rot="10800000" flipH="1">
-            <a:off x="1927751" y="20598681"/>
-            <a:ext cx="792144" cy="739066"/>
-          </a:xfrm>
-          <a:prstGeom prst="bentArrow">
-            <a:avLst/>
-          </a:prstGeom>
-          <a:ln>
-            <a:headEnd type="none" w="med" len="med"/>
-            <a:tailEnd type="none" w="med" len="med"/>
-          </a:ln>
-        </p:spPr>
-        <p:style>
-          <a:lnRef idx="1">
-            <a:schemeClr val="dk1"/>
-          </a:lnRef>
-          <a:fillRef idx="2">
-            <a:schemeClr val="dk1"/>
-          </a:fillRef>
-          <a:effectRef idx="1">
-            <a:schemeClr val="dk1"/>
-          </a:effectRef>
-          <a:fontRef idx="minor">
-            <a:schemeClr val="dk1"/>
-          </a:fontRef>
-        </p:style>
-        <p:txBody>
-          <a:bodyPr vert="horz" wrap="square" lIns="104260" tIns="52130" rIns="104260" bIns="52130" numCol="1" rtlCol="0" anchor="t" anchorCtr="0" compatLnSpc="1">
-            <a:prstTxWarp prst="textNoShape">
-              <a:avLst/>
-            </a:prstTxWarp>
-          </a:bodyPr>
-          <a:lstStyle/>
-          <a:p>
-            <a:pPr defTabSz="4650064"/>
-            <a:endParaRPr lang="en-GB" dirty="0" smtClean="0">
-              <a:solidFill>
-                <a:schemeClr val="tx1"/>
-              </a:solidFill>
-              <a:latin typeface="Arial" charset="0"/>
-            </a:endParaRPr>
-          </a:p>
-        </p:txBody>
-      </p:sp>
       <p:graphicFrame>
         <p:nvGraphicFramePr>
           <p:cNvPr id="382" name="Table 381"/>
@@ -5128,8 +9605,8 @@
           <p:nvPr/>
         </p:nvGraphicFramePr>
         <p:xfrm>
-          <a:off x="31539794" y="13989828"/>
-          <a:ext cx="7866688" cy="8236292"/>
+          <a:off x="30919073" y="13294308"/>
+          <a:ext cx="10077589" cy="9254174"/>
         </p:xfrm>
         <a:graphic>
           <a:graphicData uri="http://schemas.openxmlformats.org/drawingml/2006/table">
@@ -5138,10 +9615,10 @@
                 <a:tableStyleId>{5C22544A-7EE6-4342-B048-85BDC9FD1C3A}</a:tableStyleId>
               </a:tblPr>
               <a:tblGrid>
-                <a:gridCol w="3943264"/>
-                <a:gridCol w="1603854"/>
-                <a:gridCol w="1157534"/>
-                <a:gridCol w="1162036"/>
+                <a:gridCol w="5051502"/>
+                <a:gridCol w="2054611"/>
+                <a:gridCol w="1482854"/>
+                <a:gridCol w="1488622"/>
               </a:tblGrid>
               <a:tr h="832884">
                 <a:tc>
@@ -5167,13 +9644,13 @@
                         <a:defRPr/>
                       </a:pPr>
                       <a:r>
-                        <a:rPr lang="en-GB" sz="2400" kern="1200" baseline="0" dirty="0" smtClean="0"/>
+                        <a:rPr lang="en-GB" sz="2800" kern="1200" baseline="0" dirty="0" smtClean="0"/>
                         <a:t>Semantic decoder </a:t>
                       </a:r>
                       <a:br>
-                        <a:rPr lang="en-GB" sz="2400" kern="1200" baseline="0" dirty="0" smtClean="0"/>
+                        <a:rPr lang="en-GB" sz="2800" kern="1200" baseline="0" dirty="0" smtClean="0"/>
                       </a:br>
-                      <a:endParaRPr lang="en-GB" sz="2400" kern="1200" baseline="0" dirty="0" smtClean="0">
+                      <a:endParaRPr lang="en-GB" sz="2800" kern="1200" baseline="0" dirty="0" smtClean="0">
                         <a:solidFill>
                           <a:schemeClr val="tx1"/>
                         </a:solidFill>
@@ -5183,7 +9660,7 @@
                       </a:endParaRPr>
                     </a:p>
                   </a:txBody>
-                  <a:tcPr marL="94465" marR="94465" marT="46271" marB="46271"/>
+                  <a:tcPr marL="94465" marR="94465" marT="46271" marB="46271" anchor="ctr"/>
                 </a:tc>
                 <a:tc>
                   <a:txBody>
@@ -5192,10 +9669,10 @@
                     <a:p>
                       <a:pPr algn="ctr"/>
                       <a:r>
-                        <a:rPr lang="en-GB" sz="2400" dirty="0" smtClean="0"/>
+                        <a:rPr lang="en-GB" sz="2800" dirty="0" smtClean="0"/>
                         <a:t>Item precision</a:t>
                       </a:r>
-                      <a:endParaRPr lang="en-GB" sz="2400" dirty="0">
+                      <a:endParaRPr lang="en-GB" sz="2800" dirty="0">
                         <a:solidFill>
                           <a:schemeClr val="tx1"/>
                         </a:solidFill>
@@ -5211,10 +9688,10 @@
                     <a:p>
                       <a:pPr algn="ctr"/>
                       <a:r>
-                        <a:rPr lang="en-GB" sz="2400" dirty="0" smtClean="0"/>
+                        <a:rPr lang="en-GB" sz="2800" dirty="0" smtClean="0"/>
                         <a:t>Item recall</a:t>
                       </a:r>
-                      <a:endParaRPr lang="en-GB" sz="2400" dirty="0">
+                      <a:endParaRPr lang="en-GB" sz="2800" dirty="0">
                         <a:solidFill>
                           <a:schemeClr val="tx1"/>
                         </a:solidFill>
@@ -5230,17 +9707,17 @@
                     <a:p>
                       <a:pPr algn="ctr"/>
                       <a:r>
-                        <a:rPr lang="en-GB" sz="2400" dirty="0" smtClean="0"/>
+                        <a:rPr lang="en-GB" sz="2800" dirty="0" smtClean="0"/>
                         <a:t>Item </a:t>
                       </a:r>
                       <a:br>
-                        <a:rPr lang="en-GB" sz="2400" dirty="0" smtClean="0"/>
+                        <a:rPr lang="en-GB" sz="2800" dirty="0" smtClean="0"/>
                       </a:br>
                       <a:r>
-                        <a:rPr lang="en-GB" sz="2400" dirty="0" smtClean="0"/>
+                        <a:rPr lang="en-GB" sz="2800" dirty="0" smtClean="0"/>
                         <a:t>F</a:t>
                       </a:r>
-                      <a:endParaRPr lang="en-GB" sz="2400" dirty="0">
+                      <a:endParaRPr lang="en-GB" sz="2800" dirty="0">
                         <a:solidFill>
                           <a:schemeClr val="tx1"/>
                         </a:solidFill>
@@ -5274,10 +9751,10 @@
                         <a:defRPr/>
                       </a:pPr>
                       <a:r>
-                        <a:rPr lang="en-GB" sz="2400" b="1" kern="1200" baseline="0" dirty="0" smtClean="0"/>
+                        <a:rPr lang="en-GB" sz="2800" b="1" kern="1200" baseline="0" dirty="0" smtClean="0"/>
                         <a:t>ATIS dataset with transcribed utterances:</a:t>
                       </a:r>
-                      <a:endParaRPr lang="en-GB" sz="2400" b="1" kern="1200" baseline="0" dirty="0" smtClean="0">
+                      <a:endParaRPr lang="en-GB" sz="2800" b="1" kern="1200" baseline="0" dirty="0" smtClean="0">
                         <a:solidFill>
                           <a:schemeClr val="dk1"/>
                         </a:solidFill>
@@ -5327,10 +9804,10 @@
                     <a:lstStyle/>
                     <a:p>
                       <a:r>
-                        <a:rPr lang="en-GB" sz="2400" dirty="0" smtClean="0"/>
+                        <a:rPr lang="en-GB" sz="2800" dirty="0" smtClean="0"/>
                         <a:t>Semantic Tuple Classifiers</a:t>
                       </a:r>
-                      <a:endParaRPr lang="en-GB" sz="2400" dirty="0"/>
+                      <a:endParaRPr lang="en-GB" sz="2800" dirty="0"/>
                     </a:p>
                   </a:txBody>
                   <a:tcPr marL="94465" marR="94465" marT="46271" marB="46271"/>
@@ -5342,10 +9819,10 @@
                     <a:p>
                       <a:pPr algn="ctr"/>
                       <a:r>
-                        <a:rPr lang="en-GB" sz="2400" dirty="0" smtClean="0"/>
+                        <a:rPr lang="en-GB" sz="2800" dirty="0" smtClean="0"/>
                         <a:t>96.7</a:t>
                       </a:r>
-                      <a:endParaRPr lang="en-GB" sz="2400" dirty="0"/>
+                      <a:endParaRPr lang="en-GB" sz="2800" dirty="0"/>
                     </a:p>
                   </a:txBody>
                   <a:tcPr marL="94465" marR="94465" marT="46271" marB="46271"/>
@@ -5357,10 +9834,10 @@
                     <a:p>
                       <a:pPr algn="ctr"/>
                       <a:r>
-                        <a:rPr lang="en-GB" sz="2400" dirty="0" smtClean="0"/>
+                        <a:rPr lang="en-GB" sz="2800" dirty="0" smtClean="0"/>
                         <a:t>92.4</a:t>
                       </a:r>
-                      <a:endParaRPr lang="en-GB" sz="2400" dirty="0"/>
+                      <a:endParaRPr lang="en-GB" sz="2800" dirty="0"/>
                     </a:p>
                   </a:txBody>
                   <a:tcPr marL="94465" marR="94465" marT="46271" marB="46271"/>
@@ -5372,10 +9849,10 @@
                     <a:p>
                       <a:pPr algn="ctr"/>
                       <a:r>
-                        <a:rPr lang="en-GB" sz="2400" dirty="0" smtClean="0"/>
+                        <a:rPr lang="en-GB" sz="2800" dirty="0" smtClean="0"/>
                         <a:t>94.5</a:t>
                       </a:r>
-                      <a:endParaRPr lang="en-GB" sz="2400" b="1" dirty="0"/>
+                      <a:endParaRPr lang="en-GB" sz="2800" b="1" dirty="0"/>
                     </a:p>
                   </a:txBody>
                   <a:tcPr marL="94465" marR="94465" marT="46271" marB="46271"/>
@@ -5388,10 +9865,10 @@
                     <a:lstStyle/>
                     <a:p>
                       <a:r>
-                        <a:rPr lang="en-GB" sz="2400" kern="1200" baseline="0" dirty="0" smtClean="0"/>
+                        <a:rPr lang="en-GB" sz="2800" kern="1200" baseline="0" dirty="0" smtClean="0"/>
                         <a:t>Hidden Vector State </a:t>
                       </a:r>
-                      <a:endParaRPr lang="en-GB" sz="2400" dirty="0"/>
+                      <a:endParaRPr lang="en-GB" sz="2800" dirty="0"/>
                     </a:p>
                   </a:txBody>
                   <a:tcPr marL="94465" marR="94465" marT="46271" marB="46271"/>
@@ -5401,7 +9878,7 @@
                     <a:bodyPr/>
                     <a:lstStyle/>
                     <a:p>
-                      <a:endParaRPr lang="en-GB" sz="2400" dirty="0"/>
+                      <a:endParaRPr lang="en-GB" sz="2800" dirty="0"/>
                     </a:p>
                   </a:txBody>
                   <a:tcPr marL="94465" marR="94465" marT="46271" marB="46271"/>
@@ -5411,7 +9888,7 @@
                     <a:bodyPr/>
                     <a:lstStyle/>
                     <a:p>
-                      <a:endParaRPr lang="en-GB" sz="2400" dirty="0"/>
+                      <a:endParaRPr lang="en-GB" sz="2800" dirty="0"/>
                     </a:p>
                   </a:txBody>
                   <a:tcPr marL="94465" marR="94465" marT="46271" marB="46271"/>
@@ -5423,10 +9900,10 @@
                     <a:p>
                       <a:pPr algn="ctr"/>
                       <a:r>
-                        <a:rPr lang="en-GB" sz="2400" dirty="0" smtClean="0"/>
+                        <a:rPr lang="en-GB" sz="2800" dirty="0" smtClean="0"/>
                         <a:t>90.3</a:t>
                       </a:r>
-                      <a:endParaRPr lang="en-GB" sz="2400" dirty="0"/>
+                      <a:endParaRPr lang="en-GB" sz="2800" dirty="0"/>
                     </a:p>
                   </a:txBody>
                   <a:tcPr marL="94465" marR="94465" marT="46271" marB="46271"/>
@@ -5439,10 +9916,10 @@
                     <a:lstStyle/>
                     <a:p>
                       <a:r>
-                        <a:rPr lang="en-GB" sz="2400" dirty="0" smtClean="0"/>
+                        <a:rPr lang="en-GB" sz="2800" dirty="0" smtClean="0"/>
                         <a:t>PCCG Induction  </a:t>
                       </a:r>
-                      <a:endParaRPr lang="en-GB" sz="2400" dirty="0"/>
+                      <a:endParaRPr lang="en-GB" sz="2800" dirty="0"/>
                     </a:p>
                   </a:txBody>
                   <a:tcPr marL="94465" marR="94465" marT="46271" marB="46271"/>
@@ -5454,10 +9931,10 @@
                     <a:p>
                       <a:pPr algn="ctr"/>
                       <a:r>
-                        <a:rPr lang="en-GB" sz="2400" dirty="0" smtClean="0"/>
+                        <a:rPr lang="en-GB" sz="2800" dirty="0" smtClean="0"/>
                         <a:t>95.1</a:t>
                       </a:r>
-                      <a:endParaRPr lang="en-GB" sz="2400" dirty="0"/>
+                      <a:endParaRPr lang="en-GB" sz="2800" dirty="0"/>
                     </a:p>
                   </a:txBody>
                   <a:tcPr marL="94465" marR="94465" marT="46271" marB="46271"/>
@@ -5469,10 +9946,10 @@
                     <a:p>
                       <a:pPr algn="ctr"/>
                       <a:r>
-                        <a:rPr lang="en-GB" sz="2400" dirty="0" smtClean="0"/>
+                        <a:rPr lang="en-GB" sz="2800" dirty="0" smtClean="0"/>
                         <a:t>96.7</a:t>
                       </a:r>
-                      <a:endParaRPr lang="en-GB" sz="2400" dirty="0"/>
+                      <a:endParaRPr lang="en-GB" sz="2800" dirty="0"/>
                     </a:p>
                   </a:txBody>
                   <a:tcPr marL="94465" marR="94465" marT="46271" marB="46271"/>
@@ -5484,10 +9961,10 @@
                     <a:p>
                       <a:pPr algn="ctr"/>
                       <a:r>
-                        <a:rPr lang="en-GB" sz="2400" dirty="0" smtClean="0"/>
+                        <a:rPr lang="en-GB" sz="2800" dirty="0" smtClean="0"/>
                         <a:t>95.9</a:t>
                       </a:r>
-                      <a:endParaRPr lang="en-GB" sz="2400" b="1" dirty="0"/>
+                      <a:endParaRPr lang="en-GB" sz="2800" b="1" dirty="0"/>
                     </a:p>
                   </a:txBody>
                   <a:tcPr marL="94465" marR="94465" marT="46271" marB="46271"/>
@@ -5500,10 +9977,10 @@
                     <a:lstStyle/>
                     <a:p>
                       <a:r>
-                        <a:rPr lang="en-GB" sz="2400" dirty="0" smtClean="0"/>
+                        <a:rPr lang="en-GB" sz="2800" dirty="0" smtClean="0"/>
                         <a:t>Markov Logic Networks</a:t>
                       </a:r>
-                      <a:endParaRPr lang="en-GB" sz="2400" dirty="0"/>
+                      <a:endParaRPr lang="en-GB" sz="2800" dirty="0"/>
                     </a:p>
                   </a:txBody>
                   <a:tcPr marL="94465" marR="94465" marT="46271" marB="46271"/>
@@ -5515,10 +9992,10 @@
                     <a:p>
                       <a:pPr algn="ctr"/>
                       <a:r>
-                        <a:rPr lang="en-GB" sz="2400" dirty="0" smtClean="0"/>
+                        <a:rPr lang="en-GB" sz="2800" dirty="0" smtClean="0"/>
                         <a:t>93.4</a:t>
                       </a:r>
-                      <a:endParaRPr lang="en-GB" sz="2400" dirty="0"/>
+                      <a:endParaRPr lang="en-GB" sz="2800" dirty="0"/>
                     </a:p>
                   </a:txBody>
                   <a:tcPr marL="94465" marR="94465" marT="46271" marB="46271"/>
@@ -5530,10 +10007,10 @@
                     <a:p>
                       <a:pPr algn="ctr"/>
                       <a:r>
-                        <a:rPr lang="en-GB" sz="2400" dirty="0" smtClean="0"/>
+                        <a:rPr lang="en-GB" sz="2800" dirty="0" smtClean="0"/>
                         <a:t>89.8</a:t>
                       </a:r>
-                      <a:endParaRPr lang="en-GB" sz="2400" dirty="0"/>
+                      <a:endParaRPr lang="en-GB" sz="2800" dirty="0"/>
                     </a:p>
                   </a:txBody>
                   <a:tcPr marL="94465" marR="94465" marT="46271" marB="46271"/>
@@ -5545,10 +10022,10 @@
                     <a:p>
                       <a:pPr algn="ctr"/>
                       <a:r>
-                        <a:rPr lang="en-GB" sz="2400" dirty="0" smtClean="0"/>
+                        <a:rPr lang="en-GB" sz="2800" dirty="0" smtClean="0"/>
                         <a:t>91.6</a:t>
                       </a:r>
-                      <a:endParaRPr lang="en-GB" sz="2400" dirty="0"/>
+                      <a:endParaRPr lang="en-GB" sz="2800" dirty="0"/>
                     </a:p>
                   </a:txBody>
                   <a:tcPr marL="94465" marR="94465" marT="46271" marB="46271"/>
@@ -5561,10 +10038,10 @@
                     <a:lstStyle/>
                     <a:p>
                       <a:r>
-                        <a:rPr lang="en-GB" sz="2400" dirty="0" smtClean="0"/>
+                        <a:rPr lang="en-GB" sz="2800" dirty="0" smtClean="0"/>
                         <a:t>TBL Semantic Parser</a:t>
                       </a:r>
-                      <a:endParaRPr lang="en-GB" sz="2400" dirty="0"/>
+                      <a:endParaRPr lang="en-GB" sz="2800" dirty="0"/>
                     </a:p>
                   </a:txBody>
                   <a:tcPr marL="94465" marR="94465" marT="46271" marB="46271"/>
@@ -5576,10 +10053,10 @@
                     <a:p>
                       <a:pPr algn="ctr"/>
                       <a:r>
-                        <a:rPr lang="en-GB" sz="2400" dirty="0" smtClean="0"/>
+                        <a:rPr lang="en-GB" sz="2800" dirty="0" smtClean="0"/>
                         <a:t>96.4</a:t>
                       </a:r>
-                      <a:endParaRPr lang="en-GB" sz="2400" dirty="0"/>
+                      <a:endParaRPr lang="en-GB" sz="2800" dirty="0"/>
                     </a:p>
                   </a:txBody>
                   <a:tcPr marL="94465" marR="94465" marT="46271" marB="46271"/>
@@ -5591,10 +10068,10 @@
                     <a:p>
                       <a:pPr algn="ctr"/>
                       <a:r>
-                        <a:rPr lang="en-GB" sz="2400" dirty="0" smtClean="0"/>
+                        <a:rPr lang="en-GB" sz="2800" dirty="0" smtClean="0"/>
                         <a:t>95.1</a:t>
                       </a:r>
-                      <a:endParaRPr lang="en-GB" sz="2400" dirty="0"/>
+                      <a:endParaRPr lang="en-GB" sz="2800" dirty="0"/>
                     </a:p>
                   </a:txBody>
                   <a:tcPr marL="94465" marR="94465" marT="46271" marB="46271"/>
@@ -5606,10 +10083,10 @@
                     <a:p>
                       <a:pPr algn="ctr"/>
                       <a:r>
-                        <a:rPr lang="en-GB" sz="2400" dirty="0" smtClean="0"/>
+                        <a:rPr lang="en-GB" sz="2800" dirty="0" smtClean="0"/>
                         <a:t>95.7</a:t>
                       </a:r>
-                      <a:endParaRPr lang="en-GB" sz="2400" dirty="0"/>
+                      <a:endParaRPr lang="en-GB" sz="2800" dirty="0"/>
                     </a:p>
                   </a:txBody>
                   <a:tcPr marL="94465" marR="94465" marT="46271" marB="46271"/>
@@ -5622,7 +10099,7 @@
                     <a:lstStyle/>
                     <a:p>
                       <a:pPr algn="l"/>
-                      <a:endParaRPr lang="en-GB" sz="2400" b="1" kern="1200" baseline="0" dirty="0" smtClean="0">
+                      <a:endParaRPr lang="en-GB" sz="2800" b="1" kern="1200" baseline="0" dirty="0" smtClean="0">
                         <a:solidFill>
                           <a:schemeClr val="dk1"/>
                         </a:solidFill>
@@ -5673,10 +10150,10 @@
                     <a:p>
                       <a:pPr algn="l"/>
                       <a:r>
-                        <a:rPr lang="en-GB" sz="2400" b="1" kern="1200" baseline="0" dirty="0" smtClean="0"/>
+                        <a:rPr lang="en-GB" sz="2800" b="1" kern="1200" baseline="0" dirty="0" smtClean="0"/>
                         <a:t>TownInfo dataset with transcribed utterances:</a:t>
                       </a:r>
-                      <a:endParaRPr lang="en-GB" sz="2400" b="1" kern="1200" baseline="0" dirty="0" smtClean="0">
+                      <a:endParaRPr lang="en-GB" sz="2800" b="1" kern="1200" baseline="0" dirty="0" smtClean="0">
                         <a:solidFill>
                           <a:schemeClr val="dk1"/>
                         </a:solidFill>
@@ -5743,14 +10220,14 @@
                         <a:defRPr/>
                       </a:pPr>
                       <a:r>
-                        <a:rPr lang="en-GB" sz="2400" dirty="0" smtClean="0"/>
+                        <a:rPr lang="en-GB" sz="2800" dirty="0" smtClean="0"/>
                         <a:t>Semantic Tuple</a:t>
                       </a:r>
                       <a:r>
-                        <a:rPr lang="en-GB" sz="2400" baseline="0" dirty="0" smtClean="0"/>
+                        <a:rPr lang="en-GB" sz="2800" baseline="0" dirty="0" smtClean="0"/>
                         <a:t> Classifiers</a:t>
                       </a:r>
-                      <a:endParaRPr lang="en-GB" sz="2400" dirty="0"/>
+                      <a:endParaRPr lang="en-GB" sz="2800" dirty="0"/>
                     </a:p>
                   </a:txBody>
                   <a:tcPr marL="94465" marR="94465" marT="46271" marB="46271"/>
@@ -5762,10 +10239,10 @@
                     <a:p>
                       <a:pPr algn="ctr"/>
                       <a:r>
-                        <a:rPr lang="en-GB" sz="2400" dirty="0" smtClean="0"/>
+                        <a:rPr lang="en-GB" sz="2800" dirty="0" smtClean="0"/>
                         <a:t>97.4</a:t>
                       </a:r>
-                      <a:endParaRPr lang="en-GB" sz="2400" dirty="0"/>
+                      <a:endParaRPr lang="en-GB" sz="2800" dirty="0"/>
                     </a:p>
                   </a:txBody>
                   <a:tcPr marL="94465" marR="94465" marT="46271" marB="46271"/>
@@ -5777,10 +10254,10 @@
                     <a:p>
                       <a:pPr algn="ctr"/>
                       <a:r>
-                        <a:rPr lang="en-GB" sz="2400" dirty="0" smtClean="0"/>
+                        <a:rPr lang="en-GB" sz="2800" dirty="0" smtClean="0"/>
                         <a:t>94.0</a:t>
                       </a:r>
-                      <a:endParaRPr lang="en-GB" sz="2400" dirty="0"/>
+                      <a:endParaRPr lang="en-GB" sz="2800" dirty="0"/>
                     </a:p>
                   </a:txBody>
                   <a:tcPr marL="94465" marR="94465" marT="46271" marB="46271"/>
@@ -5792,10 +10269,10 @@
                     <a:p>
                       <a:pPr algn="ctr"/>
                       <a:r>
-                        <a:rPr lang="en-GB" sz="2400" dirty="0" smtClean="0"/>
+                        <a:rPr lang="en-GB" sz="2800" dirty="0" smtClean="0"/>
                         <a:t>95.7</a:t>
                       </a:r>
-                      <a:endParaRPr lang="en-GB" sz="2400" b="1" dirty="0"/>
+                      <a:endParaRPr lang="en-GB" sz="2800" b="1" dirty="0"/>
                     </a:p>
                   </a:txBody>
                   <a:tcPr marL="94465" marR="94465" marT="46271" marB="46271"/>
@@ -5808,10 +10285,10 @@
                     <a:lstStyle/>
                     <a:p>
                       <a:r>
-                        <a:rPr lang="en-GB" sz="2400" dirty="0" smtClean="0"/>
+                        <a:rPr lang="en-GB" sz="2800" dirty="0" smtClean="0"/>
                         <a:t>Phoenix grammar</a:t>
                       </a:r>
-                      <a:endParaRPr lang="en-GB" sz="2400" dirty="0"/>
+                      <a:endParaRPr lang="en-GB" sz="2800" dirty="0"/>
                     </a:p>
                   </a:txBody>
                   <a:tcPr marL="94465" marR="94465" marT="46271" marB="46271"/>
@@ -5823,10 +10300,10 @@
                     <a:p>
                       <a:pPr algn="ctr"/>
                       <a:r>
-                        <a:rPr lang="en-GB" sz="2400" dirty="0" smtClean="0"/>
+                        <a:rPr lang="en-GB" sz="2800" dirty="0" smtClean="0"/>
                         <a:t>96.3</a:t>
                       </a:r>
-                      <a:endParaRPr lang="en-GB" sz="2400" dirty="0"/>
+                      <a:endParaRPr lang="en-GB" sz="2800" dirty="0"/>
                     </a:p>
                   </a:txBody>
                   <a:tcPr marL="94465" marR="94465" marT="46271" marB="46271"/>
@@ -5838,10 +10315,10 @@
                     <a:p>
                       <a:pPr algn="ctr"/>
                       <a:r>
-                        <a:rPr lang="en-GB" sz="2400" dirty="0" smtClean="0"/>
+                        <a:rPr lang="en-GB" sz="2800" dirty="0" smtClean="0"/>
                         <a:t>94.2</a:t>
                       </a:r>
-                      <a:endParaRPr lang="en-GB" sz="2400" dirty="0"/>
+                      <a:endParaRPr lang="en-GB" sz="2800" dirty="0"/>
                     </a:p>
                   </a:txBody>
                   <a:tcPr marL="94465" marR="94465" marT="46271" marB="46271"/>
@@ -5853,10 +10330,10 @@
                     <a:p>
                       <a:pPr algn="ctr"/>
                       <a:r>
-                        <a:rPr lang="en-GB" sz="2400" dirty="0" smtClean="0"/>
+                        <a:rPr lang="en-GB" sz="2800" dirty="0" smtClean="0"/>
                         <a:t>95.3</a:t>
                       </a:r>
-                      <a:endParaRPr lang="en-GB" sz="2400" dirty="0"/>
+                      <a:endParaRPr lang="en-GB" sz="2800" dirty="0"/>
                     </a:p>
                   </a:txBody>
                   <a:tcPr marL="94465" marR="94465" marT="46271" marB="46271"/>
@@ -5869,10 +10346,10 @@
                     <a:lstStyle/>
                     <a:p>
                       <a:r>
-                        <a:rPr lang="en-GB" sz="2400" dirty="0" smtClean="0"/>
+                        <a:rPr lang="en-GB" sz="2800" dirty="0" smtClean="0"/>
                         <a:t>TBL Semantic Parser</a:t>
                       </a:r>
-                      <a:endParaRPr lang="en-GB" sz="2400" dirty="0"/>
+                      <a:endParaRPr lang="en-GB" sz="2800" dirty="0"/>
                     </a:p>
                   </a:txBody>
                   <a:tcPr marL="94465" marR="94465" marT="46271" marB="46271"/>
@@ -5884,10 +10361,10 @@
                     <a:p>
                       <a:pPr algn="ctr"/>
                       <a:r>
-                        <a:rPr lang="en-GB" sz="2400" dirty="0" smtClean="0"/>
+                        <a:rPr lang="en-GB" sz="2800" dirty="0" smtClean="0"/>
                         <a:t>92.7</a:t>
                       </a:r>
-                      <a:endParaRPr lang="en-GB" sz="2400" dirty="0"/>
+                      <a:endParaRPr lang="en-GB" sz="2800" dirty="0"/>
                     </a:p>
                   </a:txBody>
                   <a:tcPr marL="94465" marR="94465" marT="46271" marB="46271"/>
@@ -5899,10 +10376,10 @@
                     <a:p>
                       <a:pPr algn="ctr"/>
                       <a:r>
-                        <a:rPr lang="en-GB" sz="2400" dirty="0" smtClean="0"/>
+                        <a:rPr lang="en-GB" sz="2800" dirty="0" smtClean="0"/>
                         <a:t>94.7</a:t>
                       </a:r>
-                      <a:endParaRPr lang="en-GB" sz="2400" dirty="0"/>
+                      <a:endParaRPr lang="en-GB" sz="2800" dirty="0"/>
                     </a:p>
                   </a:txBody>
                   <a:tcPr marL="94465" marR="94465" marT="46271" marB="46271"/>
@@ -5914,10 +10391,10 @@
                     <a:p>
                       <a:pPr algn="ctr"/>
                       <a:r>
-                        <a:rPr lang="en-GB" sz="2400" dirty="0" smtClean="0"/>
+                        <a:rPr lang="en-GB" sz="2800" dirty="0" smtClean="0"/>
                         <a:t>95.4</a:t>
                       </a:r>
-                      <a:endParaRPr lang="en-GB" sz="2400" dirty="0"/>
+                      <a:endParaRPr lang="en-GB" sz="2800" dirty="0"/>
                     </a:p>
                   </a:txBody>
                   <a:tcPr marL="94465" marR="94465" marT="46271" marB="46271"/>
@@ -5946,7 +10423,7 @@
                         <a:tabLst/>
                         <a:defRPr/>
                       </a:pPr>
-                      <a:endParaRPr lang="en-GB" sz="2400" b="1" kern="1200" baseline="0" dirty="0" smtClean="0">
+                      <a:endParaRPr lang="en-GB" sz="2800" b="1" kern="1200" baseline="0" dirty="0" smtClean="0">
                         <a:solidFill>
                           <a:schemeClr val="dk1"/>
                         </a:solidFill>
@@ -6013,10 +10490,10 @@
                         <a:defRPr/>
                       </a:pPr>
                       <a:r>
-                        <a:rPr lang="en-GB" sz="2400" b="1" kern="1200" baseline="0" dirty="0" smtClean="0"/>
+                        <a:rPr lang="en-GB" sz="2800" b="1" kern="1200" baseline="0" dirty="0" smtClean="0"/>
                         <a:t>TownInfo dataset with ASR output:</a:t>
                       </a:r>
-                      <a:endParaRPr lang="en-GB" sz="2400" b="1" kern="1200" baseline="0" dirty="0" smtClean="0">
+                      <a:endParaRPr lang="en-GB" sz="2800" b="1" kern="1200" baseline="0" dirty="0" smtClean="0">
                         <a:solidFill>
                           <a:schemeClr val="dk1"/>
                         </a:solidFill>
@@ -6066,10 +10543,10 @@
                     <a:lstStyle/>
                     <a:p>
                       <a:r>
-                        <a:rPr lang="en-GB" sz="2400" dirty="0" smtClean="0"/>
+                        <a:rPr lang="en-GB" sz="2800" dirty="0" smtClean="0"/>
                         <a:t>Semantic Tuple Classifiers</a:t>
                       </a:r>
-                      <a:endParaRPr lang="en-GB" sz="2400" dirty="0"/>
+                      <a:endParaRPr lang="en-GB" sz="2800" dirty="0"/>
                     </a:p>
                   </a:txBody>
                   <a:tcPr marL="94465" marR="94465" marT="46271" marB="46271"/>
@@ -6081,10 +10558,10 @@
                     <a:p>
                       <a:pPr algn="ctr"/>
                       <a:r>
-                        <a:rPr lang="en-GB" sz="2400" dirty="0" smtClean="0"/>
+                        <a:rPr lang="en-GB" sz="2800" dirty="0" smtClean="0"/>
                         <a:t>94.0</a:t>
                       </a:r>
-                      <a:endParaRPr lang="en-GB" sz="2400" dirty="0"/>
+                      <a:endParaRPr lang="en-GB" sz="2800" dirty="0"/>
                     </a:p>
                   </a:txBody>
                   <a:tcPr marL="94465" marR="94465" marT="46271" marB="46271"/>
@@ -6096,10 +10573,10 @@
                     <a:p>
                       <a:pPr algn="ctr"/>
                       <a:r>
-                        <a:rPr lang="en-GB" sz="2400" dirty="0" smtClean="0"/>
+                        <a:rPr lang="en-GB" sz="2800" dirty="0" smtClean="0"/>
                         <a:t>83.7</a:t>
                       </a:r>
-                      <a:endParaRPr lang="en-GB" sz="2400" dirty="0"/>
+                      <a:endParaRPr lang="en-GB" sz="2800" dirty="0"/>
                     </a:p>
                   </a:txBody>
                   <a:tcPr marL="94465" marR="94465" marT="46271" marB="46271"/>
@@ -6111,10 +10588,10 @@
                     <a:p>
                       <a:pPr algn="ctr"/>
                       <a:r>
-                        <a:rPr lang="en-GB" sz="2400" dirty="0" smtClean="0"/>
+                        <a:rPr lang="en-GB" sz="2800" dirty="0" smtClean="0"/>
                         <a:t>88.6</a:t>
                       </a:r>
-                      <a:endParaRPr lang="en-GB" sz="2400" b="1" dirty="0"/>
+                      <a:endParaRPr lang="en-GB" sz="2800" b="1" dirty="0"/>
                     </a:p>
                   </a:txBody>
                   <a:tcPr marL="94465" marR="94465" marT="46271" marB="46271"/>
@@ -6127,10 +10604,10 @@
                     <a:lstStyle/>
                     <a:p>
                       <a:r>
-                        <a:rPr lang="en-GB" sz="2400" dirty="0" smtClean="0"/>
+                        <a:rPr lang="en-GB" sz="2800" dirty="0" smtClean="0"/>
                         <a:t>Phoenix grammar</a:t>
                       </a:r>
-                      <a:endParaRPr lang="en-GB" sz="2400" dirty="0"/>
+                      <a:endParaRPr lang="en-GB" sz="2800" dirty="0"/>
                     </a:p>
                   </a:txBody>
                   <a:tcPr marL="94465" marR="94465" marT="46271" marB="46271"/>
@@ -6142,10 +10619,10 @@
                     <a:p>
                       <a:pPr algn="ctr"/>
                       <a:r>
-                        <a:rPr lang="en-GB" sz="2400" dirty="0" smtClean="0"/>
+                        <a:rPr lang="en-GB" sz="2800" dirty="0" smtClean="0"/>
                         <a:t>90.3</a:t>
                       </a:r>
-                      <a:endParaRPr lang="en-GB" sz="2400" dirty="0"/>
+                      <a:endParaRPr lang="en-GB" sz="2800" dirty="0"/>
                     </a:p>
                   </a:txBody>
                   <a:tcPr marL="94465" marR="94465" marT="46271" marB="46271"/>
@@ -6157,10 +10634,10 @@
                     <a:p>
                       <a:pPr algn="ctr"/>
                       <a:r>
-                        <a:rPr lang="en-GB" sz="2400" dirty="0" smtClean="0"/>
+                        <a:rPr lang="en-GB" sz="2800" dirty="0" smtClean="0"/>
                         <a:t>79.5</a:t>
                       </a:r>
-                      <a:endParaRPr lang="en-GB" sz="2400" dirty="0"/>
+                      <a:endParaRPr lang="en-GB" sz="2800" dirty="0"/>
                     </a:p>
                   </a:txBody>
                   <a:tcPr marL="94465" marR="94465" marT="46271" marB="46271"/>
@@ -6172,10 +10649,10 @@
                     <a:p>
                       <a:pPr algn="ctr"/>
                       <a:r>
-                        <a:rPr lang="en-GB" sz="2400" dirty="0" smtClean="0"/>
+                        <a:rPr lang="en-GB" sz="2800" dirty="0" smtClean="0"/>
                         <a:t>85.5</a:t>
                       </a:r>
-                      <a:endParaRPr lang="en-GB" sz="2400" dirty="0"/>
+                      <a:endParaRPr lang="en-GB" sz="2800" dirty="0"/>
                     </a:p>
                   </a:txBody>
                   <a:tcPr marL="94465" marR="94465" marT="46271" marB="46271"/>
@@ -6188,10 +10665,10 @@
                     <a:lstStyle/>
                     <a:p>
                       <a:r>
-                        <a:rPr lang="en-GB" sz="2400" dirty="0" smtClean="0"/>
+                        <a:rPr lang="en-GB" sz="2800" dirty="0" smtClean="0"/>
                         <a:t>TBL Semantic Parser</a:t>
                       </a:r>
-                      <a:endParaRPr lang="en-GB" sz="2400" dirty="0"/>
+                      <a:endParaRPr lang="en-GB" sz="2800" dirty="0"/>
                     </a:p>
                   </a:txBody>
                   <a:tcPr marL="94465" marR="94465" marT="46271" marB="46271"/>
@@ -6203,10 +10680,10 @@
                     <a:p>
                       <a:pPr algn="ctr"/>
                       <a:r>
-                        <a:rPr lang="en-GB" sz="2400" dirty="0" smtClean="0"/>
+                        <a:rPr lang="en-GB" sz="2800" dirty="0" smtClean="0"/>
                         <a:t>92.7</a:t>
                       </a:r>
-                      <a:endParaRPr lang="en-GB" sz="2400" dirty="0"/>
+                      <a:endParaRPr lang="en-GB" sz="2800" dirty="0"/>
                     </a:p>
                   </a:txBody>
                   <a:tcPr marL="94465" marR="94465" marT="46271" marB="46271"/>
@@ -6218,10 +10695,10 @@
                     <a:p>
                       <a:pPr algn="ctr"/>
                       <a:r>
-                        <a:rPr lang="en-GB" sz="2400" dirty="0" smtClean="0"/>
+                        <a:rPr lang="en-GB" sz="2800" dirty="0" smtClean="0"/>
                         <a:t>83.4</a:t>
                       </a:r>
-                      <a:endParaRPr lang="en-GB" sz="2400" dirty="0"/>
+                      <a:endParaRPr lang="en-GB" sz="2800" dirty="0"/>
                     </a:p>
                   </a:txBody>
                   <a:tcPr marL="94465" marR="94465" marT="46271" marB="46271"/>
@@ -6233,10 +10710,10 @@
                     <a:p>
                       <a:pPr algn="ctr"/>
                       <a:r>
-                        <a:rPr lang="en-GB" sz="2400" dirty="0" smtClean="0"/>
+                        <a:rPr lang="en-GB" sz="2800" dirty="0" smtClean="0"/>
                         <a:t>87.8</a:t>
                       </a:r>
-                      <a:endParaRPr lang="en-GB" sz="2400" dirty="0"/>
+                      <a:endParaRPr lang="en-GB" sz="2800" dirty="0"/>
                     </a:p>
                   </a:txBody>
                   <a:tcPr marL="94465" marR="94465" marT="46271" marB="46271"/>
@@ -6263,7 +10740,7 @@
         </p:blipFill>
         <p:spPr bwMode="auto">
           <a:xfrm>
-            <a:off x="38323550" y="28038527"/>
+            <a:off x="38323550" y="27819449"/>
             <a:ext cx="3206293" cy="739066"/>
           </a:xfrm>
           <a:prstGeom prst="rect">
@@ -6289,7 +10766,7 @@
         </p:blipFill>
         <p:spPr bwMode="auto">
           <a:xfrm>
-            <a:off x="39153414" y="26785398"/>
+            <a:off x="39153414" y="26566320"/>
             <a:ext cx="1433403" cy="1142270"/>
           </a:xfrm>
           <a:prstGeom prst="rect">
@@ -6306,8 +10783,8 @@
         </p:nvSpPr>
         <p:spPr>
           <a:xfrm>
-            <a:off x="1927751" y="9140758"/>
-            <a:ext cx="10762291" cy="3059933"/>
+            <a:off x="2365907" y="11412507"/>
+            <a:ext cx="10260552" cy="2567491"/>
           </a:xfrm>
           <a:prstGeom prst="rect">
             <a:avLst/>
@@ -6335,7 +10812,23 @@
           <a:p>
             <a:r>
               <a:rPr lang="en-GB" sz="3200" u="sng" baseline="0" dirty="0" smtClean="0"/>
-              <a:t>what are the lowest airfare from Washington DC to Boston</a:t>
+              <a:t>what are the lowest </a:t>
+            </a:r>
+            <a:r>
+              <a:rPr lang="en-GB" sz="3200" u="sng" baseline="0" dirty="0" smtClean="0"/>
+              <a:t>airfares from </a:t>
+            </a:r>
+            <a:r>
+              <a:rPr lang="en-GB" sz="3200" u="sng" baseline="0" dirty="0" smtClean="0"/>
+              <a:t>Washington </a:t>
+            </a:r>
+            <a:r>
+              <a:rPr lang="en-GB" sz="3200" u="sng" baseline="0" dirty="0" smtClean="0"/>
+              <a:t>to </a:t>
+            </a:r>
+            <a:r>
+              <a:rPr lang="en-GB" sz="3200" u="sng" baseline="0" dirty="0" smtClean="0"/>
+              <a:t>Boston</a:t>
             </a:r>
           </a:p>
           <a:p>
@@ -6359,15 +10852,12 @@
           <a:p>
             <a:r>
               <a:rPr lang="en-GB" sz="3200" baseline="0" dirty="0" smtClean="0"/>
-              <a:t>from.state		= 	DC</a:t>
-            </a:r>
-          </a:p>
-          <a:p>
+              <a:t>to.city</a:t>
+            </a:r>
             <a:r>
               <a:rPr lang="en-GB" sz="3200" baseline="0" dirty="0" smtClean="0"/>
-              <a:t>to.city		= 	Boston</a:t>
-            </a:r>
-            <a:endParaRPr lang="en-GB" sz="3200" baseline="0" dirty="0" smtClean="0"/>
+              <a:t>		= 	Boston</a:t>
+            </a:r>
           </a:p>
         </p:txBody>
       </p:sp>
@@ -6381,7 +10871,7 @@
         </p:nvSpPr>
         <p:spPr bwMode="auto">
           <a:xfrm>
-            <a:off x="33080313" y="23556234"/>
+            <a:off x="33017224" y="23628751"/>
             <a:ext cx="5784198" cy="1059386"/>
           </a:xfrm>
           <a:prstGeom prst="rect">
@@ -6431,7 +10921,7 @@
         </p:nvSpPr>
         <p:spPr bwMode="auto">
           <a:xfrm>
-            <a:off x="686309" y="22131718"/>
+            <a:off x="663228" y="15721041"/>
             <a:ext cx="13238293" cy="1059386"/>
           </a:xfrm>
           <a:prstGeom prst="rect">
@@ -6479,8 +10969,8 @@
         </p:nvSpPr>
         <p:spPr>
           <a:xfrm>
-            <a:off x="1453082" y="23300643"/>
-            <a:ext cx="12743038" cy="4291039"/>
+            <a:off x="1453082" y="16765011"/>
+            <a:ext cx="12743038" cy="2813712"/>
           </a:xfrm>
           <a:prstGeom prst="rect">
             <a:avLst/>
@@ -6495,7 +10985,11 @@
           <a:p>
             <a:r>
               <a:rPr lang="en-GB" sz="3200" u="sng" baseline="0" dirty="0" smtClean="0"/>
-              <a:t>Triggers			Transformations				 		  </a:t>
+              <a:t>Triggers</a:t>
+            </a:r>
+            <a:r>
+              <a:rPr lang="en-GB" sz="3200" u="sng" baseline="0" dirty="0" smtClean="0"/>
+              <a:t>			Transformations				 		  </a:t>
             </a:r>
           </a:p>
           <a:p>
@@ -6506,8 +11000,21 @@
             </a:pPr>
             <a:r>
               <a:rPr lang="en-GB" sz="3200" baseline="0" dirty="0" smtClean="0"/>
-              <a:t>„tickets“			replace the goal by „airfare“</a:t>
-            </a:r>
+              <a:t>“</a:t>
+            </a:r>
+            <a:r>
+              <a:rPr lang="en-GB" sz="3200" baseline="0" dirty="0" smtClean="0"/>
+              <a:t>Seattle"</a:t>
+            </a:r>
+            <a:r>
+              <a:rPr lang="en-GB" sz="3200" baseline="0" dirty="0" smtClean="0"/>
+              <a:t>			add the slot </a:t>
+            </a:r>
+            <a:r>
+              <a:rPr lang="en-GB" sz="3200" baseline="0" dirty="0" smtClean="0"/>
+              <a:t>"to.city=Seattle"</a:t>
+            </a:r>
+            <a:endParaRPr lang="en-GB" sz="3200" baseline="0" dirty="0" smtClean="0"/>
           </a:p>
           <a:p>
             <a:pPr>
@@ -6517,7 +11024,23 @@
             </a:pPr>
             <a:r>
               <a:rPr lang="en-GB" sz="3200" baseline="0" dirty="0" smtClean="0"/>
-              <a:t>„flights * from“	</a:t>
+              <a:t>“connecting"</a:t>
+            </a:r>
+            <a:r>
+              <a:rPr lang="en-GB" sz="3200" baseline="0" dirty="0" smtClean="0"/>
+              <a:t>		replace the slot </a:t>
+            </a:r>
+            <a:r>
+              <a:rPr lang="en-GB" sz="3200" baseline="0" dirty="0" smtClean="0"/>
+              <a:t>“to.city=*" </a:t>
+            </a:r>
+            <a:r>
+              <a:rPr lang="en-GB" sz="3200" baseline="0" dirty="0" smtClean="0"/>
+              <a:t>by </a:t>
+            </a:r>
+            <a:r>
+              <a:rPr lang="en-GB" sz="3200" baseline="0" dirty="0" smtClean="0"/>
+              <a:t>“stop.city=*“</a:t>
             </a:r>
           </a:p>
           <a:p>
@@ -6528,29 +11051,19 @@
             </a:pPr>
             <a:r>
               <a:rPr lang="en-GB" sz="3200" baseline="0" dirty="0" smtClean="0"/>
-              <a:t>&amp; GOAL=airfare	replace the goal by flight</a:t>
-            </a:r>
-          </a:p>
-          <a:p>
-            <a:pPr>
-              <a:lnSpc>
-                <a:spcPct val="150000"/>
-              </a:lnSpc>
-            </a:pPr>
+              <a:t>“from * Francisco”	delete </a:t>
+            </a:r>
             <a:r>
               <a:rPr lang="en-GB" sz="3200" baseline="0" dirty="0" smtClean="0"/>
-              <a:t>„Seattle“			add the slot „to.city=Seattle“</a:t>
-            </a:r>
-          </a:p>
-          <a:p>
-            <a:pPr>
-              <a:lnSpc>
-                <a:spcPct val="150000"/>
-              </a:lnSpc>
-            </a:pPr>
+              <a:t>the slot “</a:t>
+            </a:r>
             <a:r>
               <a:rPr lang="en-GB" sz="3200" baseline="0" dirty="0" smtClean="0"/>
-              <a:t>„connecting“		replace the slot „to.city=*“ by „stop.city=*“</a:t>
+              <a:t>toloc.city=San Francisco</a:t>
+            </a:r>
+            <a:r>
+              <a:rPr lang="en-GB" sz="3200" baseline="0" dirty="0" smtClean="0"/>
+              <a:t>"</a:t>
             </a:r>
             <a:endParaRPr lang="en-GB" sz="3200" baseline="0" dirty="0" smtClean="0"/>
           </a:p>
@@ -6564,7 +11077,7 @@
         </p:nvSpPr>
         <p:spPr>
           <a:xfrm>
-            <a:off x="18116716" y="10215476"/>
+            <a:off x="3472418" y="22585485"/>
             <a:ext cx="4769497" cy="597721"/>
           </a:xfrm>
           <a:prstGeom prst="rect">
@@ -6595,7 +11108,6 @@
               <a:rPr lang="en-GB" sz="3200" baseline="0" dirty="0" smtClean="0"/>
               <a:t>GOAL		= 	flight</a:t>
             </a:r>
-            <a:endParaRPr lang="en-GB" sz="3200" baseline="0" dirty="0" smtClean="0"/>
           </a:p>
         </p:txBody>
       </p:sp>
@@ -6607,7 +11119,7 @@
         </p:nvSpPr>
         <p:spPr>
           <a:xfrm>
-            <a:off x="18066497" y="14835820"/>
+            <a:off x="3534323" y="27040071"/>
             <a:ext cx="5817861" cy="2075048"/>
           </a:xfrm>
           <a:prstGeom prst="rect">
@@ -6668,11 +11180,6 @@
               </a:rPr>
               <a:t>departure.day	=	Saturday</a:t>
             </a:r>
-            <a:endParaRPr lang="en-GB" sz="3200" baseline="0" dirty="0" smtClean="0">
-              <a:solidFill>
-                <a:srgbClr val="009900"/>
-              </a:solidFill>
-            </a:endParaRPr>
           </a:p>
         </p:txBody>
       </p:sp>
@@ -6684,7 +11191,7 @@
         </p:nvSpPr>
         <p:spPr>
           <a:xfrm>
-            <a:off x="16277360" y="12529308"/>
+            <a:off x="1672160" y="24630213"/>
             <a:ext cx="12213842" cy="2075048"/>
           </a:xfrm>
           <a:prstGeom prst="rect">
@@ -6700,7 +11207,23 @@
           <a:p>
             <a:r>
               <a:rPr lang="en-GB" sz="3200" u="sng" baseline="0" dirty="0" smtClean="0"/>
-              <a:t>#	trigger			transformation						</a:t>
+              <a:t>#	</a:t>
+            </a:r>
+            <a:r>
+              <a:rPr lang="en-GB" sz="3200" u="sng" baseline="0" dirty="0" smtClean="0"/>
+              <a:t>Trigger</a:t>
+            </a:r>
+            <a:r>
+              <a:rPr lang="en-GB" sz="3200" u="sng" baseline="0" dirty="0" smtClean="0"/>
+              <a:t>			</a:t>
+            </a:r>
+            <a:r>
+              <a:rPr lang="en-GB" sz="3200" u="sng" baseline="0" dirty="0" smtClean="0"/>
+              <a:t>Transformation</a:t>
+            </a:r>
+            <a:r>
+              <a:rPr lang="en-GB" sz="3200" u="sng" baseline="0" dirty="0" smtClean="0"/>
+              <a:t>						</a:t>
             </a:r>
           </a:p>
           <a:p>
@@ -6709,16 +11232,17 @@
             </a:pPr>
             <a:r>
               <a:rPr lang="en-GB" sz="3200" baseline="0" dirty="0" smtClean="0"/>
-              <a:t>„between </a:t>
+              <a:t>“between Toronto"</a:t>
             </a:r>
             <a:r>
               <a:rPr lang="en-GB" sz="3200" baseline="0" dirty="0" smtClean="0"/>
-              <a:t>T</a:t>
+              <a:t>	add the slot </a:t>
             </a:r>
             <a:r>
               <a:rPr lang="en-GB" sz="3200" baseline="0" dirty="0" smtClean="0"/>
-              <a:t>oronto“	add the slot „from.city=Toronto“</a:t>
-            </a:r>
+              <a:t>“from.city=Toronto“</a:t>
+            </a:r>
+            <a:endParaRPr lang="en-GB" sz="3200" baseline="0" dirty="0" smtClean="0"/>
           </a:p>
           <a:p>
             <a:pPr marL="514350" indent="-514350">
@@ -6726,8 +11250,33 @@
             </a:pPr>
             <a:r>
               <a:rPr lang="en-GB" sz="3200" baseline="0" dirty="0" smtClean="0"/>
-              <a:t>„and San Diego“		add the slot „to.city=Sand Diego“</a:t>
-            </a:r>
+              <a:t>“</a:t>
+            </a:r>
+            <a:r>
+              <a:rPr lang="en-GB" sz="3200" baseline="0" dirty="0" smtClean="0"/>
+              <a:t>and </a:t>
+            </a:r>
+            <a:r>
+              <a:rPr lang="en-GB" sz="3200" baseline="0" dirty="0" smtClean="0"/>
+              <a:t>San </a:t>
+            </a:r>
+            <a:r>
+              <a:rPr lang="en-GB" sz="3200" baseline="0" dirty="0" smtClean="0"/>
+              <a:t>Diego"</a:t>
+            </a:r>
+            <a:r>
+              <a:rPr lang="en-GB" sz="3200" baseline="0" dirty="0" smtClean="0"/>
+              <a:t>		add the slot </a:t>
+            </a:r>
+            <a:r>
+              <a:rPr lang="en-GB" sz="3200" baseline="0" dirty="0" smtClean="0"/>
+              <a:t>“</a:t>
+            </a:r>
+            <a:r>
+              <a:rPr lang="en-GB" sz="3200" baseline="0" dirty="0" smtClean="0"/>
+              <a:t>to.city=Sand Diego“</a:t>
+            </a:r>
+            <a:endParaRPr lang="en-GB" sz="3200" baseline="0" dirty="0" smtClean="0"/>
           </a:p>
           <a:p>
             <a:pPr marL="514350" indent="-514350">
@@ -6735,7 +11284,19 @@
             </a:pPr>
             <a:r>
               <a:rPr lang="en-GB" sz="3200" baseline="0" dirty="0" smtClean="0"/>
-              <a:t>„Saturday“			add the slot „departure.day=Saturday“</a:t>
+              <a:t>“</a:t>
+            </a:r>
+            <a:r>
+              <a:rPr lang="en-GB" sz="3200" baseline="0" dirty="0" smtClean="0"/>
+              <a:t>Saturday"</a:t>
+            </a:r>
+            <a:r>
+              <a:rPr lang="en-GB" sz="3200" baseline="0" dirty="0" smtClean="0"/>
+              <a:t>			add the slot </a:t>
+            </a:r>
+            <a:r>
+              <a:rPr lang="en-GB" sz="3200" baseline="0" dirty="0" smtClean="0"/>
+              <a:t>“departure.day=Saturday"</a:t>
             </a:r>
             <a:endParaRPr lang="en-GB" sz="3200" baseline="0" dirty="0" smtClean="0"/>
           </a:p>
@@ -6749,7 +11310,7 @@
         </p:nvSpPr>
         <p:spPr>
           <a:xfrm>
-            <a:off x="16277360" y="18079284"/>
+            <a:off x="16167821" y="8527980"/>
             <a:ext cx="12388570" cy="1582606"/>
           </a:xfrm>
           <a:prstGeom prst="rect">
@@ -6765,7 +11326,23 @@
           <a:p>
             <a:r>
               <a:rPr lang="en-GB" sz="3200" u="sng" baseline="0" dirty="0" smtClean="0"/>
-              <a:t>#	trigger			transformation						</a:t>
+              <a:t>#	</a:t>
+            </a:r>
+            <a:r>
+              <a:rPr lang="en-GB" sz="3200" u="sng" baseline="0" dirty="0" smtClean="0"/>
+              <a:t>Trigger</a:t>
+            </a:r>
+            <a:r>
+              <a:rPr lang="en-GB" sz="3200" u="sng" baseline="0" dirty="0" smtClean="0"/>
+              <a:t>			</a:t>
+            </a:r>
+            <a:r>
+              <a:rPr lang="en-GB" sz="3200" u="sng" baseline="0" dirty="0" smtClean="0"/>
+              <a:t>Transformation</a:t>
+            </a:r>
+            <a:r>
+              <a:rPr lang="en-GB" sz="3200" u="sng" baseline="0" dirty="0" smtClean="0"/>
+              <a:t>						</a:t>
             </a:r>
           </a:p>
           <a:p>
@@ -6775,14 +11352,34 @@
             </a:pPr>
             <a:r>
               <a:rPr lang="en-GB" sz="3200" baseline="0" dirty="0" smtClean="0"/>
-              <a:t>„arrive“				replace the slot „departure.day=*“ by</a:t>
+              <a:t>“</a:t>
+            </a:r>
+            <a:r>
+              <a:rPr lang="en-GB" sz="3200" baseline="0" dirty="0" smtClean="0"/>
+              <a:t>arrive"</a:t>
+            </a:r>
+            <a:r>
+              <a:rPr lang="en-GB" sz="3200" baseline="0" dirty="0" smtClean="0"/>
+              <a:t>				replace the slot </a:t>
+            </a:r>
+            <a:r>
+              <a:rPr lang="en-GB" sz="3200" baseline="0" dirty="0" smtClean="0"/>
+              <a:t>“departure.day=*" </a:t>
+            </a:r>
+            <a:r>
+              <a:rPr lang="en-GB" sz="3200" baseline="0" dirty="0" smtClean="0"/>
+              <a:t>by</a:t>
             </a:r>
           </a:p>
           <a:p>
             <a:pPr marL="514350" indent="-514350"/>
             <a:r>
               <a:rPr lang="en-GB" sz="3200" baseline="0" dirty="0" smtClean="0"/>
-              <a:t>						„arrival.day=*“</a:t>
+              <a:t>						</a:t>
+            </a:r>
+            <a:r>
+              <a:rPr lang="en-GB" sz="3200" baseline="0" dirty="0" smtClean="0"/>
+              <a:t>“arrival.day=*"</a:t>
             </a:r>
             <a:endParaRPr lang="en-GB" sz="3200" baseline="0" dirty="0" smtClean="0"/>
           </a:p>
@@ -6796,7 +11393,7 @@
         </p:nvSpPr>
         <p:spPr>
           <a:xfrm>
-            <a:off x="18103010" y="19911127"/>
+            <a:off x="17931108" y="10359823"/>
             <a:ext cx="5817861" cy="2075048"/>
           </a:xfrm>
           <a:prstGeom prst="rect">
@@ -6853,7 +11450,6 @@
               <a:rPr lang="en-GB" sz="3200" baseline="0" dirty="0" smtClean="0"/>
               <a:t>		=	Saturday</a:t>
             </a:r>
-            <a:endParaRPr lang="en-GB" sz="3200" baseline="0" dirty="0" smtClean="0"/>
           </a:p>
         </p:txBody>
       </p:sp>
@@ -6867,7 +11463,7 @@
         </p:nvSpPr>
         <p:spPr bwMode="auto">
           <a:xfrm>
-            <a:off x="16167821" y="22424331"/>
+            <a:off x="16167821" y="23191104"/>
             <a:ext cx="10712653" cy="1059386"/>
           </a:xfrm>
           <a:prstGeom prst="rect">
@@ -6915,8 +11511,8 @@
         </p:nvSpPr>
         <p:spPr>
           <a:xfrm>
-            <a:off x="15620126" y="24724650"/>
-            <a:ext cx="11958965" cy="1582606"/>
+            <a:off x="15620126" y="25579551"/>
+            <a:ext cx="12882295" cy="1582606"/>
           </a:xfrm>
           <a:prstGeom prst="rect">
             <a:avLst/>
@@ -6931,129 +11527,288 @@
           <a:p>
             <a:r>
               <a:rPr lang="en-GB" sz="3200" u="sng" baseline="0" dirty="0" smtClean="0"/>
-              <a:t>Dataset	   # of </a:t>
+              <a:t>Dataset	   # of inferred rules	</a:t>
             </a:r>
             <a:r>
               <a:rPr lang="en-GB" sz="3200" u="sng" baseline="0" dirty="0" smtClean="0"/>
-              <a:t>inferred rules</a:t>
+              <a:t>	concepts</a:t>
             </a:r>
             <a:r>
               <a:rPr lang="en-GB" sz="3200" u="sng" baseline="0" dirty="0" smtClean="0"/>
-              <a:t>	concepts		# of rules/concepts</a:t>
+              <a:t>		# of rules/concepts</a:t>
             </a:r>
           </a:p>
           <a:p>
             <a:r>
               <a:rPr lang="en-GB" sz="3200" baseline="0" dirty="0" smtClean="0"/>
-              <a:t>ATIS		   372			83			4.5</a:t>
-            </a:r>
-          </a:p>
-          <a:p>
+              <a:t>ATIS		   372			</a:t>
+            </a:r>
             <a:r>
               <a:rPr lang="en-GB" sz="3200" baseline="0" dirty="0" smtClean="0"/>
-              <a:t>TownInfo	   195			28			6.9</a:t>
-            </a:r>
-            <a:endParaRPr lang="en-GB" sz="3200" baseline="0" dirty="0" smtClean="0"/>
+              <a:t>	83</a:t>
+            </a:r>
+            <a:r>
+              <a:rPr lang="en-GB" sz="3200" baseline="0" dirty="0" smtClean="0"/>
+              <a:t>			4.5</a:t>
+            </a:r>
+          </a:p>
+          <a:p>
+            <a:r>
+              <a:rPr lang="en-GB" sz="3200" baseline="0" dirty="0" smtClean="0"/>
+              <a:t>TownInfo	   195			</a:t>
+            </a:r>
+            <a:r>
+              <a:rPr lang="en-GB" sz="3200" baseline="0" dirty="0" smtClean="0"/>
+              <a:t>	28</a:t>
+            </a:r>
+            <a:r>
+              <a:rPr lang="en-GB" sz="3200" baseline="0" dirty="0" smtClean="0"/>
+              <a:t>			6.9</a:t>
+            </a:r>
           </a:p>
         </p:txBody>
       </p:sp>
       <p:sp>
         <p:nvSpPr>
-          <p:cNvPr id="33" name="Bent Arrow 32"/>
+          <p:cNvPr id="35" name="Text Box 75"/>
+          <p:cNvSpPr txBox="1">
+            <a:spLocks noChangeArrowheads="1"/>
+          </p:cNvSpPr>
+          <p:nvPr/>
+        </p:nvSpPr>
+        <p:spPr bwMode="auto">
+          <a:xfrm>
+            <a:off x="16167821" y="13092105"/>
+            <a:ext cx="10712653" cy="1059386"/>
+          </a:xfrm>
+          <a:prstGeom prst="rect">
+            <a:avLst/>
+          </a:prstGeom>
+          <a:noFill/>
+          <a:ln w="9525" algn="ctr">
+            <a:noFill/>
+            <a:miter lim="800000"/>
+            <a:headEnd/>
+            <a:tailEnd/>
+          </a:ln>
+          <a:effectLst/>
+        </p:spPr>
+        <p:txBody>
+          <a:bodyPr lIns="104260" tIns="52130" rIns="104260" bIns="52130">
+            <a:spAutoFit/>
+          </a:bodyPr>
+          <a:lstStyle/>
+          <a:p>
+            <a:pPr algn="ctr" defTabSz="4650064"/>
+            <a:r>
+              <a:rPr lang="en-GB" sz="6200" b="1" baseline="0" dirty="0" smtClean="0">
+                <a:solidFill>
+                  <a:srgbClr val="CC0000"/>
+                </a:solidFill>
+                <a:latin typeface="Verdana" pitchFamily="34" charset="0"/>
+              </a:rPr>
+              <a:t>Learning</a:t>
+            </a:r>
+            <a:endParaRPr lang="en-GB" sz="6200" b="1" baseline="0" dirty="0">
+              <a:solidFill>
+                <a:srgbClr val="CC0000"/>
+              </a:solidFill>
+              <a:latin typeface="Verdana" pitchFamily="34" charset="0"/>
+            </a:endParaRPr>
+          </a:p>
+        </p:txBody>
+      </p:sp>
+      <p:sp>
+        <p:nvSpPr>
+          <p:cNvPr id="37" name="Bent Arrow 36"/>
           <p:cNvSpPr/>
           <p:nvPr/>
         </p:nvSpPr>
         <p:spPr bwMode="auto">
-          <a:xfrm rot="10800000" flipH="1">
-            <a:off x="16898081" y="15273976"/>
-            <a:ext cx="792144" cy="739066"/>
+          <a:xfrm flipV="1">
+            <a:off x="16726179" y="10834492"/>
+            <a:ext cx="813816" cy="868680"/>
           </a:xfrm>
           <a:prstGeom prst="bentArrow">
             <a:avLst/>
           </a:prstGeom>
-          <a:ln>
+          <a:solidFill>
+            <a:schemeClr val="accent1"/>
+          </a:solidFill>
+          <a:ln w="9525" cap="flat" cmpd="sng" algn="ctr">
+            <a:solidFill>
+              <a:schemeClr val="tx1"/>
+            </a:solidFill>
+            <a:prstDash val="solid"/>
+            <a:round/>
             <a:headEnd type="none" w="med" len="med"/>
             <a:tailEnd type="none" w="med" len="med"/>
           </a:ln>
+          <a:effectLst/>
         </p:spPr>
-        <p:style>
-          <a:lnRef idx="1">
-            <a:schemeClr val="dk1"/>
-          </a:lnRef>
-          <a:fillRef idx="2">
-            <a:schemeClr val="dk1"/>
-          </a:fillRef>
-          <a:effectRef idx="1">
-            <a:schemeClr val="dk1"/>
-          </a:effectRef>
-          <a:fontRef idx="minor">
-            <a:schemeClr val="dk1"/>
-          </a:fontRef>
-        </p:style>
         <p:txBody>
-          <a:bodyPr vert="horz" wrap="square" lIns="104260" tIns="52130" rIns="104260" bIns="52130" numCol="1" rtlCol="0" anchor="t" anchorCtr="0" compatLnSpc="1">
+          <a:bodyPr vert="horz" wrap="square" lIns="91440" tIns="45720" rIns="91440" bIns="45720" numCol="1" rtlCol="0" anchor="t" anchorCtr="0" compatLnSpc="1">
             <a:prstTxWarp prst="textNoShape">
               <a:avLst/>
             </a:prstTxWarp>
           </a:bodyPr>
           <a:lstStyle/>
           <a:p>
-            <a:pPr defTabSz="4650064"/>
-            <a:endParaRPr lang="en-GB" dirty="0" smtClean="0">
+            <a:pPr marL="0" marR="0" indent="0" algn="l" defTabSz="4078288" rtl="0" eaLnBrk="1" fontAlgn="base" latinLnBrk="0" hangingPunct="1">
+              <a:lnSpc>
+                <a:spcPct val="100000"/>
+              </a:lnSpc>
+              <a:spcBef>
+                <a:spcPct val="0"/>
+              </a:spcBef>
+              <a:spcAft>
+                <a:spcPct val="0"/>
+              </a:spcAft>
+              <a:buClrTx/>
+              <a:buSzTx/>
+              <a:buFontTx/>
+              <a:buNone/>
+              <a:tabLst/>
+            </a:pPr>
+            <a:endParaRPr kumimoji="0" lang="en-GB" sz="7800" b="0" i="0" u="none" strike="noStrike" cap="none" normalizeH="0" baseline="-25000" dirty="0" smtClean="0">
+              <a:ln>
+                <a:noFill/>
+              </a:ln>
               <a:solidFill>
                 <a:schemeClr val="tx1"/>
               </a:solidFill>
+              <a:effectLst/>
               <a:latin typeface="Arial" charset="0"/>
             </a:endParaRPr>
           </a:p>
         </p:txBody>
       </p:sp>
+      <p:graphicFrame>
+        <p:nvGraphicFramePr>
+          <p:cNvPr id="42" name="Diagram 41"/>
+          <p:cNvGraphicFramePr/>
+          <p:nvPr/>
+        </p:nvGraphicFramePr>
+        <p:xfrm>
+          <a:off x="15839203" y="14917755"/>
+          <a:ext cx="12012777" cy="6645367"/>
+        </p:xfrm>
+        <a:graphic>
+          <a:graphicData uri="http://schemas.openxmlformats.org/drawingml/2006/diagram">
+            <dgm:relIds xmlns:dgm="http://schemas.openxmlformats.org/drawingml/2006/diagram" xmlns:r="http://schemas.openxmlformats.org/officeDocument/2006/relationships" r:dm="rId8" r:lo="rId9" r:qs="rId10" r:cs="rId11"/>
+          </a:graphicData>
+        </a:graphic>
+      </p:graphicFrame>
+      <p:graphicFrame>
+        <p:nvGraphicFramePr>
+          <p:cNvPr id="46" name="Diagram 45"/>
+          <p:cNvGraphicFramePr/>
+          <p:nvPr/>
+        </p:nvGraphicFramePr>
+        <p:xfrm>
+          <a:off x="13830989" y="14479599"/>
+          <a:ext cx="4600638" cy="1359846"/>
+        </p:xfrm>
+        <a:graphic>
+          <a:graphicData uri="http://schemas.openxmlformats.org/drawingml/2006/diagram">
+            <dgm:relIds xmlns:dgm="http://schemas.openxmlformats.org/drawingml/2006/diagram" xmlns:r="http://schemas.openxmlformats.org/officeDocument/2006/relationships" r:dm="rId12" r:lo="rId13" r:qs="rId14" r:cs="rId15"/>
+          </a:graphicData>
+        </a:graphic>
+      </p:graphicFrame>
+      <p:cxnSp>
+        <p:nvCxnSpPr>
+          <p:cNvPr id="61" name="Straight Arrow Connector 60"/>
+          <p:cNvCxnSpPr/>
+          <p:nvPr/>
+        </p:nvCxnSpPr>
+        <p:spPr bwMode="auto">
+          <a:xfrm rot="16200000" flipH="1">
+            <a:off x="16569464" y="16159197"/>
+            <a:ext cx="730264" cy="657234"/>
+          </a:xfrm>
+          <a:prstGeom prst="straightConnector1">
+            <a:avLst/>
+          </a:prstGeom>
+          <a:ln w="28575">
+            <a:headEnd type="none" w="med" len="med"/>
+            <a:tailEnd type="arrow" w="med" len="med"/>
+          </a:ln>
+        </p:spPr>
+        <p:style>
+          <a:lnRef idx="1">
+            <a:schemeClr val="accent1"/>
+          </a:lnRef>
+          <a:fillRef idx="0">
+            <a:schemeClr val="accent1"/>
+          </a:fillRef>
+          <a:effectRef idx="0">
+            <a:schemeClr val="accent1"/>
+          </a:effectRef>
+          <a:fontRef idx="minor">
+            <a:schemeClr val="tx1"/>
+          </a:fontRef>
+        </p:style>
+      </p:cxnSp>
       <p:sp>
         <p:nvSpPr>
-          <p:cNvPr id="34" name="Bent Arrow 33"/>
+          <p:cNvPr id="65" name="Bent Arrow 64"/>
           <p:cNvSpPr/>
           <p:nvPr/>
         </p:nvSpPr>
         <p:spPr bwMode="auto">
-          <a:xfrm rot="10800000" flipH="1">
-            <a:off x="16861569" y="20413502"/>
-            <a:ext cx="792144" cy="739066"/>
+          <a:xfrm flipV="1">
+            <a:off x="2183342" y="27551253"/>
+            <a:ext cx="813816" cy="868680"/>
           </a:xfrm>
           <a:prstGeom prst="bentArrow">
             <a:avLst/>
           </a:prstGeom>
-          <a:ln>
+          <a:solidFill>
+            <a:schemeClr val="accent1"/>
+          </a:solidFill>
+          <a:ln w="9525" cap="flat" cmpd="sng" algn="ctr">
+            <a:solidFill>
+              <a:schemeClr val="tx1"/>
+            </a:solidFill>
+            <a:prstDash val="solid"/>
+            <a:round/>
             <a:headEnd type="none" w="med" len="med"/>
             <a:tailEnd type="none" w="med" len="med"/>
           </a:ln>
+          <a:effectLst/>
         </p:spPr>
-        <p:style>
-          <a:lnRef idx="1">
-            <a:schemeClr val="dk1"/>
-          </a:lnRef>
-          <a:fillRef idx="2">
-            <a:schemeClr val="dk1"/>
-          </a:fillRef>
-          <a:effectRef idx="1">
-            <a:schemeClr val="dk1"/>
-          </a:effectRef>
-          <a:fontRef idx="minor">
-            <a:schemeClr val="dk1"/>
-          </a:fontRef>
-        </p:style>
         <p:txBody>
-          <a:bodyPr vert="horz" wrap="square" lIns="104260" tIns="52130" rIns="104260" bIns="52130" numCol="1" rtlCol="0" anchor="t" anchorCtr="0" compatLnSpc="1">
+          <a:bodyPr vert="horz" wrap="square" lIns="91440" tIns="45720" rIns="91440" bIns="45720" numCol="1" rtlCol="0" anchor="t" anchorCtr="0" compatLnSpc="1">
             <a:prstTxWarp prst="textNoShape">
               <a:avLst/>
             </a:prstTxWarp>
           </a:bodyPr>
           <a:lstStyle/>
           <a:p>
-            <a:pPr defTabSz="4650064"/>
-            <a:endParaRPr lang="en-GB" dirty="0" smtClean="0">
+            <a:pPr marL="0" marR="0" indent="0" algn="l" defTabSz="4078288" rtl="0" eaLnBrk="1" fontAlgn="base" latinLnBrk="0" hangingPunct="1">
+              <a:lnSpc>
+                <a:spcPct val="100000"/>
+              </a:lnSpc>
+              <a:spcBef>
+                <a:spcPct val="0"/>
+              </a:spcBef>
+              <a:spcAft>
+                <a:spcPct val="0"/>
+              </a:spcAft>
+              <a:buClrTx/>
+              <a:buSzTx/>
+              <a:buFontTx/>
+              <a:buNone/>
+              <a:tabLst/>
+            </a:pPr>
+            <a:endParaRPr kumimoji="0" lang="en-GB" sz="7800" b="0" i="0" u="none" strike="noStrike" cap="none" normalizeH="0" baseline="-25000" dirty="0" smtClean="0">
+              <a:ln>
+                <a:noFill/>
+              </a:ln>
               <a:solidFill>
                 <a:schemeClr val="tx1"/>
               </a:solidFill>
+              <a:effectLst/>
               <a:latin typeface="Arial" charset="0"/>
             </a:endParaRPr>
           </a:p>

--- a/trunk/doc/paper-1/interspeech09-poster.pptx
+++ b/trunk/doc/paper-1/interspeech09-poster.pptx
@@ -1871,6 +1871,13 @@
         </dgm:presLayoutVars>
       </dgm:prSet>
       <dgm:spPr/>
+      <dgm:t>
+        <a:bodyPr/>
+        <a:lstStyle/>
+        <a:p>
+          <a:endParaRPr lang="en-GB"/>
+        </a:p>
+      </dgm:t>
     </dgm:pt>
     <dgm:pt modelId="{6213C7EB-50F9-4545-B026-0417ABDCF20E}" type="pres">
       <dgm:prSet presAssocID="{F02563A7-1B82-40C1-A61F-F9E390B3F19C}" presName="node" presStyleLbl="node1" presStyleIdx="0" presStyleCnt="5" custScaleX="153594" custScaleY="84555">
@@ -1879,6 +1886,13 @@
         </dgm:presLayoutVars>
       </dgm:prSet>
       <dgm:spPr/>
+      <dgm:t>
+        <a:bodyPr/>
+        <a:lstStyle/>
+        <a:p>
+          <a:endParaRPr lang="en-GB"/>
+        </a:p>
+      </dgm:t>
     </dgm:pt>
     <dgm:pt modelId="{3389847B-9D34-4A46-8D54-B589AE4CA4C8}" type="pres">
       <dgm:prSet presAssocID="{F02563A7-1B82-40C1-A61F-F9E390B3F19C}" presName="spNode" presStyleCnt="0"/>
@@ -1902,6 +1916,13 @@
         </dgm:presLayoutVars>
       </dgm:prSet>
       <dgm:spPr/>
+      <dgm:t>
+        <a:bodyPr/>
+        <a:lstStyle/>
+        <a:p>
+          <a:endParaRPr lang="en-GB"/>
+        </a:p>
+      </dgm:t>
     </dgm:pt>
     <dgm:pt modelId="{4CDE2A96-FC76-4C76-828A-69F138885CB7}" type="pres">
       <dgm:prSet presAssocID="{E161CEA6-F372-4E39-A3F5-537EB62FBEED}" presName="spNode" presStyleCnt="0"/>
@@ -1910,6 +1931,13 @@
     <dgm:pt modelId="{516AB618-53FF-4DFC-A01F-1CD14F4C63A4}" type="pres">
       <dgm:prSet presAssocID="{3EA0E7CC-8793-460F-B872-409C4BD30959}" presName="sibTrans" presStyleLbl="sibTrans1D1" presStyleIdx="1" presStyleCnt="5"/>
       <dgm:spPr/>
+      <dgm:t>
+        <a:bodyPr/>
+        <a:lstStyle/>
+        <a:p>
+          <a:endParaRPr lang="en-GB"/>
+        </a:p>
+      </dgm:t>
     </dgm:pt>
     <dgm:pt modelId="{13C7D8D8-3F31-4F16-8F60-8B56B88C8794}" type="pres">
       <dgm:prSet presAssocID="{8704B45A-AB84-4C03-AA00-8680FB4BFA6F}" presName="node" presStyleLbl="node1" presStyleIdx="2" presStyleCnt="5" custScaleX="121486" custScaleY="84555" custRadScaleRad="104502" custRadScaleInc="-76508">
@@ -1918,6 +1946,13 @@
         </dgm:presLayoutVars>
       </dgm:prSet>
       <dgm:spPr/>
+      <dgm:t>
+        <a:bodyPr/>
+        <a:lstStyle/>
+        <a:p>
+          <a:endParaRPr lang="en-GB"/>
+        </a:p>
+      </dgm:t>
     </dgm:pt>
     <dgm:pt modelId="{A1831999-ED47-4C28-9FAD-C230295C9F01}" type="pres">
       <dgm:prSet presAssocID="{8704B45A-AB84-4C03-AA00-8680FB4BFA6F}" presName="spNode" presStyleCnt="0"/>
@@ -1926,6 +1961,13 @@
     <dgm:pt modelId="{82080A7D-0EC5-4A43-BDA1-9289D9C45DE8}" type="pres">
       <dgm:prSet presAssocID="{9E494898-73F0-4573-ABF9-7E0E17618AC2}" presName="sibTrans" presStyleLbl="sibTrans1D1" presStyleIdx="2" presStyleCnt="5"/>
       <dgm:spPr/>
+      <dgm:t>
+        <a:bodyPr/>
+        <a:lstStyle/>
+        <a:p>
+          <a:endParaRPr lang="en-GB"/>
+        </a:p>
+      </dgm:t>
     </dgm:pt>
     <dgm:pt modelId="{84AFBF01-0AE7-454A-9D7C-6EB6D3B5A0AD}" type="pres">
       <dgm:prSet presAssocID="{178D1CA8-EB11-43EA-A6D0-86D0B21C1412}" presName="node" presStyleLbl="node1" presStyleIdx="3" presStyleCnt="5" custScaleX="147654" custScaleY="84555" custRadScaleRad="95625" custRadScaleInc="47413">
@@ -1964,6 +2006,13 @@
         </dgm:presLayoutVars>
       </dgm:prSet>
       <dgm:spPr/>
+      <dgm:t>
+        <a:bodyPr/>
+        <a:lstStyle/>
+        <a:p>
+          <a:endParaRPr lang="en-GB"/>
+        </a:p>
+      </dgm:t>
     </dgm:pt>
     <dgm:pt modelId="{2021A3FB-FC6F-44EB-A612-B8E530EAEFB6}" type="pres">
       <dgm:prSet presAssocID="{168AD72D-E255-41F1-9F69-00763D987B3F}" presName="spNode" presStyleCnt="0"/>
@@ -1982,22 +2031,22 @@
     </dgm:pt>
   </dgm:ptLst>
   <dgm:cxnLst>
+    <dgm:cxn modelId="{ED425692-CC49-4060-96DC-CD691DCFA588}" type="presOf" srcId="{3EA0E7CC-8793-460F-B872-409C4BD30959}" destId="{516AB618-53FF-4DFC-A01F-1CD14F4C63A4}" srcOrd="0" destOrd="0" presId="urn:microsoft.com/office/officeart/2005/8/layout/cycle5"/>
+    <dgm:cxn modelId="{950588B9-1388-4823-AD96-36AA565ED5EC}" type="presOf" srcId="{178D1CA8-EB11-43EA-A6D0-86D0B21C1412}" destId="{84AFBF01-0AE7-454A-9D7C-6EB6D3B5A0AD}" srcOrd="0" destOrd="0" presId="urn:microsoft.com/office/officeart/2005/8/layout/cycle5"/>
+    <dgm:cxn modelId="{49A40B2C-1A15-4076-8E3E-2931821069CE}" type="presOf" srcId="{8704B45A-AB84-4C03-AA00-8680FB4BFA6F}" destId="{13C7D8D8-3F31-4F16-8F60-8B56B88C8794}" srcOrd="0" destOrd="0" presId="urn:microsoft.com/office/officeart/2005/8/layout/cycle5"/>
+    <dgm:cxn modelId="{24DA519F-EFE6-4D2A-8F8B-164FE1DAEF63}" type="presOf" srcId="{168AD72D-E255-41F1-9F69-00763D987B3F}" destId="{793BDEEE-9D53-457E-B99E-6FF334F09ADD}" srcOrd="0" destOrd="0" presId="urn:microsoft.com/office/officeart/2005/8/layout/cycle5"/>
+    <dgm:cxn modelId="{8A8E43F2-949C-4954-8FA1-70B4A0E0F72C}" srcId="{87D65C3D-C6D1-428B-B298-F41E7A7A8A09}" destId="{168AD72D-E255-41F1-9F69-00763D987B3F}" srcOrd="4" destOrd="0" parTransId="{1161804B-C29E-41C5-AADC-B9294289DEB7}" sibTransId="{38543AA3-61A8-404E-885F-153342460C01}"/>
+    <dgm:cxn modelId="{CC75008F-6DFE-4721-B3DF-227A7A598C3B}" type="presOf" srcId="{0492A759-DBED-4B4C-ADE1-A3749353B8F9}" destId="{D4DBC04A-E694-4ABF-9A66-5D246212F707}" srcOrd="0" destOrd="0" presId="urn:microsoft.com/office/officeart/2005/8/layout/cycle5"/>
+    <dgm:cxn modelId="{F20B92BD-9345-4B31-890B-285192467A44}" type="presOf" srcId="{38543AA3-61A8-404E-885F-153342460C01}" destId="{3498C1EE-CF45-4AF8-AD0F-87450E79C4F7}" srcOrd="0" destOrd="0" presId="urn:microsoft.com/office/officeart/2005/8/layout/cycle5"/>
+    <dgm:cxn modelId="{F60C7AB8-6B39-484C-B0B8-077126AD5976}" type="presOf" srcId="{FFEB3C72-76E4-4CD6-A8A1-9DEEE529899C}" destId="{A87490F5-9BFB-40B8-86E3-E1425B3BA269}" srcOrd="0" destOrd="0" presId="urn:microsoft.com/office/officeart/2005/8/layout/cycle5"/>
+    <dgm:cxn modelId="{101CD9A7-556A-41D6-BB11-6093F8071ED8}" type="presOf" srcId="{E161CEA6-F372-4E39-A3F5-537EB62FBEED}" destId="{BC2CC8FD-EEF0-4F75-8F94-E629A064EE60}" srcOrd="0" destOrd="0" presId="urn:microsoft.com/office/officeart/2005/8/layout/cycle5"/>
+    <dgm:cxn modelId="{64373CEF-A17B-442E-9664-C244F5C0FF3F}" srcId="{87D65C3D-C6D1-428B-B298-F41E7A7A8A09}" destId="{178D1CA8-EB11-43EA-A6D0-86D0B21C1412}" srcOrd="3" destOrd="0" parTransId="{980FEE9D-9047-4E48-AB2D-5AF81058B516}" sibTransId="{0492A759-DBED-4B4C-ADE1-A3749353B8F9}"/>
+    <dgm:cxn modelId="{63F14E87-8050-4F69-8097-51F778758C4D}" srcId="{87D65C3D-C6D1-428B-B298-F41E7A7A8A09}" destId="{E161CEA6-F372-4E39-A3F5-537EB62FBEED}" srcOrd="1" destOrd="0" parTransId="{5E687ABD-C928-42E9-A47C-AEFBE9CCED18}" sibTransId="{3EA0E7CC-8793-460F-B872-409C4BD30959}"/>
+    <dgm:cxn modelId="{325DE7FA-E586-4BC4-AF00-E7B857B7FF2A}" type="presOf" srcId="{9E494898-73F0-4573-ABF9-7E0E17618AC2}" destId="{82080A7D-0EC5-4A43-BDA1-9289D9C45DE8}" srcOrd="0" destOrd="0" presId="urn:microsoft.com/office/officeart/2005/8/layout/cycle5"/>
     <dgm:cxn modelId="{87DE1473-8EA5-4E51-8B89-34CFDE8911B8}" srcId="{87D65C3D-C6D1-428B-B298-F41E7A7A8A09}" destId="{8704B45A-AB84-4C03-AA00-8680FB4BFA6F}" srcOrd="2" destOrd="0" parTransId="{BBB7671C-FAFA-42AB-96FF-542427045CA2}" sibTransId="{9E494898-73F0-4573-ABF9-7E0E17618AC2}"/>
-    <dgm:cxn modelId="{950588B9-1388-4823-AD96-36AA565ED5EC}" type="presOf" srcId="{178D1CA8-EB11-43EA-A6D0-86D0B21C1412}" destId="{84AFBF01-0AE7-454A-9D7C-6EB6D3B5A0AD}" srcOrd="0" destOrd="0" presId="urn:microsoft.com/office/officeart/2005/8/layout/cycle5"/>
     <dgm:cxn modelId="{9CA814B3-6CE9-474A-AAB7-357A33E79547}" type="presOf" srcId="{87D65C3D-C6D1-428B-B298-F41E7A7A8A09}" destId="{31B201AB-D5E6-4DEA-A9C7-A9990F3B5135}" srcOrd="0" destOrd="0" presId="urn:microsoft.com/office/officeart/2005/8/layout/cycle5"/>
-    <dgm:cxn modelId="{63F14E87-8050-4F69-8097-51F778758C4D}" srcId="{87D65C3D-C6D1-428B-B298-F41E7A7A8A09}" destId="{E161CEA6-F372-4E39-A3F5-537EB62FBEED}" srcOrd="1" destOrd="0" parTransId="{5E687ABD-C928-42E9-A47C-AEFBE9CCED18}" sibTransId="{3EA0E7CC-8793-460F-B872-409C4BD30959}"/>
-    <dgm:cxn modelId="{64373CEF-A17B-442E-9664-C244F5C0FF3F}" srcId="{87D65C3D-C6D1-428B-B298-F41E7A7A8A09}" destId="{178D1CA8-EB11-43EA-A6D0-86D0B21C1412}" srcOrd="3" destOrd="0" parTransId="{980FEE9D-9047-4E48-AB2D-5AF81058B516}" sibTransId="{0492A759-DBED-4B4C-ADE1-A3749353B8F9}"/>
-    <dgm:cxn modelId="{24DA519F-EFE6-4D2A-8F8B-164FE1DAEF63}" type="presOf" srcId="{168AD72D-E255-41F1-9F69-00763D987B3F}" destId="{793BDEEE-9D53-457E-B99E-6FF334F09ADD}" srcOrd="0" destOrd="0" presId="urn:microsoft.com/office/officeart/2005/8/layout/cycle5"/>
-    <dgm:cxn modelId="{F60C7AB8-6B39-484C-B0B8-077126AD5976}" type="presOf" srcId="{FFEB3C72-76E4-4CD6-A8A1-9DEEE529899C}" destId="{A87490F5-9BFB-40B8-86E3-E1425B3BA269}" srcOrd="0" destOrd="0" presId="urn:microsoft.com/office/officeart/2005/8/layout/cycle5"/>
-    <dgm:cxn modelId="{49A40B2C-1A15-4076-8E3E-2931821069CE}" type="presOf" srcId="{8704B45A-AB84-4C03-AA00-8680FB4BFA6F}" destId="{13C7D8D8-3F31-4F16-8F60-8B56B88C8794}" srcOrd="0" destOrd="0" presId="urn:microsoft.com/office/officeart/2005/8/layout/cycle5"/>
-    <dgm:cxn modelId="{8A8E43F2-949C-4954-8FA1-70B4A0E0F72C}" srcId="{87D65C3D-C6D1-428B-B298-F41E7A7A8A09}" destId="{168AD72D-E255-41F1-9F69-00763D987B3F}" srcOrd="4" destOrd="0" parTransId="{1161804B-C29E-41C5-AADC-B9294289DEB7}" sibTransId="{38543AA3-61A8-404E-885F-153342460C01}"/>
-    <dgm:cxn modelId="{325DE7FA-E586-4BC4-AF00-E7B857B7FF2A}" type="presOf" srcId="{9E494898-73F0-4573-ABF9-7E0E17618AC2}" destId="{82080A7D-0EC5-4A43-BDA1-9289D9C45DE8}" srcOrd="0" destOrd="0" presId="urn:microsoft.com/office/officeart/2005/8/layout/cycle5"/>
-    <dgm:cxn modelId="{CC75008F-6DFE-4721-B3DF-227A7A598C3B}" type="presOf" srcId="{0492A759-DBED-4B4C-ADE1-A3749353B8F9}" destId="{D4DBC04A-E694-4ABF-9A66-5D246212F707}" srcOrd="0" destOrd="0" presId="urn:microsoft.com/office/officeart/2005/8/layout/cycle5"/>
-    <dgm:cxn modelId="{101CD9A7-556A-41D6-BB11-6093F8071ED8}" type="presOf" srcId="{E161CEA6-F372-4E39-A3F5-537EB62FBEED}" destId="{BC2CC8FD-EEF0-4F75-8F94-E629A064EE60}" srcOrd="0" destOrd="0" presId="urn:microsoft.com/office/officeart/2005/8/layout/cycle5"/>
+    <dgm:cxn modelId="{A7C3B032-75B0-4088-A33B-CA529B0B9565}" srcId="{87D65C3D-C6D1-428B-B298-F41E7A7A8A09}" destId="{F02563A7-1B82-40C1-A61F-F9E390B3F19C}" srcOrd="0" destOrd="0" parTransId="{39F58D12-4167-404A-9D53-2C9F60856159}" sibTransId="{FFEB3C72-76E4-4CD6-A8A1-9DEEE529899C}"/>
     <dgm:cxn modelId="{E1026780-AC7D-42BE-9A20-F991C4F8D483}" type="presOf" srcId="{F02563A7-1B82-40C1-A61F-F9E390B3F19C}" destId="{6213C7EB-50F9-4545-B026-0417ABDCF20E}" srcOrd="0" destOrd="0" presId="urn:microsoft.com/office/officeart/2005/8/layout/cycle5"/>
-    <dgm:cxn modelId="{ED425692-CC49-4060-96DC-CD691DCFA588}" type="presOf" srcId="{3EA0E7CC-8793-460F-B872-409C4BD30959}" destId="{516AB618-53FF-4DFC-A01F-1CD14F4C63A4}" srcOrd="0" destOrd="0" presId="urn:microsoft.com/office/officeart/2005/8/layout/cycle5"/>
-    <dgm:cxn modelId="{A7C3B032-75B0-4088-A33B-CA529B0B9565}" srcId="{87D65C3D-C6D1-428B-B298-F41E7A7A8A09}" destId="{F02563A7-1B82-40C1-A61F-F9E390B3F19C}" srcOrd="0" destOrd="0" parTransId="{39F58D12-4167-404A-9D53-2C9F60856159}" sibTransId="{FFEB3C72-76E4-4CD6-A8A1-9DEEE529899C}"/>
-    <dgm:cxn modelId="{F20B92BD-9345-4B31-890B-285192467A44}" type="presOf" srcId="{38543AA3-61A8-404E-885F-153342460C01}" destId="{3498C1EE-CF45-4AF8-AD0F-87450E79C4F7}" srcOrd="0" destOrd="0" presId="urn:microsoft.com/office/officeart/2005/8/layout/cycle5"/>
     <dgm:cxn modelId="{1398DE79-CF85-4A0C-B5B7-673792DD129F}" type="presParOf" srcId="{31B201AB-D5E6-4DEA-A9C7-A9990F3B5135}" destId="{6213C7EB-50F9-4545-B026-0417ABDCF20E}" srcOrd="0" destOrd="0" presId="urn:microsoft.com/office/officeart/2005/8/layout/cycle5"/>
     <dgm:cxn modelId="{CD693AF1-2246-4E2B-AAAC-7B199AA94167}" type="presParOf" srcId="{31B201AB-D5E6-4DEA-A9C7-A9990F3B5135}" destId="{3389847B-9D34-4A46-8D54-B589AE4CA4C8}" srcOrd="1" destOrd="0" presId="urn:microsoft.com/office/officeart/2005/8/layout/cycle5"/>
     <dgm:cxn modelId="{C3ACE2F0-66EF-4699-AFB9-07DF7CFBC090}" type="presParOf" srcId="{31B201AB-D5E6-4DEA-A9C7-A9990F3B5135}" destId="{A87490F5-9BFB-40B8-86E3-E1425B3BA269}" srcOrd="2" destOrd="0" presId="urn:microsoft.com/office/officeart/2005/8/layout/cycle5"/>
@@ -2078,6 +2127,13 @@
         </dgm:presLayoutVars>
       </dgm:prSet>
       <dgm:spPr/>
+      <dgm:t>
+        <a:bodyPr/>
+        <a:lstStyle/>
+        <a:p>
+          <a:endParaRPr lang="en-GB"/>
+        </a:p>
+      </dgm:t>
     </dgm:pt>
     <dgm:pt modelId="{D1B7430D-1318-468C-8A51-D9A2248A0921}" type="pres">
       <dgm:prSet presAssocID="{70BB9191-08B4-435F-A859-F3DAC14281FB}" presName="node" presStyleLbl="node1" presStyleIdx="0" presStyleCnt="1" custScaleX="115227">
@@ -2097,8 +2153,8 @@
   </dgm:ptLst>
   <dgm:cxnLst>
     <dgm:cxn modelId="{0112A854-AEA7-4047-A5CB-C6D8CFAF3121}" srcId="{74E27C88-3AF1-4AFF-89A3-0F228B99AFDC}" destId="{70BB9191-08B4-435F-A859-F3DAC14281FB}" srcOrd="0" destOrd="0" parTransId="{6137C401-273E-48F3-B6E8-DB823E9E6BCE}" sibTransId="{9774B3D3-8242-4080-AB16-2B5745F61E70}"/>
+    <dgm:cxn modelId="{92D15380-0EE4-4F0E-A4A0-8D2D5BA43DAB}" type="presOf" srcId="{74E27C88-3AF1-4AFF-89A3-0F228B99AFDC}" destId="{459F06AB-E283-4F3B-8D44-07F804328F50}" srcOrd="0" destOrd="0" presId="urn:microsoft.com/office/officeart/2005/8/layout/cycle5"/>
     <dgm:cxn modelId="{F7408F82-070F-4228-B4E7-E0AF1CC158EC}" type="presOf" srcId="{70BB9191-08B4-435F-A859-F3DAC14281FB}" destId="{D1B7430D-1318-468C-8A51-D9A2248A0921}" srcOrd="0" destOrd="0" presId="urn:microsoft.com/office/officeart/2005/8/layout/cycle5"/>
-    <dgm:cxn modelId="{92D15380-0EE4-4F0E-A4A0-8D2D5BA43DAB}" type="presOf" srcId="{74E27C88-3AF1-4AFF-89A3-0F228B99AFDC}" destId="{459F06AB-E283-4F3B-8D44-07F804328F50}" srcOrd="0" destOrd="0" presId="urn:microsoft.com/office/officeart/2005/8/layout/cycle5"/>
     <dgm:cxn modelId="{E2A704EF-98DE-4C14-ADB8-E6011657D0FD}" type="presParOf" srcId="{459F06AB-E283-4F3B-8D44-07F804328F50}" destId="{D1B7430D-1318-468C-8A51-D9A2248A0921}" srcOrd="0" destOrd="0" presId="urn:microsoft.com/office/officeart/2005/8/layout/cycle5"/>
   </dgm:cxnLst>
   <dgm:bg/>
@@ -8228,11 +8284,7 @@
             </a:pPr>
             <a:r>
               <a:rPr lang="en-GB" sz="3200" b="1" baseline="0" dirty="0" smtClean="0"/>
-              <a:t>Develop a fast semantic decoder for dialogue </a:t>
-            </a:r>
-            <a:r>
-              <a:rPr lang="en-GB" sz="3200" b="1" baseline="0" dirty="0" smtClean="0"/>
-              <a:t>systems</a:t>
+              <a:t>Develop a fast semantic decoder for dialogue systems</a:t>
             </a:r>
           </a:p>
           <a:p>
@@ -8242,19 +8294,7 @@
             </a:pPr>
             <a:r>
               <a:rPr lang="en-GB" sz="3200" b="1" baseline="0" dirty="0" smtClean="0"/>
-              <a:t>Capability </a:t>
-            </a:r>
-            <a:r>
-              <a:rPr lang="en-GB" sz="3200" b="1" baseline="0" dirty="0" smtClean="0"/>
-              <a:t>to parse 10 – 100 ASR </a:t>
-            </a:r>
-            <a:r>
-              <a:rPr lang="en-GB" sz="3200" b="1" baseline="0" dirty="0" smtClean="0"/>
-              <a:t>hypotheses </a:t>
-            </a:r>
-            <a:r>
-              <a:rPr lang="en-GB" sz="3200" b="1" baseline="0" dirty="0" smtClean="0"/>
-              <a:t>in real time</a:t>
+              <a:t>Capability to parse 10 – 100 ASR hypotheses in real time</a:t>
             </a:r>
           </a:p>
           <a:p>
@@ -8264,15 +8304,7 @@
             </a:pPr>
             <a:r>
               <a:rPr lang="en-GB" sz="3200" b="1" baseline="0" dirty="0" smtClean="0"/>
-              <a:t>Robust </a:t>
-            </a:r>
-            <a:r>
-              <a:rPr lang="en-GB" sz="3200" b="1" baseline="0" dirty="0" smtClean="0"/>
-              <a:t>to speech recognition </a:t>
-            </a:r>
-            <a:r>
-              <a:rPr lang="en-GB" sz="3200" b="1" baseline="0" dirty="0" smtClean="0"/>
-              <a:t>noise</a:t>
+              <a:t>Robust to speech recognition noise</a:t>
             </a:r>
           </a:p>
           <a:p>
@@ -8296,19 +8328,7 @@
             </a:pPr>
             <a:r>
               <a:rPr lang="en-GB" sz="3200" b="1" baseline="0" dirty="0" smtClean="0"/>
-              <a:t>In </a:t>
-            </a:r>
-            <a:r>
-              <a:rPr lang="en-GB" sz="3200" b="1" baseline="0" dirty="0" smtClean="0"/>
-              <a:t>current dialogue </a:t>
-            </a:r>
-            <a:r>
-              <a:rPr lang="en-GB" sz="3200" b="1" baseline="0" dirty="0" smtClean="0"/>
-              <a:t>systems, most </a:t>
-            </a:r>
-            <a:r>
-              <a:rPr lang="en-GB" sz="3200" b="1" baseline="0" dirty="0" smtClean="0"/>
-              <a:t>of the mapping is fairly simple</a:t>
+              <a:t>In current dialogue systems, most of the mapping is fairly simple</a:t>
             </a:r>
             <a:r>
               <a:rPr lang="en-GB" sz="3200" baseline="0" dirty="0" smtClean="0"/>
@@ -8316,11 +8336,7 @@
             </a:r>
             <a:r>
               <a:rPr lang="en-GB" sz="3200" b="1" baseline="0" dirty="0" smtClean="0"/>
-              <a:t>(cities, times,  ... </a:t>
-            </a:r>
-            <a:r>
-              <a:rPr lang="en-GB" sz="3200" b="1" baseline="0" dirty="0" smtClean="0"/>
-              <a:t>)</a:t>
+              <a:t>(cities, times,  ... )</a:t>
             </a:r>
           </a:p>
           <a:p>
@@ -8427,11 +8443,7 @@
             <a:pPr defTabSz="2128639"/>
             <a:r>
               <a:rPr lang="en-GB" sz="3200" baseline="0" dirty="0" smtClean="0"/>
-              <a:t>find </a:t>
-            </a:r>
-            <a:r>
-              <a:rPr lang="en-GB" sz="3200" baseline="0" dirty="0" smtClean="0"/>
-              <a:t>all flights between Toronto and San Diego that arrive on Saturday</a:t>
+              <a:t>find all flights between Toronto and San Diego that arrive on Saturday</a:t>
             </a:r>
           </a:p>
           <a:p>
@@ -8445,13 +8457,8 @@
             </a:pPr>
             <a:r>
               <a:rPr lang="en-GB" sz="3200" b="1" baseline="0" dirty="0" smtClean="0"/>
-              <a:t>Parser  assigns initial semantics to input </a:t>
-            </a:r>
-            <a:r>
-              <a:rPr lang="en-GB" sz="3200" b="1" baseline="0" dirty="0" smtClean="0"/>
-              <a:t>sentence</a:t>
-            </a:r>
-            <a:endParaRPr lang="en-GB" sz="3200" b="1" baseline="0" dirty="0" smtClean="0"/>
+              <a:t>Parser  assigns initial semantics to input sentence</a:t>
+            </a:r>
           </a:p>
           <a:p>
             <a:pPr marL="742950" indent="-742950" defTabSz="2128639">
@@ -8474,13 +8481,16 @@
             </a:pPr>
             <a:r>
               <a:rPr lang="en-GB" sz="3200" b="1" baseline="0" dirty="0" smtClean="0"/>
-              <a:t>Rules are sequentially applied, whenever a trigger matches the sentence a the hypothesised </a:t>
+              <a:t>Rules are sequentially applied, whenever a trigger matches the sentence </a:t>
             </a:r>
             <a:r>
               <a:rPr lang="en-GB" sz="3200" b="1" baseline="0" dirty="0" smtClean="0"/>
-              <a:t>semantics</a:t>
-            </a:r>
-            <a:endParaRPr lang="en-GB" sz="3200" b="1" baseline="0" dirty="0" smtClean="0"/>
+              <a:t>and </a:t>
+            </a:r>
+            <a:r>
+              <a:rPr lang="en-GB" sz="3200" b="1" baseline="0" dirty="0" smtClean="0"/>
+              <a:t>the hypothesised semantics</a:t>
+            </a:r>
           </a:p>
           <a:p>
             <a:pPr defTabSz="2128639"/>
@@ -8520,14 +8530,11 @@
             <a:pPr defTabSz="2128639"/>
             <a:r>
               <a:rPr lang="en-GB" sz="3200" b="1" baseline="0" dirty="0" smtClean="0"/>
-              <a:t>Compare TBL Semantic Parser with:</a:t>
-            </a:r>
-            <a:br>
+              <a:t>Compare TBL Semantic Parser with</a:t>
+            </a:r>
+            <a:r>
               <a:rPr lang="en-GB" sz="3200" b="1" baseline="0" dirty="0" smtClean="0"/>
-            </a:br>
-            <a:r>
-              <a:rPr lang="en-GB" sz="3200" b="1" baseline="0" dirty="0" smtClean="0"/>
-              <a:t> </a:t>
+              <a:t>: </a:t>
             </a:r>
           </a:p>
           <a:p>
@@ -8547,7 +8554,11 @@
             </a:pPr>
             <a:r>
               <a:rPr lang="en-GB" sz="3000" b="1" baseline="0" dirty="0" smtClean="0"/>
-              <a:t>The Hidden Vector State model (He &amp; Young, 2006)</a:t>
+              <a:t>The </a:t>
+            </a:r>
+            <a:r>
+              <a:rPr lang="en-GB" sz="3000" b="1" baseline="0" dirty="0" smtClean="0"/>
+              <a:t>Hidden Vector State model (He &amp; Young, 2006)</a:t>
             </a:r>
           </a:p>
           <a:p>
@@ -8591,7 +8602,15 @@
             <a:pPr marL="0" lvl="1" defTabSz="2128639"/>
             <a:r>
               <a:rPr lang="en-GB" sz="3200" b="1" baseline="0" dirty="0" smtClean="0"/>
-              <a:t>Evaluation metrics is precision, recall and F-measure of  dialogue act items (e.g. </a:t>
+              <a:t>Evaluation metrics </a:t>
+            </a:r>
+            <a:r>
+              <a:rPr lang="en-GB" sz="3200" b="1" baseline="0" dirty="0" smtClean="0"/>
+              <a:t>used are precision</a:t>
+            </a:r>
+            <a:r>
+              <a:rPr lang="en-GB" sz="3200" b="1" baseline="0" dirty="0" smtClean="0"/>
+              <a:t>, recall and F-measure of  dialogue act items (e.g. </a:t>
             </a:r>
             <a:r>
               <a:rPr lang="en-GB" sz="3200" b="1" i="1" baseline="0" dirty="0" smtClean="0"/>
@@ -8692,6 +8711,10 @@
               <a:rPr lang="en-GB" sz="3200" b="1" baseline="0" dirty="0" smtClean="0"/>
               <a:t>Conclusion: TBL Semantic Parser is robust to noise and competitive with the state of the art.</a:t>
             </a:r>
+          </a:p>
+          <a:p>
+            <a:pPr defTabSz="2128639"/>
+            <a:endParaRPr lang="en-GB" sz="3200" b="1" baseline="0" dirty="0" smtClean="0"/>
           </a:p>
           <a:p>
             <a:pPr defTabSz="2128639"/>
@@ -9118,19 +9141,7 @@
             </a:pPr>
             <a:r>
               <a:rPr lang="en-GB" sz="3200" b="1" baseline="0" dirty="0" smtClean="0"/>
-              <a:t>Rules </a:t>
-            </a:r>
-            <a:r>
-              <a:rPr lang="en-GB" sz="3200" b="1" baseline="0" dirty="0" smtClean="0"/>
-              <a:t>can </a:t>
-            </a:r>
-            <a:r>
-              <a:rPr lang="en-GB" sz="3200" b="1" baseline="0" dirty="0" smtClean="0"/>
-              <a:t>correct </a:t>
-            </a:r>
-            <a:r>
-              <a:rPr lang="en-GB" sz="3200" b="1" baseline="0" dirty="0" smtClean="0"/>
-              <a:t>previous errors</a:t>
+              <a:t>Rules can correct previous errors</a:t>
             </a:r>
           </a:p>
           <a:p>
@@ -9287,7 +9298,15 @@
             </a:pPr>
             <a:r>
               <a:rPr lang="en-GB" sz="3200" b="1" baseline="0" dirty="0" smtClean="0"/>
-              <a:t>On average 1 million of rules is tested in each iteration</a:t>
+              <a:t>On average 1 million </a:t>
+            </a:r>
+            <a:r>
+              <a:rPr lang="en-GB" sz="3200" b="1" baseline="0" dirty="0" smtClean="0"/>
+              <a:t>rules </a:t>
+            </a:r>
+            <a:r>
+              <a:rPr lang="en-GB" sz="3200" b="1" baseline="0" dirty="0" smtClean="0"/>
+              <a:t>is tested in each iteration</a:t>
             </a:r>
           </a:p>
           <a:p>
@@ -9297,21 +9316,8 @@
             </a:pPr>
             <a:r>
               <a:rPr lang="en-GB" sz="3200" b="1" baseline="0" dirty="0" smtClean="0"/>
-              <a:t>Training takes about </a:t>
-            </a:r>
-            <a:r>
-              <a:rPr lang="en-GB" sz="3200" b="1" baseline="0" dirty="0" smtClean="0"/>
-              <a:t>24 hours on </a:t>
-            </a:r>
-            <a:r>
-              <a:rPr lang="en-GB" sz="3200" b="1" baseline="0" dirty="0" smtClean="0"/>
-              <a:t>an </a:t>
-            </a:r>
-            <a:r>
-              <a:rPr lang="en-GB" sz="3200" b="1" baseline="0" dirty="0" smtClean="0"/>
-              <a:t>Intel Pentium 2.8 GHz</a:t>
-            </a:r>
-            <a:endParaRPr lang="en-GB" sz="3200" b="1" baseline="0" dirty="0" smtClean="0"/>
+              <a:t>Training takes about 24 hours on an Intel Pentium 2.8 GHz</a:t>
+            </a:r>
           </a:p>
           <a:p>
             <a:pPr defTabSz="2128639"/>
@@ -9336,15 +9342,7 @@
             </a:pPr>
             <a:r>
               <a:rPr lang="en-GB" sz="3200" b="1" baseline="0" dirty="0" smtClean="0"/>
-              <a:t>Inferred </a:t>
-            </a:r>
-            <a:r>
-              <a:rPr lang="en-GB" sz="3200" b="1" baseline="0" dirty="0" smtClean="0"/>
-              <a:t>list of rules is very small for domains such as ATIS or </a:t>
-            </a:r>
-            <a:r>
-              <a:rPr lang="en-GB" sz="3200" b="1" baseline="0" dirty="0" smtClean="0"/>
-              <a:t>TownInfo</a:t>
+              <a:t>Inferred list of rules is very small for domains such as ATIS or TownInfo</a:t>
             </a:r>
           </a:p>
           <a:p>
@@ -9382,17 +9380,8 @@
             </a:pPr>
             <a:r>
               <a:rPr lang="en-GB" sz="3200" b="1" baseline="0" dirty="0" smtClean="0"/>
-              <a:t>Average </a:t>
-            </a:r>
-            <a:r>
-              <a:rPr lang="en-GB" sz="3200" b="1" baseline="0" dirty="0" smtClean="0"/>
-              <a:t>number of semantic concepts  in a sentence is </a:t>
-            </a:r>
-            <a:r>
-              <a:rPr lang="en-GB" sz="3200" b="1" baseline="0" dirty="0" smtClean="0"/>
-              <a:t>5</a:t>
-            </a:r>
-            <a:endParaRPr lang="en-GB" sz="3200" b="1" baseline="0" dirty="0" smtClean="0"/>
+              <a:t>Average number of semantic concepts  in a sentence is 5</a:t>
+            </a:r>
           </a:p>
           <a:p>
             <a:pPr marL="522000" indent="-457200" defTabSz="2128639">
@@ -9401,17 +9390,8 @@
             </a:pPr>
             <a:r>
               <a:rPr lang="en-GB" sz="3200" b="1" baseline="0" dirty="0" smtClean="0"/>
-              <a:t>Python </a:t>
-            </a:r>
-            <a:r>
-              <a:rPr lang="en-GB" sz="3200" b="1" baseline="0" dirty="0" smtClean="0"/>
-              <a:t>implementation of the parser needs 6ms per </a:t>
-            </a:r>
-            <a:r>
-              <a:rPr lang="en-GB" sz="3200" b="1" baseline="0" dirty="0" smtClean="0"/>
-              <a:t>sentence</a:t>
-            </a:r>
-            <a:endParaRPr lang="en-GB" sz="3200" b="1" baseline="0" dirty="0" smtClean="0"/>
+              <a:t>Python implementation of the parser needs 6ms per sentence</a:t>
+            </a:r>
           </a:p>
         </p:txBody>
       </p:sp>
@@ -9605,7 +9585,7 @@
           <p:nvPr/>
         </p:nvGraphicFramePr>
         <p:xfrm>
-          <a:off x="30919073" y="13294308"/>
+          <a:off x="30919073" y="12857925"/>
           <a:ext cx="10077589" cy="9254174"/>
         </p:xfrm>
         <a:graphic>
@@ -10812,23 +10792,7 @@
           <a:p>
             <a:r>
               <a:rPr lang="en-GB" sz="3200" u="sng" baseline="0" dirty="0" smtClean="0"/>
-              <a:t>what are the lowest </a:t>
-            </a:r>
-            <a:r>
-              <a:rPr lang="en-GB" sz="3200" u="sng" baseline="0" dirty="0" smtClean="0"/>
-              <a:t>airfares from </a:t>
-            </a:r>
-            <a:r>
-              <a:rPr lang="en-GB" sz="3200" u="sng" baseline="0" dirty="0" smtClean="0"/>
-              <a:t>Washington </a:t>
-            </a:r>
-            <a:r>
-              <a:rPr lang="en-GB" sz="3200" u="sng" baseline="0" dirty="0" smtClean="0"/>
-              <a:t>to </a:t>
-            </a:r>
-            <a:r>
-              <a:rPr lang="en-GB" sz="3200" u="sng" baseline="0" dirty="0" smtClean="0"/>
-              <a:t>Boston</a:t>
+              <a:t>what are the lowest airfares from Washington to Boston</a:t>
             </a:r>
           </a:p>
           <a:p>
@@ -10852,11 +10816,7 @@
           <a:p>
             <a:r>
               <a:rPr lang="en-GB" sz="3200" baseline="0" dirty="0" smtClean="0"/>
-              <a:t>to.city</a:t>
-            </a:r>
-            <a:r>
-              <a:rPr lang="en-GB" sz="3200" baseline="0" dirty="0" smtClean="0"/>
-              <a:t>		= 	Boston</a:t>
+              <a:t>to.city		= 	Boston</a:t>
             </a:r>
           </a:p>
         </p:txBody>
@@ -10871,7 +10831,7 @@
         </p:nvSpPr>
         <p:spPr bwMode="auto">
           <a:xfrm>
-            <a:off x="33017224" y="23628751"/>
+            <a:off x="33017224" y="23483208"/>
             <a:ext cx="5784198" cy="1059386"/>
           </a:xfrm>
           <a:prstGeom prst="rect">
@@ -10985,11 +10945,7 @@
           <a:p>
             <a:r>
               <a:rPr lang="en-GB" sz="3200" u="sng" baseline="0" dirty="0" smtClean="0"/>
-              <a:t>Triggers</a:t>
-            </a:r>
-            <a:r>
-              <a:rPr lang="en-GB" sz="3200" u="sng" baseline="0" dirty="0" smtClean="0"/>
-              <a:t>			Transformations				 		  </a:t>
+              <a:t>Triggers			Transformations				 		  </a:t>
             </a:r>
           </a:p>
           <a:p>
@@ -11000,21 +10956,8 @@
             </a:pPr>
             <a:r>
               <a:rPr lang="en-GB" sz="3200" baseline="0" dirty="0" smtClean="0"/>
-              <a:t>“</a:t>
-            </a:r>
-            <a:r>
-              <a:rPr lang="en-GB" sz="3200" baseline="0" dirty="0" smtClean="0"/>
-              <a:t>Seattle"</a:t>
-            </a:r>
-            <a:r>
-              <a:rPr lang="en-GB" sz="3200" baseline="0" dirty="0" smtClean="0"/>
-              <a:t>			add the slot </a:t>
-            </a:r>
-            <a:r>
-              <a:rPr lang="en-GB" sz="3200" baseline="0" dirty="0" smtClean="0"/>
-              <a:t>"to.city=Seattle"</a:t>
-            </a:r>
-            <a:endParaRPr lang="en-GB" sz="3200" baseline="0" dirty="0" smtClean="0"/>
+              <a:t>“Seattle"			add the slot "to.city=Seattle"</a:t>
+            </a:r>
           </a:p>
           <a:p>
             <a:pPr>
@@ -11024,23 +10967,7 @@
             </a:pPr>
             <a:r>
               <a:rPr lang="en-GB" sz="3200" baseline="0" dirty="0" smtClean="0"/>
-              <a:t>“connecting"</a:t>
-            </a:r>
-            <a:r>
-              <a:rPr lang="en-GB" sz="3200" baseline="0" dirty="0" smtClean="0"/>
-              <a:t>		replace the slot </a:t>
-            </a:r>
-            <a:r>
-              <a:rPr lang="en-GB" sz="3200" baseline="0" dirty="0" smtClean="0"/>
-              <a:t>“to.city=*" </a:t>
-            </a:r>
-            <a:r>
-              <a:rPr lang="en-GB" sz="3200" baseline="0" dirty="0" smtClean="0"/>
-              <a:t>by </a:t>
-            </a:r>
-            <a:r>
-              <a:rPr lang="en-GB" sz="3200" baseline="0" dirty="0" smtClean="0"/>
-              <a:t>“stop.city=*“</a:t>
+              <a:t>“connecting"		replace the slot “to.city=*" by “stop.city=*“</a:t>
             </a:r>
           </a:p>
           <a:p>
@@ -11051,21 +10978,8 @@
             </a:pPr>
             <a:r>
               <a:rPr lang="en-GB" sz="3200" baseline="0" dirty="0" smtClean="0"/>
-              <a:t>“from * Francisco”	delete </a:t>
-            </a:r>
-            <a:r>
-              <a:rPr lang="en-GB" sz="3200" baseline="0" dirty="0" smtClean="0"/>
-              <a:t>the slot “</a:t>
-            </a:r>
-            <a:r>
-              <a:rPr lang="en-GB" sz="3200" baseline="0" dirty="0" smtClean="0"/>
-              <a:t>toloc.city=San Francisco</a:t>
-            </a:r>
-            <a:r>
-              <a:rPr lang="en-GB" sz="3200" baseline="0" dirty="0" smtClean="0"/>
-              <a:t>"</a:t>
-            </a:r>
-            <a:endParaRPr lang="en-GB" sz="3200" baseline="0" dirty="0" smtClean="0"/>
+              <a:t>“from * Francisco”	delete the slot “toloc.city=San Francisco"</a:t>
+            </a:r>
           </a:p>
         </p:txBody>
       </p:sp>
@@ -11207,23 +11121,7 @@
           <a:p>
             <a:r>
               <a:rPr lang="en-GB" sz="3200" u="sng" baseline="0" dirty="0" smtClean="0"/>
-              <a:t>#	</a:t>
-            </a:r>
-            <a:r>
-              <a:rPr lang="en-GB" sz="3200" u="sng" baseline="0" dirty="0" smtClean="0"/>
-              <a:t>Trigger</a:t>
-            </a:r>
-            <a:r>
-              <a:rPr lang="en-GB" sz="3200" u="sng" baseline="0" dirty="0" smtClean="0"/>
-              <a:t>			</a:t>
-            </a:r>
-            <a:r>
-              <a:rPr lang="en-GB" sz="3200" u="sng" baseline="0" dirty="0" smtClean="0"/>
-              <a:t>Transformation</a:t>
-            </a:r>
-            <a:r>
-              <a:rPr lang="en-GB" sz="3200" u="sng" baseline="0" dirty="0" smtClean="0"/>
-              <a:t>						</a:t>
+              <a:t>#	Trigger			Transformation						</a:t>
             </a:r>
           </a:p>
           <a:p>
@@ -11232,17 +11130,8 @@
             </a:pPr>
             <a:r>
               <a:rPr lang="en-GB" sz="3200" baseline="0" dirty="0" smtClean="0"/>
-              <a:t>“between Toronto"</a:t>
-            </a:r>
-            <a:r>
-              <a:rPr lang="en-GB" sz="3200" baseline="0" dirty="0" smtClean="0"/>
-              <a:t>	add the slot </a:t>
-            </a:r>
-            <a:r>
-              <a:rPr lang="en-GB" sz="3200" baseline="0" dirty="0" smtClean="0"/>
-              <a:t>“from.city=Toronto“</a:t>
-            </a:r>
-            <a:endParaRPr lang="en-GB" sz="3200" baseline="0" dirty="0" smtClean="0"/>
+              <a:t>“between Toronto"	add the slot “from.city=Toronto“</a:t>
+            </a:r>
           </a:p>
           <a:p>
             <a:pPr marL="514350" indent="-514350">
@@ -11250,33 +11139,8 @@
             </a:pPr>
             <a:r>
               <a:rPr lang="en-GB" sz="3200" baseline="0" dirty="0" smtClean="0"/>
-              <a:t>“</a:t>
-            </a:r>
-            <a:r>
-              <a:rPr lang="en-GB" sz="3200" baseline="0" dirty="0" smtClean="0"/>
-              <a:t>and </a:t>
-            </a:r>
-            <a:r>
-              <a:rPr lang="en-GB" sz="3200" baseline="0" dirty="0" smtClean="0"/>
-              <a:t>San </a:t>
-            </a:r>
-            <a:r>
-              <a:rPr lang="en-GB" sz="3200" baseline="0" dirty="0" smtClean="0"/>
-              <a:t>Diego"</a:t>
-            </a:r>
-            <a:r>
-              <a:rPr lang="en-GB" sz="3200" baseline="0" dirty="0" smtClean="0"/>
-              <a:t>		add the slot </a:t>
-            </a:r>
-            <a:r>
-              <a:rPr lang="en-GB" sz="3200" baseline="0" dirty="0" smtClean="0"/>
-              <a:t>“</a:t>
-            </a:r>
-            <a:r>
-              <a:rPr lang="en-GB" sz="3200" baseline="0" dirty="0" smtClean="0"/>
-              <a:t>to.city=Sand Diego“</a:t>
-            </a:r>
-            <a:endParaRPr lang="en-GB" sz="3200" baseline="0" dirty="0" smtClean="0"/>
+              <a:t>“and San Diego"		add the slot “to.city=Sand Diego“</a:t>
+            </a:r>
           </a:p>
           <a:p>
             <a:pPr marL="514350" indent="-514350">
@@ -11284,21 +11148,8 @@
             </a:pPr>
             <a:r>
               <a:rPr lang="en-GB" sz="3200" baseline="0" dirty="0" smtClean="0"/>
-              <a:t>“</a:t>
-            </a:r>
-            <a:r>
-              <a:rPr lang="en-GB" sz="3200" baseline="0" dirty="0" smtClean="0"/>
-              <a:t>Saturday"</a:t>
-            </a:r>
-            <a:r>
-              <a:rPr lang="en-GB" sz="3200" baseline="0" dirty="0" smtClean="0"/>
-              <a:t>			add the slot </a:t>
-            </a:r>
-            <a:r>
-              <a:rPr lang="en-GB" sz="3200" baseline="0" dirty="0" smtClean="0"/>
-              <a:t>“departure.day=Saturday"</a:t>
-            </a:r>
-            <a:endParaRPr lang="en-GB" sz="3200" baseline="0" dirty="0" smtClean="0"/>
+              <a:t>“Saturday"			add the slot “departure.day=Saturday"</a:t>
+            </a:r>
           </a:p>
         </p:txBody>
       </p:sp>
@@ -11326,23 +11177,7 @@
           <a:p>
             <a:r>
               <a:rPr lang="en-GB" sz="3200" u="sng" baseline="0" dirty="0" smtClean="0"/>
-              <a:t>#	</a:t>
-            </a:r>
-            <a:r>
-              <a:rPr lang="en-GB" sz="3200" u="sng" baseline="0" dirty="0" smtClean="0"/>
-              <a:t>Trigger</a:t>
-            </a:r>
-            <a:r>
-              <a:rPr lang="en-GB" sz="3200" u="sng" baseline="0" dirty="0" smtClean="0"/>
-              <a:t>			</a:t>
-            </a:r>
-            <a:r>
-              <a:rPr lang="en-GB" sz="3200" u="sng" baseline="0" dirty="0" smtClean="0"/>
-              <a:t>Transformation</a:t>
-            </a:r>
-            <a:r>
-              <a:rPr lang="en-GB" sz="3200" u="sng" baseline="0" dirty="0" smtClean="0"/>
-              <a:t>						</a:t>
+              <a:t>#	Trigger			Transformation						</a:t>
             </a:r>
           </a:p>
           <a:p>
@@ -11352,36 +11187,15 @@
             </a:pPr>
             <a:r>
               <a:rPr lang="en-GB" sz="3200" baseline="0" dirty="0" smtClean="0"/>
-              <a:t>“</a:t>
-            </a:r>
+              <a:t>“arrive"				replace the slot “departure.day=*" by</a:t>
+            </a:r>
+          </a:p>
+          <a:p>
+            <a:pPr marL="514350" indent="-514350"/>
             <a:r>
               <a:rPr lang="en-GB" sz="3200" baseline="0" dirty="0" smtClean="0"/>
-              <a:t>arrive"</a:t>
-            </a:r>
-            <a:r>
-              <a:rPr lang="en-GB" sz="3200" baseline="0" dirty="0" smtClean="0"/>
-              <a:t>				replace the slot </a:t>
-            </a:r>
-            <a:r>
-              <a:rPr lang="en-GB" sz="3200" baseline="0" dirty="0" smtClean="0"/>
-              <a:t>“departure.day=*" </a:t>
-            </a:r>
-            <a:r>
-              <a:rPr lang="en-GB" sz="3200" baseline="0" dirty="0" smtClean="0"/>
-              <a:t>by</a:t>
-            </a:r>
-          </a:p>
-          <a:p>
-            <a:pPr marL="514350" indent="-514350"/>
-            <a:r>
-              <a:rPr lang="en-GB" sz="3200" baseline="0" dirty="0" smtClean="0"/>
-              <a:t>						</a:t>
-            </a:r>
-            <a:r>
-              <a:rPr lang="en-GB" sz="3200" baseline="0" dirty="0" smtClean="0"/>
-              <a:t>“arrival.day=*"</a:t>
-            </a:r>
-            <a:endParaRPr lang="en-GB" sz="3200" baseline="0" dirty="0" smtClean="0"/>
+              <a:t>						“arrival.day=*"</a:t>
+            </a:r>
           </a:p>
         </p:txBody>
       </p:sp>
@@ -11527,43 +11341,19 @@
           <a:p>
             <a:r>
               <a:rPr lang="en-GB" sz="3200" u="sng" baseline="0" dirty="0" smtClean="0"/>
-              <a:t>Dataset	   # of inferred rules	</a:t>
-            </a:r>
-            <a:r>
-              <a:rPr lang="en-GB" sz="3200" u="sng" baseline="0" dirty="0" smtClean="0"/>
-              <a:t>	concepts</a:t>
-            </a:r>
-            <a:r>
-              <a:rPr lang="en-GB" sz="3200" u="sng" baseline="0" dirty="0" smtClean="0"/>
-              <a:t>		# of rules/concepts</a:t>
+              <a:t>Dataset	   # of inferred rules		concepts		# of rules/concepts</a:t>
             </a:r>
           </a:p>
           <a:p>
             <a:r>
               <a:rPr lang="en-GB" sz="3200" baseline="0" dirty="0" smtClean="0"/>
-              <a:t>ATIS		   372			</a:t>
-            </a:r>
+              <a:t>ATIS		   372				83			4.5</a:t>
+            </a:r>
+          </a:p>
+          <a:p>
             <a:r>
               <a:rPr lang="en-GB" sz="3200" baseline="0" dirty="0" smtClean="0"/>
-              <a:t>	83</a:t>
-            </a:r>
-            <a:r>
-              <a:rPr lang="en-GB" sz="3200" baseline="0" dirty="0" smtClean="0"/>
-              <a:t>			4.5</a:t>
-            </a:r>
-          </a:p>
-          <a:p>
-            <a:r>
-              <a:rPr lang="en-GB" sz="3200" baseline="0" dirty="0" smtClean="0"/>
-              <a:t>TownInfo	   195			</a:t>
-            </a:r>
-            <a:r>
-              <a:rPr lang="en-GB" sz="3200" baseline="0" dirty="0" smtClean="0"/>
-              <a:t>	28</a:t>
-            </a:r>
-            <a:r>
-              <a:rPr lang="en-GB" sz="3200" baseline="0" dirty="0" smtClean="0"/>
-              <a:t>			6.9</a:t>
+              <a:t>TownInfo	   195				28			6.9</a:t>
             </a:r>
           </a:p>
         </p:txBody>
